--- a/Helldive Waffenauswahl Hilfssystem.pptx
+++ b/Helldive Waffenauswahl Hilfssystem.pptx
@@ -3,20 +3,21 @@
 <p:presentation xmlns:a="http://schemas.openxmlformats.org/drawingml/2006/main" xmlns:r="http://schemas.openxmlformats.org/officeDocument/2006/relationships" xmlns:p="http://schemas.openxmlformats.org/presentationml/2006/main">
   <p:sldMasterIdLst>
     <p:sldMasterId id="2147483648" r:id="rId1"/>
+    <p:sldMasterId id="2147483660" r:id="rId3"/>
   </p:sldMasterIdLst>
   <p:sldIdLst>
-    <p:sldId id="257" r:id="rId3"/>
-    <p:sldId id="256" r:id="rId4"/>
-    <p:sldId id="259" r:id="rId5"/>
-    <p:sldId id="261" r:id="rId6"/>
-    <p:sldId id="262" r:id="rId7"/>
-    <p:sldId id="260" r:id="rId8"/>
-    <p:sldId id="258" r:id="rId9"/>
+    <p:sldId id="266" r:id="rId4"/>
+    <p:sldId id="267" r:id="rId5"/>
+    <p:sldId id="268" r:id="rId6"/>
+    <p:sldId id="269" r:id="rId7"/>
+    <p:sldId id="271" r:id="rId8"/>
+    <p:sldId id="270" r:id="rId9"/>
+    <p:sldId id="264" r:id="rId10"/>
   </p:sldIdLst>
   <p:sldSz cx="12192000" cy="6858000"/>
   <p:notesSz cx="6858000" cy="9144000"/>
   <p:custDataLst>
-    <p:tags r:id="rId13"/>
+    <p:tags r:id="rId14"/>
   </p:custDataLst>
   <p:defaultTextStyle>
     <a:defPPr>
@@ -121,7 +122,7 @@
             <a:srgbClr val="A4A3A4"/>
           </p15:clr>
         </p15:guide>
-        <p15:guide id="2" pos="3838" userDrawn="1">
+        <p15:guide id="2" pos="3840" userDrawn="1">
           <p15:clr>
             <a:srgbClr val="A4A3A4"/>
           </p15:clr>
@@ -677,6 +678,5364 @@
 </p:sldLayout>
 </file>
 
+<file path=ppt/slideLayouts/slideLayout12.xml><?xml version="1.0" encoding="utf-8"?>
+<p:sldLayout xmlns:a="http://schemas.openxmlformats.org/drawingml/2006/main" xmlns:r="http://schemas.openxmlformats.org/officeDocument/2006/relationships" xmlns:p="http://schemas.openxmlformats.org/presentationml/2006/main" preserve="1" showMasterSp="0" userDrawn="1">
+  <p:cSld name="标题幻灯片">
+    <p:spTree>
+      <p:nvGrpSpPr>
+        <p:cNvPr id="1" name=""/>
+        <p:cNvGrpSpPr/>
+        <p:nvPr/>
+      </p:nvGrpSpPr>
+      <p:grpSpPr>
+        <a:xfrm>
+          <a:off x="0" y="0"/>
+          <a:ext cx="0" cy="0"/>
+          <a:chOff x="0" y="0"/>
+          <a:chExt cx="0" cy="0"/>
+        </a:xfrm>
+      </p:grpSpPr>
+      <p:sp>
+        <p:nvSpPr>
+          <p:cNvPr id="40" name="矩形: 圆角 39"/>
+          <p:cNvSpPr/>
+          <p:nvPr userDrawn="1">
+            <p:custDataLst>
+              <p:tags r:id="rId2"/>
+            </p:custDataLst>
+          </p:nvPr>
+        </p:nvSpPr>
+        <p:spPr>
+          <a:xfrm>
+            <a:off x="0" y="0"/>
+            <a:ext cx="12192000" cy="6858000"/>
+          </a:xfrm>
+          <a:prstGeom prst="roundRect">
+            <a:avLst>
+              <a:gd name="adj" fmla="val 0"/>
+            </a:avLst>
+          </a:prstGeom>
+          <a:solidFill>
+            <a:srgbClr val="000000"/>
+          </a:solidFill>
+          <a:ln w="12700" cap="flat" cmpd="sng" algn="ctr">
+            <a:noFill/>
+            <a:prstDash val="solid"/>
+            <a:miter lim="800000"/>
+          </a:ln>
+          <a:effectLst/>
+        </p:spPr>
+        <p:style>
+          <a:lnRef idx="2">
+            <a:schemeClr val="accent1">
+              <a:shade val="50000"/>
+            </a:schemeClr>
+          </a:lnRef>
+          <a:fillRef idx="1">
+            <a:schemeClr val="accent1"/>
+          </a:fillRef>
+          <a:effectRef idx="0">
+            <a:schemeClr val="accent1"/>
+          </a:effectRef>
+          <a:fontRef idx="minor">
+            <a:schemeClr val="lt1"/>
+          </a:fontRef>
+        </p:style>
+        <p:txBody>
+          <a:bodyPr rtlCol="0" anchor="ctr"/>
+          <a:lstStyle/>
+          <a:p>
+            <a:pPr algn="ctr"/>
+            <a:endParaRPr lang="zh-CN" altLang="en-US">
+              <a:cs typeface="MiSans Light" panose="00000400000000000000" pitchFamily="2" charset="-122"/>
+            </a:endParaRPr>
+          </a:p>
+        </p:txBody>
+      </p:sp>
+      <p:pic>
+        <p:nvPicPr>
+          <p:cNvPr id="7" name="图片 6" descr="黑暗中的蓝色星球&#10;&#10;描述已自动生成"/>
+          <p:cNvPicPr>
+            <a:picLocks noChangeAspect="1"/>
+          </p:cNvPicPr>
+          <p:nvPr userDrawn="1">
+            <p:custDataLst>
+              <p:tags r:id="rId3"/>
+            </p:custDataLst>
+          </p:nvPr>
+        </p:nvPicPr>
+        <p:blipFill rotWithShape="1">
+          <a:blip r:embed="rId4" cstate="email"/>
+          <a:srcRect b="-63"/>
+          <a:stretch>
+            <a:fillRect/>
+          </a:stretch>
+        </p:blipFill>
+        <p:spPr>
+          <a:xfrm>
+            <a:off x="0" y="0"/>
+            <a:ext cx="12192000" cy="6507161"/>
+          </a:xfrm>
+          <a:custGeom>
+            <a:avLst/>
+            <a:gdLst>
+              <a:gd name="connsiteX0" fmla="*/ 0 w 12103100"/>
+              <a:gd name="connsiteY0" fmla="*/ 0 h 5559550"/>
+              <a:gd name="connsiteX1" fmla="*/ 12103100 w 12103100"/>
+              <a:gd name="connsiteY1" fmla="*/ 0 h 5559550"/>
+              <a:gd name="connsiteX2" fmla="*/ 12103100 w 12103100"/>
+              <a:gd name="connsiteY2" fmla="*/ 5559550 h 5559550"/>
+              <a:gd name="connsiteX3" fmla="*/ 0 w 12103100"/>
+              <a:gd name="connsiteY3" fmla="*/ 5559550 h 5559550"/>
+            </a:gdLst>
+            <a:ahLst/>
+            <a:cxnLst>
+              <a:cxn ang="0">
+                <a:pos x="connsiteX0" y="connsiteY0"/>
+              </a:cxn>
+              <a:cxn ang="0">
+                <a:pos x="connsiteX1" y="connsiteY1"/>
+              </a:cxn>
+              <a:cxn ang="0">
+                <a:pos x="connsiteX2" y="connsiteY2"/>
+              </a:cxn>
+              <a:cxn ang="0">
+                <a:pos x="connsiteX3" y="connsiteY3"/>
+              </a:cxn>
+            </a:cxnLst>
+            <a:rect l="l" t="t" r="r" b="b"/>
+            <a:pathLst>
+              <a:path w="12103100" h="5559550">
+                <a:moveTo>
+                  <a:pt x="0" y="0"/>
+                </a:moveTo>
+                <a:lnTo>
+                  <a:pt x="12103100" y="0"/>
+                </a:lnTo>
+                <a:lnTo>
+                  <a:pt x="12103100" y="5559550"/>
+                </a:lnTo>
+                <a:lnTo>
+                  <a:pt x="0" y="5559550"/>
+                </a:lnTo>
+                <a:close/>
+              </a:path>
+            </a:pathLst>
+          </a:custGeom>
+        </p:spPr>
+      </p:pic>
+      <p:pic>
+        <p:nvPicPr>
+          <p:cNvPr id="3" name="图片 2" descr="黑暗中的蓝色星球&#10;&#10;描述已自动生成"/>
+          <p:cNvPicPr>
+            <a:picLocks noChangeAspect="1"/>
+          </p:cNvPicPr>
+          <p:nvPr userDrawn="1">
+            <p:custDataLst>
+              <p:tags r:id="rId5"/>
+            </p:custDataLst>
+          </p:nvPr>
+        </p:nvPicPr>
+        <p:blipFill rotWithShape="1">
+          <a:blip r:embed="rId4" cstate="email">
+            <a:alphaModFix amt="30000"/>
+            <a:duotone>
+              <a:prstClr val="black"/>
+              <a:schemeClr val="accent1">
+                <a:tint val="45000"/>
+                <a:satMod val="400000"/>
+              </a:schemeClr>
+            </a:duotone>
+          </a:blip>
+          <a:srcRect b="-63"/>
+          <a:stretch>
+            <a:fillRect/>
+          </a:stretch>
+        </p:blipFill>
+        <p:spPr>
+          <a:xfrm>
+            <a:off x="0" y="0"/>
+            <a:ext cx="12192000" cy="6507161"/>
+          </a:xfrm>
+          <a:custGeom>
+            <a:avLst/>
+            <a:gdLst>
+              <a:gd name="connsiteX0" fmla="*/ 0 w 12103100"/>
+              <a:gd name="connsiteY0" fmla="*/ 0 h 5559550"/>
+              <a:gd name="connsiteX1" fmla="*/ 12103100 w 12103100"/>
+              <a:gd name="connsiteY1" fmla="*/ 0 h 5559550"/>
+              <a:gd name="connsiteX2" fmla="*/ 12103100 w 12103100"/>
+              <a:gd name="connsiteY2" fmla="*/ 5559550 h 5559550"/>
+              <a:gd name="connsiteX3" fmla="*/ 0 w 12103100"/>
+              <a:gd name="connsiteY3" fmla="*/ 5559550 h 5559550"/>
+            </a:gdLst>
+            <a:ahLst/>
+            <a:cxnLst>
+              <a:cxn ang="0">
+                <a:pos x="connsiteX0" y="connsiteY0"/>
+              </a:cxn>
+              <a:cxn ang="0">
+                <a:pos x="connsiteX1" y="connsiteY1"/>
+              </a:cxn>
+              <a:cxn ang="0">
+                <a:pos x="connsiteX2" y="connsiteY2"/>
+              </a:cxn>
+              <a:cxn ang="0">
+                <a:pos x="connsiteX3" y="connsiteY3"/>
+              </a:cxn>
+            </a:cxnLst>
+            <a:rect l="l" t="t" r="r" b="b"/>
+            <a:pathLst>
+              <a:path w="12103100" h="5559550">
+                <a:moveTo>
+                  <a:pt x="0" y="0"/>
+                </a:moveTo>
+                <a:lnTo>
+                  <a:pt x="12103100" y="0"/>
+                </a:lnTo>
+                <a:lnTo>
+                  <a:pt x="12103100" y="5559550"/>
+                </a:lnTo>
+                <a:lnTo>
+                  <a:pt x="0" y="5559550"/>
+                </a:lnTo>
+                <a:close/>
+              </a:path>
+            </a:pathLst>
+          </a:custGeom>
+        </p:spPr>
+      </p:pic>
+      <p:sp>
+        <p:nvSpPr>
+          <p:cNvPr id="2" name="标题 1"/>
+          <p:cNvSpPr>
+            <a:spLocks noGrp="1"/>
+          </p:cNvSpPr>
+          <p:nvPr userDrawn="1">
+            <p:ph type="ctrTitle"/>
+            <p:custDataLst>
+              <p:tags r:id="rId6"/>
+            </p:custDataLst>
+          </p:nvPr>
+        </p:nvSpPr>
+        <p:spPr>
+          <a:xfrm>
+            <a:off x="1398270" y="1473200"/>
+            <a:ext cx="9395460" cy="2696845"/>
+          </a:xfrm>
+        </p:spPr>
+        <p:txBody>
+          <a:bodyPr wrap="square" anchor="b" anchorCtr="0">
+            <a:normAutofit/>
+          </a:bodyPr>
+          <a:lstStyle>
+            <a:lvl1pPr algn="ctr">
+              <a:lnSpc>
+                <a:spcPct val="100000"/>
+              </a:lnSpc>
+              <a:defRPr sz="6000">
+                <a:gradFill>
+                  <a:gsLst>
+                    <a:gs pos="0">
+                      <a:srgbClr val="FFFFFF"/>
+                    </a:gs>
+                    <a:gs pos="100000">
+                      <a:schemeClr val="accent1"/>
+                    </a:gs>
+                  </a:gsLst>
+                  <a:lin ang="5400000" scaled="1"/>
+                </a:gradFill>
+              </a:defRPr>
+            </a:lvl1pPr>
+          </a:lstStyle>
+          <a:p>
+            <a:r>
+              <a:rPr lang="zh-CN" altLang="en-US" dirty="0"/>
+              <a:t>单击此处编辑母版标题样式</a:t>
+            </a:r>
+            <a:endParaRPr lang="zh-CN" altLang="en-US" dirty="0"/>
+          </a:p>
+        </p:txBody>
+      </p:sp>
+      <p:sp>
+        <p:nvSpPr>
+          <p:cNvPr id="4" name="日期占位符 3"/>
+          <p:cNvSpPr>
+            <a:spLocks noGrp="1"/>
+          </p:cNvSpPr>
+          <p:nvPr userDrawn="1">
+            <p:ph type="dt" sz="half" idx="10"/>
+            <p:custDataLst>
+              <p:tags r:id="rId7"/>
+            </p:custDataLst>
+          </p:nvPr>
+        </p:nvSpPr>
+        <p:spPr/>
+        <p:txBody>
+          <a:bodyPr wrap="square">
+            <a:normAutofit/>
+          </a:bodyPr>
+          <a:lstStyle/>
+          <a:p>
+            <a:fld id="{5592522B-0F24-4480-B9DD-A9474A6880D6}" type="datetimeFigureOut">
+              <a:rPr lang="zh-CN" altLang="en-US" smtClean="0"/>
+            </a:fld>
+            <a:endParaRPr lang="zh-CN" altLang="en-US"/>
+          </a:p>
+        </p:txBody>
+      </p:sp>
+      <p:sp>
+        <p:nvSpPr>
+          <p:cNvPr id="5" name="页脚占位符 4"/>
+          <p:cNvSpPr>
+            <a:spLocks noGrp="1"/>
+          </p:cNvSpPr>
+          <p:nvPr userDrawn="1">
+            <p:ph type="ftr" sz="quarter" idx="11"/>
+            <p:custDataLst>
+              <p:tags r:id="rId8"/>
+            </p:custDataLst>
+          </p:nvPr>
+        </p:nvSpPr>
+        <p:spPr/>
+        <p:txBody>
+          <a:bodyPr>
+            <a:normAutofit/>
+          </a:bodyPr>
+          <a:lstStyle/>
+          <a:p>
+            <a:endParaRPr lang="zh-CN" altLang="en-US" dirty="0"/>
+          </a:p>
+        </p:txBody>
+      </p:sp>
+      <p:sp>
+        <p:nvSpPr>
+          <p:cNvPr id="6" name="灯片编号占位符 5"/>
+          <p:cNvSpPr>
+            <a:spLocks noGrp="1"/>
+          </p:cNvSpPr>
+          <p:nvPr userDrawn="1">
+            <p:ph type="sldNum" sz="quarter" idx="12"/>
+            <p:custDataLst>
+              <p:tags r:id="rId9"/>
+            </p:custDataLst>
+          </p:nvPr>
+        </p:nvSpPr>
+        <p:spPr>
+          <a:xfrm>
+            <a:off x="8610600" y="6356350"/>
+            <a:ext cx="2743200" cy="365125"/>
+          </a:xfrm>
+        </p:spPr>
+        <p:txBody>
+          <a:bodyPr wrap="square">
+            <a:normAutofit/>
+          </a:bodyPr>
+          <a:lstStyle/>
+          <a:p>
+            <a:fld id="{BE5F26B5-172A-4DC2-B0B7-181CFC56B87C}" type="slidenum">
+              <a:rPr lang="zh-CN" altLang="en-US" smtClean="0"/>
+            </a:fld>
+            <a:endParaRPr lang="zh-CN" altLang="en-US"/>
+          </a:p>
+        </p:txBody>
+      </p:sp>
+      <p:sp>
+        <p:nvSpPr>
+          <p:cNvPr id="13" name="文本占位符 12"/>
+          <p:cNvSpPr>
+            <a:spLocks noGrp="1"/>
+          </p:cNvSpPr>
+          <p:nvPr>
+            <p:ph type="body" sz="quarter" idx="17" hasCustomPrompt="1"/>
+            <p:custDataLst>
+              <p:tags r:id="rId10"/>
+            </p:custDataLst>
+          </p:nvPr>
+        </p:nvSpPr>
+        <p:spPr>
+          <a:xfrm>
+            <a:off x="5120323" y="4779645"/>
+            <a:ext cx="1951355" cy="490855"/>
+          </a:xfrm>
+          <a:custGeom>
+            <a:avLst/>
+            <a:gdLst>
+              <a:gd name="connsiteX0" fmla="*/ 67964 w 1757680"/>
+              <a:gd name="connsiteY0" fmla="*/ 0 h 490855"/>
+              <a:gd name="connsiteX1" fmla="*/ 1585449 w 1757680"/>
+              <a:gd name="connsiteY1" fmla="*/ 0 h 490855"/>
+              <a:gd name="connsiteX2" fmla="*/ 1757680 w 1757680"/>
+              <a:gd name="connsiteY2" fmla="*/ 172231 h 490855"/>
+              <a:gd name="connsiteX3" fmla="*/ 1757680 w 1757680"/>
+              <a:gd name="connsiteY3" fmla="*/ 422891 h 490855"/>
+              <a:gd name="connsiteX4" fmla="*/ 1689716 w 1757680"/>
+              <a:gd name="connsiteY4" fmla="*/ 490855 h 490855"/>
+              <a:gd name="connsiteX5" fmla="*/ 172231 w 1757680"/>
+              <a:gd name="connsiteY5" fmla="*/ 490855 h 490855"/>
+              <a:gd name="connsiteX6" fmla="*/ 0 w 1757680"/>
+              <a:gd name="connsiteY6" fmla="*/ 318624 h 490855"/>
+              <a:gd name="connsiteX7" fmla="*/ 0 w 1757680"/>
+              <a:gd name="connsiteY7" fmla="*/ 67964 h 490855"/>
+            </a:gdLst>
+            <a:ahLst/>
+            <a:cxnLst>
+              <a:cxn ang="0">
+                <a:pos x="connsiteX0" y="connsiteY0"/>
+              </a:cxn>
+              <a:cxn ang="0">
+                <a:pos x="connsiteX1" y="connsiteY1"/>
+              </a:cxn>
+              <a:cxn ang="0">
+                <a:pos x="connsiteX2" y="connsiteY2"/>
+              </a:cxn>
+              <a:cxn ang="0">
+                <a:pos x="connsiteX3" y="connsiteY3"/>
+              </a:cxn>
+              <a:cxn ang="0">
+                <a:pos x="connsiteX4" y="connsiteY4"/>
+              </a:cxn>
+              <a:cxn ang="0">
+                <a:pos x="connsiteX5" y="connsiteY5"/>
+              </a:cxn>
+              <a:cxn ang="0">
+                <a:pos x="connsiteX6" y="connsiteY6"/>
+              </a:cxn>
+              <a:cxn ang="0">
+                <a:pos x="connsiteX7" y="connsiteY7"/>
+              </a:cxn>
+            </a:cxnLst>
+            <a:rect l="l" t="t" r="r" b="b"/>
+            <a:pathLst>
+              <a:path w="1757680" h="490855">
+                <a:moveTo>
+                  <a:pt x="67964" y="0"/>
+                </a:moveTo>
+                <a:lnTo>
+                  <a:pt x="1585449" y="0"/>
+                </a:lnTo>
+                <a:lnTo>
+                  <a:pt x="1757680" y="172231"/>
+                </a:lnTo>
+                <a:lnTo>
+                  <a:pt x="1757680" y="422891"/>
+                </a:lnTo>
+                <a:lnTo>
+                  <a:pt x="1689716" y="490855"/>
+                </a:lnTo>
+                <a:lnTo>
+                  <a:pt x="172231" y="490855"/>
+                </a:lnTo>
+                <a:lnTo>
+                  <a:pt x="0" y="318624"/>
+                </a:lnTo>
+                <a:lnTo>
+                  <a:pt x="0" y="67964"/>
+                </a:lnTo>
+                <a:close/>
+              </a:path>
+            </a:pathLst>
+          </a:custGeom>
+          <a:solidFill>
+            <a:srgbClr val="000203"/>
+          </a:solidFill>
+          <a:ln w="12700">
+            <a:solidFill>
+              <a:schemeClr val="accent1"/>
+            </a:solidFill>
+          </a:ln>
+          <a:effectLst>
+            <a:innerShdw blurRad="165100">
+              <a:schemeClr val="accent1">
+                <a:lumMod val="60000"/>
+                <a:lumOff val="40000"/>
+                <a:alpha val="60000"/>
+              </a:schemeClr>
+            </a:innerShdw>
+          </a:effectLst>
+        </p:spPr>
+        <p:txBody>
+          <a:bodyPr wrap="square" anchor="ctr">
+            <a:normAutofit/>
+          </a:bodyPr>
+          <a:lstStyle>
+            <a:lvl1pPr marL="0" indent="0" algn="ctr">
+              <a:lnSpc>
+                <a:spcPct val="100000"/>
+              </a:lnSpc>
+              <a:buNone/>
+              <a:defRPr sz="1800">
+                <a:solidFill>
+                  <a:srgbClr val="FFFFFF"/>
+                </a:solidFill>
+              </a:defRPr>
+            </a:lvl1pPr>
+          </a:lstStyle>
+          <a:p>
+            <a:pPr lvl="0"/>
+            <a:r>
+              <a:rPr lang="zh-CN" altLang="en-US" dirty="0"/>
+              <a:t>署名</a:t>
+            </a:r>
+            <a:endParaRPr lang="zh-CN" altLang="en-US" dirty="0"/>
+          </a:p>
+        </p:txBody>
+      </p:sp>
+    </p:spTree>
+  </p:cSld>
+  <p:clrMapOvr>
+    <a:masterClrMapping/>
+  </p:clrMapOvr>
+</p:sldLayout>
+</file>
+
+<file path=ppt/slideLayouts/slideLayout13.xml><?xml version="1.0" encoding="utf-8"?>
+<p:sldLayout xmlns:a="http://schemas.openxmlformats.org/drawingml/2006/main" xmlns:r="http://schemas.openxmlformats.org/officeDocument/2006/relationships" xmlns:p="http://schemas.openxmlformats.org/presentationml/2006/main" type="obj" preserve="1">
+  <p:cSld name="标题和内容">
+    <p:spTree>
+      <p:nvGrpSpPr>
+        <p:cNvPr id="1" name=""/>
+        <p:cNvGrpSpPr/>
+        <p:nvPr/>
+      </p:nvGrpSpPr>
+      <p:grpSpPr>
+        <a:xfrm>
+          <a:off x="0" y="0"/>
+          <a:ext cx="0" cy="0"/>
+          <a:chOff x="0" y="0"/>
+          <a:chExt cx="0" cy="0"/>
+        </a:xfrm>
+      </p:grpSpPr>
+      <p:sp>
+        <p:nvSpPr>
+          <p:cNvPr id="2" name="标题 1"/>
+          <p:cNvSpPr>
+            <a:spLocks noGrp="1"/>
+          </p:cNvSpPr>
+          <p:nvPr>
+            <p:ph type="title"/>
+            <p:custDataLst>
+              <p:tags r:id="rId2"/>
+            </p:custDataLst>
+          </p:nvPr>
+        </p:nvSpPr>
+        <p:spPr/>
+        <p:txBody>
+          <a:bodyPr wrap="square">
+            <a:normAutofit/>
+          </a:bodyPr>
+          <a:lstStyle/>
+          <a:p>
+            <a:r>
+              <a:rPr lang="zh-CN" altLang="en-US" dirty="0"/>
+              <a:t>单击此处编辑母版标题样式</a:t>
+            </a:r>
+            <a:endParaRPr lang="zh-CN" altLang="en-US" dirty="0"/>
+          </a:p>
+        </p:txBody>
+      </p:sp>
+      <p:sp>
+        <p:nvSpPr>
+          <p:cNvPr id="3" name="内容占位符 2"/>
+          <p:cNvSpPr>
+            <a:spLocks noGrp="1"/>
+          </p:cNvSpPr>
+          <p:nvPr>
+            <p:ph idx="1"/>
+            <p:custDataLst>
+              <p:tags r:id="rId3"/>
+            </p:custDataLst>
+          </p:nvPr>
+        </p:nvSpPr>
+        <p:spPr/>
+        <p:txBody>
+          <a:bodyPr wrap="square">
+            <a:normAutofit/>
+          </a:bodyPr>
+          <a:lstStyle/>
+          <a:p>
+            <a:pPr lvl="0"/>
+            <a:r>
+              <a:rPr lang="zh-CN" altLang="en-US" dirty="0"/>
+              <a:t>单击此处编辑母版文本样式</a:t>
+            </a:r>
+            <a:endParaRPr lang="zh-CN" altLang="en-US" dirty="0"/>
+          </a:p>
+          <a:p>
+            <a:pPr lvl="1"/>
+            <a:r>
+              <a:rPr lang="zh-CN" altLang="en-US" dirty="0"/>
+              <a:t>第二级</a:t>
+            </a:r>
+            <a:endParaRPr lang="zh-CN" altLang="en-US" dirty="0"/>
+          </a:p>
+          <a:p>
+            <a:pPr lvl="2"/>
+            <a:r>
+              <a:rPr lang="zh-CN" altLang="en-US" dirty="0">
+                <a:sym typeface="+mn-ea"/>
+              </a:rPr>
+              <a:t>第</a:t>
+            </a:r>
+            <a:r>
+              <a:rPr lang="zh-CN" altLang="en-US" dirty="0"/>
+              <a:t>三级</a:t>
+            </a:r>
+            <a:endParaRPr lang="zh-CN" altLang="en-US" dirty="0"/>
+          </a:p>
+          <a:p>
+            <a:pPr lvl="3"/>
+            <a:r>
+              <a:rPr lang="zh-CN" altLang="en-US" dirty="0">
+                <a:sym typeface="+mn-ea"/>
+              </a:rPr>
+              <a:t>第</a:t>
+            </a:r>
+            <a:r>
+              <a:rPr lang="zh-CN" altLang="en-US" dirty="0"/>
+              <a:t>四级</a:t>
+            </a:r>
+            <a:endParaRPr lang="zh-CN" altLang="en-US" dirty="0"/>
+          </a:p>
+          <a:p>
+            <a:pPr lvl="4"/>
+            <a:r>
+              <a:rPr lang="zh-CN" altLang="en-US" dirty="0">
+                <a:sym typeface="+mn-ea"/>
+              </a:rPr>
+              <a:t>第</a:t>
+            </a:r>
+            <a:r>
+              <a:rPr lang="zh-CN" altLang="en-US" dirty="0"/>
+              <a:t>五级</a:t>
+            </a:r>
+            <a:endParaRPr lang="zh-CN" altLang="en-US" dirty="0"/>
+          </a:p>
+        </p:txBody>
+      </p:sp>
+      <p:sp>
+        <p:nvSpPr>
+          <p:cNvPr id="4" name="日期占位符 3"/>
+          <p:cNvSpPr>
+            <a:spLocks noGrp="1"/>
+          </p:cNvSpPr>
+          <p:nvPr>
+            <p:ph type="dt" sz="half" idx="10"/>
+            <p:custDataLst>
+              <p:tags r:id="rId4"/>
+            </p:custDataLst>
+          </p:nvPr>
+        </p:nvSpPr>
+        <p:spPr/>
+        <p:txBody>
+          <a:bodyPr wrap="square">
+            <a:normAutofit/>
+          </a:bodyPr>
+          <a:lstStyle/>
+          <a:p>
+            <a:fld id="{5592522B-0F24-4480-B9DD-A9474A6880D6}" type="datetimeFigureOut">
+              <a:rPr lang="zh-CN" altLang="en-US" smtClean="0"/>
+            </a:fld>
+            <a:endParaRPr lang="zh-CN" altLang="en-US"/>
+          </a:p>
+        </p:txBody>
+      </p:sp>
+      <p:sp>
+        <p:nvSpPr>
+          <p:cNvPr id="5" name="页脚占位符 4"/>
+          <p:cNvSpPr>
+            <a:spLocks noGrp="1"/>
+          </p:cNvSpPr>
+          <p:nvPr>
+            <p:ph type="ftr" sz="quarter" idx="11"/>
+            <p:custDataLst>
+              <p:tags r:id="rId5"/>
+            </p:custDataLst>
+          </p:nvPr>
+        </p:nvSpPr>
+        <p:spPr/>
+        <p:txBody>
+          <a:bodyPr/>
+          <a:lstStyle/>
+          <a:p>
+            <a:endParaRPr lang="zh-CN" altLang="en-US"/>
+          </a:p>
+        </p:txBody>
+      </p:sp>
+      <p:sp>
+        <p:nvSpPr>
+          <p:cNvPr id="6" name="灯片编号占位符 5"/>
+          <p:cNvSpPr>
+            <a:spLocks noGrp="1"/>
+          </p:cNvSpPr>
+          <p:nvPr>
+            <p:ph type="sldNum" sz="quarter" idx="12"/>
+            <p:custDataLst>
+              <p:tags r:id="rId6"/>
+            </p:custDataLst>
+          </p:nvPr>
+        </p:nvSpPr>
+        <p:spPr/>
+        <p:txBody>
+          <a:bodyPr wrap="square">
+            <a:normAutofit/>
+          </a:bodyPr>
+          <a:lstStyle/>
+          <a:p>
+            <a:fld id="{BE5F26B5-172A-4DC2-B0B7-181CFC56B87C}" type="slidenum">
+              <a:rPr lang="zh-CN" altLang="en-US" smtClean="0"/>
+            </a:fld>
+            <a:endParaRPr lang="zh-CN" altLang="en-US"/>
+          </a:p>
+        </p:txBody>
+      </p:sp>
+    </p:spTree>
+  </p:cSld>
+  <p:clrMapOvr>
+    <a:masterClrMapping/>
+  </p:clrMapOvr>
+</p:sldLayout>
+</file>
+
+<file path=ppt/slideLayouts/slideLayout14.xml><?xml version="1.0" encoding="utf-8"?>
+<p:sldLayout xmlns:a="http://schemas.openxmlformats.org/drawingml/2006/main" xmlns:r="http://schemas.openxmlformats.org/officeDocument/2006/relationships" xmlns:p="http://schemas.openxmlformats.org/presentationml/2006/main" preserve="1" showMasterSp="0" userDrawn="1">
+  <p:cSld name="目录">
+    <p:spTree>
+      <p:nvGrpSpPr>
+        <p:cNvPr id="1" name=""/>
+        <p:cNvGrpSpPr/>
+        <p:nvPr/>
+      </p:nvGrpSpPr>
+      <p:grpSpPr>
+        <a:xfrm>
+          <a:off x="0" y="0"/>
+          <a:ext cx="0" cy="0"/>
+          <a:chOff x="0" y="0"/>
+          <a:chExt cx="0" cy="0"/>
+        </a:xfrm>
+      </p:grpSpPr>
+      <p:sp>
+        <p:nvSpPr>
+          <p:cNvPr id="3" name="矩形 2"/>
+          <p:cNvSpPr/>
+          <p:nvPr userDrawn="1">
+            <p:custDataLst>
+              <p:tags r:id="rId2"/>
+            </p:custDataLst>
+          </p:nvPr>
+        </p:nvSpPr>
+        <p:spPr>
+          <a:xfrm>
+            <a:off x="0" y="0"/>
+            <a:ext cx="12192000" cy="6858000"/>
+          </a:xfrm>
+          <a:prstGeom prst="rect">
+            <a:avLst/>
+          </a:prstGeom>
+          <a:solidFill>
+            <a:srgbClr val="000000"/>
+          </a:solidFill>
+          <a:ln w="12700" cap="flat" cmpd="sng" algn="ctr">
+            <a:noFill/>
+            <a:prstDash val="solid"/>
+            <a:miter lim="800000"/>
+          </a:ln>
+          <a:effectLst/>
+        </p:spPr>
+        <p:style>
+          <a:lnRef idx="2">
+            <a:schemeClr val="accent1">
+              <a:shade val="50000"/>
+            </a:schemeClr>
+          </a:lnRef>
+          <a:fillRef idx="1">
+            <a:schemeClr val="accent1"/>
+          </a:fillRef>
+          <a:effectRef idx="0">
+            <a:schemeClr val="accent1"/>
+          </a:effectRef>
+          <a:fontRef idx="minor">
+            <a:schemeClr val="lt1"/>
+          </a:fontRef>
+        </p:style>
+        <p:txBody>
+          <a:bodyPr rtlCol="0" anchor="ctr"/>
+          <a:lstStyle/>
+          <a:p>
+            <a:pPr algn="ctr"/>
+            <a:endParaRPr lang="zh-CN" altLang="en-US">
+              <a:cs typeface="MiSans Light" panose="00000400000000000000" pitchFamily="2" charset="-122"/>
+            </a:endParaRPr>
+          </a:p>
+        </p:txBody>
+      </p:sp>
+      <p:pic>
+        <p:nvPicPr>
+          <p:cNvPr id="4" name="图片 3" descr="图片包含 游戏机, 灯光, 星星&#10;&#10;AI 生成的内容可能不正确。"/>
+          <p:cNvPicPr>
+            <a:picLocks noChangeAspect="1"/>
+          </p:cNvPicPr>
+          <p:nvPr userDrawn="1">
+            <p:custDataLst>
+              <p:tags r:id="rId3"/>
+            </p:custDataLst>
+          </p:nvPr>
+        </p:nvPicPr>
+        <p:blipFill>
+          <a:blip r:embed="rId4"/>
+          <a:stretch>
+            <a:fillRect/>
+          </a:stretch>
+        </p:blipFill>
+        <p:spPr>
+          <a:xfrm>
+            <a:off x="0" y="0"/>
+            <a:ext cx="9725025" cy="6858000"/>
+          </a:xfrm>
+          <a:prstGeom prst="rect">
+            <a:avLst/>
+          </a:prstGeom>
+        </p:spPr>
+      </p:pic>
+      <p:pic>
+        <p:nvPicPr>
+          <p:cNvPr id="14" name="图片 13" descr="图片包含 游戏机, 灯光, 星星&#10;&#10;AI 生成的内容可能不正确。"/>
+          <p:cNvPicPr>
+            <a:picLocks noChangeAspect="1"/>
+          </p:cNvPicPr>
+          <p:nvPr userDrawn="1">
+            <p:custDataLst>
+              <p:tags r:id="rId5"/>
+            </p:custDataLst>
+          </p:nvPr>
+        </p:nvPicPr>
+        <p:blipFill>
+          <a:blip r:embed="rId4">
+            <a:alphaModFix amt="30000"/>
+            <a:duotone>
+              <a:prstClr val="black"/>
+              <a:schemeClr val="accent1">
+                <a:tint val="45000"/>
+                <a:satMod val="400000"/>
+              </a:schemeClr>
+            </a:duotone>
+          </a:blip>
+          <a:stretch>
+            <a:fillRect/>
+          </a:stretch>
+        </p:blipFill>
+        <p:spPr>
+          <a:xfrm>
+            <a:off x="0" y="0"/>
+            <a:ext cx="9725025" cy="6858000"/>
+          </a:xfrm>
+          <a:prstGeom prst="rect">
+            <a:avLst/>
+          </a:prstGeom>
+        </p:spPr>
+      </p:pic>
+      <p:sp>
+        <p:nvSpPr>
+          <p:cNvPr id="2" name="标题 1"/>
+          <p:cNvSpPr>
+            <a:spLocks noGrp="1"/>
+          </p:cNvSpPr>
+          <p:nvPr>
+            <p:ph type="title" hasCustomPrompt="1"/>
+            <p:custDataLst>
+              <p:tags r:id="rId6"/>
+            </p:custDataLst>
+          </p:nvPr>
+        </p:nvSpPr>
+        <p:spPr>
+          <a:xfrm>
+            <a:off x="1163638" y="689025"/>
+            <a:ext cx="2880000" cy="1081088"/>
+          </a:xfrm>
+        </p:spPr>
+        <p:txBody>
+          <a:bodyPr wrap="square" anchor="b">
+            <a:normAutofit/>
+          </a:bodyPr>
+          <a:lstStyle>
+            <a:lvl1pPr>
+              <a:defRPr sz="6600">
+                <a:gradFill>
+                  <a:gsLst>
+                    <a:gs pos="0">
+                      <a:srgbClr val="FFFFFF"/>
+                    </a:gs>
+                    <a:gs pos="100000">
+                      <a:schemeClr val="accent1"/>
+                    </a:gs>
+                  </a:gsLst>
+                  <a:lin ang="5400000" scaled="0"/>
+                </a:gradFill>
+              </a:defRPr>
+            </a:lvl1pPr>
+          </a:lstStyle>
+          <a:p>
+            <a:r>
+              <a:rPr lang="zh-CN" altLang="en-US" dirty="0"/>
+              <a:t>标题</a:t>
+            </a:r>
+            <a:endParaRPr lang="zh-CN" altLang="en-US" dirty="0"/>
+          </a:p>
+        </p:txBody>
+      </p:sp>
+      <p:sp>
+        <p:nvSpPr>
+          <p:cNvPr id="7" name="日期占位符 3"/>
+          <p:cNvSpPr>
+            <a:spLocks noGrp="1"/>
+          </p:cNvSpPr>
+          <p:nvPr>
+            <p:ph type="dt" sz="half" idx="10"/>
+            <p:custDataLst>
+              <p:tags r:id="rId7"/>
+            </p:custDataLst>
+          </p:nvPr>
+        </p:nvSpPr>
+        <p:spPr/>
+        <p:txBody>
+          <a:bodyPr wrap="square">
+            <a:normAutofit/>
+          </a:bodyPr>
+          <a:lstStyle/>
+          <a:p>
+            <a:fld id="{5592522B-0F24-4480-B9DD-A9474A6880D6}" type="datetimeFigureOut">
+              <a:rPr lang="zh-CN" altLang="en-US" smtClean="0"/>
+            </a:fld>
+            <a:endParaRPr lang="zh-CN" altLang="en-US"/>
+          </a:p>
+        </p:txBody>
+      </p:sp>
+      <p:sp>
+        <p:nvSpPr>
+          <p:cNvPr id="8" name="页脚占位符 4"/>
+          <p:cNvSpPr>
+            <a:spLocks noGrp="1"/>
+          </p:cNvSpPr>
+          <p:nvPr>
+            <p:ph type="ftr" sz="quarter" idx="11"/>
+            <p:custDataLst>
+              <p:tags r:id="rId8"/>
+            </p:custDataLst>
+          </p:nvPr>
+        </p:nvSpPr>
+        <p:spPr/>
+        <p:txBody>
+          <a:bodyPr/>
+          <a:lstStyle/>
+          <a:p>
+            <a:endParaRPr lang="zh-CN" altLang="en-US"/>
+          </a:p>
+        </p:txBody>
+      </p:sp>
+      <p:sp>
+        <p:nvSpPr>
+          <p:cNvPr id="9" name="灯片编号占位符 5"/>
+          <p:cNvSpPr>
+            <a:spLocks noGrp="1"/>
+          </p:cNvSpPr>
+          <p:nvPr>
+            <p:ph type="sldNum" sz="quarter" idx="12"/>
+            <p:custDataLst>
+              <p:tags r:id="rId9"/>
+            </p:custDataLst>
+          </p:nvPr>
+        </p:nvSpPr>
+        <p:spPr/>
+        <p:txBody>
+          <a:bodyPr wrap="square">
+            <a:normAutofit/>
+          </a:bodyPr>
+          <a:lstStyle/>
+          <a:p>
+            <a:fld id="{BE5F26B5-172A-4DC2-B0B7-181CFC56B87C}" type="slidenum">
+              <a:rPr lang="zh-CN" altLang="en-US" smtClean="0"/>
+            </a:fld>
+            <a:endParaRPr lang="zh-CN" altLang="en-US"/>
+          </a:p>
+        </p:txBody>
+      </p:sp>
+      <p:sp>
+        <p:nvSpPr>
+          <p:cNvPr id="16" name="任意多边形: 形状 15"/>
+          <p:cNvSpPr/>
+          <p:nvPr>
+            <p:custDataLst>
+              <p:tags r:id="rId10"/>
+            </p:custDataLst>
+          </p:nvPr>
+        </p:nvSpPr>
+        <p:spPr>
+          <a:xfrm>
+            <a:off x="1733155" y="4566599"/>
+            <a:ext cx="5911606" cy="1592178"/>
+          </a:xfrm>
+          <a:custGeom>
+            <a:avLst/>
+            <a:gdLst>
+              <a:gd name="connsiteX0" fmla="*/ 192500 w 9232232"/>
+              <a:gd name="connsiteY0" fmla="*/ 0 h 2486525"/>
+              <a:gd name="connsiteX1" fmla="*/ 8371971 w 9232232"/>
+              <a:gd name="connsiteY1" fmla="*/ 0 h 2486525"/>
+              <a:gd name="connsiteX2" fmla="*/ 8536563 w 9232232"/>
+              <a:gd name="connsiteY2" fmla="*/ 164592 h 2486525"/>
+              <a:gd name="connsiteX3" fmla="*/ 8861683 w 9232232"/>
+              <a:gd name="connsiteY3" fmla="*/ 164592 h 2486525"/>
+              <a:gd name="connsiteX4" fmla="*/ 9232232 w 9232232"/>
+              <a:gd name="connsiteY4" fmla="*/ 535141 h 2486525"/>
+              <a:gd name="connsiteX5" fmla="*/ 9232232 w 9232232"/>
+              <a:gd name="connsiteY5" fmla="*/ 1357299 h 2486525"/>
+              <a:gd name="connsiteX6" fmla="*/ 9232232 w 9232232"/>
+              <a:gd name="connsiteY6" fmla="*/ 1543785 h 2486525"/>
+              <a:gd name="connsiteX7" fmla="*/ 9232232 w 9232232"/>
+              <a:gd name="connsiteY7" fmla="*/ 2365943 h 2486525"/>
+              <a:gd name="connsiteX8" fmla="*/ 9111650 w 9232232"/>
+              <a:gd name="connsiteY8" fmla="*/ 2486525 h 2486525"/>
+              <a:gd name="connsiteX9" fmla="*/ 3988045 w 9232232"/>
+              <a:gd name="connsiteY9" fmla="*/ 2486525 h 2486525"/>
+              <a:gd name="connsiteX10" fmla="*/ 3895804 w 9232232"/>
+              <a:gd name="connsiteY10" fmla="*/ 2394284 h 2486525"/>
+              <a:gd name="connsiteX11" fmla="*/ 591556 w 9232232"/>
+              <a:gd name="connsiteY11" fmla="*/ 2394284 h 2486525"/>
+              <a:gd name="connsiteX12" fmla="*/ 0 w 9232232"/>
+              <a:gd name="connsiteY12" fmla="*/ 1802728 h 2486525"/>
+              <a:gd name="connsiteX13" fmla="*/ 0 w 9232232"/>
+              <a:gd name="connsiteY13" fmla="*/ 192500 h 2486525"/>
+            </a:gdLst>
+            <a:ahLst/>
+            <a:cxnLst>
+              <a:cxn ang="0">
+                <a:pos x="connsiteX0" y="connsiteY0"/>
+              </a:cxn>
+              <a:cxn ang="0">
+                <a:pos x="connsiteX1" y="connsiteY1"/>
+              </a:cxn>
+              <a:cxn ang="0">
+                <a:pos x="connsiteX2" y="connsiteY2"/>
+              </a:cxn>
+              <a:cxn ang="0">
+                <a:pos x="connsiteX3" y="connsiteY3"/>
+              </a:cxn>
+              <a:cxn ang="0">
+                <a:pos x="connsiteX4" y="connsiteY4"/>
+              </a:cxn>
+              <a:cxn ang="0">
+                <a:pos x="connsiteX5" y="connsiteY5"/>
+              </a:cxn>
+              <a:cxn ang="0">
+                <a:pos x="connsiteX6" y="connsiteY6"/>
+              </a:cxn>
+              <a:cxn ang="0">
+                <a:pos x="connsiteX7" y="connsiteY7"/>
+              </a:cxn>
+              <a:cxn ang="0">
+                <a:pos x="connsiteX8" y="connsiteY8"/>
+              </a:cxn>
+              <a:cxn ang="0">
+                <a:pos x="connsiteX9" y="connsiteY9"/>
+              </a:cxn>
+              <a:cxn ang="0">
+                <a:pos x="connsiteX10" y="connsiteY10"/>
+              </a:cxn>
+              <a:cxn ang="0">
+                <a:pos x="connsiteX11" y="connsiteY11"/>
+              </a:cxn>
+              <a:cxn ang="0">
+                <a:pos x="connsiteX12" y="connsiteY12"/>
+              </a:cxn>
+              <a:cxn ang="0">
+                <a:pos x="connsiteX13" y="connsiteY13"/>
+              </a:cxn>
+            </a:cxnLst>
+            <a:rect l="l" t="t" r="r" b="b"/>
+            <a:pathLst>
+              <a:path w="9232232" h="2486525">
+                <a:moveTo>
+                  <a:pt x="192500" y="0"/>
+                </a:moveTo>
+                <a:lnTo>
+                  <a:pt x="8371971" y="0"/>
+                </a:lnTo>
+                <a:lnTo>
+                  <a:pt x="8536563" y="164592"/>
+                </a:lnTo>
+                <a:lnTo>
+                  <a:pt x="8861683" y="164592"/>
+                </a:lnTo>
+                <a:lnTo>
+                  <a:pt x="9232232" y="535141"/>
+                </a:lnTo>
+                <a:lnTo>
+                  <a:pt x="9232232" y="1357299"/>
+                </a:lnTo>
+                <a:lnTo>
+                  <a:pt x="9232232" y="1543785"/>
+                </a:lnTo>
+                <a:lnTo>
+                  <a:pt x="9232232" y="2365943"/>
+                </a:lnTo>
+                <a:lnTo>
+                  <a:pt x="9111650" y="2486525"/>
+                </a:lnTo>
+                <a:lnTo>
+                  <a:pt x="3988045" y="2486525"/>
+                </a:lnTo>
+                <a:lnTo>
+                  <a:pt x="3895804" y="2394284"/>
+                </a:lnTo>
+                <a:lnTo>
+                  <a:pt x="591556" y="2394284"/>
+                </a:lnTo>
+                <a:lnTo>
+                  <a:pt x="0" y="1802728"/>
+                </a:lnTo>
+                <a:lnTo>
+                  <a:pt x="0" y="192500"/>
+                </a:lnTo>
+                <a:close/>
+              </a:path>
+            </a:pathLst>
+          </a:custGeom>
+          <a:solidFill>
+            <a:schemeClr val="accent1"/>
+          </a:solidFill>
+          <a:ln>
+            <a:solidFill>
+              <a:schemeClr val="accent1">
+                <a:lumMod val="40000"/>
+                <a:lumOff val="60000"/>
+              </a:schemeClr>
+            </a:solidFill>
+            <a:prstDash val="solid"/>
+          </a:ln>
+        </p:spPr>
+        <p:style>
+          <a:lnRef idx="2">
+            <a:schemeClr val="accent1">
+              <a:shade val="50000"/>
+            </a:schemeClr>
+          </a:lnRef>
+          <a:fillRef idx="1">
+            <a:schemeClr val="accent1"/>
+          </a:fillRef>
+          <a:effectRef idx="0">
+            <a:schemeClr val="accent1"/>
+          </a:effectRef>
+          <a:fontRef idx="minor">
+            <a:schemeClr val="lt1"/>
+          </a:fontRef>
+        </p:style>
+        <p:txBody>
+          <a:bodyPr wrap="square" rtlCol="0" anchor="ctr">
+            <a:noAutofit/>
+          </a:bodyPr>
+          <a:lstStyle/>
+          <a:p>
+            <a:pPr algn="ctr"/>
+            <a:endParaRPr lang="zh-CN" altLang="en-US">
+              <a:cs typeface="MiSans Light" panose="00000400000000000000" pitchFamily="2" charset="-122"/>
+            </a:endParaRPr>
+          </a:p>
+        </p:txBody>
+      </p:sp>
+      <p:sp>
+        <p:nvSpPr>
+          <p:cNvPr id="55" name="任意多边形: 形状 54"/>
+          <p:cNvSpPr/>
+          <p:nvPr>
+            <p:custDataLst>
+              <p:tags r:id="rId11"/>
+            </p:custDataLst>
+          </p:nvPr>
+        </p:nvSpPr>
+        <p:spPr>
+          <a:xfrm>
+            <a:off x="7681253" y="6080264"/>
+            <a:ext cx="1678552" cy="86135"/>
+          </a:xfrm>
+          <a:custGeom>
+            <a:avLst/>
+            <a:gdLst>
+              <a:gd name="connsiteX0" fmla="*/ 1529768 w 1678552"/>
+              <a:gd name="connsiteY0" fmla="*/ 0 h 86135"/>
+              <a:gd name="connsiteX1" fmla="*/ 1678552 w 1678552"/>
+              <a:gd name="connsiteY1" fmla="*/ 0 h 86135"/>
+              <a:gd name="connsiteX2" fmla="*/ 1599829 w 1678552"/>
+              <a:gd name="connsiteY2" fmla="*/ 86135 h 86135"/>
+              <a:gd name="connsiteX3" fmla="*/ 1451045 w 1678552"/>
+              <a:gd name="connsiteY3" fmla="*/ 86135 h 86135"/>
+              <a:gd name="connsiteX4" fmla="*/ 1287928 w 1678552"/>
+              <a:gd name="connsiteY4" fmla="*/ 0 h 86135"/>
+              <a:gd name="connsiteX5" fmla="*/ 1436712 w 1678552"/>
+              <a:gd name="connsiteY5" fmla="*/ 0 h 86135"/>
+              <a:gd name="connsiteX6" fmla="*/ 1357989 w 1678552"/>
+              <a:gd name="connsiteY6" fmla="*/ 86135 h 86135"/>
+              <a:gd name="connsiteX7" fmla="*/ 1209205 w 1678552"/>
+              <a:gd name="connsiteY7" fmla="*/ 86135 h 86135"/>
+              <a:gd name="connsiteX8" fmla="*/ 1046087 w 1678552"/>
+              <a:gd name="connsiteY8" fmla="*/ 0 h 86135"/>
+              <a:gd name="connsiteX9" fmla="*/ 1194871 w 1678552"/>
+              <a:gd name="connsiteY9" fmla="*/ 0 h 86135"/>
+              <a:gd name="connsiteX10" fmla="*/ 1116148 w 1678552"/>
+              <a:gd name="connsiteY10" fmla="*/ 86135 h 86135"/>
+              <a:gd name="connsiteX11" fmla="*/ 967364 w 1678552"/>
+              <a:gd name="connsiteY11" fmla="*/ 86135 h 86135"/>
+              <a:gd name="connsiteX12" fmla="*/ 804246 w 1678552"/>
+              <a:gd name="connsiteY12" fmla="*/ 0 h 86135"/>
+              <a:gd name="connsiteX13" fmla="*/ 953030 w 1678552"/>
+              <a:gd name="connsiteY13" fmla="*/ 0 h 86135"/>
+              <a:gd name="connsiteX14" fmla="*/ 874307 w 1678552"/>
+              <a:gd name="connsiteY14" fmla="*/ 86135 h 86135"/>
+              <a:gd name="connsiteX15" fmla="*/ 725523 w 1678552"/>
+              <a:gd name="connsiteY15" fmla="*/ 86135 h 86135"/>
+              <a:gd name="connsiteX16" fmla="*/ 562405 w 1678552"/>
+              <a:gd name="connsiteY16" fmla="*/ 0 h 86135"/>
+              <a:gd name="connsiteX17" fmla="*/ 711189 w 1678552"/>
+              <a:gd name="connsiteY17" fmla="*/ 0 h 86135"/>
+              <a:gd name="connsiteX18" fmla="*/ 632466 w 1678552"/>
+              <a:gd name="connsiteY18" fmla="*/ 86135 h 86135"/>
+              <a:gd name="connsiteX19" fmla="*/ 483682 w 1678552"/>
+              <a:gd name="connsiteY19" fmla="*/ 86135 h 86135"/>
+              <a:gd name="connsiteX20" fmla="*/ 320564 w 1678552"/>
+              <a:gd name="connsiteY20" fmla="*/ 0 h 86135"/>
+              <a:gd name="connsiteX21" fmla="*/ 469348 w 1678552"/>
+              <a:gd name="connsiteY21" fmla="*/ 0 h 86135"/>
+              <a:gd name="connsiteX22" fmla="*/ 390625 w 1678552"/>
+              <a:gd name="connsiteY22" fmla="*/ 86135 h 86135"/>
+              <a:gd name="connsiteX23" fmla="*/ 241841 w 1678552"/>
+              <a:gd name="connsiteY23" fmla="*/ 86135 h 86135"/>
+              <a:gd name="connsiteX24" fmla="*/ 78723 w 1678552"/>
+              <a:gd name="connsiteY24" fmla="*/ 0 h 86135"/>
+              <a:gd name="connsiteX25" fmla="*/ 227507 w 1678552"/>
+              <a:gd name="connsiteY25" fmla="*/ 0 h 86135"/>
+              <a:gd name="connsiteX26" fmla="*/ 148784 w 1678552"/>
+              <a:gd name="connsiteY26" fmla="*/ 86135 h 86135"/>
+              <a:gd name="connsiteX27" fmla="*/ 0 w 1678552"/>
+              <a:gd name="connsiteY27" fmla="*/ 86135 h 86135"/>
+            </a:gdLst>
+            <a:ahLst/>
+            <a:cxnLst>
+              <a:cxn ang="0">
+                <a:pos x="connsiteX0" y="connsiteY0"/>
+              </a:cxn>
+              <a:cxn ang="0">
+                <a:pos x="connsiteX1" y="connsiteY1"/>
+              </a:cxn>
+              <a:cxn ang="0">
+                <a:pos x="connsiteX2" y="connsiteY2"/>
+              </a:cxn>
+              <a:cxn ang="0">
+                <a:pos x="connsiteX3" y="connsiteY3"/>
+              </a:cxn>
+              <a:cxn ang="0">
+                <a:pos x="connsiteX4" y="connsiteY4"/>
+              </a:cxn>
+              <a:cxn ang="0">
+                <a:pos x="connsiteX5" y="connsiteY5"/>
+              </a:cxn>
+              <a:cxn ang="0">
+                <a:pos x="connsiteX6" y="connsiteY6"/>
+              </a:cxn>
+              <a:cxn ang="0">
+                <a:pos x="connsiteX7" y="connsiteY7"/>
+              </a:cxn>
+              <a:cxn ang="0">
+                <a:pos x="connsiteX8" y="connsiteY8"/>
+              </a:cxn>
+              <a:cxn ang="0">
+                <a:pos x="connsiteX9" y="connsiteY9"/>
+              </a:cxn>
+              <a:cxn ang="0">
+                <a:pos x="connsiteX10" y="connsiteY10"/>
+              </a:cxn>
+              <a:cxn ang="0">
+                <a:pos x="connsiteX11" y="connsiteY11"/>
+              </a:cxn>
+              <a:cxn ang="0">
+                <a:pos x="connsiteX12" y="connsiteY12"/>
+              </a:cxn>
+              <a:cxn ang="0">
+                <a:pos x="connsiteX13" y="connsiteY13"/>
+              </a:cxn>
+              <a:cxn ang="0">
+                <a:pos x="connsiteX14" y="connsiteY14"/>
+              </a:cxn>
+              <a:cxn ang="0">
+                <a:pos x="connsiteX15" y="connsiteY15"/>
+              </a:cxn>
+              <a:cxn ang="0">
+                <a:pos x="connsiteX16" y="connsiteY16"/>
+              </a:cxn>
+              <a:cxn ang="0">
+                <a:pos x="connsiteX17" y="connsiteY17"/>
+              </a:cxn>
+              <a:cxn ang="0">
+                <a:pos x="connsiteX18" y="connsiteY18"/>
+              </a:cxn>
+              <a:cxn ang="0">
+                <a:pos x="connsiteX19" y="connsiteY19"/>
+              </a:cxn>
+              <a:cxn ang="0">
+                <a:pos x="connsiteX20" y="connsiteY20"/>
+              </a:cxn>
+              <a:cxn ang="0">
+                <a:pos x="connsiteX21" y="connsiteY21"/>
+              </a:cxn>
+              <a:cxn ang="0">
+                <a:pos x="connsiteX22" y="connsiteY22"/>
+              </a:cxn>
+              <a:cxn ang="0">
+                <a:pos x="connsiteX23" y="connsiteY23"/>
+              </a:cxn>
+              <a:cxn ang="0">
+                <a:pos x="connsiteX24" y="connsiteY24"/>
+              </a:cxn>
+              <a:cxn ang="0">
+                <a:pos x="connsiteX25" y="connsiteY25"/>
+              </a:cxn>
+              <a:cxn ang="0">
+                <a:pos x="connsiteX26" y="connsiteY26"/>
+              </a:cxn>
+              <a:cxn ang="0">
+                <a:pos x="connsiteX27" y="connsiteY27"/>
+              </a:cxn>
+            </a:cxnLst>
+            <a:rect l="l" t="t" r="r" b="b"/>
+            <a:pathLst>
+              <a:path w="1678552" h="86135">
+                <a:moveTo>
+                  <a:pt x="1529768" y="0"/>
+                </a:moveTo>
+                <a:lnTo>
+                  <a:pt x="1678552" y="0"/>
+                </a:lnTo>
+                <a:lnTo>
+                  <a:pt x="1599829" y="86135"/>
+                </a:lnTo>
+                <a:lnTo>
+                  <a:pt x="1451045" y="86135"/>
+                </a:lnTo>
+                <a:close/>
+                <a:moveTo>
+                  <a:pt x="1287928" y="0"/>
+                </a:moveTo>
+                <a:lnTo>
+                  <a:pt x="1436712" y="0"/>
+                </a:lnTo>
+                <a:lnTo>
+                  <a:pt x="1357989" y="86135"/>
+                </a:lnTo>
+                <a:lnTo>
+                  <a:pt x="1209205" y="86135"/>
+                </a:lnTo>
+                <a:close/>
+                <a:moveTo>
+                  <a:pt x="1046087" y="0"/>
+                </a:moveTo>
+                <a:lnTo>
+                  <a:pt x="1194871" y="0"/>
+                </a:lnTo>
+                <a:lnTo>
+                  <a:pt x="1116148" y="86135"/>
+                </a:lnTo>
+                <a:lnTo>
+                  <a:pt x="967364" y="86135"/>
+                </a:lnTo>
+                <a:close/>
+                <a:moveTo>
+                  <a:pt x="804246" y="0"/>
+                </a:moveTo>
+                <a:lnTo>
+                  <a:pt x="953030" y="0"/>
+                </a:lnTo>
+                <a:lnTo>
+                  <a:pt x="874307" y="86135"/>
+                </a:lnTo>
+                <a:lnTo>
+                  <a:pt x="725523" y="86135"/>
+                </a:lnTo>
+                <a:close/>
+                <a:moveTo>
+                  <a:pt x="562405" y="0"/>
+                </a:moveTo>
+                <a:lnTo>
+                  <a:pt x="711189" y="0"/>
+                </a:lnTo>
+                <a:lnTo>
+                  <a:pt x="632466" y="86135"/>
+                </a:lnTo>
+                <a:lnTo>
+                  <a:pt x="483682" y="86135"/>
+                </a:lnTo>
+                <a:close/>
+                <a:moveTo>
+                  <a:pt x="320564" y="0"/>
+                </a:moveTo>
+                <a:lnTo>
+                  <a:pt x="469348" y="0"/>
+                </a:lnTo>
+                <a:lnTo>
+                  <a:pt x="390625" y="86135"/>
+                </a:lnTo>
+                <a:lnTo>
+                  <a:pt x="241841" y="86135"/>
+                </a:lnTo>
+                <a:close/>
+                <a:moveTo>
+                  <a:pt x="78723" y="0"/>
+                </a:moveTo>
+                <a:lnTo>
+                  <a:pt x="227507" y="0"/>
+                </a:lnTo>
+                <a:lnTo>
+                  <a:pt x="148784" y="86135"/>
+                </a:lnTo>
+                <a:lnTo>
+                  <a:pt x="0" y="86135"/>
+                </a:lnTo>
+                <a:close/>
+              </a:path>
+            </a:pathLst>
+          </a:custGeom>
+          <a:gradFill flip="none" rotWithShape="1">
+            <a:gsLst>
+              <a:gs pos="0">
+                <a:schemeClr val="accent1">
+                  <a:alpha val="0"/>
+                </a:schemeClr>
+              </a:gs>
+              <a:gs pos="100000">
+                <a:schemeClr val="accent1"/>
+              </a:gs>
+            </a:gsLst>
+            <a:lin ang="10800000" scaled="1"/>
+            <a:tileRect/>
+          </a:gradFill>
+          <a:ln>
+            <a:noFill/>
+            <a:prstDash val="solid"/>
+          </a:ln>
+        </p:spPr>
+        <p:style>
+          <a:lnRef idx="2">
+            <a:schemeClr val="accent1">
+              <a:shade val="50000"/>
+            </a:schemeClr>
+          </a:lnRef>
+          <a:fillRef idx="1">
+            <a:schemeClr val="accent1"/>
+          </a:fillRef>
+          <a:effectRef idx="0">
+            <a:schemeClr val="accent1"/>
+          </a:effectRef>
+          <a:fontRef idx="minor">
+            <a:schemeClr val="lt1"/>
+          </a:fontRef>
+        </p:style>
+        <p:txBody>
+          <a:bodyPr wrap="square" rtlCol="0" anchor="ctr">
+            <a:noAutofit/>
+          </a:bodyPr>
+          <a:lstStyle/>
+          <a:p>
+            <a:pPr algn="ctr"/>
+            <a:endParaRPr lang="zh-CN" altLang="en-US">
+              <a:cs typeface="MiSans Light" panose="00000400000000000000" pitchFamily="2" charset="-122"/>
+            </a:endParaRPr>
+          </a:p>
+        </p:txBody>
+      </p:sp>
+      <p:sp>
+        <p:nvSpPr>
+          <p:cNvPr id="28" name="任意多边形: 形状 27"/>
+          <p:cNvSpPr/>
+          <p:nvPr>
+            <p:custDataLst>
+              <p:tags r:id="rId12"/>
+            </p:custDataLst>
+          </p:nvPr>
+        </p:nvSpPr>
+        <p:spPr>
+          <a:xfrm>
+            <a:off x="536555" y="2502972"/>
+            <a:ext cx="11191916" cy="3555117"/>
+          </a:xfrm>
+          <a:custGeom>
+            <a:avLst/>
+            <a:gdLst>
+              <a:gd name="connsiteX0" fmla="*/ 192500 w 11191916"/>
+              <a:gd name="connsiteY0" fmla="*/ 0 h 3555117"/>
+              <a:gd name="connsiteX1" fmla="*/ 8371971 w 11191916"/>
+              <a:gd name="connsiteY1" fmla="*/ 0 h 3555117"/>
+              <a:gd name="connsiteX2" fmla="*/ 8373763 w 11191916"/>
+              <a:gd name="connsiteY2" fmla="*/ 1792 h 3555117"/>
+              <a:gd name="connsiteX3" fmla="*/ 10331655 w 11191916"/>
+              <a:gd name="connsiteY3" fmla="*/ 1792 h 3555117"/>
+              <a:gd name="connsiteX4" fmla="*/ 10496247 w 11191916"/>
+              <a:gd name="connsiteY4" fmla="*/ 166384 h 3555117"/>
+              <a:gd name="connsiteX5" fmla="*/ 10821367 w 11191916"/>
+              <a:gd name="connsiteY5" fmla="*/ 166384 h 3555117"/>
+              <a:gd name="connsiteX6" fmla="*/ 11191916 w 11191916"/>
+              <a:gd name="connsiteY6" fmla="*/ 536933 h 3555117"/>
+              <a:gd name="connsiteX7" fmla="*/ 11191916 w 11191916"/>
+              <a:gd name="connsiteY7" fmla="*/ 1359091 h 3555117"/>
+              <a:gd name="connsiteX8" fmla="*/ 11191916 w 11191916"/>
+              <a:gd name="connsiteY8" fmla="*/ 1545577 h 3555117"/>
+              <a:gd name="connsiteX9" fmla="*/ 11191916 w 11191916"/>
+              <a:gd name="connsiteY9" fmla="*/ 1603733 h 3555117"/>
+              <a:gd name="connsiteX10" fmla="*/ 11191916 w 11191916"/>
+              <a:gd name="connsiteY10" fmla="*/ 2367735 h 3555117"/>
+              <a:gd name="connsiteX11" fmla="*/ 11191916 w 11191916"/>
+              <a:gd name="connsiteY11" fmla="*/ 2425891 h 3555117"/>
+              <a:gd name="connsiteX12" fmla="*/ 11191916 w 11191916"/>
+              <a:gd name="connsiteY12" fmla="*/ 2612377 h 3555117"/>
+              <a:gd name="connsiteX13" fmla="*/ 11191916 w 11191916"/>
+              <a:gd name="connsiteY13" fmla="*/ 3434535 h 3555117"/>
+              <a:gd name="connsiteX14" fmla="*/ 11071334 w 11191916"/>
+              <a:gd name="connsiteY14" fmla="*/ 3555117 h 3555117"/>
+              <a:gd name="connsiteX15" fmla="*/ 5947729 w 11191916"/>
+              <a:gd name="connsiteY15" fmla="*/ 3555117 h 3555117"/>
+              <a:gd name="connsiteX16" fmla="*/ 5945937 w 11191916"/>
+              <a:gd name="connsiteY16" fmla="*/ 3553325 h 3555117"/>
+              <a:gd name="connsiteX17" fmla="*/ 3988045 w 11191916"/>
+              <a:gd name="connsiteY17" fmla="*/ 3553325 h 3555117"/>
+              <a:gd name="connsiteX18" fmla="*/ 3897596 w 11191916"/>
+              <a:gd name="connsiteY18" fmla="*/ 3462876 h 3555117"/>
+              <a:gd name="connsiteX19" fmla="*/ 2551241 w 11191916"/>
+              <a:gd name="connsiteY19" fmla="*/ 3462876 h 3555117"/>
+              <a:gd name="connsiteX20" fmla="*/ 2549449 w 11191916"/>
+              <a:gd name="connsiteY20" fmla="*/ 3461084 h 3555117"/>
+              <a:gd name="connsiteX21" fmla="*/ 591556 w 11191916"/>
+              <a:gd name="connsiteY21" fmla="*/ 3461084 h 3555117"/>
+              <a:gd name="connsiteX22" fmla="*/ 0 w 11191916"/>
+              <a:gd name="connsiteY22" fmla="*/ 2869528 h 3555117"/>
+              <a:gd name="connsiteX23" fmla="*/ 0 w 11191916"/>
+              <a:gd name="connsiteY23" fmla="*/ 1259300 h 3555117"/>
+              <a:gd name="connsiteX24" fmla="*/ 0 w 11191916"/>
+              <a:gd name="connsiteY24" fmla="*/ 1259300 h 3555117"/>
+              <a:gd name="connsiteX25" fmla="*/ 0 w 11191916"/>
+              <a:gd name="connsiteY25" fmla="*/ 192500 h 3555117"/>
+            </a:gdLst>
+            <a:ahLst/>
+            <a:cxnLst>
+              <a:cxn ang="0">
+                <a:pos x="connsiteX0" y="connsiteY0"/>
+              </a:cxn>
+              <a:cxn ang="0">
+                <a:pos x="connsiteX1" y="connsiteY1"/>
+              </a:cxn>
+              <a:cxn ang="0">
+                <a:pos x="connsiteX2" y="connsiteY2"/>
+              </a:cxn>
+              <a:cxn ang="0">
+                <a:pos x="connsiteX3" y="connsiteY3"/>
+              </a:cxn>
+              <a:cxn ang="0">
+                <a:pos x="connsiteX4" y="connsiteY4"/>
+              </a:cxn>
+              <a:cxn ang="0">
+                <a:pos x="connsiteX5" y="connsiteY5"/>
+              </a:cxn>
+              <a:cxn ang="0">
+                <a:pos x="connsiteX6" y="connsiteY6"/>
+              </a:cxn>
+              <a:cxn ang="0">
+                <a:pos x="connsiteX7" y="connsiteY7"/>
+              </a:cxn>
+              <a:cxn ang="0">
+                <a:pos x="connsiteX8" y="connsiteY8"/>
+              </a:cxn>
+              <a:cxn ang="0">
+                <a:pos x="connsiteX9" y="connsiteY9"/>
+              </a:cxn>
+              <a:cxn ang="0">
+                <a:pos x="connsiteX10" y="connsiteY10"/>
+              </a:cxn>
+              <a:cxn ang="0">
+                <a:pos x="connsiteX11" y="connsiteY11"/>
+              </a:cxn>
+              <a:cxn ang="0">
+                <a:pos x="connsiteX12" y="connsiteY12"/>
+              </a:cxn>
+              <a:cxn ang="0">
+                <a:pos x="connsiteX13" y="connsiteY13"/>
+              </a:cxn>
+              <a:cxn ang="0">
+                <a:pos x="connsiteX14" y="connsiteY14"/>
+              </a:cxn>
+              <a:cxn ang="0">
+                <a:pos x="connsiteX15" y="connsiteY15"/>
+              </a:cxn>
+              <a:cxn ang="0">
+                <a:pos x="connsiteX16" y="connsiteY16"/>
+              </a:cxn>
+              <a:cxn ang="0">
+                <a:pos x="connsiteX17" y="connsiteY17"/>
+              </a:cxn>
+              <a:cxn ang="0">
+                <a:pos x="connsiteX18" y="connsiteY18"/>
+              </a:cxn>
+              <a:cxn ang="0">
+                <a:pos x="connsiteX19" y="connsiteY19"/>
+              </a:cxn>
+              <a:cxn ang="0">
+                <a:pos x="connsiteX20" y="connsiteY20"/>
+              </a:cxn>
+              <a:cxn ang="0">
+                <a:pos x="connsiteX21" y="connsiteY21"/>
+              </a:cxn>
+              <a:cxn ang="0">
+                <a:pos x="connsiteX22" y="connsiteY22"/>
+              </a:cxn>
+              <a:cxn ang="0">
+                <a:pos x="connsiteX23" y="connsiteY23"/>
+              </a:cxn>
+              <a:cxn ang="0">
+                <a:pos x="connsiteX24" y="connsiteY24"/>
+              </a:cxn>
+              <a:cxn ang="0">
+                <a:pos x="connsiteX25" y="connsiteY25"/>
+              </a:cxn>
+            </a:cxnLst>
+            <a:rect l="l" t="t" r="r" b="b"/>
+            <a:pathLst>
+              <a:path w="11191916" h="3555117">
+                <a:moveTo>
+                  <a:pt x="192500" y="0"/>
+                </a:moveTo>
+                <a:lnTo>
+                  <a:pt x="8371971" y="0"/>
+                </a:lnTo>
+                <a:lnTo>
+                  <a:pt x="8373763" y="1792"/>
+                </a:lnTo>
+                <a:lnTo>
+                  <a:pt x="10331655" y="1792"/>
+                </a:lnTo>
+                <a:lnTo>
+                  <a:pt x="10496247" y="166384"/>
+                </a:lnTo>
+                <a:lnTo>
+                  <a:pt x="10821367" y="166384"/>
+                </a:lnTo>
+                <a:lnTo>
+                  <a:pt x="11191916" y="536933"/>
+                </a:lnTo>
+                <a:lnTo>
+                  <a:pt x="11191916" y="1359091"/>
+                </a:lnTo>
+                <a:lnTo>
+                  <a:pt x="11191916" y="1545577"/>
+                </a:lnTo>
+                <a:lnTo>
+                  <a:pt x="11191916" y="1603733"/>
+                </a:lnTo>
+                <a:lnTo>
+                  <a:pt x="11191916" y="2367735"/>
+                </a:lnTo>
+                <a:lnTo>
+                  <a:pt x="11191916" y="2425891"/>
+                </a:lnTo>
+                <a:lnTo>
+                  <a:pt x="11191916" y="2612377"/>
+                </a:lnTo>
+                <a:lnTo>
+                  <a:pt x="11191916" y="3434535"/>
+                </a:lnTo>
+                <a:lnTo>
+                  <a:pt x="11071334" y="3555117"/>
+                </a:lnTo>
+                <a:lnTo>
+                  <a:pt x="5947729" y="3555117"/>
+                </a:lnTo>
+                <a:lnTo>
+                  <a:pt x="5945937" y="3553325"/>
+                </a:lnTo>
+                <a:lnTo>
+                  <a:pt x="3988045" y="3553325"/>
+                </a:lnTo>
+                <a:lnTo>
+                  <a:pt x="3897596" y="3462876"/>
+                </a:lnTo>
+                <a:lnTo>
+                  <a:pt x="2551241" y="3462876"/>
+                </a:lnTo>
+                <a:lnTo>
+                  <a:pt x="2549449" y="3461084"/>
+                </a:lnTo>
+                <a:lnTo>
+                  <a:pt x="591556" y="3461084"/>
+                </a:lnTo>
+                <a:lnTo>
+                  <a:pt x="0" y="2869528"/>
+                </a:lnTo>
+                <a:lnTo>
+                  <a:pt x="0" y="1259300"/>
+                </a:lnTo>
+                <a:lnTo>
+                  <a:pt x="0" y="1259300"/>
+                </a:lnTo>
+                <a:lnTo>
+                  <a:pt x="0" y="192500"/>
+                </a:lnTo>
+                <a:close/>
+              </a:path>
+            </a:pathLst>
+          </a:custGeom>
+          <a:solidFill>
+            <a:srgbClr val="000203"/>
+          </a:solidFill>
+          <a:ln>
+            <a:solidFill>
+              <a:schemeClr val="accent1"/>
+            </a:solidFill>
+            <a:prstDash val="solid"/>
+          </a:ln>
+          <a:effectLst>
+            <a:innerShdw blurRad="571500">
+              <a:schemeClr val="accent1">
+                <a:alpha val="60000"/>
+              </a:schemeClr>
+            </a:innerShdw>
+          </a:effectLst>
+        </p:spPr>
+        <p:style>
+          <a:lnRef idx="2">
+            <a:schemeClr val="accent1">
+              <a:shade val="50000"/>
+            </a:schemeClr>
+          </a:lnRef>
+          <a:fillRef idx="1">
+            <a:schemeClr val="accent1"/>
+          </a:fillRef>
+          <a:effectRef idx="0">
+            <a:schemeClr val="accent1"/>
+          </a:effectRef>
+          <a:fontRef idx="minor">
+            <a:schemeClr val="lt1"/>
+          </a:fontRef>
+        </p:style>
+        <p:txBody>
+          <a:bodyPr wrap="square" rtlCol="0" anchor="ctr">
+            <a:noAutofit/>
+          </a:bodyPr>
+          <a:lstStyle/>
+          <a:p>
+            <a:pPr algn="ctr"/>
+            <a:endParaRPr lang="zh-CN" altLang="en-US">
+              <a:cs typeface="MiSans Light" panose="00000400000000000000" pitchFamily="2" charset="-122"/>
+            </a:endParaRPr>
+          </a:p>
+        </p:txBody>
+      </p:sp>
+      <p:cxnSp>
+        <p:nvCxnSpPr>
+          <p:cNvPr id="29" name="直接连接符 28"/>
+          <p:cNvCxnSpPr>
+            <a:stCxn id="28" idx="25"/>
+            <a:endCxn id="28" idx="4"/>
+          </p:cNvCxnSpPr>
+          <p:nvPr>
+            <p:custDataLst>
+              <p:tags r:id="rId13"/>
+            </p:custDataLst>
+          </p:nvPr>
+        </p:nvCxnSpPr>
+        <p:spPr>
+          <a:xfrm flipV="1">
+            <a:off x="536555" y="2669356"/>
+            <a:ext cx="10496247" cy="26116"/>
+          </a:xfrm>
+          <a:prstGeom prst="line">
+            <a:avLst/>
+          </a:prstGeom>
+          <a:ln>
+            <a:solidFill>
+              <a:schemeClr val="accent1"/>
+            </a:solidFill>
+          </a:ln>
+        </p:spPr>
+        <p:style>
+          <a:lnRef idx="1">
+            <a:schemeClr val="accent1"/>
+          </a:lnRef>
+          <a:fillRef idx="0">
+            <a:schemeClr val="accent1"/>
+          </a:fillRef>
+          <a:effectRef idx="0">
+            <a:schemeClr val="accent1"/>
+          </a:effectRef>
+          <a:fontRef idx="minor">
+            <a:schemeClr val="tx1"/>
+          </a:fontRef>
+        </p:style>
+      </p:cxnSp>
+      <p:sp>
+        <p:nvSpPr>
+          <p:cNvPr id="54" name="任意多边形: 形状 53"/>
+          <p:cNvSpPr/>
+          <p:nvPr>
+            <p:custDataLst>
+              <p:tags r:id="rId14"/>
+            </p:custDataLst>
+          </p:nvPr>
+        </p:nvSpPr>
+        <p:spPr>
+          <a:xfrm>
+            <a:off x="690426" y="2559452"/>
+            <a:ext cx="1959323" cy="86135"/>
+          </a:xfrm>
+          <a:custGeom>
+            <a:avLst/>
+            <a:gdLst>
+              <a:gd name="connsiteX0" fmla="*/ 1810539 w 1959323"/>
+              <a:gd name="connsiteY0" fmla="*/ 0 h 86135"/>
+              <a:gd name="connsiteX1" fmla="*/ 1959323 w 1959323"/>
+              <a:gd name="connsiteY1" fmla="*/ 0 h 86135"/>
+              <a:gd name="connsiteX2" fmla="*/ 1880600 w 1959323"/>
+              <a:gd name="connsiteY2" fmla="*/ 86135 h 86135"/>
+              <a:gd name="connsiteX3" fmla="*/ 1731816 w 1959323"/>
+              <a:gd name="connsiteY3" fmla="*/ 86135 h 86135"/>
+              <a:gd name="connsiteX4" fmla="*/ 1563135 w 1959323"/>
+              <a:gd name="connsiteY4" fmla="*/ 0 h 86135"/>
+              <a:gd name="connsiteX5" fmla="*/ 1711919 w 1959323"/>
+              <a:gd name="connsiteY5" fmla="*/ 0 h 86135"/>
+              <a:gd name="connsiteX6" fmla="*/ 1633196 w 1959323"/>
+              <a:gd name="connsiteY6" fmla="*/ 86135 h 86135"/>
+              <a:gd name="connsiteX7" fmla="*/ 1484412 w 1959323"/>
+              <a:gd name="connsiteY7" fmla="*/ 86135 h 86135"/>
+              <a:gd name="connsiteX8" fmla="*/ 1315733 w 1959323"/>
+              <a:gd name="connsiteY8" fmla="*/ 0 h 86135"/>
+              <a:gd name="connsiteX9" fmla="*/ 1464517 w 1959323"/>
+              <a:gd name="connsiteY9" fmla="*/ 0 h 86135"/>
+              <a:gd name="connsiteX10" fmla="*/ 1385794 w 1959323"/>
+              <a:gd name="connsiteY10" fmla="*/ 86135 h 86135"/>
+              <a:gd name="connsiteX11" fmla="*/ 1237010 w 1959323"/>
+              <a:gd name="connsiteY11" fmla="*/ 86135 h 86135"/>
+              <a:gd name="connsiteX12" fmla="*/ 1068331 w 1959323"/>
+              <a:gd name="connsiteY12" fmla="*/ 0 h 86135"/>
+              <a:gd name="connsiteX13" fmla="*/ 1217115 w 1959323"/>
+              <a:gd name="connsiteY13" fmla="*/ 0 h 86135"/>
+              <a:gd name="connsiteX14" fmla="*/ 1138392 w 1959323"/>
+              <a:gd name="connsiteY14" fmla="*/ 86135 h 86135"/>
+              <a:gd name="connsiteX15" fmla="*/ 989608 w 1959323"/>
+              <a:gd name="connsiteY15" fmla="*/ 86135 h 86135"/>
+              <a:gd name="connsiteX16" fmla="*/ 820929 w 1959323"/>
+              <a:gd name="connsiteY16" fmla="*/ 0 h 86135"/>
+              <a:gd name="connsiteX17" fmla="*/ 969713 w 1959323"/>
+              <a:gd name="connsiteY17" fmla="*/ 0 h 86135"/>
+              <a:gd name="connsiteX18" fmla="*/ 890990 w 1959323"/>
+              <a:gd name="connsiteY18" fmla="*/ 86135 h 86135"/>
+              <a:gd name="connsiteX19" fmla="*/ 742206 w 1959323"/>
+              <a:gd name="connsiteY19" fmla="*/ 86135 h 86135"/>
+              <a:gd name="connsiteX20" fmla="*/ 573527 w 1959323"/>
+              <a:gd name="connsiteY20" fmla="*/ 0 h 86135"/>
+              <a:gd name="connsiteX21" fmla="*/ 722311 w 1959323"/>
+              <a:gd name="connsiteY21" fmla="*/ 0 h 86135"/>
+              <a:gd name="connsiteX22" fmla="*/ 643588 w 1959323"/>
+              <a:gd name="connsiteY22" fmla="*/ 86135 h 86135"/>
+              <a:gd name="connsiteX23" fmla="*/ 494804 w 1959323"/>
+              <a:gd name="connsiteY23" fmla="*/ 86135 h 86135"/>
+              <a:gd name="connsiteX24" fmla="*/ 326125 w 1959323"/>
+              <a:gd name="connsiteY24" fmla="*/ 0 h 86135"/>
+              <a:gd name="connsiteX25" fmla="*/ 474909 w 1959323"/>
+              <a:gd name="connsiteY25" fmla="*/ 0 h 86135"/>
+              <a:gd name="connsiteX26" fmla="*/ 396186 w 1959323"/>
+              <a:gd name="connsiteY26" fmla="*/ 86135 h 86135"/>
+              <a:gd name="connsiteX27" fmla="*/ 247402 w 1959323"/>
+              <a:gd name="connsiteY27" fmla="*/ 86135 h 86135"/>
+              <a:gd name="connsiteX28" fmla="*/ 78723 w 1959323"/>
+              <a:gd name="connsiteY28" fmla="*/ 0 h 86135"/>
+              <a:gd name="connsiteX29" fmla="*/ 227507 w 1959323"/>
+              <a:gd name="connsiteY29" fmla="*/ 0 h 86135"/>
+              <a:gd name="connsiteX30" fmla="*/ 148784 w 1959323"/>
+              <a:gd name="connsiteY30" fmla="*/ 86135 h 86135"/>
+              <a:gd name="connsiteX31" fmla="*/ 0 w 1959323"/>
+              <a:gd name="connsiteY31" fmla="*/ 86135 h 86135"/>
+            </a:gdLst>
+            <a:ahLst/>
+            <a:cxnLst>
+              <a:cxn ang="0">
+                <a:pos x="connsiteX0" y="connsiteY0"/>
+              </a:cxn>
+              <a:cxn ang="0">
+                <a:pos x="connsiteX1" y="connsiteY1"/>
+              </a:cxn>
+              <a:cxn ang="0">
+                <a:pos x="connsiteX2" y="connsiteY2"/>
+              </a:cxn>
+              <a:cxn ang="0">
+                <a:pos x="connsiteX3" y="connsiteY3"/>
+              </a:cxn>
+              <a:cxn ang="0">
+                <a:pos x="connsiteX4" y="connsiteY4"/>
+              </a:cxn>
+              <a:cxn ang="0">
+                <a:pos x="connsiteX5" y="connsiteY5"/>
+              </a:cxn>
+              <a:cxn ang="0">
+                <a:pos x="connsiteX6" y="connsiteY6"/>
+              </a:cxn>
+              <a:cxn ang="0">
+                <a:pos x="connsiteX7" y="connsiteY7"/>
+              </a:cxn>
+              <a:cxn ang="0">
+                <a:pos x="connsiteX8" y="connsiteY8"/>
+              </a:cxn>
+              <a:cxn ang="0">
+                <a:pos x="connsiteX9" y="connsiteY9"/>
+              </a:cxn>
+              <a:cxn ang="0">
+                <a:pos x="connsiteX10" y="connsiteY10"/>
+              </a:cxn>
+              <a:cxn ang="0">
+                <a:pos x="connsiteX11" y="connsiteY11"/>
+              </a:cxn>
+              <a:cxn ang="0">
+                <a:pos x="connsiteX12" y="connsiteY12"/>
+              </a:cxn>
+              <a:cxn ang="0">
+                <a:pos x="connsiteX13" y="connsiteY13"/>
+              </a:cxn>
+              <a:cxn ang="0">
+                <a:pos x="connsiteX14" y="connsiteY14"/>
+              </a:cxn>
+              <a:cxn ang="0">
+                <a:pos x="connsiteX15" y="connsiteY15"/>
+              </a:cxn>
+              <a:cxn ang="0">
+                <a:pos x="connsiteX16" y="connsiteY16"/>
+              </a:cxn>
+              <a:cxn ang="0">
+                <a:pos x="connsiteX17" y="connsiteY17"/>
+              </a:cxn>
+              <a:cxn ang="0">
+                <a:pos x="connsiteX18" y="connsiteY18"/>
+              </a:cxn>
+              <a:cxn ang="0">
+                <a:pos x="connsiteX19" y="connsiteY19"/>
+              </a:cxn>
+              <a:cxn ang="0">
+                <a:pos x="connsiteX20" y="connsiteY20"/>
+              </a:cxn>
+              <a:cxn ang="0">
+                <a:pos x="connsiteX21" y="connsiteY21"/>
+              </a:cxn>
+              <a:cxn ang="0">
+                <a:pos x="connsiteX22" y="connsiteY22"/>
+              </a:cxn>
+              <a:cxn ang="0">
+                <a:pos x="connsiteX23" y="connsiteY23"/>
+              </a:cxn>
+              <a:cxn ang="0">
+                <a:pos x="connsiteX24" y="connsiteY24"/>
+              </a:cxn>
+              <a:cxn ang="0">
+                <a:pos x="connsiteX25" y="connsiteY25"/>
+              </a:cxn>
+              <a:cxn ang="0">
+                <a:pos x="connsiteX26" y="connsiteY26"/>
+              </a:cxn>
+              <a:cxn ang="0">
+                <a:pos x="connsiteX27" y="connsiteY27"/>
+              </a:cxn>
+              <a:cxn ang="0">
+                <a:pos x="connsiteX28" y="connsiteY28"/>
+              </a:cxn>
+              <a:cxn ang="0">
+                <a:pos x="connsiteX29" y="connsiteY29"/>
+              </a:cxn>
+              <a:cxn ang="0">
+                <a:pos x="connsiteX30" y="connsiteY30"/>
+              </a:cxn>
+              <a:cxn ang="0">
+                <a:pos x="connsiteX31" y="connsiteY31"/>
+              </a:cxn>
+            </a:cxnLst>
+            <a:rect l="l" t="t" r="r" b="b"/>
+            <a:pathLst>
+              <a:path w="1959323" h="86135">
+                <a:moveTo>
+                  <a:pt x="1810539" y="0"/>
+                </a:moveTo>
+                <a:lnTo>
+                  <a:pt x="1959323" y="0"/>
+                </a:lnTo>
+                <a:lnTo>
+                  <a:pt x="1880600" y="86135"/>
+                </a:lnTo>
+                <a:lnTo>
+                  <a:pt x="1731816" y="86135"/>
+                </a:lnTo>
+                <a:close/>
+                <a:moveTo>
+                  <a:pt x="1563135" y="0"/>
+                </a:moveTo>
+                <a:lnTo>
+                  <a:pt x="1711919" y="0"/>
+                </a:lnTo>
+                <a:lnTo>
+                  <a:pt x="1633196" y="86135"/>
+                </a:lnTo>
+                <a:lnTo>
+                  <a:pt x="1484412" y="86135"/>
+                </a:lnTo>
+                <a:close/>
+                <a:moveTo>
+                  <a:pt x="1315733" y="0"/>
+                </a:moveTo>
+                <a:lnTo>
+                  <a:pt x="1464517" y="0"/>
+                </a:lnTo>
+                <a:lnTo>
+                  <a:pt x="1385794" y="86135"/>
+                </a:lnTo>
+                <a:lnTo>
+                  <a:pt x="1237010" y="86135"/>
+                </a:lnTo>
+                <a:close/>
+                <a:moveTo>
+                  <a:pt x="1068331" y="0"/>
+                </a:moveTo>
+                <a:lnTo>
+                  <a:pt x="1217115" y="0"/>
+                </a:lnTo>
+                <a:lnTo>
+                  <a:pt x="1138392" y="86135"/>
+                </a:lnTo>
+                <a:lnTo>
+                  <a:pt x="989608" y="86135"/>
+                </a:lnTo>
+                <a:close/>
+                <a:moveTo>
+                  <a:pt x="820929" y="0"/>
+                </a:moveTo>
+                <a:lnTo>
+                  <a:pt x="969713" y="0"/>
+                </a:lnTo>
+                <a:lnTo>
+                  <a:pt x="890990" y="86135"/>
+                </a:lnTo>
+                <a:lnTo>
+                  <a:pt x="742206" y="86135"/>
+                </a:lnTo>
+                <a:close/>
+                <a:moveTo>
+                  <a:pt x="573527" y="0"/>
+                </a:moveTo>
+                <a:lnTo>
+                  <a:pt x="722311" y="0"/>
+                </a:lnTo>
+                <a:lnTo>
+                  <a:pt x="643588" y="86135"/>
+                </a:lnTo>
+                <a:lnTo>
+                  <a:pt x="494804" y="86135"/>
+                </a:lnTo>
+                <a:close/>
+                <a:moveTo>
+                  <a:pt x="326125" y="0"/>
+                </a:moveTo>
+                <a:lnTo>
+                  <a:pt x="474909" y="0"/>
+                </a:lnTo>
+                <a:lnTo>
+                  <a:pt x="396186" y="86135"/>
+                </a:lnTo>
+                <a:lnTo>
+                  <a:pt x="247402" y="86135"/>
+                </a:lnTo>
+                <a:close/>
+                <a:moveTo>
+                  <a:pt x="78723" y="0"/>
+                </a:moveTo>
+                <a:lnTo>
+                  <a:pt x="227507" y="0"/>
+                </a:lnTo>
+                <a:lnTo>
+                  <a:pt x="148784" y="86135"/>
+                </a:lnTo>
+                <a:lnTo>
+                  <a:pt x="0" y="86135"/>
+                </a:lnTo>
+                <a:close/>
+              </a:path>
+            </a:pathLst>
+          </a:custGeom>
+          <a:gradFill flip="none" rotWithShape="1">
+            <a:gsLst>
+              <a:gs pos="0">
+                <a:schemeClr val="accent1">
+                  <a:alpha val="0"/>
+                </a:schemeClr>
+              </a:gs>
+              <a:gs pos="100000">
+                <a:schemeClr val="accent1"/>
+              </a:gs>
+            </a:gsLst>
+            <a:lin ang="10800000" scaled="1"/>
+            <a:tileRect/>
+          </a:gradFill>
+          <a:ln>
+            <a:noFill/>
+            <a:prstDash val="solid"/>
+          </a:ln>
+        </p:spPr>
+        <p:style>
+          <a:lnRef idx="2">
+            <a:schemeClr val="accent1">
+              <a:shade val="50000"/>
+            </a:schemeClr>
+          </a:lnRef>
+          <a:fillRef idx="1">
+            <a:schemeClr val="accent1"/>
+          </a:fillRef>
+          <a:effectRef idx="0">
+            <a:schemeClr val="accent1"/>
+          </a:effectRef>
+          <a:fontRef idx="minor">
+            <a:schemeClr val="lt1"/>
+          </a:fontRef>
+        </p:style>
+        <p:txBody>
+          <a:bodyPr wrap="square" rtlCol="0" anchor="ctr">
+            <a:noAutofit/>
+          </a:bodyPr>
+          <a:lstStyle/>
+          <a:p>
+            <a:pPr algn="ctr"/>
+            <a:endParaRPr lang="zh-CN" altLang="en-US">
+              <a:cs typeface="MiSans Light" panose="00000400000000000000" pitchFamily="2" charset="-122"/>
+            </a:endParaRPr>
+          </a:p>
+        </p:txBody>
+      </p:sp>
+      <p:sp>
+        <p:nvSpPr>
+          <p:cNvPr id="43" name="任意多边形: 形状 42"/>
+          <p:cNvSpPr/>
+          <p:nvPr>
+            <p:custDataLst>
+              <p:tags r:id="rId15"/>
+            </p:custDataLst>
+          </p:nvPr>
+        </p:nvSpPr>
+        <p:spPr>
+          <a:xfrm rot="18872075">
+            <a:off x="11576825" y="2590007"/>
+            <a:ext cx="25200" cy="420898"/>
+          </a:xfrm>
+          <a:custGeom>
+            <a:avLst/>
+            <a:gdLst>
+              <a:gd name="connsiteX0" fmla="*/ 0 w 25200"/>
+              <a:gd name="connsiteY0" fmla="*/ 0 h 420898"/>
+              <a:gd name="connsiteX1" fmla="*/ 25200 w 25200"/>
+              <a:gd name="connsiteY1" fmla="*/ 25614 h 420898"/>
+              <a:gd name="connsiteX2" fmla="*/ 25200 w 25200"/>
+              <a:gd name="connsiteY2" fmla="*/ 396103 h 420898"/>
+              <a:gd name="connsiteX3" fmla="*/ 0 w 25200"/>
+              <a:gd name="connsiteY3" fmla="*/ 420898 h 420898"/>
+            </a:gdLst>
+            <a:ahLst/>
+            <a:cxnLst>
+              <a:cxn ang="0">
+                <a:pos x="connsiteX0" y="connsiteY0"/>
+              </a:cxn>
+              <a:cxn ang="0">
+                <a:pos x="connsiteX1" y="connsiteY1"/>
+              </a:cxn>
+              <a:cxn ang="0">
+                <a:pos x="connsiteX2" y="connsiteY2"/>
+              </a:cxn>
+              <a:cxn ang="0">
+                <a:pos x="connsiteX3" y="connsiteY3"/>
+              </a:cxn>
+            </a:cxnLst>
+            <a:rect l="l" t="t" r="r" b="b"/>
+            <a:pathLst>
+              <a:path w="25200" h="420898">
+                <a:moveTo>
+                  <a:pt x="0" y="0"/>
+                </a:moveTo>
+                <a:lnTo>
+                  <a:pt x="25200" y="25614"/>
+                </a:lnTo>
+                <a:lnTo>
+                  <a:pt x="25200" y="396103"/>
+                </a:lnTo>
+                <a:lnTo>
+                  <a:pt x="0" y="420898"/>
+                </a:lnTo>
+                <a:close/>
+              </a:path>
+            </a:pathLst>
+          </a:custGeom>
+          <a:solidFill>
+            <a:schemeClr val="accent1"/>
+          </a:solidFill>
+          <a:ln>
+            <a:noFill/>
+          </a:ln>
+        </p:spPr>
+        <p:style>
+          <a:lnRef idx="2">
+            <a:schemeClr val="accent1">
+              <a:shade val="15000"/>
+            </a:schemeClr>
+          </a:lnRef>
+          <a:fillRef idx="1">
+            <a:schemeClr val="accent1"/>
+          </a:fillRef>
+          <a:effectRef idx="0">
+            <a:schemeClr val="accent1"/>
+          </a:effectRef>
+          <a:fontRef idx="minor">
+            <a:schemeClr val="lt1"/>
+          </a:fontRef>
+        </p:style>
+        <p:txBody>
+          <a:bodyPr wrap="square" rtlCol="0" anchor="ctr">
+            <a:noAutofit/>
+          </a:bodyPr>
+          <a:lstStyle/>
+          <a:p>
+            <a:pPr algn="ctr"/>
+            <a:endParaRPr lang="zh-CN" altLang="en-US"/>
+          </a:p>
+        </p:txBody>
+      </p:sp>
+      <p:sp>
+        <p:nvSpPr>
+          <p:cNvPr id="44" name="任意多边形: 形状 43"/>
+          <p:cNvSpPr/>
+          <p:nvPr>
+            <p:custDataLst>
+              <p:tags r:id="rId16"/>
+            </p:custDataLst>
+          </p:nvPr>
+        </p:nvSpPr>
+        <p:spPr>
+          <a:xfrm rot="18872075">
+            <a:off x="11630473" y="2612484"/>
+            <a:ext cx="25200" cy="270374"/>
+          </a:xfrm>
+          <a:custGeom>
+            <a:avLst/>
+            <a:gdLst>
+              <a:gd name="connsiteX0" fmla="*/ 0 w 25200"/>
+              <a:gd name="connsiteY0" fmla="*/ 0 h 270374"/>
+              <a:gd name="connsiteX1" fmla="*/ 25200 w 25200"/>
+              <a:gd name="connsiteY1" fmla="*/ 25613 h 270374"/>
+              <a:gd name="connsiteX2" fmla="*/ 25200 w 25200"/>
+              <a:gd name="connsiteY2" fmla="*/ 245580 h 270374"/>
+              <a:gd name="connsiteX3" fmla="*/ 0 w 25200"/>
+              <a:gd name="connsiteY3" fmla="*/ 270374 h 270374"/>
+            </a:gdLst>
+            <a:ahLst/>
+            <a:cxnLst>
+              <a:cxn ang="0">
+                <a:pos x="connsiteX0" y="connsiteY0"/>
+              </a:cxn>
+              <a:cxn ang="0">
+                <a:pos x="connsiteX1" y="connsiteY1"/>
+              </a:cxn>
+              <a:cxn ang="0">
+                <a:pos x="connsiteX2" y="connsiteY2"/>
+              </a:cxn>
+              <a:cxn ang="0">
+                <a:pos x="connsiteX3" y="connsiteY3"/>
+              </a:cxn>
+            </a:cxnLst>
+            <a:rect l="l" t="t" r="r" b="b"/>
+            <a:pathLst>
+              <a:path w="25200" h="270374">
+                <a:moveTo>
+                  <a:pt x="0" y="0"/>
+                </a:moveTo>
+                <a:lnTo>
+                  <a:pt x="25200" y="25613"/>
+                </a:lnTo>
+                <a:lnTo>
+                  <a:pt x="25200" y="245580"/>
+                </a:lnTo>
+                <a:lnTo>
+                  <a:pt x="0" y="270374"/>
+                </a:lnTo>
+                <a:close/>
+              </a:path>
+            </a:pathLst>
+          </a:custGeom>
+          <a:solidFill>
+            <a:schemeClr val="accent1"/>
+          </a:solidFill>
+          <a:ln>
+            <a:noFill/>
+          </a:ln>
+        </p:spPr>
+        <p:style>
+          <a:lnRef idx="2">
+            <a:schemeClr val="accent1">
+              <a:shade val="15000"/>
+            </a:schemeClr>
+          </a:lnRef>
+          <a:fillRef idx="1">
+            <a:schemeClr val="accent1"/>
+          </a:fillRef>
+          <a:effectRef idx="0">
+            <a:schemeClr val="accent1"/>
+          </a:effectRef>
+          <a:fontRef idx="minor">
+            <a:schemeClr val="lt1"/>
+          </a:fontRef>
+        </p:style>
+        <p:txBody>
+          <a:bodyPr wrap="square" rtlCol="0" anchor="ctr">
+            <a:noAutofit/>
+          </a:bodyPr>
+          <a:lstStyle/>
+          <a:p>
+            <a:pPr algn="ctr"/>
+            <a:endParaRPr lang="zh-CN" altLang="en-US" dirty="0"/>
+          </a:p>
+        </p:txBody>
+      </p:sp>
+      <p:sp>
+        <p:nvSpPr>
+          <p:cNvPr id="51" name="任意多边形: 形状 50"/>
+          <p:cNvSpPr/>
+          <p:nvPr>
+            <p:custDataLst>
+              <p:tags r:id="rId17"/>
+            </p:custDataLst>
+          </p:nvPr>
+        </p:nvSpPr>
+        <p:spPr>
+          <a:xfrm rot="18872075">
+            <a:off x="659200" y="5566928"/>
+            <a:ext cx="39600" cy="503737"/>
+          </a:xfrm>
+          <a:custGeom>
+            <a:avLst/>
+            <a:gdLst>
+              <a:gd name="connsiteX0" fmla="*/ 39600 w 39600"/>
+              <a:gd name="connsiteY0" fmla="*/ 0 h 503737"/>
+              <a:gd name="connsiteX1" fmla="*/ 39600 w 39600"/>
+              <a:gd name="connsiteY1" fmla="*/ 503737 h 503737"/>
+              <a:gd name="connsiteX2" fmla="*/ 0 w 39600"/>
+              <a:gd name="connsiteY2" fmla="*/ 463488 h 503737"/>
+              <a:gd name="connsiteX3" fmla="*/ 0 w 39600"/>
+              <a:gd name="connsiteY3" fmla="*/ 38962 h 503737"/>
+            </a:gdLst>
+            <a:ahLst/>
+            <a:cxnLst>
+              <a:cxn ang="0">
+                <a:pos x="connsiteX0" y="connsiteY0"/>
+              </a:cxn>
+              <a:cxn ang="0">
+                <a:pos x="connsiteX1" y="connsiteY1"/>
+              </a:cxn>
+              <a:cxn ang="0">
+                <a:pos x="connsiteX2" y="connsiteY2"/>
+              </a:cxn>
+              <a:cxn ang="0">
+                <a:pos x="connsiteX3" y="connsiteY3"/>
+              </a:cxn>
+            </a:cxnLst>
+            <a:rect l="l" t="t" r="r" b="b"/>
+            <a:pathLst>
+              <a:path w="39600" h="503737">
+                <a:moveTo>
+                  <a:pt x="39600" y="0"/>
+                </a:moveTo>
+                <a:lnTo>
+                  <a:pt x="39600" y="503737"/>
+                </a:lnTo>
+                <a:lnTo>
+                  <a:pt x="0" y="463488"/>
+                </a:lnTo>
+                <a:lnTo>
+                  <a:pt x="0" y="38962"/>
+                </a:lnTo>
+                <a:close/>
+              </a:path>
+            </a:pathLst>
+          </a:custGeom>
+          <a:solidFill>
+            <a:schemeClr val="accent1"/>
+          </a:solidFill>
+          <a:ln>
+            <a:noFill/>
+          </a:ln>
+        </p:spPr>
+        <p:style>
+          <a:lnRef idx="2">
+            <a:schemeClr val="accent1">
+              <a:shade val="15000"/>
+            </a:schemeClr>
+          </a:lnRef>
+          <a:fillRef idx="1">
+            <a:schemeClr val="accent1"/>
+          </a:fillRef>
+          <a:effectRef idx="0">
+            <a:schemeClr val="accent1"/>
+          </a:effectRef>
+          <a:fontRef idx="minor">
+            <a:schemeClr val="lt1"/>
+          </a:fontRef>
+        </p:style>
+        <p:txBody>
+          <a:bodyPr wrap="square" rtlCol="0" anchor="ctr">
+            <a:noAutofit/>
+          </a:bodyPr>
+          <a:lstStyle/>
+          <a:p>
+            <a:pPr algn="ctr"/>
+            <a:endParaRPr lang="zh-CN" altLang="en-US" dirty="0"/>
+          </a:p>
+        </p:txBody>
+      </p:sp>
+      <p:sp>
+        <p:nvSpPr>
+          <p:cNvPr id="52" name="任意多边形: 形状 51"/>
+          <p:cNvSpPr/>
+          <p:nvPr>
+            <p:custDataLst>
+              <p:tags r:id="rId18"/>
+            </p:custDataLst>
+          </p:nvPr>
+        </p:nvSpPr>
+        <p:spPr>
+          <a:xfrm rot="18872075">
+            <a:off x="736441" y="5374389"/>
+            <a:ext cx="39600" cy="731114"/>
+          </a:xfrm>
+          <a:custGeom>
+            <a:avLst/>
+            <a:gdLst>
+              <a:gd name="connsiteX0" fmla="*/ 39600 w 39600"/>
+              <a:gd name="connsiteY0" fmla="*/ 0 h 731114"/>
+              <a:gd name="connsiteX1" fmla="*/ 39600 w 39600"/>
+              <a:gd name="connsiteY1" fmla="*/ 731114 h 731114"/>
+              <a:gd name="connsiteX2" fmla="*/ 0 w 39600"/>
+              <a:gd name="connsiteY2" fmla="*/ 690866 h 731114"/>
+              <a:gd name="connsiteX3" fmla="*/ 0 w 39600"/>
+              <a:gd name="connsiteY3" fmla="*/ 38962 h 731114"/>
+            </a:gdLst>
+            <a:ahLst/>
+            <a:cxnLst>
+              <a:cxn ang="0">
+                <a:pos x="connsiteX0" y="connsiteY0"/>
+              </a:cxn>
+              <a:cxn ang="0">
+                <a:pos x="connsiteX1" y="connsiteY1"/>
+              </a:cxn>
+              <a:cxn ang="0">
+                <a:pos x="connsiteX2" y="connsiteY2"/>
+              </a:cxn>
+              <a:cxn ang="0">
+                <a:pos x="connsiteX3" y="connsiteY3"/>
+              </a:cxn>
+            </a:cxnLst>
+            <a:rect l="l" t="t" r="r" b="b"/>
+            <a:pathLst>
+              <a:path w="39600" h="731114">
+                <a:moveTo>
+                  <a:pt x="39600" y="0"/>
+                </a:moveTo>
+                <a:lnTo>
+                  <a:pt x="39600" y="731114"/>
+                </a:lnTo>
+                <a:lnTo>
+                  <a:pt x="0" y="690866"/>
+                </a:lnTo>
+                <a:lnTo>
+                  <a:pt x="0" y="38962"/>
+                </a:lnTo>
+                <a:close/>
+              </a:path>
+            </a:pathLst>
+          </a:custGeom>
+          <a:solidFill>
+            <a:schemeClr val="accent1"/>
+          </a:solidFill>
+          <a:ln>
+            <a:noFill/>
+          </a:ln>
+        </p:spPr>
+        <p:style>
+          <a:lnRef idx="2">
+            <a:schemeClr val="accent1">
+              <a:shade val="15000"/>
+            </a:schemeClr>
+          </a:lnRef>
+          <a:fillRef idx="1">
+            <a:schemeClr val="accent1"/>
+          </a:fillRef>
+          <a:effectRef idx="0">
+            <a:schemeClr val="accent1"/>
+          </a:effectRef>
+          <a:fontRef idx="minor">
+            <a:schemeClr val="lt1"/>
+          </a:fontRef>
+        </p:style>
+        <p:txBody>
+          <a:bodyPr wrap="square" rtlCol="0" anchor="ctr">
+            <a:noAutofit/>
+          </a:bodyPr>
+          <a:lstStyle/>
+          <a:p>
+            <a:pPr algn="ctr"/>
+            <a:endParaRPr lang="zh-CN" altLang="en-US"/>
+          </a:p>
+        </p:txBody>
+      </p:sp>
+    </p:spTree>
+  </p:cSld>
+  <p:clrMapOvr>
+    <a:masterClrMapping/>
+  </p:clrMapOvr>
+</p:sldLayout>
+</file>
+
+<file path=ppt/slideLayouts/slideLayout15.xml><?xml version="1.0" encoding="utf-8"?>
+<p:sldLayout xmlns:a="http://schemas.openxmlformats.org/drawingml/2006/main" xmlns:r="http://schemas.openxmlformats.org/officeDocument/2006/relationships" xmlns:p="http://schemas.openxmlformats.org/presentationml/2006/main" preserve="1" showMasterSp="0" userDrawn="1">
+  <p:cSld name="节标题">
+    <p:spTree>
+      <p:nvGrpSpPr>
+        <p:cNvPr id="1" name=""/>
+        <p:cNvGrpSpPr/>
+        <p:nvPr/>
+      </p:nvGrpSpPr>
+      <p:grpSpPr>
+        <a:xfrm>
+          <a:off x="0" y="0"/>
+          <a:ext cx="0" cy="0"/>
+          <a:chOff x="0" y="0"/>
+          <a:chExt cx="0" cy="0"/>
+        </a:xfrm>
+      </p:grpSpPr>
+      <p:sp>
+        <p:nvSpPr>
+          <p:cNvPr id="7" name="矩形: 圆角 6"/>
+          <p:cNvSpPr/>
+          <p:nvPr userDrawn="1">
+            <p:custDataLst>
+              <p:tags r:id="rId2"/>
+            </p:custDataLst>
+          </p:nvPr>
+        </p:nvSpPr>
+        <p:spPr>
+          <a:xfrm>
+            <a:off x="0" y="0"/>
+            <a:ext cx="12192000" cy="6858000"/>
+          </a:xfrm>
+          <a:prstGeom prst="roundRect">
+            <a:avLst>
+              <a:gd name="adj" fmla="val 0"/>
+            </a:avLst>
+          </a:prstGeom>
+          <a:solidFill>
+            <a:srgbClr val="000000"/>
+          </a:solidFill>
+          <a:ln w="12700" cap="flat" cmpd="sng" algn="ctr">
+            <a:noFill/>
+            <a:prstDash val="solid"/>
+            <a:miter lim="800000"/>
+          </a:ln>
+          <a:effectLst/>
+        </p:spPr>
+        <p:style>
+          <a:lnRef idx="2">
+            <a:schemeClr val="accent1">
+              <a:shade val="50000"/>
+            </a:schemeClr>
+          </a:lnRef>
+          <a:fillRef idx="1">
+            <a:schemeClr val="accent1"/>
+          </a:fillRef>
+          <a:effectRef idx="0">
+            <a:schemeClr val="accent1"/>
+          </a:effectRef>
+          <a:fontRef idx="minor">
+            <a:schemeClr val="lt1"/>
+          </a:fontRef>
+        </p:style>
+        <p:txBody>
+          <a:bodyPr rtlCol="0" anchor="ctr"/>
+          <a:lstStyle/>
+          <a:p>
+            <a:pPr algn="ctr"/>
+            <a:endParaRPr lang="zh-CN" altLang="en-US">
+              <a:cs typeface="MiSans Light" panose="00000400000000000000" pitchFamily="2" charset="-122"/>
+            </a:endParaRPr>
+          </a:p>
+        </p:txBody>
+      </p:sp>
+      <p:pic>
+        <p:nvPicPr>
+          <p:cNvPr id="10" name="图片 9" descr="黑暗中的蓝色星球&#10;&#10;描述已自动生成"/>
+          <p:cNvPicPr>
+            <a:picLocks noChangeAspect="1"/>
+          </p:cNvPicPr>
+          <p:nvPr userDrawn="1">
+            <p:custDataLst>
+              <p:tags r:id="rId3"/>
+            </p:custDataLst>
+          </p:nvPr>
+        </p:nvPicPr>
+        <p:blipFill rotWithShape="1">
+          <a:blip r:embed="rId4" cstate="email"/>
+          <a:srcRect b="-57"/>
+          <a:stretch>
+            <a:fillRect/>
+          </a:stretch>
+        </p:blipFill>
+        <p:spPr>
+          <a:xfrm flipV="1">
+            <a:off x="0" y="0"/>
+            <a:ext cx="12103100" cy="5559550"/>
+          </a:xfrm>
+          <a:custGeom>
+            <a:avLst/>
+            <a:gdLst>
+              <a:gd name="connsiteX0" fmla="*/ 0 w 12103100"/>
+              <a:gd name="connsiteY0" fmla="*/ 0 h 5559550"/>
+              <a:gd name="connsiteX1" fmla="*/ 12103100 w 12103100"/>
+              <a:gd name="connsiteY1" fmla="*/ 0 h 5559550"/>
+              <a:gd name="connsiteX2" fmla="*/ 12103100 w 12103100"/>
+              <a:gd name="connsiteY2" fmla="*/ 5559550 h 5559550"/>
+              <a:gd name="connsiteX3" fmla="*/ 0 w 12103100"/>
+              <a:gd name="connsiteY3" fmla="*/ 5559550 h 5559550"/>
+            </a:gdLst>
+            <a:ahLst/>
+            <a:cxnLst>
+              <a:cxn ang="0">
+                <a:pos x="connsiteX0" y="connsiteY0"/>
+              </a:cxn>
+              <a:cxn ang="0">
+                <a:pos x="connsiteX1" y="connsiteY1"/>
+              </a:cxn>
+              <a:cxn ang="0">
+                <a:pos x="connsiteX2" y="connsiteY2"/>
+              </a:cxn>
+              <a:cxn ang="0">
+                <a:pos x="connsiteX3" y="connsiteY3"/>
+              </a:cxn>
+            </a:cxnLst>
+            <a:rect l="l" t="t" r="r" b="b"/>
+            <a:pathLst>
+              <a:path w="12103100" h="5559550">
+                <a:moveTo>
+                  <a:pt x="0" y="0"/>
+                </a:moveTo>
+                <a:lnTo>
+                  <a:pt x="12103100" y="0"/>
+                </a:lnTo>
+                <a:lnTo>
+                  <a:pt x="12103100" y="5559550"/>
+                </a:lnTo>
+                <a:lnTo>
+                  <a:pt x="0" y="5559550"/>
+                </a:lnTo>
+                <a:close/>
+              </a:path>
+            </a:pathLst>
+          </a:custGeom>
+        </p:spPr>
+      </p:pic>
+      <p:pic>
+        <p:nvPicPr>
+          <p:cNvPr id="9" name="图片 8" descr="黑暗中的蓝色星球&#10;&#10;描述已自动生成"/>
+          <p:cNvPicPr>
+            <a:picLocks noChangeAspect="1"/>
+          </p:cNvPicPr>
+          <p:nvPr userDrawn="1">
+            <p:custDataLst>
+              <p:tags r:id="rId5"/>
+            </p:custDataLst>
+          </p:nvPr>
+        </p:nvPicPr>
+        <p:blipFill rotWithShape="1">
+          <a:blip r:embed="rId4" cstate="email">
+            <a:alphaModFix amt="30000"/>
+            <a:duotone>
+              <a:prstClr val="black"/>
+              <a:schemeClr val="accent1">
+                <a:tint val="45000"/>
+                <a:satMod val="400000"/>
+              </a:schemeClr>
+            </a:duotone>
+          </a:blip>
+          <a:srcRect b="-57"/>
+          <a:stretch>
+            <a:fillRect/>
+          </a:stretch>
+        </p:blipFill>
+        <p:spPr>
+          <a:xfrm flipV="1">
+            <a:off x="0" y="0"/>
+            <a:ext cx="12103100" cy="5559550"/>
+          </a:xfrm>
+          <a:custGeom>
+            <a:avLst/>
+            <a:gdLst>
+              <a:gd name="connsiteX0" fmla="*/ 0 w 12103100"/>
+              <a:gd name="connsiteY0" fmla="*/ 0 h 5559550"/>
+              <a:gd name="connsiteX1" fmla="*/ 12103100 w 12103100"/>
+              <a:gd name="connsiteY1" fmla="*/ 0 h 5559550"/>
+              <a:gd name="connsiteX2" fmla="*/ 12103100 w 12103100"/>
+              <a:gd name="connsiteY2" fmla="*/ 5559550 h 5559550"/>
+              <a:gd name="connsiteX3" fmla="*/ 0 w 12103100"/>
+              <a:gd name="connsiteY3" fmla="*/ 5559550 h 5559550"/>
+            </a:gdLst>
+            <a:ahLst/>
+            <a:cxnLst>
+              <a:cxn ang="0">
+                <a:pos x="connsiteX0" y="connsiteY0"/>
+              </a:cxn>
+              <a:cxn ang="0">
+                <a:pos x="connsiteX1" y="connsiteY1"/>
+              </a:cxn>
+              <a:cxn ang="0">
+                <a:pos x="connsiteX2" y="connsiteY2"/>
+              </a:cxn>
+              <a:cxn ang="0">
+                <a:pos x="connsiteX3" y="connsiteY3"/>
+              </a:cxn>
+            </a:cxnLst>
+            <a:rect l="l" t="t" r="r" b="b"/>
+            <a:pathLst>
+              <a:path w="12103100" h="5559550">
+                <a:moveTo>
+                  <a:pt x="0" y="0"/>
+                </a:moveTo>
+                <a:lnTo>
+                  <a:pt x="12103100" y="0"/>
+                </a:lnTo>
+                <a:lnTo>
+                  <a:pt x="12103100" y="5559550"/>
+                </a:lnTo>
+                <a:lnTo>
+                  <a:pt x="0" y="5559550"/>
+                </a:lnTo>
+                <a:close/>
+              </a:path>
+            </a:pathLst>
+          </a:custGeom>
+        </p:spPr>
+      </p:pic>
+      <p:sp>
+        <p:nvSpPr>
+          <p:cNvPr id="4" name="日期占位符 4"/>
+          <p:cNvSpPr>
+            <a:spLocks noGrp="1"/>
+          </p:cNvSpPr>
+          <p:nvPr>
+            <p:ph type="dt" sz="half" idx="10"/>
+            <p:custDataLst>
+              <p:tags r:id="rId6"/>
+            </p:custDataLst>
+          </p:nvPr>
+        </p:nvSpPr>
+        <p:spPr/>
+        <p:txBody>
+          <a:bodyPr wrap="square">
+            <a:normAutofit/>
+          </a:bodyPr>
+          <a:lstStyle/>
+          <a:p>
+            <a:fld id="{5592522B-0F24-4480-B9DD-A9474A6880D6}" type="datetimeFigureOut">
+              <a:rPr lang="zh-CN" altLang="en-US" smtClean="0"/>
+            </a:fld>
+            <a:endParaRPr lang="zh-CN" altLang="en-US"/>
+          </a:p>
+        </p:txBody>
+      </p:sp>
+      <p:sp>
+        <p:nvSpPr>
+          <p:cNvPr id="5" name="页脚占位符 5"/>
+          <p:cNvSpPr>
+            <a:spLocks noGrp="1"/>
+          </p:cNvSpPr>
+          <p:nvPr>
+            <p:ph type="ftr" sz="quarter" idx="11"/>
+            <p:custDataLst>
+              <p:tags r:id="rId7"/>
+            </p:custDataLst>
+          </p:nvPr>
+        </p:nvSpPr>
+        <p:spPr/>
+        <p:txBody>
+          <a:bodyPr/>
+          <a:lstStyle/>
+          <a:p>
+            <a:endParaRPr lang="zh-CN" altLang="en-US"/>
+          </a:p>
+        </p:txBody>
+      </p:sp>
+      <p:sp>
+        <p:nvSpPr>
+          <p:cNvPr id="6" name="灯片编号占位符 6"/>
+          <p:cNvSpPr>
+            <a:spLocks noGrp="1"/>
+          </p:cNvSpPr>
+          <p:nvPr>
+            <p:ph type="sldNum" sz="quarter" idx="12"/>
+            <p:custDataLst>
+              <p:tags r:id="rId8"/>
+            </p:custDataLst>
+          </p:nvPr>
+        </p:nvSpPr>
+        <p:spPr/>
+        <p:txBody>
+          <a:bodyPr wrap="square">
+            <a:normAutofit/>
+          </a:bodyPr>
+          <a:lstStyle/>
+          <a:p>
+            <a:fld id="{BE5F26B5-172A-4DC2-B0B7-181CFC56B87C}" type="slidenum">
+              <a:rPr lang="zh-CN" altLang="en-US" smtClean="0"/>
+            </a:fld>
+            <a:endParaRPr lang="zh-CN" altLang="en-US"/>
+          </a:p>
+        </p:txBody>
+      </p:sp>
+      <p:sp>
+        <p:nvSpPr>
+          <p:cNvPr id="26" name="任意多边形: 形状 25"/>
+          <p:cNvSpPr/>
+          <p:nvPr userDrawn="1">
+            <p:custDataLst>
+              <p:tags r:id="rId9"/>
+            </p:custDataLst>
+          </p:nvPr>
+        </p:nvSpPr>
+        <p:spPr>
+          <a:xfrm>
+            <a:off x="4452764" y="3806714"/>
+            <a:ext cx="3359497" cy="904816"/>
+          </a:xfrm>
+          <a:custGeom>
+            <a:avLst/>
+            <a:gdLst>
+              <a:gd name="connsiteX0" fmla="*/ 192500 w 9232232"/>
+              <a:gd name="connsiteY0" fmla="*/ 0 h 2486525"/>
+              <a:gd name="connsiteX1" fmla="*/ 8371971 w 9232232"/>
+              <a:gd name="connsiteY1" fmla="*/ 0 h 2486525"/>
+              <a:gd name="connsiteX2" fmla="*/ 8536563 w 9232232"/>
+              <a:gd name="connsiteY2" fmla="*/ 164592 h 2486525"/>
+              <a:gd name="connsiteX3" fmla="*/ 8861683 w 9232232"/>
+              <a:gd name="connsiteY3" fmla="*/ 164592 h 2486525"/>
+              <a:gd name="connsiteX4" fmla="*/ 9232232 w 9232232"/>
+              <a:gd name="connsiteY4" fmla="*/ 535141 h 2486525"/>
+              <a:gd name="connsiteX5" fmla="*/ 9232232 w 9232232"/>
+              <a:gd name="connsiteY5" fmla="*/ 1357299 h 2486525"/>
+              <a:gd name="connsiteX6" fmla="*/ 9232232 w 9232232"/>
+              <a:gd name="connsiteY6" fmla="*/ 1543785 h 2486525"/>
+              <a:gd name="connsiteX7" fmla="*/ 9232232 w 9232232"/>
+              <a:gd name="connsiteY7" fmla="*/ 2365943 h 2486525"/>
+              <a:gd name="connsiteX8" fmla="*/ 9111650 w 9232232"/>
+              <a:gd name="connsiteY8" fmla="*/ 2486525 h 2486525"/>
+              <a:gd name="connsiteX9" fmla="*/ 3988045 w 9232232"/>
+              <a:gd name="connsiteY9" fmla="*/ 2486525 h 2486525"/>
+              <a:gd name="connsiteX10" fmla="*/ 3895804 w 9232232"/>
+              <a:gd name="connsiteY10" fmla="*/ 2394284 h 2486525"/>
+              <a:gd name="connsiteX11" fmla="*/ 591556 w 9232232"/>
+              <a:gd name="connsiteY11" fmla="*/ 2394284 h 2486525"/>
+              <a:gd name="connsiteX12" fmla="*/ 0 w 9232232"/>
+              <a:gd name="connsiteY12" fmla="*/ 1802728 h 2486525"/>
+              <a:gd name="connsiteX13" fmla="*/ 0 w 9232232"/>
+              <a:gd name="connsiteY13" fmla="*/ 192500 h 2486525"/>
+            </a:gdLst>
+            <a:ahLst/>
+            <a:cxnLst>
+              <a:cxn ang="0">
+                <a:pos x="connsiteX0" y="connsiteY0"/>
+              </a:cxn>
+              <a:cxn ang="0">
+                <a:pos x="connsiteX1" y="connsiteY1"/>
+              </a:cxn>
+              <a:cxn ang="0">
+                <a:pos x="connsiteX2" y="connsiteY2"/>
+              </a:cxn>
+              <a:cxn ang="0">
+                <a:pos x="connsiteX3" y="connsiteY3"/>
+              </a:cxn>
+              <a:cxn ang="0">
+                <a:pos x="connsiteX4" y="connsiteY4"/>
+              </a:cxn>
+              <a:cxn ang="0">
+                <a:pos x="connsiteX5" y="connsiteY5"/>
+              </a:cxn>
+              <a:cxn ang="0">
+                <a:pos x="connsiteX6" y="connsiteY6"/>
+              </a:cxn>
+              <a:cxn ang="0">
+                <a:pos x="connsiteX7" y="connsiteY7"/>
+              </a:cxn>
+              <a:cxn ang="0">
+                <a:pos x="connsiteX8" y="connsiteY8"/>
+              </a:cxn>
+              <a:cxn ang="0">
+                <a:pos x="connsiteX9" y="connsiteY9"/>
+              </a:cxn>
+              <a:cxn ang="0">
+                <a:pos x="connsiteX10" y="connsiteY10"/>
+              </a:cxn>
+              <a:cxn ang="0">
+                <a:pos x="connsiteX11" y="connsiteY11"/>
+              </a:cxn>
+              <a:cxn ang="0">
+                <a:pos x="connsiteX12" y="connsiteY12"/>
+              </a:cxn>
+              <a:cxn ang="0">
+                <a:pos x="connsiteX13" y="connsiteY13"/>
+              </a:cxn>
+            </a:cxnLst>
+            <a:rect l="l" t="t" r="r" b="b"/>
+            <a:pathLst>
+              <a:path w="9232232" h="2486525">
+                <a:moveTo>
+                  <a:pt x="192500" y="0"/>
+                </a:moveTo>
+                <a:lnTo>
+                  <a:pt x="8371971" y="0"/>
+                </a:lnTo>
+                <a:lnTo>
+                  <a:pt x="8536563" y="164592"/>
+                </a:lnTo>
+                <a:lnTo>
+                  <a:pt x="8861683" y="164592"/>
+                </a:lnTo>
+                <a:lnTo>
+                  <a:pt x="9232232" y="535141"/>
+                </a:lnTo>
+                <a:lnTo>
+                  <a:pt x="9232232" y="1357299"/>
+                </a:lnTo>
+                <a:lnTo>
+                  <a:pt x="9232232" y="1543785"/>
+                </a:lnTo>
+                <a:lnTo>
+                  <a:pt x="9232232" y="2365943"/>
+                </a:lnTo>
+                <a:lnTo>
+                  <a:pt x="9111650" y="2486525"/>
+                </a:lnTo>
+                <a:lnTo>
+                  <a:pt x="3988045" y="2486525"/>
+                </a:lnTo>
+                <a:lnTo>
+                  <a:pt x="3895804" y="2394284"/>
+                </a:lnTo>
+                <a:lnTo>
+                  <a:pt x="591556" y="2394284"/>
+                </a:lnTo>
+                <a:lnTo>
+                  <a:pt x="0" y="1802728"/>
+                </a:lnTo>
+                <a:lnTo>
+                  <a:pt x="0" y="192500"/>
+                </a:lnTo>
+                <a:close/>
+              </a:path>
+            </a:pathLst>
+          </a:custGeom>
+          <a:solidFill>
+            <a:schemeClr val="accent1"/>
+          </a:solidFill>
+          <a:ln>
+            <a:noFill/>
+            <a:prstDash val="solid"/>
+          </a:ln>
+        </p:spPr>
+        <p:style>
+          <a:lnRef idx="2">
+            <a:schemeClr val="accent1">
+              <a:shade val="50000"/>
+            </a:schemeClr>
+          </a:lnRef>
+          <a:fillRef idx="1">
+            <a:schemeClr val="accent1"/>
+          </a:fillRef>
+          <a:effectRef idx="0">
+            <a:schemeClr val="accent1"/>
+          </a:effectRef>
+          <a:fontRef idx="minor">
+            <a:schemeClr val="lt1"/>
+          </a:fontRef>
+        </p:style>
+        <p:txBody>
+          <a:bodyPr wrap="square" rtlCol="0" anchor="ctr">
+            <a:noAutofit/>
+          </a:bodyPr>
+          <a:lstStyle/>
+          <a:p>
+            <a:pPr algn="ctr"/>
+            <a:endParaRPr lang="zh-CN" altLang="en-US">
+              <a:cs typeface="MiSans Light" panose="00000400000000000000" pitchFamily="2" charset="-122"/>
+            </a:endParaRPr>
+          </a:p>
+        </p:txBody>
+      </p:sp>
+      <p:sp>
+        <p:nvSpPr>
+          <p:cNvPr id="28" name="任意多边形: 形状 27"/>
+          <p:cNvSpPr/>
+          <p:nvPr>
+            <p:custDataLst>
+              <p:tags r:id="rId10"/>
+            </p:custDataLst>
+          </p:nvPr>
+        </p:nvSpPr>
+        <p:spPr>
+          <a:xfrm>
+            <a:off x="6552729" y="2971067"/>
+            <a:ext cx="3677743" cy="990530"/>
+          </a:xfrm>
+          <a:custGeom>
+            <a:avLst/>
+            <a:gdLst>
+              <a:gd name="connsiteX0" fmla="*/ 192500 w 9232232"/>
+              <a:gd name="connsiteY0" fmla="*/ 0 h 2486525"/>
+              <a:gd name="connsiteX1" fmla="*/ 8371971 w 9232232"/>
+              <a:gd name="connsiteY1" fmla="*/ 0 h 2486525"/>
+              <a:gd name="connsiteX2" fmla="*/ 8536563 w 9232232"/>
+              <a:gd name="connsiteY2" fmla="*/ 164592 h 2486525"/>
+              <a:gd name="connsiteX3" fmla="*/ 8861683 w 9232232"/>
+              <a:gd name="connsiteY3" fmla="*/ 164592 h 2486525"/>
+              <a:gd name="connsiteX4" fmla="*/ 9232232 w 9232232"/>
+              <a:gd name="connsiteY4" fmla="*/ 535141 h 2486525"/>
+              <a:gd name="connsiteX5" fmla="*/ 9232232 w 9232232"/>
+              <a:gd name="connsiteY5" fmla="*/ 1357299 h 2486525"/>
+              <a:gd name="connsiteX6" fmla="*/ 9232232 w 9232232"/>
+              <a:gd name="connsiteY6" fmla="*/ 1543785 h 2486525"/>
+              <a:gd name="connsiteX7" fmla="*/ 9232232 w 9232232"/>
+              <a:gd name="connsiteY7" fmla="*/ 2365943 h 2486525"/>
+              <a:gd name="connsiteX8" fmla="*/ 9111650 w 9232232"/>
+              <a:gd name="connsiteY8" fmla="*/ 2486525 h 2486525"/>
+              <a:gd name="connsiteX9" fmla="*/ 3988045 w 9232232"/>
+              <a:gd name="connsiteY9" fmla="*/ 2486525 h 2486525"/>
+              <a:gd name="connsiteX10" fmla="*/ 3895804 w 9232232"/>
+              <a:gd name="connsiteY10" fmla="*/ 2394284 h 2486525"/>
+              <a:gd name="connsiteX11" fmla="*/ 591556 w 9232232"/>
+              <a:gd name="connsiteY11" fmla="*/ 2394284 h 2486525"/>
+              <a:gd name="connsiteX12" fmla="*/ 0 w 9232232"/>
+              <a:gd name="connsiteY12" fmla="*/ 1802728 h 2486525"/>
+              <a:gd name="connsiteX13" fmla="*/ 0 w 9232232"/>
+              <a:gd name="connsiteY13" fmla="*/ 192500 h 2486525"/>
+            </a:gdLst>
+            <a:ahLst/>
+            <a:cxnLst>
+              <a:cxn ang="0">
+                <a:pos x="connsiteX0" y="connsiteY0"/>
+              </a:cxn>
+              <a:cxn ang="0">
+                <a:pos x="connsiteX1" y="connsiteY1"/>
+              </a:cxn>
+              <a:cxn ang="0">
+                <a:pos x="connsiteX2" y="connsiteY2"/>
+              </a:cxn>
+              <a:cxn ang="0">
+                <a:pos x="connsiteX3" y="connsiteY3"/>
+              </a:cxn>
+              <a:cxn ang="0">
+                <a:pos x="connsiteX4" y="connsiteY4"/>
+              </a:cxn>
+              <a:cxn ang="0">
+                <a:pos x="connsiteX5" y="connsiteY5"/>
+              </a:cxn>
+              <a:cxn ang="0">
+                <a:pos x="connsiteX6" y="connsiteY6"/>
+              </a:cxn>
+              <a:cxn ang="0">
+                <a:pos x="connsiteX7" y="connsiteY7"/>
+              </a:cxn>
+              <a:cxn ang="0">
+                <a:pos x="connsiteX8" y="connsiteY8"/>
+              </a:cxn>
+              <a:cxn ang="0">
+                <a:pos x="connsiteX9" y="connsiteY9"/>
+              </a:cxn>
+              <a:cxn ang="0">
+                <a:pos x="connsiteX10" y="connsiteY10"/>
+              </a:cxn>
+              <a:cxn ang="0">
+                <a:pos x="connsiteX11" y="connsiteY11"/>
+              </a:cxn>
+              <a:cxn ang="0">
+                <a:pos x="connsiteX12" y="connsiteY12"/>
+              </a:cxn>
+              <a:cxn ang="0">
+                <a:pos x="connsiteX13" y="connsiteY13"/>
+              </a:cxn>
+            </a:cxnLst>
+            <a:rect l="l" t="t" r="r" b="b"/>
+            <a:pathLst>
+              <a:path w="9232232" h="2486525">
+                <a:moveTo>
+                  <a:pt x="192500" y="0"/>
+                </a:moveTo>
+                <a:lnTo>
+                  <a:pt x="8371971" y="0"/>
+                </a:lnTo>
+                <a:lnTo>
+                  <a:pt x="8536563" y="164592"/>
+                </a:lnTo>
+                <a:lnTo>
+                  <a:pt x="8861683" y="164592"/>
+                </a:lnTo>
+                <a:lnTo>
+                  <a:pt x="9232232" y="535141"/>
+                </a:lnTo>
+                <a:lnTo>
+                  <a:pt x="9232232" y="1357299"/>
+                </a:lnTo>
+                <a:lnTo>
+                  <a:pt x="9232232" y="1543785"/>
+                </a:lnTo>
+                <a:lnTo>
+                  <a:pt x="9232232" y="2365943"/>
+                </a:lnTo>
+                <a:lnTo>
+                  <a:pt x="9111650" y="2486525"/>
+                </a:lnTo>
+                <a:lnTo>
+                  <a:pt x="3988045" y="2486525"/>
+                </a:lnTo>
+                <a:lnTo>
+                  <a:pt x="3895804" y="2394284"/>
+                </a:lnTo>
+                <a:lnTo>
+                  <a:pt x="591556" y="2394284"/>
+                </a:lnTo>
+                <a:lnTo>
+                  <a:pt x="0" y="1802728"/>
+                </a:lnTo>
+                <a:lnTo>
+                  <a:pt x="0" y="192500"/>
+                </a:lnTo>
+                <a:close/>
+              </a:path>
+            </a:pathLst>
+          </a:custGeom>
+          <a:solidFill>
+            <a:schemeClr val="accent1"/>
+          </a:solidFill>
+          <a:ln>
+            <a:solidFill>
+              <a:schemeClr val="accent1">
+                <a:lumMod val="40000"/>
+                <a:lumOff val="60000"/>
+              </a:schemeClr>
+            </a:solidFill>
+            <a:prstDash val="solid"/>
+          </a:ln>
+        </p:spPr>
+        <p:style>
+          <a:lnRef idx="2">
+            <a:schemeClr val="accent1">
+              <a:shade val="50000"/>
+            </a:schemeClr>
+          </a:lnRef>
+          <a:fillRef idx="1">
+            <a:schemeClr val="accent1"/>
+          </a:fillRef>
+          <a:effectRef idx="0">
+            <a:schemeClr val="accent1"/>
+          </a:effectRef>
+          <a:fontRef idx="minor">
+            <a:schemeClr val="lt1"/>
+          </a:fontRef>
+        </p:style>
+        <p:txBody>
+          <a:bodyPr wrap="square" rtlCol="0" anchor="ctr">
+            <a:noAutofit/>
+          </a:bodyPr>
+          <a:lstStyle/>
+          <a:p>
+            <a:pPr algn="ctr"/>
+            <a:endParaRPr lang="zh-CN" altLang="en-US">
+              <a:cs typeface="MiSans Light" panose="00000400000000000000" pitchFamily="2" charset="-122"/>
+            </a:endParaRPr>
+          </a:p>
+        </p:txBody>
+      </p:sp>
+      <p:sp>
+        <p:nvSpPr>
+          <p:cNvPr id="66" name="任意多边形: 形状 65"/>
+          <p:cNvSpPr/>
+          <p:nvPr>
+            <p:custDataLst>
+              <p:tags r:id="rId11"/>
+            </p:custDataLst>
+          </p:nvPr>
+        </p:nvSpPr>
+        <p:spPr>
+          <a:xfrm>
+            <a:off x="4992016" y="2959697"/>
+            <a:ext cx="1565261" cy="86135"/>
+          </a:xfrm>
+          <a:custGeom>
+            <a:avLst/>
+            <a:gdLst>
+              <a:gd name="connsiteX0" fmla="*/ 1416477 w 1565261"/>
+              <a:gd name="connsiteY0" fmla="*/ 0 h 86135"/>
+              <a:gd name="connsiteX1" fmla="*/ 1565261 w 1565261"/>
+              <a:gd name="connsiteY1" fmla="*/ 0 h 86135"/>
+              <a:gd name="connsiteX2" fmla="*/ 1486538 w 1565261"/>
+              <a:gd name="connsiteY2" fmla="*/ 86135 h 86135"/>
+              <a:gd name="connsiteX3" fmla="*/ 1337754 w 1565261"/>
+              <a:gd name="connsiteY3" fmla="*/ 86135 h 86135"/>
+              <a:gd name="connsiteX4" fmla="*/ 1193518 w 1565261"/>
+              <a:gd name="connsiteY4" fmla="*/ 0 h 86135"/>
+              <a:gd name="connsiteX5" fmla="*/ 1342302 w 1565261"/>
+              <a:gd name="connsiteY5" fmla="*/ 0 h 86135"/>
+              <a:gd name="connsiteX6" fmla="*/ 1263579 w 1565261"/>
+              <a:gd name="connsiteY6" fmla="*/ 86135 h 86135"/>
+              <a:gd name="connsiteX7" fmla="*/ 1114795 w 1565261"/>
+              <a:gd name="connsiteY7" fmla="*/ 86135 h 86135"/>
+              <a:gd name="connsiteX8" fmla="*/ 970559 w 1565261"/>
+              <a:gd name="connsiteY8" fmla="*/ 0 h 86135"/>
+              <a:gd name="connsiteX9" fmla="*/ 1119343 w 1565261"/>
+              <a:gd name="connsiteY9" fmla="*/ 0 h 86135"/>
+              <a:gd name="connsiteX10" fmla="*/ 1040620 w 1565261"/>
+              <a:gd name="connsiteY10" fmla="*/ 86135 h 86135"/>
+              <a:gd name="connsiteX11" fmla="*/ 891836 w 1565261"/>
+              <a:gd name="connsiteY11" fmla="*/ 86135 h 86135"/>
+              <a:gd name="connsiteX12" fmla="*/ 747600 w 1565261"/>
+              <a:gd name="connsiteY12" fmla="*/ 0 h 86135"/>
+              <a:gd name="connsiteX13" fmla="*/ 896384 w 1565261"/>
+              <a:gd name="connsiteY13" fmla="*/ 0 h 86135"/>
+              <a:gd name="connsiteX14" fmla="*/ 817661 w 1565261"/>
+              <a:gd name="connsiteY14" fmla="*/ 86135 h 86135"/>
+              <a:gd name="connsiteX15" fmla="*/ 668877 w 1565261"/>
+              <a:gd name="connsiteY15" fmla="*/ 86135 h 86135"/>
+              <a:gd name="connsiteX16" fmla="*/ 524641 w 1565261"/>
+              <a:gd name="connsiteY16" fmla="*/ 0 h 86135"/>
+              <a:gd name="connsiteX17" fmla="*/ 673425 w 1565261"/>
+              <a:gd name="connsiteY17" fmla="*/ 0 h 86135"/>
+              <a:gd name="connsiteX18" fmla="*/ 594702 w 1565261"/>
+              <a:gd name="connsiteY18" fmla="*/ 86135 h 86135"/>
+              <a:gd name="connsiteX19" fmla="*/ 445918 w 1565261"/>
+              <a:gd name="connsiteY19" fmla="*/ 86135 h 86135"/>
+              <a:gd name="connsiteX20" fmla="*/ 301682 w 1565261"/>
+              <a:gd name="connsiteY20" fmla="*/ 0 h 86135"/>
+              <a:gd name="connsiteX21" fmla="*/ 450466 w 1565261"/>
+              <a:gd name="connsiteY21" fmla="*/ 0 h 86135"/>
+              <a:gd name="connsiteX22" fmla="*/ 371743 w 1565261"/>
+              <a:gd name="connsiteY22" fmla="*/ 86135 h 86135"/>
+              <a:gd name="connsiteX23" fmla="*/ 222959 w 1565261"/>
+              <a:gd name="connsiteY23" fmla="*/ 86135 h 86135"/>
+              <a:gd name="connsiteX24" fmla="*/ 78723 w 1565261"/>
+              <a:gd name="connsiteY24" fmla="*/ 0 h 86135"/>
+              <a:gd name="connsiteX25" fmla="*/ 227507 w 1565261"/>
+              <a:gd name="connsiteY25" fmla="*/ 0 h 86135"/>
+              <a:gd name="connsiteX26" fmla="*/ 148784 w 1565261"/>
+              <a:gd name="connsiteY26" fmla="*/ 86135 h 86135"/>
+              <a:gd name="connsiteX27" fmla="*/ 0 w 1565261"/>
+              <a:gd name="connsiteY27" fmla="*/ 86135 h 86135"/>
+            </a:gdLst>
+            <a:ahLst/>
+            <a:cxnLst>
+              <a:cxn ang="0">
+                <a:pos x="connsiteX0" y="connsiteY0"/>
+              </a:cxn>
+              <a:cxn ang="0">
+                <a:pos x="connsiteX1" y="connsiteY1"/>
+              </a:cxn>
+              <a:cxn ang="0">
+                <a:pos x="connsiteX2" y="connsiteY2"/>
+              </a:cxn>
+              <a:cxn ang="0">
+                <a:pos x="connsiteX3" y="connsiteY3"/>
+              </a:cxn>
+              <a:cxn ang="0">
+                <a:pos x="connsiteX4" y="connsiteY4"/>
+              </a:cxn>
+              <a:cxn ang="0">
+                <a:pos x="connsiteX5" y="connsiteY5"/>
+              </a:cxn>
+              <a:cxn ang="0">
+                <a:pos x="connsiteX6" y="connsiteY6"/>
+              </a:cxn>
+              <a:cxn ang="0">
+                <a:pos x="connsiteX7" y="connsiteY7"/>
+              </a:cxn>
+              <a:cxn ang="0">
+                <a:pos x="connsiteX8" y="connsiteY8"/>
+              </a:cxn>
+              <a:cxn ang="0">
+                <a:pos x="connsiteX9" y="connsiteY9"/>
+              </a:cxn>
+              <a:cxn ang="0">
+                <a:pos x="connsiteX10" y="connsiteY10"/>
+              </a:cxn>
+              <a:cxn ang="0">
+                <a:pos x="connsiteX11" y="connsiteY11"/>
+              </a:cxn>
+              <a:cxn ang="0">
+                <a:pos x="connsiteX12" y="connsiteY12"/>
+              </a:cxn>
+              <a:cxn ang="0">
+                <a:pos x="connsiteX13" y="connsiteY13"/>
+              </a:cxn>
+              <a:cxn ang="0">
+                <a:pos x="connsiteX14" y="connsiteY14"/>
+              </a:cxn>
+              <a:cxn ang="0">
+                <a:pos x="connsiteX15" y="connsiteY15"/>
+              </a:cxn>
+              <a:cxn ang="0">
+                <a:pos x="connsiteX16" y="connsiteY16"/>
+              </a:cxn>
+              <a:cxn ang="0">
+                <a:pos x="connsiteX17" y="connsiteY17"/>
+              </a:cxn>
+              <a:cxn ang="0">
+                <a:pos x="connsiteX18" y="connsiteY18"/>
+              </a:cxn>
+              <a:cxn ang="0">
+                <a:pos x="connsiteX19" y="connsiteY19"/>
+              </a:cxn>
+              <a:cxn ang="0">
+                <a:pos x="connsiteX20" y="connsiteY20"/>
+              </a:cxn>
+              <a:cxn ang="0">
+                <a:pos x="connsiteX21" y="connsiteY21"/>
+              </a:cxn>
+              <a:cxn ang="0">
+                <a:pos x="connsiteX22" y="connsiteY22"/>
+              </a:cxn>
+              <a:cxn ang="0">
+                <a:pos x="connsiteX23" y="connsiteY23"/>
+              </a:cxn>
+              <a:cxn ang="0">
+                <a:pos x="connsiteX24" y="connsiteY24"/>
+              </a:cxn>
+              <a:cxn ang="0">
+                <a:pos x="connsiteX25" y="connsiteY25"/>
+              </a:cxn>
+              <a:cxn ang="0">
+                <a:pos x="connsiteX26" y="connsiteY26"/>
+              </a:cxn>
+              <a:cxn ang="0">
+                <a:pos x="connsiteX27" y="connsiteY27"/>
+              </a:cxn>
+            </a:cxnLst>
+            <a:rect l="l" t="t" r="r" b="b"/>
+            <a:pathLst>
+              <a:path w="1565261" h="86135">
+                <a:moveTo>
+                  <a:pt x="1416477" y="0"/>
+                </a:moveTo>
+                <a:lnTo>
+                  <a:pt x="1565261" y="0"/>
+                </a:lnTo>
+                <a:lnTo>
+                  <a:pt x="1486538" y="86135"/>
+                </a:lnTo>
+                <a:lnTo>
+                  <a:pt x="1337754" y="86135"/>
+                </a:lnTo>
+                <a:close/>
+                <a:moveTo>
+                  <a:pt x="1193518" y="0"/>
+                </a:moveTo>
+                <a:lnTo>
+                  <a:pt x="1342302" y="0"/>
+                </a:lnTo>
+                <a:lnTo>
+                  <a:pt x="1263579" y="86135"/>
+                </a:lnTo>
+                <a:lnTo>
+                  <a:pt x="1114795" y="86135"/>
+                </a:lnTo>
+                <a:close/>
+                <a:moveTo>
+                  <a:pt x="970559" y="0"/>
+                </a:moveTo>
+                <a:lnTo>
+                  <a:pt x="1119343" y="0"/>
+                </a:lnTo>
+                <a:lnTo>
+                  <a:pt x="1040620" y="86135"/>
+                </a:lnTo>
+                <a:lnTo>
+                  <a:pt x="891836" y="86135"/>
+                </a:lnTo>
+                <a:close/>
+                <a:moveTo>
+                  <a:pt x="747600" y="0"/>
+                </a:moveTo>
+                <a:lnTo>
+                  <a:pt x="896384" y="0"/>
+                </a:lnTo>
+                <a:lnTo>
+                  <a:pt x="817661" y="86135"/>
+                </a:lnTo>
+                <a:lnTo>
+                  <a:pt x="668877" y="86135"/>
+                </a:lnTo>
+                <a:close/>
+                <a:moveTo>
+                  <a:pt x="524641" y="0"/>
+                </a:moveTo>
+                <a:lnTo>
+                  <a:pt x="673425" y="0"/>
+                </a:lnTo>
+                <a:lnTo>
+                  <a:pt x="594702" y="86135"/>
+                </a:lnTo>
+                <a:lnTo>
+                  <a:pt x="445918" y="86135"/>
+                </a:lnTo>
+                <a:close/>
+                <a:moveTo>
+                  <a:pt x="301682" y="0"/>
+                </a:moveTo>
+                <a:lnTo>
+                  <a:pt x="450466" y="0"/>
+                </a:lnTo>
+                <a:lnTo>
+                  <a:pt x="371743" y="86135"/>
+                </a:lnTo>
+                <a:lnTo>
+                  <a:pt x="222959" y="86135"/>
+                </a:lnTo>
+                <a:close/>
+                <a:moveTo>
+                  <a:pt x="78723" y="0"/>
+                </a:moveTo>
+                <a:lnTo>
+                  <a:pt x="227507" y="0"/>
+                </a:lnTo>
+                <a:lnTo>
+                  <a:pt x="148784" y="86135"/>
+                </a:lnTo>
+                <a:lnTo>
+                  <a:pt x="0" y="86135"/>
+                </a:lnTo>
+                <a:close/>
+              </a:path>
+            </a:pathLst>
+          </a:custGeom>
+          <a:gradFill flip="none" rotWithShape="1">
+            <a:gsLst>
+              <a:gs pos="0">
+                <a:schemeClr val="accent1">
+                  <a:alpha val="0"/>
+                </a:schemeClr>
+              </a:gs>
+              <a:gs pos="100000">
+                <a:schemeClr val="accent1"/>
+              </a:gs>
+            </a:gsLst>
+            <a:lin ang="0" scaled="1"/>
+            <a:tileRect/>
+          </a:gradFill>
+          <a:ln>
+            <a:noFill/>
+            <a:prstDash val="solid"/>
+          </a:ln>
+        </p:spPr>
+        <p:style>
+          <a:lnRef idx="2">
+            <a:schemeClr val="accent1">
+              <a:shade val="50000"/>
+            </a:schemeClr>
+          </a:lnRef>
+          <a:fillRef idx="1">
+            <a:schemeClr val="accent1"/>
+          </a:fillRef>
+          <a:effectRef idx="0">
+            <a:schemeClr val="accent1"/>
+          </a:effectRef>
+          <a:fontRef idx="minor">
+            <a:schemeClr val="lt1"/>
+          </a:fontRef>
+        </p:style>
+        <p:txBody>
+          <a:bodyPr wrap="square" rtlCol="0" anchor="ctr">
+            <a:noAutofit/>
+          </a:bodyPr>
+          <a:lstStyle/>
+          <a:p>
+            <a:pPr algn="ctr"/>
+            <a:endParaRPr lang="zh-CN" altLang="en-US">
+              <a:cs typeface="MiSans Light" panose="00000400000000000000" pitchFamily="2" charset="-122"/>
+            </a:endParaRPr>
+          </a:p>
+        </p:txBody>
+      </p:sp>
+      <p:sp>
+        <p:nvSpPr>
+          <p:cNvPr id="39" name="任意多边形: 形状 38"/>
+          <p:cNvSpPr/>
+          <p:nvPr>
+            <p:custDataLst>
+              <p:tags r:id="rId12"/>
+            </p:custDataLst>
+          </p:nvPr>
+        </p:nvSpPr>
+        <p:spPr>
+          <a:xfrm>
+            <a:off x="1240639" y="3059232"/>
+            <a:ext cx="9762233" cy="1639764"/>
+          </a:xfrm>
+          <a:custGeom>
+            <a:avLst/>
+            <a:gdLst>
+              <a:gd name="connsiteX0" fmla="*/ 144286 w 11095639"/>
+              <a:gd name="connsiteY0" fmla="*/ 0 h 1863737"/>
+              <a:gd name="connsiteX1" fmla="*/ 4320046 w 11095639"/>
+              <a:gd name="connsiteY1" fmla="*/ 0 h 1863737"/>
+              <a:gd name="connsiteX2" fmla="*/ 6275084 w 11095639"/>
+              <a:gd name="connsiteY2" fmla="*/ 0 h 1863737"/>
+              <a:gd name="connsiteX3" fmla="*/ 10450844 w 11095639"/>
+              <a:gd name="connsiteY3" fmla="*/ 0 h 1863737"/>
+              <a:gd name="connsiteX4" fmla="*/ 10574211 w 11095639"/>
+              <a:gd name="connsiteY4" fmla="*/ 123367 h 1863737"/>
+              <a:gd name="connsiteX5" fmla="*/ 10817900 w 11095639"/>
+              <a:gd name="connsiteY5" fmla="*/ 123367 h 1863737"/>
+              <a:gd name="connsiteX6" fmla="*/ 11095639 w 11095639"/>
+              <a:gd name="connsiteY6" fmla="*/ 401107 h 1863737"/>
+              <a:gd name="connsiteX7" fmla="*/ 11095639 w 11095639"/>
+              <a:gd name="connsiteY7" fmla="*/ 1017343 h 1863737"/>
+              <a:gd name="connsiteX8" fmla="*/ 11095639 w 11095639"/>
+              <a:gd name="connsiteY8" fmla="*/ 1157121 h 1863737"/>
+              <a:gd name="connsiteX9" fmla="*/ 11095639 w 11095639"/>
+              <a:gd name="connsiteY9" fmla="*/ 1773357 h 1863737"/>
+              <a:gd name="connsiteX10" fmla="*/ 11005258 w 11095639"/>
+              <a:gd name="connsiteY10" fmla="*/ 1863737 h 1863737"/>
+              <a:gd name="connsiteX11" fmla="*/ 7164938 w 11095639"/>
+              <a:gd name="connsiteY11" fmla="*/ 1863737 h 1863737"/>
+              <a:gd name="connsiteX12" fmla="*/ 7113518 w 11095639"/>
+              <a:gd name="connsiteY12" fmla="*/ 1812317 h 1863737"/>
+              <a:gd name="connsiteX13" fmla="*/ 7113518 w 11095639"/>
+              <a:gd name="connsiteY13" fmla="*/ 1796527 h 1863737"/>
+              <a:gd name="connsiteX14" fmla="*/ 7097728 w 11095639"/>
+              <a:gd name="connsiteY14" fmla="*/ 1796527 h 1863737"/>
+              <a:gd name="connsiteX15" fmla="*/ 7095800 w 11095639"/>
+              <a:gd name="connsiteY15" fmla="*/ 1794599 h 1863737"/>
+              <a:gd name="connsiteX16" fmla="*/ 6898637 w 11095639"/>
+              <a:gd name="connsiteY16" fmla="*/ 1794599 h 1863737"/>
+              <a:gd name="connsiteX17" fmla="*/ 6896709 w 11095639"/>
+              <a:gd name="connsiteY17" fmla="*/ 1796527 h 1863737"/>
+              <a:gd name="connsiteX18" fmla="*/ 2921968 w 11095639"/>
+              <a:gd name="connsiteY18" fmla="*/ 1796527 h 1863737"/>
+              <a:gd name="connsiteX19" fmla="*/ 2920040 w 11095639"/>
+              <a:gd name="connsiteY19" fmla="*/ 1794599 h 1863737"/>
+              <a:gd name="connsiteX20" fmla="*/ 443392 w 11095639"/>
+              <a:gd name="connsiteY20" fmla="*/ 1794599 h 1863737"/>
+              <a:gd name="connsiteX21" fmla="*/ 0 w 11095639"/>
+              <a:gd name="connsiteY21" fmla="*/ 1351208 h 1863737"/>
+              <a:gd name="connsiteX22" fmla="*/ 0 w 11095639"/>
+              <a:gd name="connsiteY22" fmla="*/ 144286 h 1863737"/>
+            </a:gdLst>
+            <a:ahLst/>
+            <a:cxnLst>
+              <a:cxn ang="0">
+                <a:pos x="connsiteX0" y="connsiteY0"/>
+              </a:cxn>
+              <a:cxn ang="0">
+                <a:pos x="connsiteX1" y="connsiteY1"/>
+              </a:cxn>
+              <a:cxn ang="0">
+                <a:pos x="connsiteX2" y="connsiteY2"/>
+              </a:cxn>
+              <a:cxn ang="0">
+                <a:pos x="connsiteX3" y="connsiteY3"/>
+              </a:cxn>
+              <a:cxn ang="0">
+                <a:pos x="connsiteX4" y="connsiteY4"/>
+              </a:cxn>
+              <a:cxn ang="0">
+                <a:pos x="connsiteX5" y="connsiteY5"/>
+              </a:cxn>
+              <a:cxn ang="0">
+                <a:pos x="connsiteX6" y="connsiteY6"/>
+              </a:cxn>
+              <a:cxn ang="0">
+                <a:pos x="connsiteX7" y="connsiteY7"/>
+              </a:cxn>
+              <a:cxn ang="0">
+                <a:pos x="connsiteX8" y="connsiteY8"/>
+              </a:cxn>
+              <a:cxn ang="0">
+                <a:pos x="connsiteX9" y="connsiteY9"/>
+              </a:cxn>
+              <a:cxn ang="0">
+                <a:pos x="connsiteX10" y="connsiteY10"/>
+              </a:cxn>
+              <a:cxn ang="0">
+                <a:pos x="connsiteX11" y="connsiteY11"/>
+              </a:cxn>
+              <a:cxn ang="0">
+                <a:pos x="connsiteX12" y="connsiteY12"/>
+              </a:cxn>
+              <a:cxn ang="0">
+                <a:pos x="connsiteX13" y="connsiteY13"/>
+              </a:cxn>
+              <a:cxn ang="0">
+                <a:pos x="connsiteX14" y="connsiteY14"/>
+              </a:cxn>
+              <a:cxn ang="0">
+                <a:pos x="connsiteX15" y="connsiteY15"/>
+              </a:cxn>
+              <a:cxn ang="0">
+                <a:pos x="connsiteX16" y="connsiteY16"/>
+              </a:cxn>
+              <a:cxn ang="0">
+                <a:pos x="connsiteX17" y="connsiteY17"/>
+              </a:cxn>
+              <a:cxn ang="0">
+                <a:pos x="connsiteX18" y="connsiteY18"/>
+              </a:cxn>
+              <a:cxn ang="0">
+                <a:pos x="connsiteX19" y="connsiteY19"/>
+              </a:cxn>
+              <a:cxn ang="0">
+                <a:pos x="connsiteX20" y="connsiteY20"/>
+              </a:cxn>
+              <a:cxn ang="0">
+                <a:pos x="connsiteX21" y="connsiteY21"/>
+              </a:cxn>
+              <a:cxn ang="0">
+                <a:pos x="connsiteX22" y="connsiteY22"/>
+              </a:cxn>
+            </a:cxnLst>
+            <a:rect l="l" t="t" r="r" b="b"/>
+            <a:pathLst>
+              <a:path w="11095639" h="1863737">
+                <a:moveTo>
+                  <a:pt x="144286" y="0"/>
+                </a:moveTo>
+                <a:lnTo>
+                  <a:pt x="4320046" y="0"/>
+                </a:lnTo>
+                <a:lnTo>
+                  <a:pt x="6275084" y="0"/>
+                </a:lnTo>
+                <a:lnTo>
+                  <a:pt x="10450844" y="0"/>
+                </a:lnTo>
+                <a:lnTo>
+                  <a:pt x="10574211" y="123367"/>
+                </a:lnTo>
+                <a:lnTo>
+                  <a:pt x="10817900" y="123367"/>
+                </a:lnTo>
+                <a:lnTo>
+                  <a:pt x="11095639" y="401107"/>
+                </a:lnTo>
+                <a:lnTo>
+                  <a:pt x="11095639" y="1017343"/>
+                </a:lnTo>
+                <a:lnTo>
+                  <a:pt x="11095639" y="1157121"/>
+                </a:lnTo>
+                <a:lnTo>
+                  <a:pt x="11095639" y="1773357"/>
+                </a:lnTo>
+                <a:lnTo>
+                  <a:pt x="11005258" y="1863737"/>
+                </a:lnTo>
+                <a:lnTo>
+                  <a:pt x="7164938" y="1863737"/>
+                </a:lnTo>
+                <a:lnTo>
+                  <a:pt x="7113518" y="1812317"/>
+                </a:lnTo>
+                <a:lnTo>
+                  <a:pt x="7113518" y="1796527"/>
+                </a:lnTo>
+                <a:lnTo>
+                  <a:pt x="7097728" y="1796527"/>
+                </a:lnTo>
+                <a:lnTo>
+                  <a:pt x="7095800" y="1794599"/>
+                </a:lnTo>
+                <a:lnTo>
+                  <a:pt x="6898637" y="1794599"/>
+                </a:lnTo>
+                <a:lnTo>
+                  <a:pt x="6896709" y="1796527"/>
+                </a:lnTo>
+                <a:lnTo>
+                  <a:pt x="2921968" y="1796527"/>
+                </a:lnTo>
+                <a:lnTo>
+                  <a:pt x="2920040" y="1794599"/>
+                </a:lnTo>
+                <a:lnTo>
+                  <a:pt x="443392" y="1794599"/>
+                </a:lnTo>
+                <a:lnTo>
+                  <a:pt x="0" y="1351208"/>
+                </a:lnTo>
+                <a:lnTo>
+                  <a:pt x="0" y="144286"/>
+                </a:lnTo>
+                <a:close/>
+              </a:path>
+            </a:pathLst>
+          </a:custGeom>
+          <a:solidFill>
+            <a:srgbClr val="000203"/>
+          </a:solidFill>
+          <a:ln>
+            <a:solidFill>
+              <a:schemeClr val="accent1"/>
+            </a:solidFill>
+            <a:prstDash val="solid"/>
+          </a:ln>
+          <a:effectLst>
+            <a:innerShdw blurRad="508000">
+              <a:schemeClr val="accent1">
+                <a:alpha val="60000"/>
+              </a:schemeClr>
+            </a:innerShdw>
+          </a:effectLst>
+        </p:spPr>
+        <p:style>
+          <a:lnRef idx="2">
+            <a:schemeClr val="accent1">
+              <a:shade val="50000"/>
+            </a:schemeClr>
+          </a:lnRef>
+          <a:fillRef idx="1">
+            <a:schemeClr val="accent1"/>
+          </a:fillRef>
+          <a:effectRef idx="0">
+            <a:schemeClr val="accent1"/>
+          </a:effectRef>
+          <a:fontRef idx="minor">
+            <a:schemeClr val="lt1"/>
+          </a:fontRef>
+        </p:style>
+        <p:txBody>
+          <a:bodyPr wrap="square" rtlCol="0" anchor="ctr">
+            <a:noAutofit/>
+          </a:bodyPr>
+          <a:lstStyle/>
+          <a:p>
+            <a:pPr algn="ctr"/>
+            <a:endParaRPr lang="zh-CN" altLang="en-US" dirty="0">
+              <a:cs typeface="MiSans Light" panose="00000400000000000000" pitchFamily="2" charset="-122"/>
+            </a:endParaRPr>
+          </a:p>
+        </p:txBody>
+      </p:sp>
+      <p:sp>
+        <p:nvSpPr>
+          <p:cNvPr id="58" name="任意多边形: 形状 57"/>
+          <p:cNvSpPr/>
+          <p:nvPr>
+            <p:custDataLst>
+              <p:tags r:id="rId13"/>
+            </p:custDataLst>
+          </p:nvPr>
+        </p:nvSpPr>
+        <p:spPr>
+          <a:xfrm rot="18872075">
+            <a:off x="10908665" y="3107690"/>
+            <a:ext cx="17145" cy="291465"/>
+          </a:xfrm>
+          <a:custGeom>
+            <a:avLst/>
+            <a:gdLst>
+              <a:gd name="connsiteX0" fmla="*/ 0 w 25200"/>
+              <a:gd name="connsiteY0" fmla="*/ 0 h 420898"/>
+              <a:gd name="connsiteX1" fmla="*/ 25200 w 25200"/>
+              <a:gd name="connsiteY1" fmla="*/ 25614 h 420898"/>
+              <a:gd name="connsiteX2" fmla="*/ 25200 w 25200"/>
+              <a:gd name="connsiteY2" fmla="*/ 396103 h 420898"/>
+              <a:gd name="connsiteX3" fmla="*/ 0 w 25200"/>
+              <a:gd name="connsiteY3" fmla="*/ 420898 h 420898"/>
+            </a:gdLst>
+            <a:ahLst/>
+            <a:cxnLst>
+              <a:cxn ang="0">
+                <a:pos x="connsiteX0" y="connsiteY0"/>
+              </a:cxn>
+              <a:cxn ang="0">
+                <a:pos x="connsiteX1" y="connsiteY1"/>
+              </a:cxn>
+              <a:cxn ang="0">
+                <a:pos x="connsiteX2" y="connsiteY2"/>
+              </a:cxn>
+              <a:cxn ang="0">
+                <a:pos x="connsiteX3" y="connsiteY3"/>
+              </a:cxn>
+            </a:cxnLst>
+            <a:rect l="l" t="t" r="r" b="b"/>
+            <a:pathLst>
+              <a:path w="25200" h="420898">
+                <a:moveTo>
+                  <a:pt x="0" y="0"/>
+                </a:moveTo>
+                <a:lnTo>
+                  <a:pt x="25200" y="25614"/>
+                </a:lnTo>
+                <a:lnTo>
+                  <a:pt x="25200" y="396103"/>
+                </a:lnTo>
+                <a:lnTo>
+                  <a:pt x="0" y="420898"/>
+                </a:lnTo>
+                <a:close/>
+              </a:path>
+            </a:pathLst>
+          </a:custGeom>
+          <a:solidFill>
+            <a:schemeClr val="accent1"/>
+          </a:solidFill>
+          <a:ln>
+            <a:noFill/>
+          </a:ln>
+        </p:spPr>
+        <p:style>
+          <a:lnRef idx="2">
+            <a:schemeClr val="accent1">
+              <a:shade val="15000"/>
+            </a:schemeClr>
+          </a:lnRef>
+          <a:fillRef idx="1">
+            <a:schemeClr val="accent1"/>
+          </a:fillRef>
+          <a:effectRef idx="0">
+            <a:schemeClr val="accent1"/>
+          </a:effectRef>
+          <a:fontRef idx="minor">
+            <a:schemeClr val="lt1"/>
+          </a:fontRef>
+        </p:style>
+        <p:txBody>
+          <a:bodyPr wrap="square" rtlCol="0" anchor="ctr">
+            <a:noAutofit/>
+          </a:bodyPr>
+          <a:lstStyle/>
+          <a:p>
+            <a:pPr algn="ctr"/>
+            <a:endParaRPr lang="zh-CN" altLang="en-US"/>
+          </a:p>
+        </p:txBody>
+      </p:sp>
+      <p:sp>
+        <p:nvSpPr>
+          <p:cNvPr id="59" name="任意多边形: 形状 58"/>
+          <p:cNvSpPr/>
+          <p:nvPr>
+            <p:custDataLst>
+              <p:tags r:id="rId14"/>
+            </p:custDataLst>
+          </p:nvPr>
+        </p:nvSpPr>
+        <p:spPr>
+          <a:xfrm rot="18872075">
+            <a:off x="10945495" y="3123565"/>
+            <a:ext cx="17145" cy="187325"/>
+          </a:xfrm>
+          <a:custGeom>
+            <a:avLst/>
+            <a:gdLst>
+              <a:gd name="connsiteX0" fmla="*/ 0 w 25200"/>
+              <a:gd name="connsiteY0" fmla="*/ 0 h 270374"/>
+              <a:gd name="connsiteX1" fmla="*/ 25200 w 25200"/>
+              <a:gd name="connsiteY1" fmla="*/ 25613 h 270374"/>
+              <a:gd name="connsiteX2" fmla="*/ 25200 w 25200"/>
+              <a:gd name="connsiteY2" fmla="*/ 245580 h 270374"/>
+              <a:gd name="connsiteX3" fmla="*/ 0 w 25200"/>
+              <a:gd name="connsiteY3" fmla="*/ 270374 h 270374"/>
+            </a:gdLst>
+            <a:ahLst/>
+            <a:cxnLst>
+              <a:cxn ang="0">
+                <a:pos x="connsiteX0" y="connsiteY0"/>
+              </a:cxn>
+              <a:cxn ang="0">
+                <a:pos x="connsiteX1" y="connsiteY1"/>
+              </a:cxn>
+              <a:cxn ang="0">
+                <a:pos x="connsiteX2" y="connsiteY2"/>
+              </a:cxn>
+              <a:cxn ang="0">
+                <a:pos x="connsiteX3" y="connsiteY3"/>
+              </a:cxn>
+            </a:cxnLst>
+            <a:rect l="l" t="t" r="r" b="b"/>
+            <a:pathLst>
+              <a:path w="25200" h="270374">
+                <a:moveTo>
+                  <a:pt x="0" y="0"/>
+                </a:moveTo>
+                <a:lnTo>
+                  <a:pt x="25200" y="25613"/>
+                </a:lnTo>
+                <a:lnTo>
+                  <a:pt x="25200" y="245580"/>
+                </a:lnTo>
+                <a:lnTo>
+                  <a:pt x="0" y="270374"/>
+                </a:lnTo>
+                <a:close/>
+              </a:path>
+            </a:pathLst>
+          </a:custGeom>
+          <a:solidFill>
+            <a:schemeClr val="accent1"/>
+          </a:solidFill>
+          <a:ln>
+            <a:noFill/>
+          </a:ln>
+        </p:spPr>
+        <p:style>
+          <a:lnRef idx="2">
+            <a:schemeClr val="accent1">
+              <a:shade val="15000"/>
+            </a:schemeClr>
+          </a:lnRef>
+          <a:fillRef idx="1">
+            <a:schemeClr val="accent1"/>
+          </a:fillRef>
+          <a:effectRef idx="0">
+            <a:schemeClr val="accent1"/>
+          </a:effectRef>
+          <a:fontRef idx="minor">
+            <a:schemeClr val="lt1"/>
+          </a:fontRef>
+        </p:style>
+        <p:txBody>
+          <a:bodyPr wrap="square" rtlCol="0" anchor="ctr">
+            <a:noAutofit/>
+          </a:bodyPr>
+          <a:lstStyle/>
+          <a:p>
+            <a:pPr algn="ctr"/>
+            <a:endParaRPr lang="zh-CN" altLang="en-US" dirty="0"/>
+          </a:p>
+        </p:txBody>
+      </p:sp>
+      <p:sp>
+        <p:nvSpPr>
+          <p:cNvPr id="63" name="任意多边形: 形状 62"/>
+          <p:cNvSpPr/>
+          <p:nvPr>
+            <p:custDataLst>
+              <p:tags r:id="rId15"/>
+            </p:custDataLst>
+          </p:nvPr>
+        </p:nvSpPr>
+        <p:spPr>
+          <a:xfrm rot="18872075">
+            <a:off x="1325245" y="4387215"/>
+            <a:ext cx="25400" cy="322580"/>
+          </a:xfrm>
+          <a:custGeom>
+            <a:avLst/>
+            <a:gdLst>
+              <a:gd name="connsiteX0" fmla="*/ 39600 w 39600"/>
+              <a:gd name="connsiteY0" fmla="*/ 0 h 503737"/>
+              <a:gd name="connsiteX1" fmla="*/ 39600 w 39600"/>
+              <a:gd name="connsiteY1" fmla="*/ 503737 h 503737"/>
+              <a:gd name="connsiteX2" fmla="*/ 0 w 39600"/>
+              <a:gd name="connsiteY2" fmla="*/ 463488 h 503737"/>
+              <a:gd name="connsiteX3" fmla="*/ 0 w 39600"/>
+              <a:gd name="connsiteY3" fmla="*/ 38962 h 503737"/>
+            </a:gdLst>
+            <a:ahLst/>
+            <a:cxnLst>
+              <a:cxn ang="0">
+                <a:pos x="connsiteX0" y="connsiteY0"/>
+              </a:cxn>
+              <a:cxn ang="0">
+                <a:pos x="connsiteX1" y="connsiteY1"/>
+              </a:cxn>
+              <a:cxn ang="0">
+                <a:pos x="connsiteX2" y="connsiteY2"/>
+              </a:cxn>
+              <a:cxn ang="0">
+                <a:pos x="connsiteX3" y="connsiteY3"/>
+              </a:cxn>
+            </a:cxnLst>
+            <a:rect l="l" t="t" r="r" b="b"/>
+            <a:pathLst>
+              <a:path w="39600" h="503737">
+                <a:moveTo>
+                  <a:pt x="39600" y="0"/>
+                </a:moveTo>
+                <a:lnTo>
+                  <a:pt x="39600" y="503737"/>
+                </a:lnTo>
+                <a:lnTo>
+                  <a:pt x="0" y="463488"/>
+                </a:lnTo>
+                <a:lnTo>
+                  <a:pt x="0" y="38962"/>
+                </a:lnTo>
+                <a:close/>
+              </a:path>
+            </a:pathLst>
+          </a:custGeom>
+          <a:solidFill>
+            <a:schemeClr val="accent1"/>
+          </a:solidFill>
+          <a:ln>
+            <a:noFill/>
+          </a:ln>
+        </p:spPr>
+        <p:style>
+          <a:lnRef idx="2">
+            <a:schemeClr val="accent1">
+              <a:shade val="15000"/>
+            </a:schemeClr>
+          </a:lnRef>
+          <a:fillRef idx="1">
+            <a:schemeClr val="accent1"/>
+          </a:fillRef>
+          <a:effectRef idx="0">
+            <a:schemeClr val="accent1"/>
+          </a:effectRef>
+          <a:fontRef idx="minor">
+            <a:schemeClr val="lt1"/>
+          </a:fontRef>
+        </p:style>
+        <p:txBody>
+          <a:bodyPr wrap="square" rtlCol="0" anchor="ctr">
+            <a:noAutofit/>
+          </a:bodyPr>
+          <a:lstStyle/>
+          <a:p>
+            <a:pPr algn="ctr"/>
+            <a:endParaRPr lang="zh-CN" altLang="en-US" dirty="0"/>
+          </a:p>
+        </p:txBody>
+      </p:sp>
+      <p:sp>
+        <p:nvSpPr>
+          <p:cNvPr id="64" name="任意多边形: 形状 63"/>
+          <p:cNvSpPr/>
+          <p:nvPr>
+            <p:custDataLst>
+              <p:tags r:id="rId16"/>
+            </p:custDataLst>
+          </p:nvPr>
+        </p:nvSpPr>
+        <p:spPr>
+          <a:xfrm rot="18872075">
+            <a:off x="1374775" y="4264025"/>
+            <a:ext cx="25400" cy="467995"/>
+          </a:xfrm>
+          <a:custGeom>
+            <a:avLst/>
+            <a:gdLst>
+              <a:gd name="connsiteX0" fmla="*/ 39600 w 39600"/>
+              <a:gd name="connsiteY0" fmla="*/ 0 h 731114"/>
+              <a:gd name="connsiteX1" fmla="*/ 39600 w 39600"/>
+              <a:gd name="connsiteY1" fmla="*/ 731114 h 731114"/>
+              <a:gd name="connsiteX2" fmla="*/ 0 w 39600"/>
+              <a:gd name="connsiteY2" fmla="*/ 690866 h 731114"/>
+              <a:gd name="connsiteX3" fmla="*/ 0 w 39600"/>
+              <a:gd name="connsiteY3" fmla="*/ 38962 h 731114"/>
+            </a:gdLst>
+            <a:ahLst/>
+            <a:cxnLst>
+              <a:cxn ang="0">
+                <a:pos x="connsiteX0" y="connsiteY0"/>
+              </a:cxn>
+              <a:cxn ang="0">
+                <a:pos x="connsiteX1" y="connsiteY1"/>
+              </a:cxn>
+              <a:cxn ang="0">
+                <a:pos x="connsiteX2" y="connsiteY2"/>
+              </a:cxn>
+              <a:cxn ang="0">
+                <a:pos x="connsiteX3" y="connsiteY3"/>
+              </a:cxn>
+            </a:cxnLst>
+            <a:rect l="l" t="t" r="r" b="b"/>
+            <a:pathLst>
+              <a:path w="39600" h="731114">
+                <a:moveTo>
+                  <a:pt x="39600" y="0"/>
+                </a:moveTo>
+                <a:lnTo>
+                  <a:pt x="39600" y="731114"/>
+                </a:lnTo>
+                <a:lnTo>
+                  <a:pt x="0" y="690866"/>
+                </a:lnTo>
+                <a:lnTo>
+                  <a:pt x="0" y="38962"/>
+                </a:lnTo>
+                <a:close/>
+              </a:path>
+            </a:pathLst>
+          </a:custGeom>
+          <a:solidFill>
+            <a:schemeClr val="accent1"/>
+          </a:solidFill>
+          <a:ln>
+            <a:noFill/>
+          </a:ln>
+        </p:spPr>
+        <p:style>
+          <a:lnRef idx="2">
+            <a:schemeClr val="accent1">
+              <a:shade val="15000"/>
+            </a:schemeClr>
+          </a:lnRef>
+          <a:fillRef idx="1">
+            <a:schemeClr val="accent1"/>
+          </a:fillRef>
+          <a:effectRef idx="0">
+            <a:schemeClr val="accent1"/>
+          </a:effectRef>
+          <a:fontRef idx="minor">
+            <a:schemeClr val="lt1"/>
+          </a:fontRef>
+        </p:style>
+        <p:txBody>
+          <a:bodyPr wrap="square" rtlCol="0" anchor="ctr">
+            <a:noAutofit/>
+          </a:bodyPr>
+          <a:lstStyle/>
+          <a:p>
+            <a:pPr algn="ctr"/>
+            <a:endParaRPr lang="zh-CN" altLang="en-US"/>
+          </a:p>
+        </p:txBody>
+      </p:sp>
+      <p:sp>
+        <p:nvSpPr>
+          <p:cNvPr id="2" name="标题 1"/>
+          <p:cNvSpPr>
+            <a:spLocks noGrp="1"/>
+          </p:cNvSpPr>
+          <p:nvPr>
+            <p:ph type="title"/>
+            <p:custDataLst>
+              <p:tags r:id="rId17"/>
+            </p:custDataLst>
+          </p:nvPr>
+        </p:nvSpPr>
+        <p:spPr>
+          <a:xfrm>
+            <a:off x="1366426" y="3272468"/>
+            <a:ext cx="9459149" cy="1213292"/>
+          </a:xfrm>
+        </p:spPr>
+        <p:txBody>
+          <a:bodyPr wrap="square" anchor="ctr">
+            <a:normAutofit/>
+          </a:bodyPr>
+          <a:lstStyle>
+            <a:lvl1pPr algn="ctr">
+              <a:defRPr sz="5400">
+                <a:gradFill>
+                  <a:gsLst>
+                    <a:gs pos="0">
+                      <a:srgbClr val="FFFFFF"/>
+                    </a:gs>
+                    <a:gs pos="100000">
+                      <a:schemeClr val="accent1"/>
+                    </a:gs>
+                  </a:gsLst>
+                  <a:lin ang="5400000" scaled="1"/>
+                </a:gradFill>
+              </a:defRPr>
+            </a:lvl1pPr>
+          </a:lstStyle>
+          <a:p>
+            <a:r>
+              <a:rPr lang="zh-CN" altLang="en-US" dirty="0"/>
+              <a:t>单击此处编辑母版标题样式</a:t>
+            </a:r>
+            <a:endParaRPr lang="zh-CN" altLang="en-US" dirty="0"/>
+          </a:p>
+        </p:txBody>
+      </p:sp>
+      <p:sp>
+        <p:nvSpPr>
+          <p:cNvPr id="3" name="文本占位符 2"/>
+          <p:cNvSpPr>
+            <a:spLocks noGrp="1"/>
+          </p:cNvSpPr>
+          <p:nvPr>
+            <p:ph type="body" idx="1" hasCustomPrompt="1"/>
+            <p:custDataLst>
+              <p:tags r:id="rId18"/>
+            </p:custDataLst>
+          </p:nvPr>
+        </p:nvSpPr>
+        <p:spPr>
+          <a:xfrm>
+            <a:off x="1524000" y="4825348"/>
+            <a:ext cx="9144000" cy="1042086"/>
+          </a:xfrm>
+        </p:spPr>
+        <p:txBody>
+          <a:bodyPr wrap="square">
+            <a:normAutofit/>
+          </a:bodyPr>
+          <a:lstStyle>
+            <a:lvl1pPr marL="0" indent="0" algn="ctr">
+              <a:buNone/>
+              <a:defRPr sz="2400">
+                <a:solidFill>
+                  <a:srgbClr val="FFFFFF"/>
+                </a:solidFill>
+              </a:defRPr>
+            </a:lvl1pPr>
+            <a:lvl2pPr marL="457200" indent="0">
+              <a:buNone/>
+              <a:defRPr sz="2000">
+                <a:solidFill>
+                  <a:schemeClr val="tx1">
+                    <a:tint val="75000"/>
+                  </a:schemeClr>
+                </a:solidFill>
+              </a:defRPr>
+            </a:lvl2pPr>
+            <a:lvl3pPr marL="914400" indent="0">
+              <a:buNone/>
+              <a:defRPr sz="1800">
+                <a:solidFill>
+                  <a:schemeClr val="tx1">
+                    <a:tint val="75000"/>
+                  </a:schemeClr>
+                </a:solidFill>
+              </a:defRPr>
+            </a:lvl3pPr>
+            <a:lvl4pPr marL="1371600" indent="0">
+              <a:buNone/>
+              <a:defRPr sz="1600">
+                <a:solidFill>
+                  <a:schemeClr val="tx1">
+                    <a:tint val="75000"/>
+                  </a:schemeClr>
+                </a:solidFill>
+              </a:defRPr>
+            </a:lvl4pPr>
+            <a:lvl5pPr marL="1828800" indent="0">
+              <a:buNone/>
+              <a:defRPr sz="1600">
+                <a:solidFill>
+                  <a:schemeClr val="tx1">
+                    <a:tint val="75000"/>
+                  </a:schemeClr>
+                </a:solidFill>
+              </a:defRPr>
+            </a:lvl5pPr>
+            <a:lvl6pPr marL="2286000" indent="0">
+              <a:buNone/>
+              <a:defRPr sz="1600">
+                <a:solidFill>
+                  <a:schemeClr val="tx1">
+                    <a:tint val="75000"/>
+                  </a:schemeClr>
+                </a:solidFill>
+              </a:defRPr>
+            </a:lvl6pPr>
+            <a:lvl7pPr marL="2743200" indent="0">
+              <a:buNone/>
+              <a:defRPr sz="1600">
+                <a:solidFill>
+                  <a:schemeClr val="tx1">
+                    <a:tint val="75000"/>
+                  </a:schemeClr>
+                </a:solidFill>
+              </a:defRPr>
+            </a:lvl7pPr>
+            <a:lvl8pPr marL="3200400" indent="0">
+              <a:buNone/>
+              <a:defRPr sz="1600">
+                <a:solidFill>
+                  <a:schemeClr val="tx1">
+                    <a:tint val="75000"/>
+                  </a:schemeClr>
+                </a:solidFill>
+              </a:defRPr>
+            </a:lvl8pPr>
+            <a:lvl9pPr marL="3657600" indent="0">
+              <a:buNone/>
+              <a:defRPr sz="1600">
+                <a:solidFill>
+                  <a:schemeClr val="tx1">
+                    <a:tint val="75000"/>
+                  </a:schemeClr>
+                </a:solidFill>
+              </a:defRPr>
+            </a:lvl9pPr>
+          </a:lstStyle>
+          <a:p>
+            <a:pPr lvl="0"/>
+            <a:r>
+              <a:rPr lang="zh-CN" altLang="en-US" dirty="0"/>
+              <a:t>单击此处编辑副标题</a:t>
+            </a:r>
+            <a:endParaRPr lang="zh-CN" altLang="en-US" dirty="0"/>
+          </a:p>
+        </p:txBody>
+      </p:sp>
+      <p:sp>
+        <p:nvSpPr>
+          <p:cNvPr id="8" name="节编号 3"/>
+          <p:cNvSpPr>
+            <a:spLocks noGrp="1"/>
+          </p:cNvSpPr>
+          <p:nvPr>
+            <p:ph type="body" sz="quarter" idx="13" hasCustomPrompt="1"/>
+            <p:custDataLst>
+              <p:tags r:id="rId19"/>
+            </p:custDataLst>
+          </p:nvPr>
+        </p:nvSpPr>
+        <p:spPr>
+          <a:xfrm>
+            <a:off x="3523050" y="1708880"/>
+            <a:ext cx="5145900" cy="1224000"/>
+          </a:xfrm>
+        </p:spPr>
+        <p:txBody>
+          <a:bodyPr wrap="none" anchor="ctr">
+            <a:normAutofit/>
+          </a:bodyPr>
+          <a:lstStyle>
+            <a:lvl1pPr marL="0" indent="0" algn="ctr">
+              <a:buNone/>
+              <a:defRPr sz="5400" b="1">
+                <a:solidFill>
+                  <a:srgbClr val="FFFFFF"/>
+                </a:solidFill>
+              </a:defRPr>
+            </a:lvl1pPr>
+          </a:lstStyle>
+          <a:p>
+            <a:pPr lvl="0"/>
+            <a:r>
+              <a:rPr lang="zh-CN" altLang="en-US" dirty="0"/>
+              <a:t>节编号</a:t>
+            </a:r>
+            <a:endParaRPr lang="zh-CN" altLang="en-US" dirty="0"/>
+          </a:p>
+        </p:txBody>
+      </p:sp>
+    </p:spTree>
+  </p:cSld>
+  <p:clrMapOvr>
+    <a:masterClrMapping/>
+  </p:clrMapOvr>
+</p:sldLayout>
+</file>
+
+<file path=ppt/slideLayouts/slideLayout16.xml><?xml version="1.0" encoding="utf-8"?>
+<p:sldLayout xmlns:a="http://schemas.openxmlformats.org/drawingml/2006/main" xmlns:r="http://schemas.openxmlformats.org/officeDocument/2006/relationships" xmlns:p="http://schemas.openxmlformats.org/presentationml/2006/main" type="twoObj" preserve="1">
+  <p:cSld name="两栏内容">
+    <p:spTree>
+      <p:nvGrpSpPr>
+        <p:cNvPr id="1" name=""/>
+        <p:cNvGrpSpPr/>
+        <p:nvPr/>
+      </p:nvGrpSpPr>
+      <p:grpSpPr>
+        <a:xfrm>
+          <a:off x="0" y="0"/>
+          <a:ext cx="0" cy="0"/>
+          <a:chOff x="0" y="0"/>
+          <a:chExt cx="0" cy="0"/>
+        </a:xfrm>
+      </p:grpSpPr>
+      <p:sp>
+        <p:nvSpPr>
+          <p:cNvPr id="2" name="标题 1"/>
+          <p:cNvSpPr>
+            <a:spLocks noGrp="1"/>
+          </p:cNvSpPr>
+          <p:nvPr>
+            <p:ph type="title"/>
+            <p:custDataLst>
+              <p:tags r:id="rId2"/>
+            </p:custDataLst>
+          </p:nvPr>
+        </p:nvSpPr>
+        <p:spPr/>
+        <p:txBody>
+          <a:bodyPr vert="horz" wrap="square" lIns="0" tIns="0" rIns="0" bIns="0" rtlCol="0" anchor="b">
+            <a:normAutofit/>
+          </a:bodyPr>
+          <a:lstStyle>
+            <a:lvl1pPr>
+              <a:defRPr lang="zh-CN" altLang="en-US" dirty="0"/>
+            </a:lvl1pPr>
+          </a:lstStyle>
+          <a:p>
+            <a:pPr lvl="0"/>
+            <a:r>
+              <a:rPr lang="zh-CN" altLang="en-US" dirty="0"/>
+              <a:t>单击此处编辑母版标题样式</a:t>
+            </a:r>
+            <a:endParaRPr lang="zh-CN" altLang="en-US" dirty="0"/>
+          </a:p>
+        </p:txBody>
+      </p:sp>
+      <p:sp>
+        <p:nvSpPr>
+          <p:cNvPr id="3" name="内容占位符 2"/>
+          <p:cNvSpPr>
+            <a:spLocks noGrp="1"/>
+          </p:cNvSpPr>
+          <p:nvPr>
+            <p:ph sz="half" idx="1"/>
+            <p:custDataLst>
+              <p:tags r:id="rId3"/>
+            </p:custDataLst>
+          </p:nvPr>
+        </p:nvSpPr>
+        <p:spPr>
+          <a:xfrm>
+            <a:off x="695960" y="1301750"/>
+            <a:ext cx="5323840" cy="4875850"/>
+          </a:xfrm>
+        </p:spPr>
+        <p:txBody>
+          <a:bodyPr wrap="square">
+            <a:normAutofit/>
+          </a:bodyPr>
+          <a:lstStyle/>
+          <a:p>
+            <a:pPr lvl="0"/>
+            <a:r>
+              <a:rPr lang="zh-CN" altLang="en-US" dirty="0"/>
+              <a:t>单击此处编辑母版文本样式</a:t>
+            </a:r>
+            <a:endParaRPr lang="zh-CN" altLang="en-US" dirty="0"/>
+          </a:p>
+          <a:p>
+            <a:pPr lvl="1"/>
+            <a:r>
+              <a:rPr lang="zh-CN" altLang="en-US" dirty="0">
+                <a:sym typeface="+mn-ea"/>
+              </a:rPr>
+              <a:t>第</a:t>
+            </a:r>
+            <a:r>
+              <a:rPr lang="zh-CN" altLang="en-US" dirty="0"/>
+              <a:t>二级</a:t>
+            </a:r>
+            <a:endParaRPr lang="zh-CN" altLang="en-US" dirty="0"/>
+          </a:p>
+          <a:p>
+            <a:pPr lvl="2"/>
+            <a:r>
+              <a:rPr lang="zh-CN" altLang="en-US" dirty="0">
+                <a:sym typeface="+mn-ea"/>
+              </a:rPr>
+              <a:t>第</a:t>
+            </a:r>
+            <a:r>
+              <a:rPr lang="zh-CN" altLang="en-US" dirty="0"/>
+              <a:t>三级</a:t>
+            </a:r>
+            <a:endParaRPr lang="zh-CN" altLang="en-US" dirty="0"/>
+          </a:p>
+          <a:p>
+            <a:pPr lvl="3"/>
+            <a:r>
+              <a:rPr lang="zh-CN" altLang="en-US" dirty="0">
+                <a:sym typeface="+mn-ea"/>
+              </a:rPr>
+              <a:t>第</a:t>
+            </a:r>
+            <a:r>
+              <a:rPr lang="zh-CN" altLang="en-US" dirty="0"/>
+              <a:t>四级</a:t>
+            </a:r>
+            <a:endParaRPr lang="zh-CN" altLang="en-US" dirty="0"/>
+          </a:p>
+          <a:p>
+            <a:pPr lvl="4"/>
+            <a:r>
+              <a:rPr lang="zh-CN" altLang="en-US" dirty="0">
+                <a:sym typeface="+mn-ea"/>
+              </a:rPr>
+              <a:t>第</a:t>
+            </a:r>
+            <a:r>
+              <a:rPr lang="zh-CN" altLang="en-US" dirty="0"/>
+              <a:t>五级</a:t>
+            </a:r>
+            <a:endParaRPr lang="zh-CN" altLang="en-US" dirty="0"/>
+          </a:p>
+        </p:txBody>
+      </p:sp>
+      <p:sp>
+        <p:nvSpPr>
+          <p:cNvPr id="4" name="内容占位符 3"/>
+          <p:cNvSpPr>
+            <a:spLocks noGrp="1"/>
+          </p:cNvSpPr>
+          <p:nvPr>
+            <p:ph sz="half" idx="2"/>
+            <p:custDataLst>
+              <p:tags r:id="rId4"/>
+            </p:custDataLst>
+          </p:nvPr>
+        </p:nvSpPr>
+        <p:spPr>
+          <a:xfrm>
+            <a:off x="6172200" y="1301750"/>
+            <a:ext cx="5323840" cy="4875850"/>
+          </a:xfrm>
+        </p:spPr>
+        <p:txBody>
+          <a:bodyPr wrap="square">
+            <a:normAutofit/>
+          </a:bodyPr>
+          <a:lstStyle/>
+          <a:p>
+            <a:pPr lvl="0"/>
+            <a:r>
+              <a:rPr lang="zh-CN" altLang="en-US" dirty="0"/>
+              <a:t>单击此处编辑母版文本样式</a:t>
+            </a:r>
+            <a:endParaRPr lang="zh-CN" altLang="en-US" dirty="0"/>
+          </a:p>
+          <a:p>
+            <a:pPr lvl="1"/>
+            <a:r>
+              <a:rPr lang="zh-CN" altLang="en-US" dirty="0">
+                <a:sym typeface="+mn-ea"/>
+              </a:rPr>
+              <a:t>第</a:t>
+            </a:r>
+            <a:r>
+              <a:rPr lang="zh-CN" altLang="en-US" dirty="0"/>
+              <a:t>二级</a:t>
+            </a:r>
+            <a:endParaRPr lang="zh-CN" altLang="en-US" dirty="0"/>
+          </a:p>
+          <a:p>
+            <a:pPr lvl="2"/>
+            <a:r>
+              <a:rPr lang="zh-CN" altLang="en-US" dirty="0">
+                <a:sym typeface="+mn-ea"/>
+              </a:rPr>
+              <a:t>第</a:t>
+            </a:r>
+            <a:r>
+              <a:rPr lang="zh-CN" altLang="en-US" dirty="0"/>
+              <a:t>三级</a:t>
+            </a:r>
+            <a:endParaRPr lang="zh-CN" altLang="en-US" dirty="0"/>
+          </a:p>
+          <a:p>
+            <a:pPr lvl="3"/>
+            <a:r>
+              <a:rPr lang="zh-CN" altLang="en-US" dirty="0">
+                <a:sym typeface="+mn-ea"/>
+              </a:rPr>
+              <a:t>第</a:t>
+            </a:r>
+            <a:r>
+              <a:rPr lang="zh-CN" altLang="en-US" dirty="0"/>
+              <a:t>四级</a:t>
+            </a:r>
+            <a:endParaRPr lang="zh-CN" altLang="en-US" dirty="0"/>
+          </a:p>
+          <a:p>
+            <a:pPr lvl="4"/>
+            <a:r>
+              <a:rPr lang="zh-CN" altLang="en-US" dirty="0">
+                <a:sym typeface="+mn-ea"/>
+              </a:rPr>
+              <a:t>第</a:t>
+            </a:r>
+            <a:r>
+              <a:rPr lang="zh-CN" altLang="en-US" dirty="0"/>
+              <a:t>五级</a:t>
+            </a:r>
+            <a:endParaRPr lang="zh-CN" altLang="en-US" dirty="0"/>
+          </a:p>
+        </p:txBody>
+      </p:sp>
+      <p:sp>
+        <p:nvSpPr>
+          <p:cNvPr id="5" name="日期占位符 4"/>
+          <p:cNvSpPr>
+            <a:spLocks noGrp="1"/>
+          </p:cNvSpPr>
+          <p:nvPr>
+            <p:ph type="dt" sz="half" idx="10"/>
+            <p:custDataLst>
+              <p:tags r:id="rId5"/>
+            </p:custDataLst>
+          </p:nvPr>
+        </p:nvSpPr>
+        <p:spPr/>
+        <p:txBody>
+          <a:bodyPr wrap="square">
+            <a:normAutofit/>
+          </a:bodyPr>
+          <a:lstStyle/>
+          <a:p>
+            <a:fld id="{5592522B-0F24-4480-B9DD-A9474A6880D6}" type="datetimeFigureOut">
+              <a:rPr lang="zh-CN" altLang="en-US" smtClean="0"/>
+            </a:fld>
+            <a:endParaRPr lang="zh-CN" altLang="en-US"/>
+          </a:p>
+        </p:txBody>
+      </p:sp>
+      <p:sp>
+        <p:nvSpPr>
+          <p:cNvPr id="6" name="页脚占位符 5"/>
+          <p:cNvSpPr>
+            <a:spLocks noGrp="1"/>
+          </p:cNvSpPr>
+          <p:nvPr>
+            <p:ph type="ftr" sz="quarter" idx="11"/>
+            <p:custDataLst>
+              <p:tags r:id="rId6"/>
+            </p:custDataLst>
+          </p:nvPr>
+        </p:nvSpPr>
+        <p:spPr/>
+        <p:txBody>
+          <a:bodyPr/>
+          <a:lstStyle/>
+          <a:p>
+            <a:endParaRPr lang="zh-CN" altLang="en-US"/>
+          </a:p>
+        </p:txBody>
+      </p:sp>
+      <p:sp>
+        <p:nvSpPr>
+          <p:cNvPr id="7" name="灯片编号占位符 6"/>
+          <p:cNvSpPr>
+            <a:spLocks noGrp="1"/>
+          </p:cNvSpPr>
+          <p:nvPr>
+            <p:ph type="sldNum" sz="quarter" idx="12"/>
+            <p:custDataLst>
+              <p:tags r:id="rId7"/>
+            </p:custDataLst>
+          </p:nvPr>
+        </p:nvSpPr>
+        <p:spPr/>
+        <p:txBody>
+          <a:bodyPr wrap="square">
+            <a:normAutofit/>
+          </a:bodyPr>
+          <a:lstStyle/>
+          <a:p>
+            <a:fld id="{BE5F26B5-172A-4DC2-B0B7-181CFC56B87C}" type="slidenum">
+              <a:rPr lang="zh-CN" altLang="en-US" smtClean="0"/>
+            </a:fld>
+            <a:endParaRPr lang="zh-CN" altLang="en-US"/>
+          </a:p>
+        </p:txBody>
+      </p:sp>
+    </p:spTree>
+  </p:cSld>
+  <p:clrMapOvr>
+    <a:masterClrMapping/>
+  </p:clrMapOvr>
+</p:sldLayout>
+</file>
+
+<file path=ppt/slideLayouts/slideLayout17.xml><?xml version="1.0" encoding="utf-8"?>
+<p:sldLayout xmlns:a="http://schemas.openxmlformats.org/drawingml/2006/main" xmlns:r="http://schemas.openxmlformats.org/officeDocument/2006/relationships" xmlns:p="http://schemas.openxmlformats.org/presentationml/2006/main" preserve="1" userDrawn="1">
+  <p:cSld name="比较">
+    <p:spTree>
+      <p:nvGrpSpPr>
+        <p:cNvPr id="1" name=""/>
+        <p:cNvGrpSpPr/>
+        <p:nvPr/>
+      </p:nvGrpSpPr>
+      <p:grpSpPr>
+        <a:xfrm>
+          <a:off x="0" y="0"/>
+          <a:ext cx="0" cy="0"/>
+          <a:chOff x="0" y="0"/>
+          <a:chExt cx="0" cy="0"/>
+        </a:xfrm>
+      </p:grpSpPr>
+      <p:sp>
+        <p:nvSpPr>
+          <p:cNvPr id="3" name="文本占位符 2"/>
+          <p:cNvSpPr>
+            <a:spLocks noGrp="1"/>
+          </p:cNvSpPr>
+          <p:nvPr>
+            <p:ph type="body" idx="1" hasCustomPrompt="1"/>
+            <p:custDataLst>
+              <p:tags r:id="rId2"/>
+            </p:custDataLst>
+          </p:nvPr>
+        </p:nvSpPr>
+        <p:spPr>
+          <a:xfrm>
+            <a:off x="695960" y="1301750"/>
+            <a:ext cx="5323840" cy="411303"/>
+          </a:xfrm>
+        </p:spPr>
+        <p:txBody>
+          <a:bodyPr wrap="square" anchor="b">
+            <a:normAutofit/>
+          </a:bodyPr>
+          <a:lstStyle>
+            <a:lvl1pPr marL="0" indent="0">
+              <a:buNone/>
+              <a:defRPr sz="2400" b="1"/>
+            </a:lvl1pPr>
+            <a:lvl2pPr marL="457200" indent="0">
+              <a:buNone/>
+              <a:defRPr sz="2000" b="1"/>
+            </a:lvl2pPr>
+            <a:lvl3pPr marL="914400" indent="0">
+              <a:buNone/>
+              <a:defRPr sz="1800" b="1"/>
+            </a:lvl3pPr>
+            <a:lvl4pPr marL="1371600" indent="0">
+              <a:buNone/>
+              <a:defRPr sz="1600" b="1"/>
+            </a:lvl4pPr>
+            <a:lvl5pPr marL="1828800" indent="0">
+              <a:buNone/>
+              <a:defRPr sz="1600" b="1"/>
+            </a:lvl5pPr>
+            <a:lvl6pPr marL="2286000" indent="0">
+              <a:buNone/>
+              <a:defRPr sz="1600" b="1"/>
+            </a:lvl6pPr>
+            <a:lvl7pPr marL="2743200" indent="0">
+              <a:buNone/>
+              <a:defRPr sz="1600" b="1"/>
+            </a:lvl7pPr>
+            <a:lvl8pPr marL="3200400" indent="0">
+              <a:buNone/>
+              <a:defRPr sz="1600" b="1"/>
+            </a:lvl8pPr>
+            <a:lvl9pPr marL="3657600" indent="0">
+              <a:buNone/>
+              <a:defRPr sz="1600" b="1"/>
+            </a:lvl9pPr>
+          </a:lstStyle>
+          <a:p>
+            <a:pPr lvl="0"/>
+            <a:r>
+              <a:rPr lang="zh-CN" altLang="en-US" dirty="0"/>
+              <a:t>单击此处编辑母版标题样式</a:t>
+            </a:r>
+            <a:endParaRPr lang="zh-CN" altLang="en-US" dirty="0"/>
+          </a:p>
+        </p:txBody>
+      </p:sp>
+      <p:sp>
+        <p:nvSpPr>
+          <p:cNvPr id="4" name="内容占位符 3"/>
+          <p:cNvSpPr>
+            <a:spLocks noGrp="1"/>
+          </p:cNvSpPr>
+          <p:nvPr>
+            <p:ph sz="half" idx="2"/>
+            <p:custDataLst>
+              <p:tags r:id="rId3"/>
+            </p:custDataLst>
+          </p:nvPr>
+        </p:nvSpPr>
+        <p:spPr>
+          <a:xfrm>
+            <a:off x="695960" y="1875099"/>
+            <a:ext cx="5323840" cy="4300276"/>
+          </a:xfrm>
+        </p:spPr>
+        <p:txBody>
+          <a:bodyPr wrap="square">
+            <a:normAutofit/>
+          </a:bodyPr>
+          <a:lstStyle>
+            <a:lvl1pPr>
+              <a:defRPr sz="2200"/>
+            </a:lvl1pPr>
+          </a:lstStyle>
+          <a:p>
+            <a:pPr lvl="0"/>
+            <a:r>
+              <a:rPr lang="zh-CN" altLang="en-US" dirty="0"/>
+              <a:t>单击此处编辑母版文本样式</a:t>
+            </a:r>
+            <a:endParaRPr lang="zh-CN" altLang="en-US" dirty="0"/>
+          </a:p>
+          <a:p>
+            <a:pPr lvl="1"/>
+            <a:r>
+              <a:rPr lang="zh-CN" altLang="en-US" dirty="0">
+                <a:sym typeface="+mn-ea"/>
+              </a:rPr>
+              <a:t>第</a:t>
+            </a:r>
+            <a:r>
+              <a:rPr lang="zh-CN" altLang="en-US" dirty="0"/>
+              <a:t>二级</a:t>
+            </a:r>
+            <a:endParaRPr lang="zh-CN" altLang="en-US" dirty="0"/>
+          </a:p>
+          <a:p>
+            <a:pPr lvl="2"/>
+            <a:r>
+              <a:rPr lang="zh-CN" altLang="en-US" dirty="0">
+                <a:sym typeface="+mn-ea"/>
+              </a:rPr>
+              <a:t>第</a:t>
+            </a:r>
+            <a:r>
+              <a:rPr lang="zh-CN" altLang="en-US" dirty="0"/>
+              <a:t>三级</a:t>
+            </a:r>
+            <a:endParaRPr lang="zh-CN" altLang="en-US" dirty="0"/>
+          </a:p>
+          <a:p>
+            <a:pPr lvl="3"/>
+            <a:r>
+              <a:rPr lang="zh-CN" altLang="en-US" dirty="0">
+                <a:sym typeface="+mn-ea"/>
+              </a:rPr>
+              <a:t>第</a:t>
+            </a:r>
+            <a:r>
+              <a:rPr lang="zh-CN" altLang="en-US" dirty="0"/>
+              <a:t>四级</a:t>
+            </a:r>
+            <a:endParaRPr lang="zh-CN" altLang="en-US" dirty="0"/>
+          </a:p>
+          <a:p>
+            <a:pPr lvl="4"/>
+            <a:r>
+              <a:rPr lang="zh-CN" altLang="en-US" dirty="0">
+                <a:sym typeface="+mn-ea"/>
+              </a:rPr>
+              <a:t>第</a:t>
+            </a:r>
+            <a:r>
+              <a:rPr lang="zh-CN" altLang="en-US" dirty="0"/>
+              <a:t>五级</a:t>
+            </a:r>
+            <a:endParaRPr lang="zh-CN" altLang="en-US" dirty="0"/>
+          </a:p>
+        </p:txBody>
+      </p:sp>
+      <p:sp>
+        <p:nvSpPr>
+          <p:cNvPr id="5" name="文本占位符 4"/>
+          <p:cNvSpPr>
+            <a:spLocks noGrp="1"/>
+          </p:cNvSpPr>
+          <p:nvPr>
+            <p:ph type="body" sz="quarter" idx="3" hasCustomPrompt="1"/>
+            <p:custDataLst>
+              <p:tags r:id="rId4"/>
+            </p:custDataLst>
+          </p:nvPr>
+        </p:nvSpPr>
+        <p:spPr>
+          <a:xfrm>
+            <a:off x="6172200" y="1301750"/>
+            <a:ext cx="5323840" cy="411303"/>
+          </a:xfrm>
+        </p:spPr>
+        <p:txBody>
+          <a:bodyPr wrap="square" anchor="b">
+            <a:normAutofit/>
+          </a:bodyPr>
+          <a:lstStyle>
+            <a:lvl1pPr marL="0" indent="0">
+              <a:buNone/>
+              <a:defRPr sz="2400" b="1"/>
+            </a:lvl1pPr>
+            <a:lvl2pPr marL="457200" indent="0">
+              <a:buNone/>
+              <a:defRPr sz="2000" b="1"/>
+            </a:lvl2pPr>
+            <a:lvl3pPr marL="914400" indent="0">
+              <a:buNone/>
+              <a:defRPr sz="1800" b="1"/>
+            </a:lvl3pPr>
+            <a:lvl4pPr marL="1371600" indent="0">
+              <a:buNone/>
+              <a:defRPr sz="1600" b="1"/>
+            </a:lvl4pPr>
+            <a:lvl5pPr marL="1828800" indent="0">
+              <a:buNone/>
+              <a:defRPr sz="1600" b="1"/>
+            </a:lvl5pPr>
+            <a:lvl6pPr marL="2286000" indent="0">
+              <a:buNone/>
+              <a:defRPr sz="1600" b="1"/>
+            </a:lvl6pPr>
+            <a:lvl7pPr marL="2743200" indent="0">
+              <a:buNone/>
+              <a:defRPr sz="1600" b="1"/>
+            </a:lvl7pPr>
+            <a:lvl8pPr marL="3200400" indent="0">
+              <a:buNone/>
+              <a:defRPr sz="1600" b="1"/>
+            </a:lvl8pPr>
+            <a:lvl9pPr marL="3657600" indent="0">
+              <a:buNone/>
+              <a:defRPr sz="1600" b="1"/>
+            </a:lvl9pPr>
+          </a:lstStyle>
+          <a:p>
+            <a:pPr lvl="0"/>
+            <a:r>
+              <a:rPr lang="zh-CN" altLang="en-US" dirty="0"/>
+              <a:t>单击此处编辑母版标题样式</a:t>
+            </a:r>
+            <a:endParaRPr lang="zh-CN" altLang="en-US" dirty="0"/>
+          </a:p>
+        </p:txBody>
+      </p:sp>
+      <p:sp>
+        <p:nvSpPr>
+          <p:cNvPr id="6" name="内容占位符 5"/>
+          <p:cNvSpPr>
+            <a:spLocks noGrp="1"/>
+          </p:cNvSpPr>
+          <p:nvPr>
+            <p:ph sz="quarter" idx="4"/>
+            <p:custDataLst>
+              <p:tags r:id="rId5"/>
+            </p:custDataLst>
+          </p:nvPr>
+        </p:nvSpPr>
+        <p:spPr>
+          <a:xfrm>
+            <a:off x="6172200" y="1875099"/>
+            <a:ext cx="5323840" cy="4300276"/>
+          </a:xfrm>
+        </p:spPr>
+        <p:txBody>
+          <a:bodyPr wrap="square">
+            <a:normAutofit/>
+          </a:bodyPr>
+          <a:lstStyle>
+            <a:lvl1pPr>
+              <a:defRPr sz="2200"/>
+            </a:lvl1pPr>
+          </a:lstStyle>
+          <a:p>
+            <a:pPr lvl="0"/>
+            <a:r>
+              <a:rPr lang="zh-CN" altLang="en-US" dirty="0"/>
+              <a:t>单击此处编辑母版文本样式</a:t>
+            </a:r>
+            <a:endParaRPr lang="zh-CN" altLang="en-US" dirty="0"/>
+          </a:p>
+          <a:p>
+            <a:pPr lvl="1"/>
+            <a:r>
+              <a:rPr lang="zh-CN" altLang="en-US" dirty="0">
+                <a:sym typeface="+mn-ea"/>
+              </a:rPr>
+              <a:t>第</a:t>
+            </a:r>
+            <a:r>
+              <a:rPr lang="zh-CN" altLang="en-US" dirty="0"/>
+              <a:t>二级</a:t>
+            </a:r>
+            <a:endParaRPr lang="zh-CN" altLang="en-US" dirty="0"/>
+          </a:p>
+          <a:p>
+            <a:pPr lvl="2"/>
+            <a:r>
+              <a:rPr lang="zh-CN" altLang="en-US" dirty="0">
+                <a:sym typeface="+mn-ea"/>
+              </a:rPr>
+              <a:t>第</a:t>
+            </a:r>
+            <a:r>
+              <a:rPr lang="zh-CN" altLang="en-US" dirty="0"/>
+              <a:t>三级</a:t>
+            </a:r>
+            <a:endParaRPr lang="zh-CN" altLang="en-US" dirty="0"/>
+          </a:p>
+          <a:p>
+            <a:pPr lvl="3"/>
+            <a:r>
+              <a:rPr lang="zh-CN" altLang="en-US" dirty="0">
+                <a:sym typeface="+mn-ea"/>
+              </a:rPr>
+              <a:t>第</a:t>
+            </a:r>
+            <a:r>
+              <a:rPr lang="zh-CN" altLang="en-US" dirty="0"/>
+              <a:t>四级</a:t>
+            </a:r>
+            <a:endParaRPr lang="zh-CN" altLang="en-US" dirty="0"/>
+          </a:p>
+          <a:p>
+            <a:pPr lvl="4"/>
+            <a:r>
+              <a:rPr lang="zh-CN" altLang="en-US" dirty="0">
+                <a:sym typeface="+mn-ea"/>
+              </a:rPr>
+              <a:t>第</a:t>
+            </a:r>
+            <a:r>
+              <a:rPr lang="zh-CN" altLang="en-US" dirty="0"/>
+              <a:t>五级</a:t>
+            </a:r>
+            <a:endParaRPr lang="zh-CN" altLang="en-US" dirty="0"/>
+          </a:p>
+        </p:txBody>
+      </p:sp>
+      <p:sp>
+        <p:nvSpPr>
+          <p:cNvPr id="7" name="日期占位符 6"/>
+          <p:cNvSpPr>
+            <a:spLocks noGrp="1"/>
+          </p:cNvSpPr>
+          <p:nvPr>
+            <p:ph type="dt" sz="half" idx="10"/>
+            <p:custDataLst>
+              <p:tags r:id="rId6"/>
+            </p:custDataLst>
+          </p:nvPr>
+        </p:nvSpPr>
+        <p:spPr/>
+        <p:txBody>
+          <a:bodyPr wrap="square">
+            <a:normAutofit/>
+          </a:bodyPr>
+          <a:lstStyle/>
+          <a:p>
+            <a:fld id="{5592522B-0F24-4480-B9DD-A9474A6880D6}" type="datetimeFigureOut">
+              <a:rPr lang="zh-CN" altLang="en-US" smtClean="0"/>
+            </a:fld>
+            <a:endParaRPr lang="zh-CN" altLang="en-US"/>
+          </a:p>
+        </p:txBody>
+      </p:sp>
+      <p:sp>
+        <p:nvSpPr>
+          <p:cNvPr id="8" name="页脚占位符 7"/>
+          <p:cNvSpPr>
+            <a:spLocks noGrp="1"/>
+          </p:cNvSpPr>
+          <p:nvPr>
+            <p:ph type="ftr" sz="quarter" idx="11"/>
+            <p:custDataLst>
+              <p:tags r:id="rId7"/>
+            </p:custDataLst>
+          </p:nvPr>
+        </p:nvSpPr>
+        <p:spPr/>
+        <p:txBody>
+          <a:bodyPr/>
+          <a:lstStyle/>
+          <a:p>
+            <a:endParaRPr lang="zh-CN" altLang="en-US"/>
+          </a:p>
+        </p:txBody>
+      </p:sp>
+      <p:sp>
+        <p:nvSpPr>
+          <p:cNvPr id="9" name="灯片编号占位符 8"/>
+          <p:cNvSpPr>
+            <a:spLocks noGrp="1"/>
+          </p:cNvSpPr>
+          <p:nvPr>
+            <p:ph type="sldNum" sz="quarter" idx="12"/>
+            <p:custDataLst>
+              <p:tags r:id="rId8"/>
+            </p:custDataLst>
+          </p:nvPr>
+        </p:nvSpPr>
+        <p:spPr/>
+        <p:txBody>
+          <a:bodyPr wrap="square">
+            <a:normAutofit/>
+          </a:bodyPr>
+          <a:lstStyle/>
+          <a:p>
+            <a:fld id="{BE5F26B5-172A-4DC2-B0B7-181CFC56B87C}" type="slidenum">
+              <a:rPr lang="zh-CN" altLang="en-US" smtClean="0"/>
+            </a:fld>
+            <a:endParaRPr lang="zh-CN" altLang="en-US"/>
+          </a:p>
+        </p:txBody>
+      </p:sp>
+      <p:sp>
+        <p:nvSpPr>
+          <p:cNvPr id="10" name="标题 9"/>
+          <p:cNvSpPr>
+            <a:spLocks noGrp="1"/>
+          </p:cNvSpPr>
+          <p:nvPr>
+            <p:ph type="title"/>
+            <p:custDataLst>
+              <p:tags r:id="rId9"/>
+            </p:custDataLst>
+          </p:nvPr>
+        </p:nvSpPr>
+        <p:spPr/>
+        <p:txBody>
+          <a:bodyPr/>
+          <a:lstStyle/>
+          <a:p>
+            <a:r>
+              <a:rPr lang="zh-CN" altLang="en-US"/>
+              <a:t>单击此处编辑母版标题样式</a:t>
+            </a:r>
+            <a:endParaRPr lang="zh-CN" altLang="en-US"/>
+          </a:p>
+        </p:txBody>
+      </p:sp>
+    </p:spTree>
+  </p:cSld>
+  <p:clrMapOvr>
+    <a:masterClrMapping/>
+  </p:clrMapOvr>
+</p:sldLayout>
+</file>
+
+<file path=ppt/slideLayouts/slideLayout18.xml><?xml version="1.0" encoding="utf-8"?>
+<p:sldLayout xmlns:a="http://schemas.openxmlformats.org/drawingml/2006/main" xmlns:r="http://schemas.openxmlformats.org/officeDocument/2006/relationships" xmlns:p="http://schemas.openxmlformats.org/presentationml/2006/main" type="titleOnly" preserve="1">
+  <p:cSld name="仅标题">
+    <p:spTree>
+      <p:nvGrpSpPr>
+        <p:cNvPr id="1" name=""/>
+        <p:cNvGrpSpPr/>
+        <p:nvPr/>
+      </p:nvGrpSpPr>
+      <p:grpSpPr>
+        <a:xfrm>
+          <a:off x="0" y="0"/>
+          <a:ext cx="0" cy="0"/>
+          <a:chOff x="0" y="0"/>
+          <a:chExt cx="0" cy="0"/>
+        </a:xfrm>
+      </p:grpSpPr>
+      <p:sp>
+        <p:nvSpPr>
+          <p:cNvPr id="2" name="标题 1"/>
+          <p:cNvSpPr>
+            <a:spLocks noGrp="1"/>
+          </p:cNvSpPr>
+          <p:nvPr>
+            <p:ph type="title"/>
+            <p:custDataLst>
+              <p:tags r:id="rId2"/>
+            </p:custDataLst>
+          </p:nvPr>
+        </p:nvSpPr>
+        <p:spPr/>
+        <p:txBody>
+          <a:bodyPr wrap="square">
+            <a:normAutofit/>
+          </a:bodyPr>
+          <a:lstStyle/>
+          <a:p>
+            <a:r>
+              <a:rPr lang="zh-CN" altLang="en-US" dirty="0"/>
+              <a:t>单击此处编辑母版标题样式</a:t>
+            </a:r>
+            <a:endParaRPr lang="zh-CN" altLang="en-US" dirty="0"/>
+          </a:p>
+        </p:txBody>
+      </p:sp>
+      <p:sp>
+        <p:nvSpPr>
+          <p:cNvPr id="3" name="日期占位符 2"/>
+          <p:cNvSpPr>
+            <a:spLocks noGrp="1"/>
+          </p:cNvSpPr>
+          <p:nvPr>
+            <p:ph type="dt" sz="half" idx="10"/>
+            <p:custDataLst>
+              <p:tags r:id="rId3"/>
+            </p:custDataLst>
+          </p:nvPr>
+        </p:nvSpPr>
+        <p:spPr/>
+        <p:txBody>
+          <a:bodyPr wrap="square">
+            <a:normAutofit/>
+          </a:bodyPr>
+          <a:lstStyle/>
+          <a:p>
+            <a:fld id="{5592522B-0F24-4480-B9DD-A9474A6880D6}" type="datetimeFigureOut">
+              <a:rPr lang="zh-CN" altLang="en-US" smtClean="0"/>
+            </a:fld>
+            <a:endParaRPr lang="zh-CN" altLang="en-US"/>
+          </a:p>
+        </p:txBody>
+      </p:sp>
+      <p:sp>
+        <p:nvSpPr>
+          <p:cNvPr id="4" name="页脚占位符 3"/>
+          <p:cNvSpPr>
+            <a:spLocks noGrp="1"/>
+          </p:cNvSpPr>
+          <p:nvPr>
+            <p:ph type="ftr" sz="quarter" idx="11"/>
+            <p:custDataLst>
+              <p:tags r:id="rId4"/>
+            </p:custDataLst>
+          </p:nvPr>
+        </p:nvSpPr>
+        <p:spPr/>
+        <p:txBody>
+          <a:bodyPr/>
+          <a:lstStyle/>
+          <a:p>
+            <a:endParaRPr lang="zh-CN" altLang="en-US"/>
+          </a:p>
+        </p:txBody>
+      </p:sp>
+      <p:sp>
+        <p:nvSpPr>
+          <p:cNvPr id="5" name="灯片编号占位符 4"/>
+          <p:cNvSpPr>
+            <a:spLocks noGrp="1"/>
+          </p:cNvSpPr>
+          <p:nvPr>
+            <p:ph type="sldNum" sz="quarter" idx="12"/>
+            <p:custDataLst>
+              <p:tags r:id="rId5"/>
+            </p:custDataLst>
+          </p:nvPr>
+        </p:nvSpPr>
+        <p:spPr/>
+        <p:txBody>
+          <a:bodyPr wrap="square">
+            <a:normAutofit/>
+          </a:bodyPr>
+          <a:lstStyle/>
+          <a:p>
+            <a:fld id="{BE5F26B5-172A-4DC2-B0B7-181CFC56B87C}" type="slidenum">
+              <a:rPr lang="zh-CN" altLang="en-US" smtClean="0"/>
+            </a:fld>
+            <a:endParaRPr lang="zh-CN" altLang="en-US"/>
+          </a:p>
+        </p:txBody>
+      </p:sp>
+    </p:spTree>
+  </p:cSld>
+  <p:clrMapOvr>
+    <a:masterClrMapping/>
+  </p:clrMapOvr>
+</p:sldLayout>
+</file>
+
+<file path=ppt/slideLayouts/slideLayout19.xml><?xml version="1.0" encoding="utf-8"?>
+<p:sldLayout xmlns:a="http://schemas.openxmlformats.org/drawingml/2006/main" xmlns:r="http://schemas.openxmlformats.org/officeDocument/2006/relationships" xmlns:p="http://schemas.openxmlformats.org/presentationml/2006/main" type="blank" preserve="1">
+  <p:cSld name="空白">
+    <p:spTree>
+      <p:nvGrpSpPr>
+        <p:cNvPr id="1" name=""/>
+        <p:cNvGrpSpPr/>
+        <p:nvPr/>
+      </p:nvGrpSpPr>
+      <p:grpSpPr>
+        <a:xfrm>
+          <a:off x="0" y="0"/>
+          <a:ext cx="0" cy="0"/>
+          <a:chOff x="0" y="0"/>
+          <a:chExt cx="0" cy="0"/>
+        </a:xfrm>
+      </p:grpSpPr>
+      <p:sp>
+        <p:nvSpPr>
+          <p:cNvPr id="2" name="日期占位符 1"/>
+          <p:cNvSpPr>
+            <a:spLocks noGrp="1"/>
+          </p:cNvSpPr>
+          <p:nvPr>
+            <p:ph type="dt" sz="half" idx="10"/>
+            <p:custDataLst>
+              <p:tags r:id="rId2"/>
+            </p:custDataLst>
+          </p:nvPr>
+        </p:nvSpPr>
+        <p:spPr/>
+        <p:txBody>
+          <a:bodyPr wrap="square">
+            <a:normAutofit/>
+          </a:bodyPr>
+          <a:lstStyle/>
+          <a:p>
+            <a:fld id="{5592522B-0F24-4480-B9DD-A9474A6880D6}" type="datetimeFigureOut">
+              <a:rPr lang="zh-CN" altLang="en-US" smtClean="0"/>
+            </a:fld>
+            <a:endParaRPr lang="zh-CN" altLang="en-US" dirty="0"/>
+          </a:p>
+        </p:txBody>
+      </p:sp>
+      <p:sp>
+        <p:nvSpPr>
+          <p:cNvPr id="3" name="页脚占位符 2"/>
+          <p:cNvSpPr>
+            <a:spLocks noGrp="1"/>
+          </p:cNvSpPr>
+          <p:nvPr>
+            <p:ph type="ftr" sz="quarter" idx="11"/>
+            <p:custDataLst>
+              <p:tags r:id="rId3"/>
+            </p:custDataLst>
+          </p:nvPr>
+        </p:nvSpPr>
+        <p:spPr/>
+        <p:txBody>
+          <a:bodyPr/>
+          <a:lstStyle/>
+          <a:p>
+            <a:endParaRPr lang="zh-CN" altLang="en-US"/>
+          </a:p>
+        </p:txBody>
+      </p:sp>
+      <p:sp>
+        <p:nvSpPr>
+          <p:cNvPr id="4" name="灯片编号占位符 3"/>
+          <p:cNvSpPr>
+            <a:spLocks noGrp="1"/>
+          </p:cNvSpPr>
+          <p:nvPr>
+            <p:ph type="sldNum" sz="quarter" idx="12"/>
+            <p:custDataLst>
+              <p:tags r:id="rId4"/>
+            </p:custDataLst>
+          </p:nvPr>
+        </p:nvSpPr>
+        <p:spPr/>
+        <p:txBody>
+          <a:bodyPr wrap="square">
+            <a:normAutofit/>
+          </a:bodyPr>
+          <a:lstStyle/>
+          <a:p>
+            <a:fld id="{BE5F26B5-172A-4DC2-B0B7-181CFC56B87C}" type="slidenum">
+              <a:rPr lang="zh-CN" altLang="en-US" smtClean="0"/>
+            </a:fld>
+            <a:endParaRPr lang="zh-CN" altLang="en-US"/>
+          </a:p>
+        </p:txBody>
+      </p:sp>
+    </p:spTree>
+  </p:cSld>
+  <p:clrMapOvr>
+    <a:masterClrMapping/>
+  </p:clrMapOvr>
+</p:sldLayout>
+</file>
+
 <file path=ppt/slideLayouts/slideLayout2.xml><?xml version="1.0" encoding="utf-8"?>
 <p:sldLayout xmlns:a="http://schemas.openxmlformats.org/drawingml/2006/main" xmlns:r="http://schemas.openxmlformats.org/officeDocument/2006/relationships" xmlns:p="http://schemas.openxmlformats.org/presentationml/2006/main" type="obj" preserve="1">
   <p:cSld name="标题和内容">
@@ -863,6 +6222,903 @@
               <a:rPr lang="zh-CN" altLang="en-US" smtClean="0"/>
             </a:fld>
             <a:endParaRPr lang="zh-CN" altLang="en-US"/>
+          </a:p>
+        </p:txBody>
+      </p:sp>
+    </p:spTree>
+  </p:cSld>
+  <p:clrMapOvr>
+    <a:masterClrMapping/>
+  </p:clrMapOvr>
+</p:sldLayout>
+</file>
+
+<file path=ppt/slideLayouts/slideLayout20.xml><?xml version="1.0" encoding="utf-8"?>
+<p:sldLayout xmlns:a="http://schemas.openxmlformats.org/drawingml/2006/main" xmlns:r="http://schemas.openxmlformats.org/officeDocument/2006/relationships" xmlns:p="http://schemas.openxmlformats.org/presentationml/2006/main" preserve="1" userDrawn="1">
+  <p:cSld name="仅内容">
+    <p:spTree>
+      <p:nvGrpSpPr>
+        <p:cNvPr id="1" name=""/>
+        <p:cNvGrpSpPr/>
+        <p:nvPr/>
+      </p:nvGrpSpPr>
+      <p:grpSpPr>
+        <a:xfrm>
+          <a:off x="0" y="0"/>
+          <a:ext cx="0" cy="0"/>
+          <a:chOff x="0" y="0"/>
+          <a:chExt cx="0" cy="0"/>
+        </a:xfrm>
+      </p:grpSpPr>
+      <p:sp>
+        <p:nvSpPr>
+          <p:cNvPr id="3" name="内容占位符 1"/>
+          <p:cNvSpPr>
+            <a:spLocks noGrp="1"/>
+          </p:cNvSpPr>
+          <p:nvPr>
+            <p:ph idx="1"/>
+            <p:custDataLst>
+              <p:tags r:id="rId2"/>
+            </p:custDataLst>
+          </p:nvPr>
+        </p:nvSpPr>
+        <p:spPr>
+          <a:xfrm>
+            <a:off x="695960" y="360045"/>
+            <a:ext cx="10801985" cy="5817870"/>
+          </a:xfrm>
+        </p:spPr>
+        <p:txBody>
+          <a:bodyPr wrap="square">
+            <a:normAutofit/>
+          </a:bodyPr>
+          <a:lstStyle/>
+          <a:p>
+            <a:pPr lvl="0"/>
+            <a:r>
+              <a:rPr lang="zh-CN" altLang="en-US" dirty="0"/>
+              <a:t>单击此处编辑母版文本样式</a:t>
+            </a:r>
+            <a:endParaRPr lang="zh-CN" altLang="en-US" dirty="0"/>
+          </a:p>
+          <a:p>
+            <a:pPr lvl="1"/>
+            <a:r>
+              <a:rPr lang="zh-CN" altLang="en-US" dirty="0">
+                <a:sym typeface="+mn-ea"/>
+              </a:rPr>
+              <a:t>第</a:t>
+            </a:r>
+            <a:r>
+              <a:rPr lang="zh-CN" altLang="en-US" dirty="0"/>
+              <a:t>二级</a:t>
+            </a:r>
+            <a:endParaRPr lang="zh-CN" altLang="en-US" dirty="0"/>
+          </a:p>
+          <a:p>
+            <a:pPr lvl="2"/>
+            <a:r>
+              <a:rPr lang="zh-CN" altLang="en-US" dirty="0">
+                <a:sym typeface="+mn-ea"/>
+              </a:rPr>
+              <a:t>第</a:t>
+            </a:r>
+            <a:r>
+              <a:rPr lang="zh-CN" altLang="en-US" dirty="0"/>
+              <a:t>三级</a:t>
+            </a:r>
+            <a:endParaRPr lang="zh-CN" altLang="en-US" dirty="0"/>
+          </a:p>
+          <a:p>
+            <a:pPr lvl="3"/>
+            <a:r>
+              <a:rPr lang="zh-CN" altLang="en-US" dirty="0">
+                <a:sym typeface="+mn-ea"/>
+              </a:rPr>
+              <a:t>第</a:t>
+            </a:r>
+            <a:r>
+              <a:rPr lang="zh-CN" altLang="en-US" dirty="0"/>
+              <a:t>四级</a:t>
+            </a:r>
+            <a:endParaRPr lang="zh-CN" altLang="en-US" dirty="0"/>
+          </a:p>
+          <a:p>
+            <a:pPr lvl="4"/>
+            <a:r>
+              <a:rPr lang="zh-CN" altLang="en-US" dirty="0">
+                <a:sym typeface="+mn-ea"/>
+              </a:rPr>
+              <a:t>第</a:t>
+            </a:r>
+            <a:r>
+              <a:rPr lang="zh-CN" altLang="en-US" dirty="0"/>
+              <a:t>五级</a:t>
+            </a:r>
+            <a:endParaRPr lang="zh-CN" altLang="en-US" dirty="0"/>
+          </a:p>
+        </p:txBody>
+      </p:sp>
+      <p:sp>
+        <p:nvSpPr>
+          <p:cNvPr id="4" name="日期占位符 2"/>
+          <p:cNvSpPr>
+            <a:spLocks noGrp="1"/>
+          </p:cNvSpPr>
+          <p:nvPr>
+            <p:ph type="dt" sz="half" idx="10"/>
+            <p:custDataLst>
+              <p:tags r:id="rId3"/>
+            </p:custDataLst>
+          </p:nvPr>
+        </p:nvSpPr>
+        <p:spPr/>
+        <p:txBody>
+          <a:bodyPr wrap="square">
+            <a:normAutofit/>
+          </a:bodyPr>
+          <a:lstStyle/>
+          <a:p>
+            <a:fld id="{5592522B-0F24-4480-B9DD-A9474A6880D6}" type="datetimeFigureOut">
+              <a:rPr lang="zh-CN" altLang="en-US" smtClean="0"/>
+            </a:fld>
+            <a:endParaRPr lang="zh-CN" altLang="en-US"/>
+          </a:p>
+        </p:txBody>
+      </p:sp>
+      <p:sp>
+        <p:nvSpPr>
+          <p:cNvPr id="5" name="页脚占位符 3"/>
+          <p:cNvSpPr>
+            <a:spLocks noGrp="1"/>
+          </p:cNvSpPr>
+          <p:nvPr>
+            <p:ph type="ftr" sz="quarter" idx="11"/>
+            <p:custDataLst>
+              <p:tags r:id="rId4"/>
+            </p:custDataLst>
+          </p:nvPr>
+        </p:nvSpPr>
+        <p:spPr/>
+        <p:txBody>
+          <a:bodyPr/>
+          <a:lstStyle/>
+          <a:p>
+            <a:endParaRPr lang="zh-CN" altLang="en-US"/>
+          </a:p>
+        </p:txBody>
+      </p:sp>
+      <p:sp>
+        <p:nvSpPr>
+          <p:cNvPr id="6" name="灯片编号占位符 4"/>
+          <p:cNvSpPr>
+            <a:spLocks noGrp="1"/>
+          </p:cNvSpPr>
+          <p:nvPr>
+            <p:ph type="sldNum" sz="quarter" idx="12"/>
+            <p:custDataLst>
+              <p:tags r:id="rId5"/>
+            </p:custDataLst>
+          </p:nvPr>
+        </p:nvSpPr>
+        <p:spPr/>
+        <p:txBody>
+          <a:bodyPr wrap="square">
+            <a:normAutofit/>
+          </a:bodyPr>
+          <a:lstStyle/>
+          <a:p>
+            <a:fld id="{BE5F26B5-172A-4DC2-B0B7-181CFC56B87C}" type="slidenum">
+              <a:rPr lang="zh-CN" altLang="en-US" smtClean="0"/>
+            </a:fld>
+            <a:endParaRPr lang="zh-CN" altLang="en-US"/>
+          </a:p>
+        </p:txBody>
+      </p:sp>
+    </p:spTree>
+  </p:cSld>
+  <p:clrMapOvr>
+    <a:masterClrMapping/>
+  </p:clrMapOvr>
+</p:sldLayout>
+</file>
+
+<file path=ppt/slideLayouts/slideLayout21.xml><?xml version="1.0" encoding="utf-8"?>
+<p:sldLayout xmlns:a="http://schemas.openxmlformats.org/drawingml/2006/main" xmlns:r="http://schemas.openxmlformats.org/officeDocument/2006/relationships" xmlns:p="http://schemas.openxmlformats.org/presentationml/2006/main" preserve="1" userDrawn="1">
+  <p:cSld name="标题和副标题">
+    <p:spTree>
+      <p:nvGrpSpPr>
+        <p:cNvPr id="1" name=""/>
+        <p:cNvGrpSpPr/>
+        <p:nvPr/>
+      </p:nvGrpSpPr>
+      <p:grpSpPr>
+        <a:xfrm>
+          <a:off x="0" y="0"/>
+          <a:ext cx="0" cy="0"/>
+          <a:chOff x="0" y="0"/>
+          <a:chExt cx="0" cy="0"/>
+        </a:xfrm>
+      </p:grpSpPr>
+      <p:sp>
+        <p:nvSpPr>
+          <p:cNvPr id="3" name="文本占位符 2"/>
+          <p:cNvSpPr>
+            <a:spLocks noGrp="1"/>
+          </p:cNvSpPr>
+          <p:nvPr>
+            <p:ph type="body" idx="1" hasCustomPrompt="1"/>
+            <p:custDataLst>
+              <p:tags r:id="rId2"/>
+            </p:custDataLst>
+          </p:nvPr>
+        </p:nvSpPr>
+        <p:spPr>
+          <a:xfrm>
+            <a:off x="695960" y="1301750"/>
+            <a:ext cx="10799088" cy="405553"/>
+          </a:xfrm>
+        </p:spPr>
+        <p:txBody>
+          <a:bodyPr wrap="square" anchor="t">
+            <a:normAutofit/>
+          </a:bodyPr>
+          <a:lstStyle>
+            <a:lvl1pPr marL="0" indent="0">
+              <a:buNone/>
+              <a:defRPr sz="2400" b="0"/>
+            </a:lvl1pPr>
+            <a:lvl2pPr marL="457200" indent="0">
+              <a:buNone/>
+              <a:defRPr sz="2000" b="1"/>
+            </a:lvl2pPr>
+            <a:lvl3pPr marL="914400" indent="0">
+              <a:buNone/>
+              <a:defRPr sz="1800" b="1"/>
+            </a:lvl3pPr>
+            <a:lvl4pPr marL="1371600" indent="0">
+              <a:buNone/>
+              <a:defRPr sz="1600" b="1"/>
+            </a:lvl4pPr>
+            <a:lvl5pPr marL="1828800" indent="0">
+              <a:buNone/>
+              <a:defRPr sz="1600" b="1"/>
+            </a:lvl5pPr>
+            <a:lvl6pPr marL="2286000" indent="0">
+              <a:buNone/>
+              <a:defRPr sz="1600" b="1"/>
+            </a:lvl6pPr>
+            <a:lvl7pPr marL="2743200" indent="0">
+              <a:buNone/>
+              <a:defRPr sz="1600" b="1"/>
+            </a:lvl7pPr>
+            <a:lvl8pPr marL="3200400" indent="0">
+              <a:buNone/>
+              <a:defRPr sz="1600" b="1"/>
+            </a:lvl8pPr>
+            <a:lvl9pPr marL="3657600" indent="0">
+              <a:buNone/>
+              <a:defRPr sz="1600" b="1"/>
+            </a:lvl9pPr>
+          </a:lstStyle>
+          <a:p>
+            <a:r>
+              <a:rPr lang="zh-CN" altLang="en-US" dirty="0"/>
+              <a:t>单击此处编辑副标题</a:t>
+            </a:r>
+            <a:endParaRPr lang="zh-CN" altLang="en-US" dirty="0"/>
+          </a:p>
+        </p:txBody>
+      </p:sp>
+      <p:sp>
+        <p:nvSpPr>
+          <p:cNvPr id="7" name="日期占位符 3"/>
+          <p:cNvSpPr>
+            <a:spLocks noGrp="1"/>
+          </p:cNvSpPr>
+          <p:nvPr>
+            <p:ph type="dt" sz="half" idx="10"/>
+            <p:custDataLst>
+              <p:tags r:id="rId3"/>
+            </p:custDataLst>
+          </p:nvPr>
+        </p:nvSpPr>
+        <p:spPr/>
+        <p:txBody>
+          <a:bodyPr wrap="square">
+            <a:normAutofit/>
+          </a:bodyPr>
+          <a:lstStyle/>
+          <a:p>
+            <a:fld id="{5592522B-0F24-4480-B9DD-A9474A6880D6}" type="datetimeFigureOut">
+              <a:rPr lang="zh-CN" altLang="en-US" smtClean="0"/>
+            </a:fld>
+            <a:endParaRPr lang="zh-CN" altLang="en-US"/>
+          </a:p>
+        </p:txBody>
+      </p:sp>
+      <p:sp>
+        <p:nvSpPr>
+          <p:cNvPr id="8" name="页脚占位符 4"/>
+          <p:cNvSpPr>
+            <a:spLocks noGrp="1"/>
+          </p:cNvSpPr>
+          <p:nvPr>
+            <p:ph type="ftr" sz="quarter" idx="11"/>
+            <p:custDataLst>
+              <p:tags r:id="rId4"/>
+            </p:custDataLst>
+          </p:nvPr>
+        </p:nvSpPr>
+        <p:spPr/>
+        <p:txBody>
+          <a:bodyPr/>
+          <a:lstStyle/>
+          <a:p>
+            <a:endParaRPr lang="zh-CN" altLang="en-US"/>
+          </a:p>
+        </p:txBody>
+      </p:sp>
+      <p:sp>
+        <p:nvSpPr>
+          <p:cNvPr id="9" name="灯片编号占位符 5"/>
+          <p:cNvSpPr>
+            <a:spLocks noGrp="1"/>
+          </p:cNvSpPr>
+          <p:nvPr>
+            <p:ph type="sldNum" sz="quarter" idx="12"/>
+            <p:custDataLst>
+              <p:tags r:id="rId5"/>
+            </p:custDataLst>
+          </p:nvPr>
+        </p:nvSpPr>
+        <p:spPr/>
+        <p:txBody>
+          <a:bodyPr wrap="square">
+            <a:normAutofit/>
+          </a:bodyPr>
+          <a:lstStyle/>
+          <a:p>
+            <a:fld id="{BE5F26B5-172A-4DC2-B0B7-181CFC56B87C}" type="slidenum">
+              <a:rPr lang="zh-CN" altLang="en-US" smtClean="0"/>
+            </a:fld>
+            <a:endParaRPr lang="zh-CN" altLang="en-US"/>
+          </a:p>
+        </p:txBody>
+      </p:sp>
+      <p:sp>
+        <p:nvSpPr>
+          <p:cNvPr id="4" name="标题 3"/>
+          <p:cNvSpPr>
+            <a:spLocks noGrp="1"/>
+          </p:cNvSpPr>
+          <p:nvPr>
+            <p:ph type="title"/>
+            <p:custDataLst>
+              <p:tags r:id="rId6"/>
+            </p:custDataLst>
+          </p:nvPr>
+        </p:nvSpPr>
+        <p:spPr/>
+        <p:txBody>
+          <a:bodyPr/>
+          <a:lstStyle/>
+          <a:p>
+            <a:r>
+              <a:rPr lang="zh-CN" altLang="en-US"/>
+              <a:t>单击此处编辑母版标题样式</a:t>
+            </a:r>
+            <a:endParaRPr lang="zh-CN" altLang="en-US"/>
+          </a:p>
+        </p:txBody>
+      </p:sp>
+    </p:spTree>
+  </p:cSld>
+  <p:clrMapOvr>
+    <a:masterClrMapping/>
+  </p:clrMapOvr>
+</p:sldLayout>
+</file>
+
+<file path=ppt/slideLayouts/slideLayout22.xml><?xml version="1.0" encoding="utf-8"?>
+<p:sldLayout xmlns:a="http://schemas.openxmlformats.org/drawingml/2006/main" xmlns:r="http://schemas.openxmlformats.org/officeDocument/2006/relationships" xmlns:p="http://schemas.openxmlformats.org/presentationml/2006/main" preserve="1" showMasterSp="0" userDrawn="1">
+  <p:cSld name="末尾幻灯片">
+    <p:spTree>
+      <p:nvGrpSpPr>
+        <p:cNvPr id="1" name=""/>
+        <p:cNvGrpSpPr/>
+        <p:nvPr/>
+      </p:nvGrpSpPr>
+      <p:grpSpPr>
+        <a:xfrm>
+          <a:off x="0" y="0"/>
+          <a:ext cx="0" cy="0"/>
+          <a:chOff x="0" y="0"/>
+          <a:chExt cx="0" cy="0"/>
+        </a:xfrm>
+      </p:grpSpPr>
+      <p:sp>
+        <p:nvSpPr>
+          <p:cNvPr id="7" name="矩形: 圆角 6"/>
+          <p:cNvSpPr/>
+          <p:nvPr userDrawn="1">
+            <p:custDataLst>
+              <p:tags r:id="rId2"/>
+            </p:custDataLst>
+          </p:nvPr>
+        </p:nvSpPr>
+        <p:spPr>
+          <a:xfrm>
+            <a:off x="0" y="0"/>
+            <a:ext cx="12192000" cy="6858000"/>
+          </a:xfrm>
+          <a:prstGeom prst="roundRect">
+            <a:avLst>
+              <a:gd name="adj" fmla="val 0"/>
+            </a:avLst>
+          </a:prstGeom>
+          <a:solidFill>
+            <a:srgbClr val="000000"/>
+          </a:solidFill>
+          <a:ln w="12700" cap="flat" cmpd="sng" algn="ctr">
+            <a:noFill/>
+            <a:prstDash val="solid"/>
+            <a:miter lim="800000"/>
+          </a:ln>
+          <a:effectLst/>
+        </p:spPr>
+        <p:style>
+          <a:lnRef idx="2">
+            <a:schemeClr val="accent1">
+              <a:shade val="50000"/>
+            </a:schemeClr>
+          </a:lnRef>
+          <a:fillRef idx="1">
+            <a:schemeClr val="accent1"/>
+          </a:fillRef>
+          <a:effectRef idx="0">
+            <a:schemeClr val="accent1"/>
+          </a:effectRef>
+          <a:fontRef idx="minor">
+            <a:schemeClr val="lt1"/>
+          </a:fontRef>
+        </p:style>
+        <p:txBody>
+          <a:bodyPr rtlCol="0" anchor="ctr"/>
+          <a:lstStyle/>
+          <a:p>
+            <a:pPr algn="ctr"/>
+            <a:endParaRPr lang="zh-CN" altLang="en-US">
+              <a:cs typeface="MiSans Light" panose="00000400000000000000" pitchFamily="2" charset="-122"/>
+            </a:endParaRPr>
+          </a:p>
+        </p:txBody>
+      </p:sp>
+      <p:pic>
+        <p:nvPicPr>
+          <p:cNvPr id="3" name="图片 2" descr="黑暗中的蓝色星球&#10;&#10;描述已自动生成"/>
+          <p:cNvPicPr>
+            <a:picLocks noChangeAspect="1"/>
+          </p:cNvPicPr>
+          <p:nvPr userDrawn="1">
+            <p:custDataLst>
+              <p:tags r:id="rId3"/>
+            </p:custDataLst>
+          </p:nvPr>
+        </p:nvPicPr>
+        <p:blipFill rotWithShape="1">
+          <a:blip r:embed="rId4" cstate="email"/>
+          <a:srcRect b="-63"/>
+          <a:stretch>
+            <a:fillRect/>
+          </a:stretch>
+        </p:blipFill>
+        <p:spPr>
+          <a:xfrm>
+            <a:off x="0" y="0"/>
+            <a:ext cx="12192000" cy="6506845"/>
+          </a:xfrm>
+          <a:custGeom>
+            <a:avLst/>
+            <a:gdLst>
+              <a:gd name="connsiteX0" fmla="*/ 0 w 12103100"/>
+              <a:gd name="connsiteY0" fmla="*/ 0 h 5559550"/>
+              <a:gd name="connsiteX1" fmla="*/ 12103100 w 12103100"/>
+              <a:gd name="connsiteY1" fmla="*/ 0 h 5559550"/>
+              <a:gd name="connsiteX2" fmla="*/ 12103100 w 12103100"/>
+              <a:gd name="connsiteY2" fmla="*/ 5559550 h 5559550"/>
+              <a:gd name="connsiteX3" fmla="*/ 0 w 12103100"/>
+              <a:gd name="connsiteY3" fmla="*/ 5559550 h 5559550"/>
+            </a:gdLst>
+            <a:ahLst/>
+            <a:cxnLst>
+              <a:cxn ang="0">
+                <a:pos x="connsiteX0" y="connsiteY0"/>
+              </a:cxn>
+              <a:cxn ang="0">
+                <a:pos x="connsiteX1" y="connsiteY1"/>
+              </a:cxn>
+              <a:cxn ang="0">
+                <a:pos x="connsiteX2" y="connsiteY2"/>
+              </a:cxn>
+              <a:cxn ang="0">
+                <a:pos x="connsiteX3" y="connsiteY3"/>
+              </a:cxn>
+            </a:cxnLst>
+            <a:rect l="l" t="t" r="r" b="b"/>
+            <a:pathLst>
+              <a:path w="12103100" h="5559550">
+                <a:moveTo>
+                  <a:pt x="0" y="0"/>
+                </a:moveTo>
+                <a:lnTo>
+                  <a:pt x="12103100" y="0"/>
+                </a:lnTo>
+                <a:lnTo>
+                  <a:pt x="12103100" y="5559550"/>
+                </a:lnTo>
+                <a:lnTo>
+                  <a:pt x="0" y="5559550"/>
+                </a:lnTo>
+                <a:close/>
+              </a:path>
+            </a:pathLst>
+          </a:custGeom>
+        </p:spPr>
+      </p:pic>
+      <p:pic>
+        <p:nvPicPr>
+          <p:cNvPr id="8" name="图片 7" descr="黑暗中的蓝色星球&#10;&#10;描述已自动生成"/>
+          <p:cNvPicPr>
+            <a:picLocks noChangeAspect="1"/>
+          </p:cNvPicPr>
+          <p:nvPr userDrawn="1">
+            <p:custDataLst>
+              <p:tags r:id="rId5"/>
+            </p:custDataLst>
+          </p:nvPr>
+        </p:nvPicPr>
+        <p:blipFill rotWithShape="1">
+          <a:blip r:embed="rId4" cstate="email">
+            <a:alphaModFix amt="30000"/>
+            <a:duotone>
+              <a:prstClr val="black"/>
+              <a:schemeClr val="accent1">
+                <a:tint val="45000"/>
+                <a:satMod val="400000"/>
+              </a:schemeClr>
+            </a:duotone>
+          </a:blip>
+          <a:srcRect b="-63"/>
+          <a:stretch>
+            <a:fillRect/>
+          </a:stretch>
+        </p:blipFill>
+        <p:spPr>
+          <a:xfrm>
+            <a:off x="0" y="0"/>
+            <a:ext cx="12192000" cy="6506845"/>
+          </a:xfrm>
+          <a:custGeom>
+            <a:avLst/>
+            <a:gdLst>
+              <a:gd name="connsiteX0" fmla="*/ 0 w 12103100"/>
+              <a:gd name="connsiteY0" fmla="*/ 0 h 5559550"/>
+              <a:gd name="connsiteX1" fmla="*/ 12103100 w 12103100"/>
+              <a:gd name="connsiteY1" fmla="*/ 0 h 5559550"/>
+              <a:gd name="connsiteX2" fmla="*/ 12103100 w 12103100"/>
+              <a:gd name="connsiteY2" fmla="*/ 5559550 h 5559550"/>
+              <a:gd name="connsiteX3" fmla="*/ 0 w 12103100"/>
+              <a:gd name="connsiteY3" fmla="*/ 5559550 h 5559550"/>
+            </a:gdLst>
+            <a:ahLst/>
+            <a:cxnLst>
+              <a:cxn ang="0">
+                <a:pos x="connsiteX0" y="connsiteY0"/>
+              </a:cxn>
+              <a:cxn ang="0">
+                <a:pos x="connsiteX1" y="connsiteY1"/>
+              </a:cxn>
+              <a:cxn ang="0">
+                <a:pos x="connsiteX2" y="connsiteY2"/>
+              </a:cxn>
+              <a:cxn ang="0">
+                <a:pos x="connsiteX3" y="connsiteY3"/>
+              </a:cxn>
+            </a:cxnLst>
+            <a:rect l="l" t="t" r="r" b="b"/>
+            <a:pathLst>
+              <a:path w="12103100" h="5559550">
+                <a:moveTo>
+                  <a:pt x="0" y="0"/>
+                </a:moveTo>
+                <a:lnTo>
+                  <a:pt x="12103100" y="0"/>
+                </a:lnTo>
+                <a:lnTo>
+                  <a:pt x="12103100" y="5559550"/>
+                </a:lnTo>
+                <a:lnTo>
+                  <a:pt x="0" y="5559550"/>
+                </a:lnTo>
+                <a:close/>
+              </a:path>
+            </a:pathLst>
+          </a:custGeom>
+        </p:spPr>
+      </p:pic>
+      <p:sp>
+        <p:nvSpPr>
+          <p:cNvPr id="2" name="标题 1"/>
+          <p:cNvSpPr>
+            <a:spLocks noGrp="1"/>
+          </p:cNvSpPr>
+          <p:nvPr>
+            <p:ph type="ctrTitle" hasCustomPrompt="1"/>
+            <p:custDataLst>
+              <p:tags r:id="rId6"/>
+            </p:custDataLst>
+          </p:nvPr>
+        </p:nvSpPr>
+        <p:spPr>
+          <a:xfrm>
+            <a:off x="1398270" y="1960880"/>
+            <a:ext cx="9395460" cy="2227580"/>
+          </a:xfrm>
+        </p:spPr>
+        <p:txBody>
+          <a:bodyPr wrap="square" anchor="b" anchorCtr="0">
+            <a:normAutofit/>
+          </a:bodyPr>
+          <a:lstStyle>
+            <a:lvl1pPr algn="ctr">
+              <a:lnSpc>
+                <a:spcPct val="100000"/>
+              </a:lnSpc>
+              <a:defRPr sz="6600">
+                <a:gradFill>
+                  <a:gsLst>
+                    <a:gs pos="0">
+                      <a:srgbClr val="FFFFFF"/>
+                    </a:gs>
+                    <a:gs pos="100000">
+                      <a:schemeClr val="accent1"/>
+                    </a:gs>
+                  </a:gsLst>
+                  <a:lin ang="5400000" scaled="1"/>
+                </a:gradFill>
+              </a:defRPr>
+            </a:lvl1pPr>
+          </a:lstStyle>
+          <a:p>
+            <a:r>
+              <a:rPr lang="zh-CN" altLang="en-US" dirty="0"/>
+              <a:t>单击此处编辑母版标题</a:t>
+            </a:r>
+            <a:endParaRPr lang="zh-CN" altLang="en-US" dirty="0"/>
+          </a:p>
+        </p:txBody>
+      </p:sp>
+      <p:sp>
+        <p:nvSpPr>
+          <p:cNvPr id="4" name="日期占位符 3"/>
+          <p:cNvSpPr>
+            <a:spLocks noGrp="1"/>
+          </p:cNvSpPr>
+          <p:nvPr>
+            <p:ph type="dt" sz="half" idx="10"/>
+            <p:custDataLst>
+              <p:tags r:id="rId7"/>
+            </p:custDataLst>
+          </p:nvPr>
+        </p:nvSpPr>
+        <p:spPr/>
+        <p:txBody>
+          <a:bodyPr wrap="square">
+            <a:normAutofit/>
+          </a:bodyPr>
+          <a:lstStyle/>
+          <a:p>
+            <a:fld id="{5592522B-0F24-4480-B9DD-A9474A6880D6}" type="datetimeFigureOut">
+              <a:rPr lang="zh-CN" altLang="en-US" smtClean="0"/>
+            </a:fld>
+            <a:endParaRPr lang="zh-CN" altLang="en-US"/>
+          </a:p>
+        </p:txBody>
+      </p:sp>
+      <p:sp>
+        <p:nvSpPr>
+          <p:cNvPr id="5" name="页脚占位符 4"/>
+          <p:cNvSpPr>
+            <a:spLocks noGrp="1"/>
+          </p:cNvSpPr>
+          <p:nvPr>
+            <p:ph type="ftr" sz="quarter" idx="11"/>
+            <p:custDataLst>
+              <p:tags r:id="rId8"/>
+            </p:custDataLst>
+          </p:nvPr>
+        </p:nvSpPr>
+        <p:spPr/>
+        <p:txBody>
+          <a:bodyPr/>
+          <a:lstStyle/>
+          <a:p>
+            <a:endParaRPr lang="zh-CN" altLang="en-US"/>
+          </a:p>
+        </p:txBody>
+      </p:sp>
+      <p:sp>
+        <p:nvSpPr>
+          <p:cNvPr id="6" name="灯片编号占位符 5"/>
+          <p:cNvSpPr>
+            <a:spLocks noGrp="1"/>
+          </p:cNvSpPr>
+          <p:nvPr>
+            <p:ph type="sldNum" sz="quarter" idx="12"/>
+            <p:custDataLst>
+              <p:tags r:id="rId9"/>
+            </p:custDataLst>
+          </p:nvPr>
+        </p:nvSpPr>
+        <p:spPr>
+          <a:xfrm>
+            <a:off x="8610600" y="6356350"/>
+            <a:ext cx="2743200" cy="365125"/>
+          </a:xfrm>
+        </p:spPr>
+        <p:txBody>
+          <a:bodyPr wrap="square">
+            <a:normAutofit/>
+          </a:bodyPr>
+          <a:lstStyle/>
+          <a:p>
+            <a:fld id="{BE5F26B5-172A-4DC2-B0B7-181CFC56B87C}" type="slidenum">
+              <a:rPr lang="zh-CN" altLang="en-US" smtClean="0"/>
+            </a:fld>
+            <a:endParaRPr lang="zh-CN" altLang="en-US"/>
+          </a:p>
+        </p:txBody>
+      </p:sp>
+      <p:sp>
+        <p:nvSpPr>
+          <p:cNvPr id="10" name="文本占位符 9"/>
+          <p:cNvSpPr>
+            <a:spLocks noGrp="1"/>
+          </p:cNvSpPr>
+          <p:nvPr>
+            <p:ph type="body" sz="quarter" idx="17" hasCustomPrompt="1"/>
+            <p:custDataLst>
+              <p:tags r:id="rId10"/>
+            </p:custDataLst>
+          </p:nvPr>
+        </p:nvSpPr>
+        <p:spPr>
+          <a:xfrm>
+            <a:off x="5123498" y="4780280"/>
+            <a:ext cx="1945005" cy="490855"/>
+          </a:xfrm>
+          <a:custGeom>
+            <a:avLst/>
+            <a:gdLst>
+              <a:gd name="connsiteX0" fmla="*/ 67964 w 1757680"/>
+              <a:gd name="connsiteY0" fmla="*/ 0 h 490855"/>
+              <a:gd name="connsiteX1" fmla="*/ 1585449 w 1757680"/>
+              <a:gd name="connsiteY1" fmla="*/ 0 h 490855"/>
+              <a:gd name="connsiteX2" fmla="*/ 1757680 w 1757680"/>
+              <a:gd name="connsiteY2" fmla="*/ 172231 h 490855"/>
+              <a:gd name="connsiteX3" fmla="*/ 1757680 w 1757680"/>
+              <a:gd name="connsiteY3" fmla="*/ 422891 h 490855"/>
+              <a:gd name="connsiteX4" fmla="*/ 1689716 w 1757680"/>
+              <a:gd name="connsiteY4" fmla="*/ 490855 h 490855"/>
+              <a:gd name="connsiteX5" fmla="*/ 172231 w 1757680"/>
+              <a:gd name="connsiteY5" fmla="*/ 490855 h 490855"/>
+              <a:gd name="connsiteX6" fmla="*/ 0 w 1757680"/>
+              <a:gd name="connsiteY6" fmla="*/ 318624 h 490855"/>
+              <a:gd name="connsiteX7" fmla="*/ 0 w 1757680"/>
+              <a:gd name="connsiteY7" fmla="*/ 67964 h 490855"/>
+            </a:gdLst>
+            <a:ahLst/>
+            <a:cxnLst>
+              <a:cxn ang="0">
+                <a:pos x="connsiteX0" y="connsiteY0"/>
+              </a:cxn>
+              <a:cxn ang="0">
+                <a:pos x="connsiteX1" y="connsiteY1"/>
+              </a:cxn>
+              <a:cxn ang="0">
+                <a:pos x="connsiteX2" y="connsiteY2"/>
+              </a:cxn>
+              <a:cxn ang="0">
+                <a:pos x="connsiteX3" y="connsiteY3"/>
+              </a:cxn>
+              <a:cxn ang="0">
+                <a:pos x="connsiteX4" y="connsiteY4"/>
+              </a:cxn>
+              <a:cxn ang="0">
+                <a:pos x="connsiteX5" y="connsiteY5"/>
+              </a:cxn>
+              <a:cxn ang="0">
+                <a:pos x="connsiteX6" y="connsiteY6"/>
+              </a:cxn>
+              <a:cxn ang="0">
+                <a:pos x="connsiteX7" y="connsiteY7"/>
+              </a:cxn>
+            </a:cxnLst>
+            <a:rect l="l" t="t" r="r" b="b"/>
+            <a:pathLst>
+              <a:path w="1757680" h="490855">
+                <a:moveTo>
+                  <a:pt x="67964" y="0"/>
+                </a:moveTo>
+                <a:lnTo>
+                  <a:pt x="1585449" y="0"/>
+                </a:lnTo>
+                <a:lnTo>
+                  <a:pt x="1757680" y="172231"/>
+                </a:lnTo>
+                <a:lnTo>
+                  <a:pt x="1757680" y="422891"/>
+                </a:lnTo>
+                <a:lnTo>
+                  <a:pt x="1689716" y="490855"/>
+                </a:lnTo>
+                <a:lnTo>
+                  <a:pt x="172231" y="490855"/>
+                </a:lnTo>
+                <a:lnTo>
+                  <a:pt x="0" y="318624"/>
+                </a:lnTo>
+                <a:lnTo>
+                  <a:pt x="0" y="67964"/>
+                </a:lnTo>
+                <a:close/>
+              </a:path>
+            </a:pathLst>
+          </a:custGeom>
+          <a:solidFill>
+            <a:srgbClr val="000203"/>
+          </a:solidFill>
+          <a:ln w="12700">
+            <a:solidFill>
+              <a:schemeClr val="accent1"/>
+            </a:solidFill>
+          </a:ln>
+          <a:effectLst>
+            <a:innerShdw blurRad="165100">
+              <a:schemeClr val="accent1">
+                <a:lumMod val="60000"/>
+                <a:lumOff val="40000"/>
+                <a:alpha val="60000"/>
+              </a:schemeClr>
+            </a:innerShdw>
+          </a:effectLst>
+        </p:spPr>
+        <p:txBody>
+          <a:bodyPr wrap="square" anchor="ctr">
+            <a:normAutofit/>
+          </a:bodyPr>
+          <a:lstStyle>
+            <a:lvl1pPr marL="0" indent="0" algn="ctr">
+              <a:lnSpc>
+                <a:spcPct val="100000"/>
+              </a:lnSpc>
+              <a:buNone/>
+              <a:defRPr sz="1800">
+                <a:solidFill>
+                  <a:srgbClr val="FFFFFF"/>
+                </a:solidFill>
+              </a:defRPr>
+            </a:lvl1pPr>
+          </a:lstStyle>
+          <a:p>
+            <a:pPr lvl="0"/>
+            <a:r>
+              <a:rPr lang="zh-CN" altLang="en-US" dirty="0"/>
+              <a:t>署名</a:t>
+            </a:r>
+            <a:endParaRPr lang="zh-CN" altLang="en-US" dirty="0"/>
           </a:p>
         </p:txBody>
       </p:sp>
@@ -3071,184 +9327,13 @@
 </p:sldMaster>
 </file>
 
-<file path=ppt/slides/slide1.xml><?xml version="1.0" encoding="utf-8"?>
-<p:sld xmlns:a="http://schemas.openxmlformats.org/drawingml/2006/main" xmlns:r="http://schemas.openxmlformats.org/officeDocument/2006/relationships" xmlns:p="http://schemas.openxmlformats.org/presentationml/2006/main">
+<file path=ppt/slideMasters/slideMaster2.xml><?xml version="1.0" encoding="utf-8"?>
+<p:sldMaster xmlns:a="http://schemas.openxmlformats.org/drawingml/2006/main" xmlns:r="http://schemas.openxmlformats.org/officeDocument/2006/relationships" xmlns:p="http://schemas.openxmlformats.org/presentationml/2006/main">
   <p:cSld>
     <p:bg>
-      <p:bgPr>
-        <a:gradFill>
-          <a:gsLst>
-            <a:gs pos="50000">
-              <a:srgbClr val="3474CB"/>
-            </a:gs>
-            <a:gs pos="0">
-              <a:srgbClr val="03BEC1"/>
-            </a:gs>
-            <a:gs pos="100000">
-              <a:srgbClr val="8E52DF"/>
-            </a:gs>
-          </a:gsLst>
-          <a:lin ang="1800000" scaled="0"/>
-        </a:gradFill>
-        <a:effectLst/>
-      </p:bgPr>
-    </p:bg>
-    <p:spTree>
-      <p:nvGrpSpPr>
-        <p:cNvPr id="1" name=""/>
-        <p:cNvGrpSpPr/>
-        <p:nvPr/>
-      </p:nvGrpSpPr>
-      <p:grpSpPr/>
-      <p:sp>
-        <p:nvSpPr>
-          <p:cNvPr id="2" name="标题 1"/>
-          <p:cNvSpPr>
-            <a:spLocks noGrp="1"/>
-          </p:cNvSpPr>
-          <p:nvPr>
-            <p:ph type="title"/>
-          </p:nvPr>
-        </p:nvSpPr>
-        <p:spPr>
-          <a:xfrm>
-            <a:off x="550615" y="608400"/>
-            <a:ext cx="10969200" cy="705600"/>
-          </a:xfrm>
-        </p:spPr>
-        <p:txBody>
-          <a:bodyPr>
-            <a:noAutofit/>
-          </a:bodyPr>
-          <a:p>
-            <a:pPr algn="ctr"/>
-            <a:r>
-              <a:rPr lang="de-DE" altLang="zh-CN" sz="4800" b="1">
-                <a:gradFill>
-                  <a:gsLst>
-                    <a:gs pos="25000">
-                      <a:srgbClr val="FFD83A"/>
-                    </a:gs>
-                    <a:gs pos="75000">
-                      <a:srgbClr val="FFFD6D"/>
-                    </a:gs>
-                    <a:gs pos="0">
-                      <a:srgbClr val="F8C334"/>
-                    </a:gs>
-                    <a:gs pos="100000">
-                      <a:srgbClr val="FFFEB8"/>
-                    </a:gs>
-                  </a:gsLst>
-                  <a:lin ang="18900000" scaled="1"/>
-                </a:gradFill>
-                <a:latin typeface="Calibri" panose="020F0502020204030204" charset="0"/>
-                <a:sym typeface="+mn-ea"/>
-              </a:rPr>
-              <a:t>Helldive Waffenauswahl Hilfssystem</a:t>
-            </a:r>
-            <a:endParaRPr lang="de-DE" altLang="zh-CN" sz="4800" b="1">
-              <a:gradFill>
-                <a:gsLst>
-                  <a:gs pos="25000">
-                    <a:srgbClr val="FFD83A"/>
-                  </a:gs>
-                  <a:gs pos="75000">
-                    <a:srgbClr val="FFFD6D"/>
-                  </a:gs>
-                  <a:gs pos="0">
-                    <a:srgbClr val="F8C334"/>
-                  </a:gs>
-                  <a:gs pos="100000">
-                    <a:srgbClr val="FFFEB8"/>
-                  </a:gs>
-                </a:gsLst>
-                <a:lin ang="18900000" scaled="1"/>
-              </a:gradFill>
-              <a:latin typeface="Calibri" panose="020F0502020204030204" charset="0"/>
-              <a:sym typeface="+mn-ea"/>
-            </a:endParaRPr>
-          </a:p>
-        </p:txBody>
-      </p:sp>
-      <p:pic>
-        <p:nvPicPr>
-          <p:cNvPr id="4" name="内容占位符 3"/>
-          <p:cNvPicPr>
-            <a:picLocks noChangeAspect="1"/>
-          </p:cNvPicPr>
-          <p:nvPr>
-            <p:ph idx="1"/>
-          </p:nvPr>
-        </p:nvPicPr>
-        <p:blipFill>
-          <a:blip r:embed="rId1"/>
-          <a:stretch>
-            <a:fillRect/>
-          </a:stretch>
-        </p:blipFill>
-        <p:spPr>
-          <a:xfrm>
-            <a:off x="2716530" y="1642110"/>
-            <a:ext cx="6333490" cy="3573780"/>
-          </a:xfrm>
-          <a:prstGeom prst="rect">
-            <a:avLst/>
-          </a:prstGeom>
-        </p:spPr>
-      </p:pic>
-      <p:sp>
-        <p:nvSpPr>
-          <p:cNvPr id="6" name="文本框 5"/>
-          <p:cNvSpPr txBox="1"/>
-          <p:nvPr/>
-        </p:nvSpPr>
-        <p:spPr>
-          <a:xfrm>
-            <a:off x="3448685" y="5699125"/>
-            <a:ext cx="4064000" cy="368300"/>
-          </a:xfrm>
-          <a:prstGeom prst="rect">
-            <a:avLst/>
-          </a:prstGeom>
-          <a:noFill/>
-        </p:spPr>
-        <p:txBody>
-          <a:bodyPr wrap="square" rtlCol="0">
-            <a:spAutoFit/>
-          </a:bodyPr>
-          <a:p>
-            <a:pPr algn="ctr"/>
-            <a:r>
-              <a:rPr lang="de-DE" altLang="zh-CN">
-                <a:latin typeface="Calibri" panose="020F0502020204030204" charset="0"/>
-              </a:rPr>
-              <a:t>von   Adam  und  Yue Wu</a:t>
-            </a:r>
-            <a:endParaRPr lang="de-DE" altLang="zh-CN">
-              <a:latin typeface="Calibri" panose="020F0502020204030204" charset="0"/>
-            </a:endParaRPr>
-          </a:p>
-        </p:txBody>
-      </p:sp>
-    </p:spTree>
-    <p:custDataLst>
-      <p:tags r:id="rId2"/>
-    </p:custDataLst>
-  </p:cSld>
-  <p:clrMapOvr>
-    <a:masterClrMapping/>
-  </p:clrMapOvr>
-</p:sld>
-</file>
-
-<file path=ppt/slides/slide2.xml><?xml version="1.0" encoding="utf-8"?>
-<p:sld xmlns:a="http://schemas.openxmlformats.org/drawingml/2006/main" xmlns:r="http://schemas.openxmlformats.org/officeDocument/2006/relationships" xmlns:p="http://schemas.openxmlformats.org/presentationml/2006/main">
-  <p:cSld>
-    <p:bg>
-      <p:bgPr>
-        <a:noFill/>
-        <a:effectLst/>
-      </p:bgPr>
+      <p:bgRef idx="1001">
+        <a:schemeClr val="bg1"/>
+      </p:bgRef>
     </p:bg>
     <p:spTree>
       <p:nvGrpSpPr>
@@ -3266,49 +9351,999 @@
       </p:grpSpPr>
       <p:sp>
         <p:nvSpPr>
+          <p:cNvPr id="2" name="标题占位符 1"/>
+          <p:cNvSpPr>
+            <a:spLocks noGrp="1"/>
+          </p:cNvSpPr>
+          <p:nvPr>
+            <p:ph type="title"/>
+            <p:custDataLst>
+              <p:tags r:id="rId12"/>
+            </p:custDataLst>
+          </p:nvPr>
+        </p:nvSpPr>
+        <p:spPr>
+          <a:xfrm>
+            <a:off x="695960" y="360000"/>
+            <a:ext cx="10800000" cy="720000"/>
+          </a:xfrm>
+          <a:prstGeom prst="rect">
+            <a:avLst/>
+          </a:prstGeom>
+        </p:spPr>
+        <p:txBody>
+          <a:bodyPr vert="horz" wrap="square" lIns="0" tIns="0" rIns="0" bIns="0" rtlCol="0" anchor="b">
+            <a:normAutofit/>
+          </a:bodyPr>
+          <a:lstStyle/>
+          <a:p>
+            <a:r>
+              <a:rPr lang="zh-CN" altLang="en-US" dirty="0"/>
+              <a:t>单击此处编辑母版标题样式</a:t>
+            </a:r>
+            <a:endParaRPr lang="zh-CN" altLang="en-US" dirty="0"/>
+          </a:p>
+        </p:txBody>
+      </p:sp>
+      <p:sp>
+        <p:nvSpPr>
+          <p:cNvPr id="3" name="文本占位符 2"/>
+          <p:cNvSpPr>
+            <a:spLocks noGrp="1"/>
+          </p:cNvSpPr>
+          <p:nvPr>
+            <p:ph type="body" idx="1"/>
+            <p:custDataLst>
+              <p:tags r:id="rId13"/>
+            </p:custDataLst>
+          </p:nvPr>
+        </p:nvSpPr>
+        <p:spPr>
+          <a:xfrm>
+            <a:off x="695960" y="1301749"/>
+            <a:ext cx="10800000" cy="4873625"/>
+          </a:xfrm>
+          <a:prstGeom prst="rect">
+            <a:avLst/>
+          </a:prstGeom>
+        </p:spPr>
+        <p:txBody>
+          <a:bodyPr vert="horz" wrap="square" lIns="0" tIns="0" rIns="0" bIns="0" rtlCol="0">
+            <a:normAutofit/>
+          </a:bodyPr>
+          <a:lstStyle/>
+          <a:p>
+            <a:pPr lvl="0"/>
+            <a:r>
+              <a:rPr lang="zh-CN" altLang="en-US" dirty="0"/>
+              <a:t>单击此处编辑母版文本样式</a:t>
+            </a:r>
+            <a:endParaRPr lang="zh-CN" altLang="en-US" dirty="0"/>
+          </a:p>
+          <a:p>
+            <a:pPr lvl="1"/>
+            <a:r>
+              <a:rPr lang="zh-CN" altLang="en-US" dirty="0"/>
+              <a:t>第二级</a:t>
+            </a:r>
+            <a:endParaRPr lang="zh-CN" altLang="en-US" dirty="0"/>
+          </a:p>
+          <a:p>
+            <a:pPr lvl="2"/>
+            <a:r>
+              <a:rPr lang="zh-CN" altLang="en-US" dirty="0">
+                <a:sym typeface="+mn-ea"/>
+              </a:rPr>
+              <a:t>第</a:t>
+            </a:r>
+            <a:r>
+              <a:rPr lang="zh-CN" altLang="en-US" dirty="0"/>
+              <a:t>三级</a:t>
+            </a:r>
+            <a:endParaRPr lang="zh-CN" altLang="en-US" dirty="0"/>
+          </a:p>
+          <a:p>
+            <a:pPr lvl="3"/>
+            <a:r>
+              <a:rPr lang="zh-CN" altLang="en-US" dirty="0">
+                <a:sym typeface="+mn-ea"/>
+              </a:rPr>
+              <a:t>第</a:t>
+            </a:r>
+            <a:r>
+              <a:rPr lang="zh-CN" altLang="en-US" dirty="0"/>
+              <a:t>四级</a:t>
+            </a:r>
+            <a:endParaRPr lang="zh-CN" altLang="en-US" dirty="0"/>
+          </a:p>
+          <a:p>
+            <a:pPr lvl="4"/>
+            <a:r>
+              <a:rPr lang="zh-CN" altLang="en-US" dirty="0">
+                <a:sym typeface="+mn-ea"/>
+              </a:rPr>
+              <a:t>第</a:t>
+            </a:r>
+            <a:r>
+              <a:rPr lang="zh-CN" altLang="en-US" dirty="0"/>
+              <a:t>五级</a:t>
+            </a:r>
+            <a:endParaRPr lang="zh-CN" altLang="en-US" dirty="0"/>
+          </a:p>
+        </p:txBody>
+      </p:sp>
+      <p:sp>
+        <p:nvSpPr>
+          <p:cNvPr id="4" name="日期占位符 3"/>
+          <p:cNvSpPr>
+            <a:spLocks noGrp="1"/>
+          </p:cNvSpPr>
+          <p:nvPr>
+            <p:ph type="dt" sz="half" idx="2"/>
+            <p:custDataLst>
+              <p:tags r:id="rId14"/>
+            </p:custDataLst>
+          </p:nvPr>
+        </p:nvSpPr>
+        <p:spPr>
+          <a:xfrm>
+            <a:off x="695960" y="6356350"/>
+            <a:ext cx="2743200" cy="365125"/>
+          </a:xfrm>
+          <a:prstGeom prst="rect">
+            <a:avLst/>
+          </a:prstGeom>
+        </p:spPr>
+        <p:txBody>
+          <a:bodyPr vert="horz" wrap="square" lIns="91440" tIns="45720" rIns="91440" bIns="45720" rtlCol="0" anchor="ctr">
+            <a:normAutofit/>
+          </a:bodyPr>
+          <a:lstStyle>
+            <a:lvl1pPr algn="l">
+              <a:defRPr sz="1200">
+                <a:solidFill>
+                  <a:schemeClr val="tx1">
+                    <a:tint val="75000"/>
+                  </a:schemeClr>
+                </a:solidFill>
+              </a:defRPr>
+            </a:lvl1pPr>
+          </a:lstStyle>
+          <a:p>
+            <a:fld id="{5592522B-0F24-4480-B9DD-A9474A6880D6}" type="datetimeFigureOut">
+              <a:rPr lang="zh-CN" altLang="en-US" smtClean="0"/>
+            </a:fld>
+            <a:endParaRPr lang="zh-CN" altLang="en-US"/>
+          </a:p>
+        </p:txBody>
+      </p:sp>
+      <p:sp>
+        <p:nvSpPr>
+          <p:cNvPr id="5" name="页脚占位符 4"/>
+          <p:cNvSpPr>
+            <a:spLocks noGrp="1"/>
+          </p:cNvSpPr>
+          <p:nvPr>
+            <p:ph type="ftr" sz="quarter" idx="3"/>
+            <p:custDataLst>
+              <p:tags r:id="rId15"/>
+            </p:custDataLst>
+          </p:nvPr>
+        </p:nvSpPr>
+        <p:spPr>
+          <a:xfrm>
+            <a:off x="4038600" y="6356350"/>
+            <a:ext cx="4114800" cy="365125"/>
+          </a:xfrm>
+          <a:prstGeom prst="rect">
+            <a:avLst/>
+          </a:prstGeom>
+        </p:spPr>
+        <p:txBody>
+          <a:bodyPr vert="horz" lIns="91440" tIns="45720" rIns="91440" bIns="45720" rtlCol="0" anchor="ctr">
+            <a:normAutofit/>
+          </a:bodyPr>
+          <a:lstStyle>
+            <a:lvl1pPr algn="ctr">
+              <a:defRPr sz="1200">
+                <a:solidFill>
+                  <a:schemeClr val="tx1">
+                    <a:tint val="75000"/>
+                  </a:schemeClr>
+                </a:solidFill>
+              </a:defRPr>
+            </a:lvl1pPr>
+          </a:lstStyle>
+          <a:p>
+            <a:endParaRPr lang="zh-CN" altLang="en-US" dirty="0"/>
+          </a:p>
+        </p:txBody>
+      </p:sp>
+      <p:sp>
+        <p:nvSpPr>
+          <p:cNvPr id="6" name="灯片编号占位符 5"/>
+          <p:cNvSpPr>
+            <a:spLocks noGrp="1"/>
+          </p:cNvSpPr>
+          <p:nvPr>
+            <p:ph type="sldNum" sz="quarter" idx="4"/>
+            <p:custDataLst>
+              <p:tags r:id="rId16"/>
+            </p:custDataLst>
+          </p:nvPr>
+        </p:nvSpPr>
+        <p:spPr>
+          <a:xfrm>
+            <a:off x="8753983" y="6356350"/>
+            <a:ext cx="2743200" cy="365125"/>
+          </a:xfrm>
+          <a:prstGeom prst="rect">
+            <a:avLst/>
+          </a:prstGeom>
+        </p:spPr>
+        <p:txBody>
+          <a:bodyPr vert="horz" wrap="square" lIns="91440" tIns="45720" rIns="91440" bIns="45720" rtlCol="0" anchor="ctr">
+            <a:normAutofit/>
+          </a:bodyPr>
+          <a:lstStyle>
+            <a:lvl1pPr algn="r">
+              <a:defRPr sz="1200">
+                <a:solidFill>
+                  <a:schemeClr val="tx1">
+                    <a:tint val="75000"/>
+                  </a:schemeClr>
+                </a:solidFill>
+              </a:defRPr>
+            </a:lvl1pPr>
+          </a:lstStyle>
+          <a:p>
+            <a:fld id="{BE5F26B5-172A-4DC2-B0B7-181CFC56B87C}" type="slidenum">
+              <a:rPr lang="zh-CN" altLang="en-US" smtClean="0"/>
+            </a:fld>
+            <a:endParaRPr lang="zh-CN" altLang="en-US"/>
+          </a:p>
+        </p:txBody>
+      </p:sp>
+      <p:pic>
+        <p:nvPicPr>
+          <p:cNvPr id="11" name="图片 10" descr="图片包含 游戏机, 动物, 星星&#10;&#10;AI 生成的内容可能不正确。"/>
+          <p:cNvPicPr>
+            <a:picLocks noChangeAspect="1"/>
+          </p:cNvPicPr>
+          <p:nvPr userDrawn="1">
+            <p:custDataLst>
+              <p:tags r:id="rId17"/>
+            </p:custDataLst>
+          </p:nvPr>
+        </p:nvPicPr>
+        <p:blipFill>
+          <a:blip r:embed="rId18">
+            <a:alphaModFix amt="60000"/>
+            <a:extLst>
+              <a:ext uri="{28A0092B-C50C-407E-A947-70E740481C1C}">
+                <a14:useLocalDpi xmlns:a14="http://schemas.microsoft.com/office/drawing/2010/main" val="0"/>
+              </a:ext>
+            </a:extLst>
+          </a:blip>
+          <a:stretch>
+            <a:fillRect/>
+          </a:stretch>
+        </p:blipFill>
+        <p:spPr>
+          <a:xfrm flipH="1">
+            <a:off x="7833747" y="0"/>
+            <a:ext cx="4358252" cy="3073400"/>
+          </a:xfrm>
+          <a:prstGeom prst="rect">
+            <a:avLst/>
+          </a:prstGeom>
+        </p:spPr>
+      </p:pic>
+      <p:pic>
+        <p:nvPicPr>
+          <p:cNvPr id="13" name="图片 12" descr="图片包含 游戏机, 动物, 星星&#10;&#10;AI 生成的内容可能不正确。"/>
+          <p:cNvPicPr>
+            <a:picLocks noChangeAspect="1"/>
+          </p:cNvPicPr>
+          <p:nvPr userDrawn="1">
+            <p:custDataLst>
+              <p:tags r:id="rId19"/>
+            </p:custDataLst>
+          </p:nvPr>
+        </p:nvPicPr>
+        <p:blipFill>
+          <a:blip r:embed="rId18">
+            <a:alphaModFix amt="30000"/>
+            <a:duotone>
+              <a:prstClr val="black"/>
+              <a:schemeClr val="accent1">
+                <a:tint val="45000"/>
+                <a:satMod val="400000"/>
+              </a:schemeClr>
+            </a:duotone>
+            <a:extLst>
+              <a:ext uri="{28A0092B-C50C-407E-A947-70E740481C1C}">
+                <a14:useLocalDpi xmlns:a14="http://schemas.microsoft.com/office/drawing/2010/main" val="0"/>
+              </a:ext>
+            </a:extLst>
+          </a:blip>
+          <a:stretch>
+            <a:fillRect/>
+          </a:stretch>
+        </p:blipFill>
+        <p:spPr>
+          <a:xfrm flipH="1">
+            <a:off x="7833748" y="0"/>
+            <a:ext cx="4358252" cy="3073400"/>
+          </a:xfrm>
+          <a:prstGeom prst="rect">
+            <a:avLst/>
+          </a:prstGeom>
+        </p:spPr>
+      </p:pic>
+      <p:sp>
+        <p:nvSpPr>
+          <p:cNvPr id="7" name="KSO_TEMPLATE" hidden="1"/>
+          <p:cNvSpPr/>
+          <p:nvPr userDrawn="1">
+            <p:custDataLst>
+              <p:tags r:id="rId20"/>
+            </p:custDataLst>
+          </p:nvPr>
+        </p:nvSpPr>
+        <p:spPr>
+          <a:xfrm>
+            <a:off x="0" y="0"/>
+            <a:ext cx="0" cy="0"/>
+          </a:xfrm>
+          <a:prstGeom prst="rect">
+            <a:avLst/>
+          </a:prstGeom>
+        </p:spPr>
+        <p:style>
+          <a:lnRef idx="2">
+            <a:schemeClr val="accent1">
+              <a:shade val="50000"/>
+            </a:schemeClr>
+          </a:lnRef>
+          <a:fillRef idx="1">
+            <a:schemeClr val="accent1"/>
+          </a:fillRef>
+          <a:effectRef idx="0">
+            <a:schemeClr val="accent1"/>
+          </a:effectRef>
+          <a:fontRef idx="minor">
+            <a:schemeClr val="lt1"/>
+          </a:fontRef>
+        </p:style>
+        <p:txBody>
+          <a:bodyPr rtlCol="0" anchor="ctr"/>
+          <a:p>
+            <a:pPr algn="ctr"/>
+            <a:endParaRPr lang="zh-CN" altLang="en-US"/>
+          </a:p>
+        </p:txBody>
+      </p:sp>
+    </p:spTree>
+  </p:cSld>
+  <p:clrMap bg1="dk1" tx1="lt1" bg2="dk2" tx2="lt2" accent1="accent1" accent2="accent2" accent3="accent3" accent4="accent4" accent5="accent5" accent6="accent6" hlink="hlink" folHlink="folHlink"/>
+  <p:sldLayoutIdLst>
+    <p:sldLayoutId id="2147483661" r:id="rId1"/>
+    <p:sldLayoutId id="2147483662" r:id="rId2"/>
+    <p:sldLayoutId id="2147483663" r:id="rId3"/>
+    <p:sldLayoutId id="2147483664" r:id="rId4"/>
+    <p:sldLayoutId id="2147483665" r:id="rId5"/>
+    <p:sldLayoutId id="2147483666" r:id="rId6"/>
+    <p:sldLayoutId id="2147483667" r:id="rId7"/>
+    <p:sldLayoutId id="2147483668" r:id="rId8"/>
+    <p:sldLayoutId id="2147483669" r:id="rId9"/>
+    <p:sldLayoutId id="2147483670" r:id="rId10"/>
+    <p:sldLayoutId id="2147483671" r:id="rId11"/>
+  </p:sldLayoutIdLst>
+  <p:txStyles>
+    <p:titleStyle>
+      <a:lvl1pPr algn="l" defTabSz="914400" rtl="0" eaLnBrk="1" latinLnBrk="0" hangingPunct="1">
+        <a:lnSpc>
+          <a:spcPct val="100000"/>
+        </a:lnSpc>
+        <a:spcBef>
+          <a:spcPct val="0"/>
+        </a:spcBef>
+        <a:buNone/>
+        <a:defRPr sz="3200" b="1" kern="1200">
+          <a:solidFill>
+            <a:schemeClr val="tx1"/>
+          </a:solidFill>
+          <a:latin typeface="+mj-lt"/>
+          <a:ea typeface="+mj-ea"/>
+          <a:cs typeface="+mj-cs"/>
+        </a:defRPr>
+      </a:lvl1pPr>
+    </p:titleStyle>
+    <p:bodyStyle>
+      <a:lvl1pPr marL="228600" indent="-228600" algn="l" defTabSz="914400" rtl="0" eaLnBrk="1" latinLnBrk="0" hangingPunct="1">
+        <a:lnSpc>
+          <a:spcPct val="130000"/>
+        </a:lnSpc>
+        <a:spcBef>
+          <a:spcPts val="1000"/>
+        </a:spcBef>
+        <a:buFont typeface="Arial" panose="020B0604020202020204" pitchFamily="34" charset="0"/>
+        <a:buChar char="•"/>
+        <a:defRPr sz="2400" kern="1200">
+          <a:solidFill>
+            <a:schemeClr val="tx1"/>
+          </a:solidFill>
+          <a:latin typeface="+mn-lt"/>
+          <a:ea typeface="+mn-ea"/>
+          <a:cs typeface="+mn-cs"/>
+        </a:defRPr>
+      </a:lvl1pPr>
+      <a:lvl2pPr marL="538480" indent="-206375" algn="l" defTabSz="914400" rtl="0" eaLnBrk="1" latinLnBrk="0" hangingPunct="1">
+        <a:lnSpc>
+          <a:spcPct val="130000"/>
+        </a:lnSpc>
+        <a:spcBef>
+          <a:spcPts val="0"/>
+        </a:spcBef>
+        <a:buFont typeface="Arial" panose="020B0604020202020204" pitchFamily="34" charset="0"/>
+        <a:buChar char="•"/>
+        <a:defRPr sz="2000" kern="1200">
+          <a:solidFill>
+            <a:schemeClr val="tx1"/>
+          </a:solidFill>
+          <a:latin typeface="+mn-lt"/>
+          <a:ea typeface="+mn-ea"/>
+          <a:cs typeface="+mn-cs"/>
+        </a:defRPr>
+      </a:lvl2pPr>
+      <a:lvl3pPr marL="798830" indent="-161925" algn="l" defTabSz="914400" rtl="0" eaLnBrk="1" latinLnBrk="0" hangingPunct="1">
+        <a:lnSpc>
+          <a:spcPct val="130000"/>
+        </a:lnSpc>
+        <a:spcBef>
+          <a:spcPts val="0"/>
+        </a:spcBef>
+        <a:buFont typeface="Arial" panose="020B0604020202020204" pitchFamily="34" charset="0"/>
+        <a:buChar char="•"/>
+        <a:defRPr sz="1800" kern="1200">
+          <a:solidFill>
+            <a:schemeClr val="tx1"/>
+          </a:solidFill>
+          <a:latin typeface="+mn-lt"/>
+          <a:ea typeface="+mn-ea"/>
+          <a:cs typeface="+mn-cs"/>
+        </a:defRPr>
+      </a:lvl3pPr>
+      <a:lvl4pPr marL="1030605" indent="-149225" algn="l" defTabSz="914400" rtl="0" eaLnBrk="1" latinLnBrk="0" hangingPunct="1">
+        <a:lnSpc>
+          <a:spcPct val="130000"/>
+        </a:lnSpc>
+        <a:spcBef>
+          <a:spcPts val="0"/>
+        </a:spcBef>
+        <a:buFont typeface="Arial" panose="020B0604020202020204" pitchFamily="34" charset="0"/>
+        <a:buChar char="•"/>
+        <a:defRPr sz="1600" kern="1200">
+          <a:solidFill>
+            <a:schemeClr val="tx1"/>
+          </a:solidFill>
+          <a:latin typeface="+mn-lt"/>
+          <a:ea typeface="+mn-ea"/>
+          <a:cs typeface="+mn-cs"/>
+        </a:defRPr>
+      </a:lvl4pPr>
+      <a:lvl5pPr marL="1235075" indent="-127000" algn="l" defTabSz="914400" rtl="0" eaLnBrk="1" latinLnBrk="0" hangingPunct="1">
+        <a:lnSpc>
+          <a:spcPct val="130000"/>
+        </a:lnSpc>
+        <a:spcBef>
+          <a:spcPts val="0"/>
+        </a:spcBef>
+        <a:buFont typeface="Arial" panose="020B0604020202020204" pitchFamily="34" charset="0"/>
+        <a:buChar char="•"/>
+        <a:defRPr sz="1400" kern="1200">
+          <a:solidFill>
+            <a:schemeClr val="tx1"/>
+          </a:solidFill>
+          <a:latin typeface="+mn-lt"/>
+          <a:ea typeface="+mn-ea"/>
+          <a:cs typeface="+mn-cs"/>
+        </a:defRPr>
+      </a:lvl5pPr>
+      <a:lvl6pPr marL="2514600" indent="-228600" algn="l" defTabSz="914400" rtl="0" eaLnBrk="1" latinLnBrk="0" hangingPunct="1">
+        <a:lnSpc>
+          <a:spcPct val="90000"/>
+        </a:lnSpc>
+        <a:spcBef>
+          <a:spcPts val="500"/>
+        </a:spcBef>
+        <a:buFont typeface="Arial" panose="020B0604020202020204" pitchFamily="34" charset="0"/>
+        <a:buChar char="•"/>
+        <a:defRPr sz="1800" kern="1200">
+          <a:solidFill>
+            <a:schemeClr val="tx1"/>
+          </a:solidFill>
+          <a:latin typeface="+mn-lt"/>
+          <a:ea typeface="+mn-ea"/>
+          <a:cs typeface="+mn-cs"/>
+        </a:defRPr>
+      </a:lvl6pPr>
+      <a:lvl7pPr marL="2971800" indent="-228600" algn="l" defTabSz="914400" rtl="0" eaLnBrk="1" latinLnBrk="0" hangingPunct="1">
+        <a:lnSpc>
+          <a:spcPct val="90000"/>
+        </a:lnSpc>
+        <a:spcBef>
+          <a:spcPts val="500"/>
+        </a:spcBef>
+        <a:buFont typeface="Arial" panose="020B0604020202020204" pitchFamily="34" charset="0"/>
+        <a:buChar char="•"/>
+        <a:defRPr sz="1800" kern="1200">
+          <a:solidFill>
+            <a:schemeClr val="tx1"/>
+          </a:solidFill>
+          <a:latin typeface="+mn-lt"/>
+          <a:ea typeface="+mn-ea"/>
+          <a:cs typeface="+mn-cs"/>
+        </a:defRPr>
+      </a:lvl7pPr>
+      <a:lvl8pPr marL="3429000" indent="-228600" algn="l" defTabSz="914400" rtl="0" eaLnBrk="1" latinLnBrk="0" hangingPunct="1">
+        <a:lnSpc>
+          <a:spcPct val="90000"/>
+        </a:lnSpc>
+        <a:spcBef>
+          <a:spcPts val="500"/>
+        </a:spcBef>
+        <a:buFont typeface="Arial" panose="020B0604020202020204" pitchFamily="34" charset="0"/>
+        <a:buChar char="•"/>
+        <a:defRPr sz="1800" kern="1200">
+          <a:solidFill>
+            <a:schemeClr val="tx1"/>
+          </a:solidFill>
+          <a:latin typeface="+mn-lt"/>
+          <a:ea typeface="+mn-ea"/>
+          <a:cs typeface="+mn-cs"/>
+        </a:defRPr>
+      </a:lvl8pPr>
+      <a:lvl9pPr marL="3886200" indent="-228600" algn="l" defTabSz="914400" rtl="0" eaLnBrk="1" latinLnBrk="0" hangingPunct="1">
+        <a:lnSpc>
+          <a:spcPct val="90000"/>
+        </a:lnSpc>
+        <a:spcBef>
+          <a:spcPts val="500"/>
+        </a:spcBef>
+        <a:buFont typeface="Arial" panose="020B0604020202020204" pitchFamily="34" charset="0"/>
+        <a:buChar char="•"/>
+        <a:defRPr sz="1800" kern="1200">
+          <a:solidFill>
+            <a:schemeClr val="tx1"/>
+          </a:solidFill>
+          <a:latin typeface="+mn-lt"/>
+          <a:ea typeface="+mn-ea"/>
+          <a:cs typeface="+mn-cs"/>
+        </a:defRPr>
+      </a:lvl9pPr>
+    </p:bodyStyle>
+    <p:otherStyle>
+      <a:defPPr>
+        <a:defRPr lang="zh-CN"/>
+      </a:defPPr>
+      <a:lvl1pPr marL="0" algn="l" defTabSz="914400" rtl="0" eaLnBrk="1" latinLnBrk="0" hangingPunct="1">
+        <a:defRPr sz="1800" kern="1200">
+          <a:solidFill>
+            <a:schemeClr val="tx1"/>
+          </a:solidFill>
+          <a:latin typeface="+mn-lt"/>
+          <a:ea typeface="+mn-ea"/>
+          <a:cs typeface="+mn-cs"/>
+        </a:defRPr>
+      </a:lvl1pPr>
+      <a:lvl2pPr marL="457200" algn="l" defTabSz="914400" rtl="0" eaLnBrk="1" latinLnBrk="0" hangingPunct="1">
+        <a:defRPr sz="1800" kern="1200">
+          <a:solidFill>
+            <a:schemeClr val="tx1"/>
+          </a:solidFill>
+          <a:latin typeface="+mn-lt"/>
+          <a:ea typeface="+mn-ea"/>
+          <a:cs typeface="+mn-cs"/>
+        </a:defRPr>
+      </a:lvl2pPr>
+      <a:lvl3pPr marL="914400" algn="l" defTabSz="914400" rtl="0" eaLnBrk="1" latinLnBrk="0" hangingPunct="1">
+        <a:defRPr sz="1800" kern="1200">
+          <a:solidFill>
+            <a:schemeClr val="tx1"/>
+          </a:solidFill>
+          <a:latin typeface="+mn-lt"/>
+          <a:ea typeface="+mn-ea"/>
+          <a:cs typeface="+mn-cs"/>
+        </a:defRPr>
+      </a:lvl3pPr>
+      <a:lvl4pPr marL="1371600" algn="l" defTabSz="914400" rtl="0" eaLnBrk="1" latinLnBrk="0" hangingPunct="1">
+        <a:defRPr sz="1800" kern="1200">
+          <a:solidFill>
+            <a:schemeClr val="tx1"/>
+          </a:solidFill>
+          <a:latin typeface="+mn-lt"/>
+          <a:ea typeface="+mn-ea"/>
+          <a:cs typeface="+mn-cs"/>
+        </a:defRPr>
+      </a:lvl4pPr>
+      <a:lvl5pPr marL="1828800" algn="l" defTabSz="914400" rtl="0" eaLnBrk="1" latinLnBrk="0" hangingPunct="1">
+        <a:defRPr sz="1800" kern="1200">
+          <a:solidFill>
+            <a:schemeClr val="tx1"/>
+          </a:solidFill>
+          <a:latin typeface="+mn-lt"/>
+          <a:ea typeface="+mn-ea"/>
+          <a:cs typeface="+mn-cs"/>
+        </a:defRPr>
+      </a:lvl5pPr>
+      <a:lvl6pPr marL="2286000" algn="l" defTabSz="914400" rtl="0" eaLnBrk="1" latinLnBrk="0" hangingPunct="1">
+        <a:defRPr sz="1800" kern="1200">
+          <a:solidFill>
+            <a:schemeClr val="tx1"/>
+          </a:solidFill>
+          <a:latin typeface="+mn-lt"/>
+          <a:ea typeface="+mn-ea"/>
+          <a:cs typeface="+mn-cs"/>
+        </a:defRPr>
+      </a:lvl6pPr>
+      <a:lvl7pPr marL="2743200" algn="l" defTabSz="914400" rtl="0" eaLnBrk="1" latinLnBrk="0" hangingPunct="1">
+        <a:defRPr sz="1800" kern="1200">
+          <a:solidFill>
+            <a:schemeClr val="tx1"/>
+          </a:solidFill>
+          <a:latin typeface="+mn-lt"/>
+          <a:ea typeface="+mn-ea"/>
+          <a:cs typeface="+mn-cs"/>
+        </a:defRPr>
+      </a:lvl7pPr>
+      <a:lvl8pPr marL="3200400" algn="l" defTabSz="914400" rtl="0" eaLnBrk="1" latinLnBrk="0" hangingPunct="1">
+        <a:defRPr sz="1800" kern="1200">
+          <a:solidFill>
+            <a:schemeClr val="tx1"/>
+          </a:solidFill>
+          <a:latin typeface="+mn-lt"/>
+          <a:ea typeface="+mn-ea"/>
+          <a:cs typeface="+mn-cs"/>
+        </a:defRPr>
+      </a:lvl8pPr>
+      <a:lvl9pPr marL="3657600" algn="l" defTabSz="914400" rtl="0" eaLnBrk="1" latinLnBrk="0" hangingPunct="1">
+        <a:defRPr sz="1800" kern="1200">
+          <a:solidFill>
+            <a:schemeClr val="tx1"/>
+          </a:solidFill>
+          <a:latin typeface="+mn-lt"/>
+          <a:ea typeface="+mn-ea"/>
+          <a:cs typeface="+mn-cs"/>
+        </a:defRPr>
+      </a:lvl9pPr>
+    </p:otherStyle>
+  </p:txStyles>
+</p:sldMaster>
+</file>
+
+<file path=ppt/slides/slide1.xml><?xml version="1.0" encoding="utf-8"?>
+<p:sld xmlns:a="http://schemas.openxmlformats.org/drawingml/2006/main" xmlns:r="http://schemas.openxmlformats.org/officeDocument/2006/relationships" xmlns:p="http://schemas.openxmlformats.org/presentationml/2006/main">
+  <p:cSld>
+    <p:spTree>
+      <p:nvGrpSpPr>
+        <p:cNvPr id="1" name=""/>
+        <p:cNvGrpSpPr/>
+        <p:nvPr/>
+      </p:nvGrpSpPr>
+      <p:grpSpPr/>
+      <p:sp>
+        <p:nvSpPr>
           <p:cNvPr id="2" name="标题 1"/>
           <p:cNvSpPr>
             <a:spLocks noGrp="1"/>
           </p:cNvSpPr>
           <p:nvPr>
             <p:ph type="ctrTitle"/>
-            <p:custDataLst>
-              <p:tags r:id="rId1"/>
-            </p:custDataLst>
-          </p:nvPr>
-        </p:nvSpPr>
-        <p:spPr/>
+          </p:nvPr>
+        </p:nvSpPr>
+        <p:spPr>
+          <a:xfrm>
+            <a:off x="1574800" y="0"/>
+            <a:ext cx="9041765" cy="2425065"/>
+          </a:xfrm>
+        </p:spPr>
         <p:txBody>
           <a:bodyPr/>
           <a:p>
-            <a:endParaRPr lang="zh-CN" altLang="zh-CN"/>
-          </a:p>
-        </p:txBody>
-      </p:sp>
-      <p:sp>
-        <p:nvSpPr>
-          <p:cNvPr id="3" name="副标题 2"/>
+            <a:r>
+              <a:rPr lang="zh-CN" altLang="en-US" dirty="0">
+                <a:sym typeface="+mn-ea"/>
+              </a:rPr>
+              <a:t>Helldive Waffenauswahl Hilfssystem</a:t>
+            </a:r>
+            <a:endParaRPr lang="zh-CN" altLang="en-US"/>
+          </a:p>
+        </p:txBody>
+      </p:sp>
+      <p:sp>
+        <p:nvSpPr>
+          <p:cNvPr id="3" name="文本占位符 2"/>
           <p:cNvSpPr>
             <a:spLocks noGrp="1"/>
           </p:cNvSpPr>
           <p:nvPr>
-            <p:ph type="subTitle" idx="1"/>
-            <p:custDataLst>
-              <p:tags r:id="rId2"/>
-            </p:custDataLst>
-          </p:nvPr>
-        </p:nvSpPr>
-        <p:spPr/>
-        <p:txBody>
-          <a:bodyPr/>
-          <a:p>
-            <a:endParaRPr lang="zh-CN" altLang="en-US"/>
-          </a:p>
-        </p:txBody>
-      </p:sp>
+            <p:ph type="body" sz="quarter" idx="17"/>
+          </p:nvPr>
+        </p:nvSpPr>
+        <p:spPr>
+          <a:xfrm>
+            <a:off x="4594225" y="5564505"/>
+            <a:ext cx="3002915" cy="755650"/>
+          </a:xfrm>
+        </p:spPr>
+        <p:txBody>
+          <a:bodyPr>
+            <a:normAutofit/>
+          </a:bodyPr>
+          <a:p>
+            <a:r>
+              <a:rPr lang="de-DE" altLang="zh-CN">
+                <a:solidFill>
+                  <a:schemeClr val="tx1"/>
+                </a:solidFill>
+                <a:sym typeface="+mn-ea"/>
+              </a:rPr>
+              <a:t>Ein informatic</a:t>
+            </a:r>
+            <a:r>
+              <a:rPr lang="en-US" altLang="de-DE">
+                <a:solidFill>
+                  <a:schemeClr val="tx1"/>
+                </a:solidFill>
+                <a:sym typeface="+mn-ea"/>
+              </a:rPr>
+              <a:t>k-Projekt</a:t>
+            </a:r>
+            <a:endParaRPr lang="en-US" altLang="zh-CN"/>
+          </a:p>
+          <a:p>
+            <a:r>
+              <a:rPr lang="en-US" altLang="zh-CN"/>
+              <a:t>Adam      </a:t>
+            </a:r>
+            <a:r>
+              <a:rPr lang="en-US" altLang="zh-CN"/>
+              <a:t>Wu</a:t>
+            </a:r>
+            <a:endParaRPr lang="en-US" altLang="zh-CN"/>
+          </a:p>
+        </p:txBody>
+      </p:sp>
+      <p:pic>
+        <p:nvPicPr>
+          <p:cNvPr id="4" name="内容占位符 3"/>
+          <p:cNvPicPr>
+            <a:picLocks noChangeAspect="1"/>
+          </p:cNvPicPr>
+          <p:nvPr>
+            <p:custDataLst>
+              <p:tags r:id="rId1"/>
+            </p:custDataLst>
+          </p:nvPr>
+        </p:nvPicPr>
+        <p:blipFill>
+          <a:blip r:embed="rId2"/>
+          <a:stretch>
+            <a:fillRect/>
+          </a:stretch>
+        </p:blipFill>
+        <p:spPr>
+          <a:xfrm>
+            <a:off x="3084830" y="2366645"/>
+            <a:ext cx="5545455" cy="3129280"/>
+          </a:xfrm>
+          <a:prstGeom prst="rect">
+            <a:avLst/>
+          </a:prstGeom>
+        </p:spPr>
+      </p:pic>
     </p:spTree>
     <p:custDataLst>
       <p:tags r:id="rId3"/>
+    </p:custDataLst>
+  </p:cSld>
+  <p:clrMapOvr>
+    <a:masterClrMapping/>
+  </p:clrMapOvr>
+</p:sld>
+</file>
+
+<file path=ppt/slides/slide2.xml><?xml version="1.0" encoding="utf-8"?>
+<p:sld xmlns:a="http://schemas.openxmlformats.org/drawingml/2006/main" xmlns:r="http://schemas.openxmlformats.org/officeDocument/2006/relationships" xmlns:p="http://schemas.openxmlformats.org/presentationml/2006/main">
+  <p:cSld>
+    <p:spTree>
+      <p:nvGrpSpPr>
+        <p:cNvPr id="1" name=""/>
+        <p:cNvGrpSpPr/>
+        <p:nvPr/>
+      </p:nvGrpSpPr>
+      <p:grpSpPr/>
+      <p:sp>
+        <p:nvSpPr>
+          <p:cNvPr id="2" name="标题 1"/>
+          <p:cNvSpPr>
+            <a:spLocks noGrp="1"/>
+          </p:cNvSpPr>
+          <p:nvPr>
+            <p:ph type="title"/>
+          </p:nvPr>
+        </p:nvSpPr>
+        <p:spPr>
+          <a:xfrm>
+            <a:off x="720725" y="688975"/>
+            <a:ext cx="7505065" cy="1081405"/>
+          </a:xfrm>
+        </p:spPr>
+        <p:txBody>
+          <a:bodyPr>
+            <a:normAutofit/>
+          </a:bodyPr>
+          <a:p>
+            <a:r>
+              <a:rPr lang="de-DE" altLang="zh-CN">
+                <a:gradFill>
+                  <a:gsLst>
+                    <a:gs pos="25000">
+                      <a:srgbClr val="FF566A"/>
+                    </a:gs>
+                    <a:gs pos="75000">
+                      <a:srgbClr val="F6AABA"/>
+                    </a:gs>
+                    <a:gs pos="0">
+                      <a:srgbClr val="EB3A48"/>
+                    </a:gs>
+                    <a:gs pos="100000">
+                      <a:srgbClr val="FFCFD9"/>
+                    </a:gs>
+                  </a:gsLst>
+                  <a:lin ang="18900000" scaled="1"/>
+                </a:gradFill>
+                <a:effectLst>
+                  <a:outerShdw blurRad="38100" dist="38100" dir="2700000" algn="tl">
+                    <a:srgbClr val="000000">
+                      <a:alpha val="43137"/>
+                    </a:srgbClr>
+                  </a:outerShdw>
+                </a:effectLst>
+                <a:latin typeface="Calibri" panose="020F0502020204030204" charset="0"/>
+                <a:sym typeface="+mn-ea"/>
+              </a:rPr>
+              <a:t>Inhaltsverzeichnis</a:t>
+            </a:r>
+            <a:endParaRPr lang="zh-CN" altLang="en-US"/>
+          </a:p>
+        </p:txBody>
+      </p:sp>
+      <p:sp>
+        <p:nvSpPr>
+          <p:cNvPr id="5" name="文本框 4"/>
+          <p:cNvSpPr txBox="1"/>
+          <p:nvPr/>
+        </p:nvSpPr>
+        <p:spPr>
+          <a:xfrm>
+            <a:off x="779780" y="2976245"/>
+            <a:ext cx="11998960" cy="2656840"/>
+          </a:xfrm>
+          <a:prstGeom prst="rect">
+            <a:avLst/>
+          </a:prstGeom>
+          <a:noFill/>
+        </p:spPr>
+        <p:txBody>
+          <a:bodyPr wrap="square" rtlCol="0">
+            <a:noAutofit/>
+          </a:bodyPr>
+          <a:p>
+            <a:r>
+              <a:rPr lang="de-DE" altLang="zh-CN" sz="3600">
+                <a:latin typeface="Calibri" panose="020F0502020204030204" charset="0"/>
+              </a:rPr>
+              <a:t>1. W</a:t>
+            </a:r>
+            <a:r>
+              <a:rPr lang="en-US" altLang="zh-CN" sz="3600">
+                <a:sym typeface="+mn-ea"/>
+              </a:rPr>
+              <a:t>arum diese program entwickelt werden </a:t>
+            </a:r>
+            <a:r>
+              <a:rPr lang="zh-CN" altLang="en-US" sz="3600">
+                <a:sym typeface="+mn-ea"/>
+              </a:rPr>
+              <a:t>？</a:t>
+            </a:r>
+            <a:r>
+              <a:rPr lang="de-DE" altLang="zh-CN" sz="3600">
+                <a:latin typeface="Calibri" panose="020F0502020204030204" charset="0"/>
+              </a:rPr>
+              <a:t> </a:t>
+            </a:r>
+            <a:endParaRPr lang="de-DE" altLang="zh-CN" sz="3600">
+              <a:latin typeface="Calibri" panose="020F0502020204030204" charset="0"/>
+            </a:endParaRPr>
+          </a:p>
+          <a:p>
+            <a:r>
+              <a:rPr lang="de-DE" altLang="zh-CN" sz="3600">
+                <a:latin typeface="Calibri" panose="020F0502020204030204" charset="0"/>
+              </a:rPr>
+              <a:t>2. W</a:t>
+            </a:r>
+            <a:r>
+              <a:rPr lang="en-US" altLang="zh-CN" sz="3600">
+                <a:sym typeface="+mn-ea"/>
+              </a:rPr>
+              <a:t>ie funktioniert das</a:t>
+            </a:r>
+            <a:r>
+              <a:rPr lang="zh-CN" altLang="en-US" sz="3600">
+                <a:sym typeface="+mn-ea"/>
+              </a:rPr>
+              <a:t>？</a:t>
+            </a:r>
+            <a:endParaRPr lang="de-DE" altLang="zh-CN" sz="3600">
+              <a:latin typeface="Calibri" panose="020F0502020204030204" charset="0"/>
+            </a:endParaRPr>
+          </a:p>
+          <a:p>
+            <a:r>
+              <a:rPr lang="de-DE" altLang="zh-CN" sz="3600">
+                <a:latin typeface="Calibri" panose="020F0502020204030204" charset="0"/>
+              </a:rPr>
+              <a:t>3. </a:t>
+            </a:r>
+            <a:r>
+              <a:rPr lang="de-DE" altLang="en-US" sz="3600">
+                <a:latin typeface="Calibri" panose="020F0502020204030204" charset="0"/>
+                <a:sym typeface="+mn-ea"/>
+              </a:rPr>
+              <a:t>Probleme  die Währen der Entwicklung auftreten.</a:t>
+            </a:r>
+            <a:endParaRPr lang="de-DE" altLang="zh-CN" sz="3600">
+              <a:latin typeface="Calibri" panose="020F0502020204030204" charset="0"/>
+            </a:endParaRPr>
+          </a:p>
+          <a:p>
+            <a:r>
+              <a:rPr lang="de-DE" altLang="zh-CN" sz="3600">
+                <a:latin typeface="Calibri" panose="020F0502020204030204" charset="0"/>
+              </a:rPr>
+              <a:t>4. Z</a:t>
+            </a:r>
+            <a:r>
+              <a:rPr lang="de-DE" altLang="zh-CN" sz="3600">
+                <a:latin typeface="Calibri" panose="020F0502020204030204" charset="0"/>
+                <a:sym typeface="+mn-ea"/>
+              </a:rPr>
+              <a:t>ukünftige Upgrades.</a:t>
+            </a:r>
+            <a:endParaRPr lang="de-DE" altLang="zh-CN" sz="3600">
+              <a:latin typeface="Calibri" panose="020F0502020204030204" charset="0"/>
+            </a:endParaRPr>
+          </a:p>
+          <a:p>
+            <a:endParaRPr lang="de-DE" altLang="zh-CN" sz="3600">
+              <a:latin typeface="Calibri" panose="020F0502020204030204" charset="0"/>
+            </a:endParaRPr>
+          </a:p>
+          <a:p>
+            <a:endParaRPr lang="de-DE" altLang="zh-CN" sz="3600">
+              <a:latin typeface="Calibri" panose="020F0502020204030204" charset="0"/>
+            </a:endParaRPr>
+          </a:p>
+        </p:txBody>
+      </p:sp>
+    </p:spTree>
+    <p:custDataLst>
+      <p:tags r:id="rId1"/>
     </p:custDataLst>
   </p:cSld>
   <p:clrMapOvr>
@@ -3329,44 +10364,176 @@
       <p:grpSpPr/>
       <p:sp>
         <p:nvSpPr>
-          <p:cNvPr id="2" name="标题 1"/>
+          <p:cNvPr id="2" name="文本占位符 1"/>
           <p:cNvSpPr>
             <a:spLocks noGrp="1"/>
           </p:cNvSpPr>
           <p:nvPr>
-            <p:ph type="title"/>
-          </p:nvPr>
-        </p:nvSpPr>
-        <p:spPr/>
+            <p:ph type="body" idx="1"/>
+          </p:nvPr>
+        </p:nvSpPr>
+        <p:spPr>
+          <a:xfrm>
+            <a:off x="695960" y="1301750"/>
+            <a:ext cx="10798810" cy="4735195"/>
+          </a:xfrm>
+        </p:spPr>
         <p:txBody>
           <a:bodyPr/>
           <a:p>
+            <a:r>
+              <a:rPr lang="zh-CN" altLang="en-US"/>
+              <a:t>各种</a:t>
+            </a:r>
+            <a:r>
+              <a:rPr lang="zh-CN" altLang="en-US"/>
+              <a:t>敌人的照片</a:t>
+            </a:r>
             <a:endParaRPr lang="zh-CN" altLang="en-US"/>
           </a:p>
-        </p:txBody>
-      </p:sp>
-      <p:sp>
-        <p:nvSpPr>
-          <p:cNvPr id="3" name="内容占位符 2"/>
+          <a:p>
+            <a:r>
+              <a:rPr lang="zh-CN" altLang="en-US"/>
+              <a:t>还有各种武器的照片</a:t>
+            </a:r>
+            <a:endParaRPr lang="zh-CN" altLang="en-US"/>
+          </a:p>
+          <a:p>
+            <a:r>
+              <a:rPr lang="en-US" altLang="zh-CN"/>
+              <a:t>Vielverschiedene Feinde</a:t>
+            </a:r>
+            <a:endParaRPr lang="en-US" altLang="zh-CN"/>
+          </a:p>
+          <a:p>
+            <a:endParaRPr lang="en-US" altLang="zh-CN"/>
+          </a:p>
+          <a:p>
+            <a:r>
+              <a:rPr lang="en-US" altLang="zh-CN"/>
+              <a:t>Verschiedene Waffen und Ausr</a:t>
+            </a:r>
+            <a:r>
+              <a:rPr lang="en-US" altLang="en-US"/>
+              <a:t>ü</a:t>
+            </a:r>
+            <a:r>
+              <a:rPr lang="en-US" altLang="zh-CN"/>
+              <a:t>stungen</a:t>
+            </a:r>
+            <a:endParaRPr lang="en-US" altLang="zh-CN"/>
+          </a:p>
+        </p:txBody>
+      </p:sp>
+      <p:sp>
+        <p:nvSpPr>
+          <p:cNvPr id="3" name="标题 2"/>
           <p:cNvSpPr>
             <a:spLocks noGrp="1"/>
           </p:cNvSpPr>
           <p:nvPr>
-            <p:ph idx="1"/>
+            <p:ph type="title"/>
           </p:nvPr>
         </p:nvSpPr>
         <p:spPr/>
         <p:txBody>
           <a:bodyPr/>
           <a:p>
+            <a:r>
+              <a:rPr lang="de-DE" altLang="en-US">
+                <a:latin typeface="Calibri" panose="020F0502020204030204" charset="0"/>
+              </a:rPr>
+              <a:t>W</a:t>
+            </a:r>
+            <a:r>
+              <a:rPr lang="en-US" altLang="zh-CN"/>
+              <a:t>arum diese program entwickelt </a:t>
+            </a:r>
+            <a:r>
+              <a:rPr lang="en-US" altLang="zh-CN"/>
+              <a:t>werden </a:t>
+            </a:r>
+            <a:r>
+              <a:rPr lang="zh-CN" altLang="en-US"/>
+              <a:t>？</a:t>
+            </a:r>
             <a:endParaRPr lang="zh-CN" altLang="en-US"/>
           </a:p>
         </p:txBody>
       </p:sp>
+      <p:pic>
+        <p:nvPicPr>
+          <p:cNvPr id="4" name="图片 3" descr="robot"/>
+          <p:cNvPicPr>
+            <a:picLocks noChangeAspect="1"/>
+          </p:cNvPicPr>
+          <p:nvPr/>
+        </p:nvPicPr>
+        <p:blipFill>
+          <a:blip r:embed="rId1"/>
+          <a:stretch>
+            <a:fillRect/>
+          </a:stretch>
+        </p:blipFill>
+        <p:spPr>
+          <a:xfrm>
+            <a:off x="7777480" y="1080135"/>
+            <a:ext cx="2559050" cy="2622550"/>
+          </a:xfrm>
+          <a:prstGeom prst="rect">
+            <a:avLst/>
+          </a:prstGeom>
+        </p:spPr>
+      </p:pic>
+      <p:pic>
+        <p:nvPicPr>
+          <p:cNvPr id="5" name="图片 4" descr="energy"/>
+          <p:cNvPicPr>
+            <a:picLocks noChangeAspect="1"/>
+          </p:cNvPicPr>
+          <p:nvPr/>
+        </p:nvPicPr>
+        <p:blipFill>
+          <a:blip r:embed="rId2"/>
+          <a:stretch>
+            <a:fillRect/>
+          </a:stretch>
+        </p:blipFill>
+        <p:spPr>
+          <a:xfrm>
+            <a:off x="9573895" y="2023110"/>
+            <a:ext cx="1428115" cy="2662555"/>
+          </a:xfrm>
+          <a:prstGeom prst="rect">
+            <a:avLst/>
+          </a:prstGeom>
+        </p:spPr>
+      </p:pic>
+      <p:pic>
+        <p:nvPicPr>
+          <p:cNvPr id="6" name="图片 5" descr="zerg"/>
+          <p:cNvPicPr>
+            <a:picLocks noChangeAspect="1"/>
+          </p:cNvPicPr>
+          <p:nvPr/>
+        </p:nvPicPr>
+        <p:blipFill>
+          <a:blip r:embed="rId3"/>
+          <a:stretch>
+            <a:fillRect/>
+          </a:stretch>
+        </p:blipFill>
+        <p:spPr>
+          <a:xfrm>
+            <a:off x="6687185" y="2023110"/>
+            <a:ext cx="2654300" cy="2628900"/>
+          </a:xfrm>
+          <a:prstGeom prst="rect">
+            <a:avLst/>
+          </a:prstGeom>
+        </p:spPr>
+      </p:pic>
     </p:spTree>
-    <p:custDataLst>
-      <p:tags r:id="rId1"/>
-    </p:custDataLst>
   </p:cSld>
   <p:clrMapOvr>
     <a:masterClrMapping/>
@@ -3396,8 +10563,24 @@
         </p:nvSpPr>
         <p:spPr/>
         <p:txBody>
-          <a:bodyPr/>
-          <a:p>
+          <a:bodyPr>
+            <a:normAutofit/>
+          </a:bodyPr>
+          <a:p>
+            <a:r>
+              <a:rPr lang="de-DE" altLang="en-US">
+                <a:latin typeface="Calibri" panose="020F0502020204030204" charset="0"/>
+              </a:rPr>
+              <a:t>W</a:t>
+            </a:r>
+            <a:r>
+              <a:rPr lang="en-US" altLang="zh-CN"/>
+              <a:t>ie funktioniert das</a:t>
+            </a:r>
+            <a:r>
+              <a:rPr lang="zh-CN" altLang="en-US"/>
+              <a:t>？</a:t>
+            </a:r>
             <a:endParaRPr lang="zh-CN" altLang="en-US"/>
           </a:p>
         </p:txBody>
@@ -3416,14 +10599,29 @@
         <p:txBody>
           <a:bodyPr/>
           <a:p>
+            <a:r>
+              <a:rPr lang="zh-CN" altLang="en-US"/>
+              <a:t>窗口界面</a:t>
+            </a:r>
             <a:endParaRPr lang="zh-CN" altLang="en-US"/>
           </a:p>
+          <a:p>
+            <a:r>
+              <a:rPr lang="zh-CN" altLang="en-US"/>
+              <a:t>二级菜单</a:t>
+            </a:r>
+            <a:endParaRPr lang="zh-CN" altLang="en-US"/>
+          </a:p>
+          <a:p>
+            <a:r>
+              <a:rPr lang="zh-CN" altLang="en-US"/>
+              <a:t>结算页面</a:t>
+            </a:r>
+            <a:endParaRPr lang="zh-CN" altLang="en-US"/>
+          </a:p>
         </p:txBody>
       </p:sp>
     </p:spTree>
-    <p:custDataLst>
-      <p:tags r:id="rId1"/>
-    </p:custDataLst>
   </p:cSld>
   <p:clrMapOvr>
     <a:masterClrMapping/>
@@ -3455,7 +10653,15 @@
         <p:txBody>
           <a:bodyPr/>
           <a:p>
-            <a:endParaRPr lang="zh-CN" altLang="en-US"/>
+            <a:r>
+              <a:rPr lang="de-DE" altLang="en-US">
+                <a:latin typeface="Calibri" panose="020F0502020204030204" charset="0"/>
+              </a:rPr>
+              <a:t>Probleme  die Währen der Entwicklung auftreten</a:t>
+            </a:r>
+            <a:endParaRPr lang="de-DE" altLang="en-US">
+              <a:latin typeface="Calibri" panose="020F0502020204030204" charset="0"/>
+            </a:endParaRPr>
           </a:p>
         </p:txBody>
       </p:sp>
@@ -3473,14 +10679,32 @@
         <p:txBody>
           <a:bodyPr/>
           <a:p>
+            <a:pPr marL="0" indent="0">
+              <a:buNone/>
+            </a:pPr>
+            <a:r>
+              <a:rPr lang="zh-CN" altLang="en-US"/>
+              <a:t>程序新老版本</a:t>
+            </a:r>
+            <a:r>
+              <a:rPr lang="zh-CN" altLang="en-US"/>
+              <a:t>交替</a:t>
+            </a:r>
             <a:endParaRPr lang="zh-CN" altLang="en-US"/>
           </a:p>
+          <a:p>
+            <a:pPr marL="0" indent="0">
+              <a:buNone/>
+            </a:pPr>
+            <a:r>
+              <a:rPr lang="zh-CN" altLang="en-US"/>
+              <a:t>更新速度</a:t>
+            </a:r>
+            <a:endParaRPr lang="zh-CN" altLang="en-US"/>
+          </a:p>
         </p:txBody>
       </p:sp>
     </p:spTree>
-    <p:custDataLst>
-      <p:tags r:id="rId1"/>
-    </p:custDataLst>
   </p:cSld>
   <p:clrMapOvr>
     <a:masterClrMapping/>
@@ -3512,7 +10736,15 @@
         <p:txBody>
           <a:bodyPr/>
           <a:p>
-            <a:endParaRPr lang="zh-CN" altLang="en-US"/>
+            <a:r>
+              <a:rPr lang="de-DE" altLang="zh-CN">
+                <a:latin typeface="Calibri" panose="020F0502020204030204" charset="0"/>
+              </a:rPr>
+              <a:t>Zukünftige Upgrades</a:t>
+            </a:r>
+            <a:endParaRPr lang="de-DE" altLang="zh-CN">
+              <a:latin typeface="Calibri" panose="020F0502020204030204" charset="0"/>
+            </a:endParaRPr>
           </a:p>
         </p:txBody>
       </p:sp>
@@ -3530,14 +10762,37 @@
         <p:txBody>
           <a:bodyPr/>
           <a:p>
+            <a:r>
+              <a:rPr lang="zh-CN" altLang="en-US"/>
+              <a:t>我们会加入更多的</a:t>
+            </a:r>
+            <a:r>
+              <a:rPr lang="zh-CN" altLang="en-US"/>
+              <a:t>敌人和武器种类</a:t>
+            </a:r>
             <a:endParaRPr lang="zh-CN" altLang="en-US"/>
           </a:p>
+          <a:p>
+            <a:r>
+              <a:rPr lang="zh-CN" altLang="en-US"/>
+              <a:t>我们会加入更多的傻逼老师还有奇奇怪怪的傻逼老师还有</a:t>
+            </a:r>
+            <a:r>
+              <a:rPr lang="zh-CN" altLang="en-US"/>
+              <a:t>狗屎一般的黑鬼傻逼</a:t>
+            </a:r>
+            <a:endParaRPr lang="zh-CN" altLang="en-US"/>
+          </a:p>
+          <a:p>
+            <a:r>
+              <a:rPr lang="zh-CN" altLang="en-US"/>
+              <a:t>我们会加入丑了吧唧</a:t>
+            </a:r>
+            <a:endParaRPr lang="zh-CN" altLang="en-US"/>
+          </a:p>
         </p:txBody>
       </p:sp>
     </p:spTree>
-    <p:custDataLst>
-      <p:tags r:id="rId1"/>
-    </p:custDataLst>
   </p:cSld>
   <p:clrMapOvr>
     <a:masterClrMapping/>
@@ -3557,37 +10812,31 @@
       <p:grpSpPr/>
       <p:sp>
         <p:nvSpPr>
-          <p:cNvPr id="2" name="标题 1"/>
+          <p:cNvPr id="8" name="标题 7"/>
           <p:cNvSpPr>
             <a:spLocks noGrp="1"/>
           </p:cNvSpPr>
           <p:nvPr>
-            <p:ph type="title"/>
+            <p:ph type="ctrTitle"/>
           </p:nvPr>
         </p:nvSpPr>
         <p:spPr/>
         <p:txBody>
           <a:bodyPr/>
           <a:p>
-            <a:endParaRPr lang="zh-CN" altLang="en-US"/>
-          </a:p>
-        </p:txBody>
-      </p:sp>
-      <p:sp>
-        <p:nvSpPr>
-          <p:cNvPr id="3" name="内容占位符 2"/>
-          <p:cNvSpPr>
-            <a:spLocks noGrp="1"/>
-          </p:cNvSpPr>
-          <p:nvPr>
-            <p:ph idx="1"/>
-          </p:nvPr>
-        </p:nvSpPr>
-        <p:spPr/>
-        <p:txBody>
-          <a:bodyPr/>
-          <a:p>
-            <a:endParaRPr lang="zh-CN" altLang="en-US"/>
+            <a:r>
+              <a:rPr lang="en-US" altLang="zh-CN"/>
+              <a:t>Viele danke </a:t>
+            </a:r>
+            <a:r>
+              <a:rPr lang="de-DE" altLang="zh-CN">
+                <a:latin typeface="Calibri" panose="020F0502020204030204" charset="0"/>
+              </a:rPr>
+              <a:t>für ihre Aufmerksamkeit</a:t>
+            </a:r>
+            <a:endParaRPr lang="de-DE" altLang="zh-CN">
+              <a:latin typeface="Calibri" panose="020F0502020204030204" charset="0"/>
+            </a:endParaRPr>
           </a:p>
         </p:txBody>
       </p:sp>
@@ -3628,6 +10877,187 @@
 </p:tagLst>
 </file>
 
+<file path=ppt/tags/tag100.xml><?xml version="1.0" encoding="utf-8"?>
+<p:tagLst xmlns:p="http://schemas.openxmlformats.org/presentationml/2006/main">
+  <p:tag name="KSO_WM_UNIT_TYPE" val="i"/>
+  <p:tag name="KSO_WM_UNIT_INDEX" val="8"/>
+  <p:tag name="KSO_WM_BEAUTIFY_FLAG" val="#wm#"/>
+  <p:tag name="KSO_WM_TAG_VERSION" val="3.0"/>
+  <p:tag name="KSO_WM_UNIT_ID" val="_4*i*8"/>
+  <p:tag name="KSO_WM_UNIT_ISNUMDGMTITLE" val="0"/>
+  <p:tag name="KSO_WM_UNIT_NOCLEAR" val="0"/>
+  <p:tag name="KSO_WM_UNIT_HIGHLIGHT" val="0"/>
+  <p:tag name="KSO_WM_UNIT_COMPATIBLE" val="0"/>
+  <p:tag name="KSO_WM_UNIT_DIAGRAM_ISNUMVISUAL" val="0"/>
+  <p:tag name="KSO_WM_UNIT_DIAGRAM_ISREFERUNIT" val="0"/>
+  <p:tag name="KSO_WM_UNIT_LAYERLEVEL" val="1"/>
+</p:tagLst>
+</file>
+
+<file path=ppt/tags/tag101.xml><?xml version="1.0" encoding="utf-8"?>
+<p:tagLst xmlns:p="http://schemas.openxmlformats.org/presentationml/2006/main">
+  <p:tag name="KSO_WM_UNIT_TYPE" val="i"/>
+  <p:tag name="KSO_WM_UNIT_INDEX" val="6"/>
+  <p:tag name="KSO_WM_BEAUTIFY_FLAG" val="#wm#"/>
+  <p:tag name="KSO_WM_TAG_VERSION" val="3.0"/>
+  <p:tag name="KSO_WM_UNIT_ID" val="_4*i*6"/>
+  <p:tag name="KSO_WM_UNIT_ISNUMDGMTITLE" val="0"/>
+  <p:tag name="KSO_WM_UNIT_NOCLEAR" val="0"/>
+  <p:tag name="KSO_WM_UNIT_HIGHLIGHT" val="0"/>
+  <p:tag name="KSO_WM_UNIT_COMPATIBLE" val="0"/>
+  <p:tag name="KSO_WM_UNIT_DIAGRAM_ISNUMVISUAL" val="0"/>
+  <p:tag name="KSO_WM_UNIT_DIAGRAM_ISREFERUNIT" val="0"/>
+  <p:tag name="KSO_WM_UNIT_LAYERLEVEL" val="1"/>
+</p:tagLst>
+</file>
+
+<file path=ppt/tags/tag102.xml><?xml version="1.0" encoding="utf-8"?>
+<p:tagLst xmlns:p="http://schemas.openxmlformats.org/presentationml/2006/main">
+  <p:tag name="KSO_WM_UNIT_TYPE" val="i"/>
+  <p:tag name="KSO_WM_UNIT_INDEX" val="10"/>
+  <p:tag name="KSO_WM_BEAUTIFY_FLAG" val="#wm#"/>
+  <p:tag name="KSO_WM_TAG_VERSION" val="3.0"/>
+  <p:tag name="KSO_WM_UNIT_ID" val="_4*i*10"/>
+  <p:tag name="KSO_WM_UNIT_ISNUMDGMTITLE" val="0"/>
+  <p:tag name="KSO_WM_UNIT_NOCLEAR" val="0"/>
+  <p:tag name="KSO_WM_UNIT_HIGHLIGHT" val="0"/>
+  <p:tag name="KSO_WM_UNIT_COMPATIBLE" val="0"/>
+  <p:tag name="KSO_WM_UNIT_DIAGRAM_ISNUMVISUAL" val="0"/>
+  <p:tag name="KSO_WM_UNIT_DIAGRAM_ISREFERUNIT" val="0"/>
+  <p:tag name="KSO_WM_UNIT_LAYERLEVEL" val="1"/>
+</p:tagLst>
+</file>
+
+<file path=ppt/tags/tag103.xml><?xml version="1.0" encoding="utf-8"?>
+<p:tagLst xmlns:p="http://schemas.openxmlformats.org/presentationml/2006/main">
+  <p:tag name="KSO_WM_UNIT_TYPE" val="i"/>
+  <p:tag name="KSO_WM_UNIT_INDEX" val="11"/>
+  <p:tag name="KSO_WM_BEAUTIFY_FLAG" val="#wm#"/>
+  <p:tag name="KSO_WM_TAG_VERSION" val="3.0"/>
+  <p:tag name="KSO_WM_UNIT_ID" val="_4*i*11"/>
+  <p:tag name="KSO_WM_UNIT_ISNUMDGMTITLE" val="0"/>
+  <p:tag name="KSO_WM_UNIT_NOCLEAR" val="0"/>
+  <p:tag name="KSO_WM_UNIT_HIGHLIGHT" val="0"/>
+  <p:tag name="KSO_WM_UNIT_COMPATIBLE" val="0"/>
+  <p:tag name="KSO_WM_UNIT_DIAGRAM_ISNUMVISUAL" val="0"/>
+  <p:tag name="KSO_WM_UNIT_DIAGRAM_ISREFERUNIT" val="0"/>
+  <p:tag name="KSO_WM_UNIT_LAYERLEVEL" val="1"/>
+</p:tagLst>
+</file>
+
+<file path=ppt/tags/tag104.xml><?xml version="1.0" encoding="utf-8"?>
+<p:tagLst xmlns:p="http://schemas.openxmlformats.org/presentationml/2006/main">
+  <p:tag name="KSO_WM_UNIT_TYPE" val="i"/>
+  <p:tag name="KSO_WM_UNIT_INDEX" val="5"/>
+  <p:tag name="KSO_WM_BEAUTIFY_FLAG" val="#wm#"/>
+  <p:tag name="KSO_WM_TAG_VERSION" val="3.0"/>
+  <p:tag name="KSO_WM_UNIT_ID" val="_4*i*5"/>
+  <p:tag name="KSO_WM_UNIT_ISNUMDGMTITLE" val="0"/>
+  <p:tag name="KSO_WM_UNIT_NOCLEAR" val="0"/>
+  <p:tag name="KSO_WM_UNIT_HIGHLIGHT" val="0"/>
+  <p:tag name="KSO_WM_UNIT_COMPATIBLE" val="0"/>
+  <p:tag name="KSO_WM_UNIT_DIAGRAM_ISNUMVISUAL" val="0"/>
+  <p:tag name="KSO_WM_UNIT_DIAGRAM_ISREFERUNIT" val="0"/>
+  <p:tag name="KSO_WM_UNIT_LAYERLEVEL" val="1"/>
+</p:tagLst>
+</file>
+
+<file path=ppt/tags/tag105.xml><?xml version="1.0" encoding="utf-8"?>
+<p:tagLst xmlns:p="http://schemas.openxmlformats.org/presentationml/2006/main">
+  <p:tag name="KSO_WM_UNIT_TYPE" val="i"/>
+  <p:tag name="KSO_WM_UNIT_INDEX" val="4"/>
+  <p:tag name="KSO_WM_BEAUTIFY_FLAG" val="#wm#"/>
+  <p:tag name="KSO_WM_TAG_VERSION" val="3.0"/>
+  <p:tag name="KSO_WM_UNIT_ID" val="_4*i*4"/>
+  <p:tag name="KSO_WM_UNIT_ISNUMDGMTITLE" val="0"/>
+  <p:tag name="KSO_WM_UNIT_NOCLEAR" val="0"/>
+  <p:tag name="KSO_WM_UNIT_HIGHLIGHT" val="0"/>
+  <p:tag name="KSO_WM_UNIT_COMPATIBLE" val="0"/>
+  <p:tag name="KSO_WM_UNIT_DIAGRAM_ISNUMVISUAL" val="0"/>
+  <p:tag name="KSO_WM_UNIT_DIAGRAM_ISREFERUNIT" val="0"/>
+  <p:tag name="KSO_WM_UNIT_LAYERLEVEL" val="1"/>
+</p:tagLst>
+</file>
+
+<file path=ppt/tags/tag106.xml><?xml version="1.0" encoding="utf-8"?>
+<p:tagLst xmlns:p="http://schemas.openxmlformats.org/presentationml/2006/main">
+  <p:tag name="KSO_WM_UNIT_TYPE" val="a"/>
+  <p:tag name="KSO_WM_UNIT_INDEX" val="1"/>
+  <p:tag name="KSO_WM_BEAUTIFY_FLAG" val="#wm#"/>
+  <p:tag name="KSO_WM_TAG_VERSION" val="3.0"/>
+  <p:tag name="KSO_WM_UNIT_PRESET_TEXT" val="单击此处编辑母版标题样式"/>
+  <p:tag name="KSO_WM_UNIT_ID" val="_4*a*1"/>
+  <p:tag name="KSO_WM_UNIT_ISNUMDGMTITLE" val="0"/>
+  <p:tag name="KSO_WM_UNIT_NOCLEAR" val="0"/>
+  <p:tag name="KSO_WM_UNIT_HIGHLIGHT" val="0"/>
+  <p:tag name="KSO_WM_UNIT_COMPATIBLE" val="0"/>
+  <p:tag name="KSO_WM_UNIT_DIAGRAM_ISNUMVISUAL" val="0"/>
+  <p:tag name="KSO_WM_UNIT_DIAGRAM_ISREFERUNIT" val="0"/>
+  <p:tag name="KSO_WM_UNIT_LAYERLEVEL" val="1"/>
+  <p:tag name="KSO_WM_UNIT_ISCONTENTSTITLE" val="0"/>
+  <p:tag name="KSO_WM_UNIT_VALUE" val="15"/>
+</p:tagLst>
+</file>
+
+<file path=ppt/tags/tag107.xml><?xml version="1.0" encoding="utf-8"?>
+<p:tagLst xmlns:p="http://schemas.openxmlformats.org/presentationml/2006/main">
+  <p:tag name="KSO_WM_UNIT_TYPE" val="b"/>
+  <p:tag name="KSO_WM_UNIT_INDEX" val="1"/>
+  <p:tag name="KSO_WM_BEAUTIFY_FLAG" val="#wm#"/>
+  <p:tag name="KSO_WM_TAG_VERSION" val="3.0"/>
+  <p:tag name="KSO_WM_UNIT_PRESET_TEXT" val="单击此处编辑副标题"/>
+  <p:tag name="KSO_WM_UNIT_ID" val="_4*b*1"/>
+  <p:tag name="KSO_WM_UNIT_ISNUMDGMTITLE" val="0"/>
+  <p:tag name="KSO_WM_UNIT_NOCLEAR" val="0"/>
+  <p:tag name="KSO_WM_UNIT_HIGHLIGHT" val="0"/>
+  <p:tag name="KSO_WM_UNIT_COMPATIBLE" val="0"/>
+  <p:tag name="KSO_WM_UNIT_DIAGRAM_ISNUMVISUAL" val="0"/>
+  <p:tag name="KSO_WM_UNIT_DIAGRAM_ISREFERUNIT" val="0"/>
+  <p:tag name="KSO_WM_UNIT_LAYERLEVEL" val="1"/>
+  <p:tag name="KSO_WM_UNIT_ISCONTENTSTITLE" val="0"/>
+  <p:tag name="KSO_WM_UNIT_VALUE" val="70"/>
+</p:tagLst>
+</file>
+
+<file path=ppt/tags/tag108.xml><?xml version="1.0" encoding="utf-8"?>
+<p:tagLst xmlns:p="http://schemas.openxmlformats.org/presentationml/2006/main">
+  <p:tag name="KSO_WM_UNIT_TYPE" val="e"/>
+  <p:tag name="KSO_WM_UNIT_INDEX" val="1"/>
+  <p:tag name="KSO_WM_BEAUTIFY_FLAG" val="#wm#"/>
+  <p:tag name="KSO_WM_TAG_VERSION" val="3.0"/>
+  <p:tag name="KSO_WM_UNIT_PRESET_TEXT" val="节编号"/>
+  <p:tag name="KSO_WM_UNIT_ID" val="_4*e*1"/>
+  <p:tag name="KSO_WM_UNIT_ISNUMDGMTITLE" val="0"/>
+  <p:tag name="KSO_WM_UNIT_NOCLEAR" val="0"/>
+  <p:tag name="KSO_WM_UNIT_HIGHLIGHT" val="0"/>
+  <p:tag name="KSO_WM_UNIT_COMPATIBLE" val="0"/>
+  <p:tag name="KSO_WM_UNIT_DIAGRAM_ISNUMVISUAL" val="0"/>
+  <p:tag name="KSO_WM_UNIT_DIAGRAM_ISREFERUNIT" val="0"/>
+  <p:tag name="KSO_WM_UNIT_LAYERLEVEL" val="1"/>
+  <p:tag name="KSO_WM_UNIT_VALUE" val="8"/>
+</p:tagLst>
+</file>
+
+<file path=ppt/tags/tag109.xml><?xml version="1.0" encoding="utf-8"?>
+<p:tagLst xmlns:p="http://schemas.openxmlformats.org/presentationml/2006/main">
+  <p:tag name="KSO_WM_UNIT_TYPE" val="a"/>
+  <p:tag name="KSO_WM_UNIT_INDEX" val="1"/>
+  <p:tag name="KSO_WM_BEAUTIFY_FLAG" val="#wm#"/>
+  <p:tag name="KSO_WM_TAG_VERSION" val="3.0"/>
+  <p:tag name="KSO_WM_UNIT_PRESET_TEXT" val="单击此处编辑母版标题样式"/>
+  <p:tag name="KSO_WM_UNIT_ID" val="_5*a*1"/>
+  <p:tag name="KSO_WM_UNIT_ISNUMDGMTITLE" val="0"/>
+  <p:tag name="KSO_WM_UNIT_NOCLEAR" val="0"/>
+  <p:tag name="KSO_WM_UNIT_HIGHLIGHT" val="0"/>
+  <p:tag name="KSO_WM_UNIT_COMPATIBLE" val="0"/>
+  <p:tag name="KSO_WM_UNIT_DIAGRAM_ISNUMVISUAL" val="0"/>
+  <p:tag name="KSO_WM_UNIT_DIAGRAM_ISREFERUNIT" val="0"/>
+  <p:tag name="KSO_WM_UNIT_LAYERLEVEL" val="1"/>
+  <p:tag name="KSO_WM_UNIT_ISCONTENTSTITLE" val="0"/>
+  <p:tag name="KSO_WM_UNIT_VALUE" val="30"/>
+</p:tagLst>
+</file>
+
 <file path=ppt/tags/tag11.xml><?xml version="1.0" encoding="utf-8"?>
 <p:tagLst xmlns:p="http://schemas.openxmlformats.org/presentationml/2006/main">
   <p:tag name="KSO_WM_UNIT_HIGHLIGHT" val="0"/>
@@ -3641,6 +11071,189 @@
 </p:tagLst>
 </file>
 
+<file path=ppt/tags/tag110.xml><?xml version="1.0" encoding="utf-8"?>
+<p:tagLst xmlns:p="http://schemas.openxmlformats.org/presentationml/2006/main">
+  <p:tag name="KSO_WM_UNIT_TYPE" val="f"/>
+  <p:tag name="KSO_WM_UNIT_SUBTYPE" val="a"/>
+  <p:tag name="KSO_WM_UNIT_INDEX" val="1"/>
+  <p:tag name="KSO_WM_BEAUTIFY_FLAG" val="#wm#"/>
+  <p:tag name="KSO_WM_TAG_VERSION" val="3.0"/>
+  <p:tag name="KSO_WM_UNIT_PRESET_TEXT" val="单击此处编辑母版文本样式&#10;第二级&#10;第三级&#10;第四级&#10;第五级"/>
+  <p:tag name="KSO_WM_UNIT_ID" val="_5*f*1"/>
+  <p:tag name="KSO_WM_UNIT_ISNUMDGMTITLE" val="0"/>
+  <p:tag name="KSO_WM_UNIT_NOCLEAR" val="0"/>
+  <p:tag name="KSO_WM_UNIT_HIGHLIGHT" val="0"/>
+  <p:tag name="KSO_WM_UNIT_COMPATIBLE" val="0"/>
+  <p:tag name="KSO_WM_UNIT_DIAGRAM_ISNUMVISUAL" val="0"/>
+  <p:tag name="KSO_WM_UNIT_DIAGRAM_ISREFERUNIT" val="0"/>
+  <p:tag name="KSO_WM_UNIT_LAYERLEVEL" val="1"/>
+  <p:tag name="KSO_WM_UNIT_TEXT_LAYER_COUNT" val="1"/>
+  <p:tag name="KSO_WM_UNIT_VALUE" val="160"/>
+</p:tagLst>
+</file>
+
+<file path=ppt/tags/tag111.xml><?xml version="1.0" encoding="utf-8"?>
+<p:tagLst xmlns:p="http://schemas.openxmlformats.org/presentationml/2006/main">
+  <p:tag name="KSO_WM_UNIT_TYPE" val="f"/>
+  <p:tag name="KSO_WM_UNIT_SUBTYPE" val="a"/>
+  <p:tag name="KSO_WM_UNIT_INDEX" val="2"/>
+  <p:tag name="KSO_WM_BEAUTIFY_FLAG" val="#wm#"/>
+  <p:tag name="KSO_WM_TAG_VERSION" val="3.0"/>
+  <p:tag name="KSO_WM_UNIT_PRESET_TEXT" val="单击此处编辑母版文本样式&#10;第二级&#10;第三级&#10;第四级&#10;第五级"/>
+  <p:tag name="KSO_WM_UNIT_ID" val="_5*f*2"/>
+  <p:tag name="KSO_WM_UNIT_ISNUMDGMTITLE" val="0"/>
+  <p:tag name="KSO_WM_UNIT_NOCLEAR" val="0"/>
+  <p:tag name="KSO_WM_UNIT_HIGHLIGHT" val="0"/>
+  <p:tag name="KSO_WM_UNIT_COMPATIBLE" val="0"/>
+  <p:tag name="KSO_WM_UNIT_DIAGRAM_ISNUMVISUAL" val="0"/>
+  <p:tag name="KSO_WM_UNIT_DIAGRAM_ISREFERUNIT" val="0"/>
+  <p:tag name="KSO_WM_UNIT_LAYERLEVEL" val="1"/>
+  <p:tag name="KSO_WM_UNIT_TEXT_LAYER_COUNT" val="1"/>
+  <p:tag name="KSO_WM_UNIT_VALUE" val="160"/>
+</p:tagLst>
+</file>
+
+<file path=ppt/tags/tag112.xml><?xml version="1.0" encoding="utf-8"?>
+<p:tagLst xmlns:p="http://schemas.openxmlformats.org/presentationml/2006/main">
+  <p:tag name="KSO_WM_UNIT_ID" val="_5**"/>
+  <p:tag name="KSO_WM_BEAUTIFY_FLAG" val="#wm#"/>
+  <p:tag name="KSO_WM_TAG_VERSION" val="3.0"/>
+  <p:tag name="KSO_WM_UNIT_ISNUMDGMTITLE" val="0"/>
+  <p:tag name="KSO_WM_UNIT_NOCLEAR" val="0"/>
+  <p:tag name="KSO_WM_UNIT_HIGHLIGHT" val="0"/>
+  <p:tag name="KSO_WM_UNIT_COMPATIBLE" val="0"/>
+  <p:tag name="KSO_WM_UNIT_DIAGRAM_ISNUMVISUAL" val="0"/>
+  <p:tag name="KSO_WM_UNIT_DIAGRAM_ISREFERUNIT" val="0"/>
+  <p:tag name="KSO_WM_UNIT_LAYERLEVEL" val="1"/>
+</p:tagLst>
+</file>
+
+<file path=ppt/tags/tag113.xml><?xml version="1.0" encoding="utf-8"?>
+<p:tagLst xmlns:p="http://schemas.openxmlformats.org/presentationml/2006/main">
+  <p:tag name="KSO_WM_UNIT_ID" val="_5**"/>
+  <p:tag name="KSO_WM_BEAUTIFY_FLAG" val="#wm#"/>
+  <p:tag name="KSO_WM_TAG_VERSION" val="3.0"/>
+  <p:tag name="KSO_WM_UNIT_ISNUMDGMTITLE" val="0"/>
+  <p:tag name="KSO_WM_UNIT_NOCLEAR" val="0"/>
+  <p:tag name="KSO_WM_UNIT_HIGHLIGHT" val="0"/>
+  <p:tag name="KSO_WM_UNIT_COMPATIBLE" val="0"/>
+  <p:tag name="KSO_WM_UNIT_DIAGRAM_ISNUMVISUAL" val="0"/>
+  <p:tag name="KSO_WM_UNIT_DIAGRAM_ISREFERUNIT" val="0"/>
+  <p:tag name="KSO_WM_UNIT_LAYERLEVEL" val="1"/>
+</p:tagLst>
+</file>
+
+<file path=ppt/tags/tag114.xml><?xml version="1.0" encoding="utf-8"?>
+<p:tagLst xmlns:p="http://schemas.openxmlformats.org/presentationml/2006/main">
+  <p:tag name="KSO_WM_UNIT_ID" val="_5**"/>
+  <p:tag name="KSO_WM_BEAUTIFY_FLAG" val="#wm#"/>
+  <p:tag name="KSO_WM_TAG_VERSION" val="3.0"/>
+  <p:tag name="KSO_WM_UNIT_ISNUMDGMTITLE" val="0"/>
+  <p:tag name="KSO_WM_UNIT_NOCLEAR" val="0"/>
+  <p:tag name="KSO_WM_UNIT_HIGHLIGHT" val="0"/>
+  <p:tag name="KSO_WM_UNIT_COMPATIBLE" val="0"/>
+  <p:tag name="KSO_WM_UNIT_DIAGRAM_ISNUMVISUAL" val="0"/>
+  <p:tag name="KSO_WM_UNIT_DIAGRAM_ISREFERUNIT" val="0"/>
+  <p:tag name="KSO_WM_UNIT_LAYERLEVEL" val="1"/>
+</p:tagLst>
+</file>
+
+<file path=ppt/tags/tag115.xml><?xml version="1.0" encoding="utf-8"?>
+<p:tagLst xmlns:p="http://schemas.openxmlformats.org/presentationml/2006/main">
+  <p:tag name="KSO_WM_UNIT_TYPE" val="h_a"/>
+  <p:tag name="KSO_WM_UNIT_INDEX" val="1_1"/>
+  <p:tag name="KSO_WM_BEAUTIFY_FLAG" val="#wm#"/>
+  <p:tag name="KSO_WM_TAG_VERSION" val="3.0"/>
+  <p:tag name="KSO_WM_UNIT_PRESET_TEXT" val="单击此处编辑母版标题样式"/>
+  <p:tag name="KSO_WM_UNIT_ID" val="_6*h_a*1_1"/>
+  <p:tag name="KSO_WM_UNIT_ISNUMDGMTITLE" val="0"/>
+  <p:tag name="KSO_WM_UNIT_NOCLEAR" val="0"/>
+  <p:tag name="KSO_WM_UNIT_HIGHLIGHT" val="0"/>
+  <p:tag name="KSO_WM_UNIT_COMPATIBLE" val="0"/>
+  <p:tag name="KSO_WM_UNIT_DIAGRAM_ISNUMVISUAL" val="0"/>
+  <p:tag name="KSO_WM_UNIT_DIAGRAM_ISREFERUNIT" val="0"/>
+  <p:tag name="KSO_WM_UNIT_LAYERLEVEL" val="1_1"/>
+  <p:tag name="KSO_WM_UNIT_ISCONTENTSTITLE" val="0"/>
+  <p:tag name="KSO_WM_UNIT_VALUE" val="20"/>
+</p:tagLst>
+</file>
+
+<file path=ppt/tags/tag116.xml><?xml version="1.0" encoding="utf-8"?>
+<p:tagLst xmlns:p="http://schemas.openxmlformats.org/presentationml/2006/main">
+  <p:tag name="KSO_WM_UNIT_TYPE" val="h_f"/>
+  <p:tag name="KSO_WM_UNIT_SUBTYPE" val="a"/>
+  <p:tag name="KSO_WM_UNIT_INDEX" val="1_1"/>
+  <p:tag name="KSO_WM_BEAUTIFY_FLAG" val="#wm#"/>
+  <p:tag name="KSO_WM_TAG_VERSION" val="3.0"/>
+  <p:tag name="KSO_WM_UNIT_PRESET_TEXT" val="单击此处编辑母版文本样式&#10;第二级&#10;第三级&#10;第四级&#10;第五级"/>
+  <p:tag name="KSO_WM_UNIT_ID" val="_6*h_f*1_1"/>
+  <p:tag name="KSO_WM_UNIT_ISNUMDGMTITLE" val="0"/>
+  <p:tag name="KSO_WM_UNIT_NOCLEAR" val="0"/>
+  <p:tag name="KSO_WM_UNIT_HIGHLIGHT" val="0"/>
+  <p:tag name="KSO_WM_UNIT_COMPATIBLE" val="0"/>
+  <p:tag name="KSO_WM_UNIT_DIAGRAM_ISNUMVISUAL" val="0"/>
+  <p:tag name="KSO_WM_UNIT_DIAGRAM_ISREFERUNIT" val="0"/>
+  <p:tag name="KSO_WM_UNIT_LAYERLEVEL" val="1_1"/>
+  <p:tag name="KSO_WM_UNIT_TEXT_LAYER_COUNT" val="1"/>
+  <p:tag name="KSO_WM_UNIT_VALUE" val="162"/>
+</p:tagLst>
+</file>
+
+<file path=ppt/tags/tag117.xml><?xml version="1.0" encoding="utf-8"?>
+<p:tagLst xmlns:p="http://schemas.openxmlformats.org/presentationml/2006/main">
+  <p:tag name="KSO_WM_UNIT_TYPE" val="h_a"/>
+  <p:tag name="KSO_WM_UNIT_INDEX" val="2_1"/>
+  <p:tag name="KSO_WM_BEAUTIFY_FLAG" val="#wm#"/>
+  <p:tag name="KSO_WM_TAG_VERSION" val="3.0"/>
+  <p:tag name="KSO_WM_UNIT_PRESET_TEXT" val="单击此处编辑母版标题样式"/>
+  <p:tag name="KSO_WM_UNIT_ID" val="_6*h_a*2_1"/>
+  <p:tag name="KSO_WM_UNIT_ISNUMDGMTITLE" val="0"/>
+  <p:tag name="KSO_WM_UNIT_NOCLEAR" val="0"/>
+  <p:tag name="KSO_WM_UNIT_HIGHLIGHT" val="0"/>
+  <p:tag name="KSO_WM_UNIT_COMPATIBLE" val="0"/>
+  <p:tag name="KSO_WM_UNIT_DIAGRAM_ISNUMVISUAL" val="0"/>
+  <p:tag name="KSO_WM_UNIT_DIAGRAM_ISREFERUNIT" val="0"/>
+  <p:tag name="KSO_WM_UNIT_LAYERLEVEL" val="1_1"/>
+  <p:tag name="KSO_WM_UNIT_ISCONTENTSTITLE" val="0"/>
+  <p:tag name="KSO_WM_UNIT_VALUE" val="20"/>
+</p:tagLst>
+</file>
+
+<file path=ppt/tags/tag118.xml><?xml version="1.0" encoding="utf-8"?>
+<p:tagLst xmlns:p="http://schemas.openxmlformats.org/presentationml/2006/main">
+  <p:tag name="KSO_WM_UNIT_TYPE" val="h_f"/>
+  <p:tag name="KSO_WM_UNIT_SUBTYPE" val="a"/>
+  <p:tag name="KSO_WM_UNIT_INDEX" val="2_1"/>
+  <p:tag name="KSO_WM_BEAUTIFY_FLAG" val="#wm#"/>
+  <p:tag name="KSO_WM_TAG_VERSION" val="3.0"/>
+  <p:tag name="KSO_WM_UNIT_PRESET_TEXT" val="单击此处编辑母版文本样式&#10;第二级&#10;第三级&#10;第四级&#10;第五级"/>
+  <p:tag name="KSO_WM_UNIT_ID" val="_6*h_f*2_1"/>
+  <p:tag name="KSO_WM_UNIT_ISNUMDGMTITLE" val="0"/>
+  <p:tag name="KSO_WM_UNIT_NOCLEAR" val="0"/>
+  <p:tag name="KSO_WM_UNIT_HIGHLIGHT" val="0"/>
+  <p:tag name="KSO_WM_UNIT_COMPATIBLE" val="0"/>
+  <p:tag name="KSO_WM_UNIT_DIAGRAM_ISNUMVISUAL" val="0"/>
+  <p:tag name="KSO_WM_UNIT_DIAGRAM_ISREFERUNIT" val="0"/>
+  <p:tag name="KSO_WM_UNIT_LAYERLEVEL" val="1_1"/>
+  <p:tag name="KSO_WM_UNIT_TEXT_LAYER_COUNT" val="1"/>
+</p:tagLst>
+</file>
+
+<file path=ppt/tags/tag119.xml><?xml version="1.0" encoding="utf-8"?>
+<p:tagLst xmlns:p="http://schemas.openxmlformats.org/presentationml/2006/main">
+  <p:tag name="KSO_WM_UNIT_ID" val="_6**"/>
+  <p:tag name="KSO_WM_BEAUTIFY_FLAG" val="#wm#"/>
+  <p:tag name="KSO_WM_TAG_VERSION" val="3.0"/>
+  <p:tag name="KSO_WM_UNIT_ISNUMDGMTITLE" val="0"/>
+  <p:tag name="KSO_WM_UNIT_NOCLEAR" val="0"/>
+  <p:tag name="KSO_WM_UNIT_HIGHLIGHT" val="0"/>
+  <p:tag name="KSO_WM_UNIT_COMPATIBLE" val="0"/>
+  <p:tag name="KSO_WM_UNIT_DIAGRAM_ISNUMVISUAL" val="0"/>
+  <p:tag name="KSO_WM_UNIT_DIAGRAM_ISREFERUNIT" val="0"/>
+  <p:tag name="KSO_WM_UNIT_LAYERLEVEL" val="1"/>
+</p:tagLst>
+</file>
+
 <file path=ppt/tags/tag12.xml><?xml version="1.0" encoding="utf-8"?>
 <p:tagLst xmlns:p="http://schemas.openxmlformats.org/presentationml/2006/main">
   <p:tag name="KSO_WM_UNIT_HIGHLIGHT" val="0"/>
@@ -3654,6 +11267,165 @@
 </p:tagLst>
 </file>
 
+<file path=ppt/tags/tag120.xml><?xml version="1.0" encoding="utf-8"?>
+<p:tagLst xmlns:p="http://schemas.openxmlformats.org/presentationml/2006/main">
+  <p:tag name="KSO_WM_UNIT_ID" val="_6**"/>
+  <p:tag name="KSO_WM_BEAUTIFY_FLAG" val="#wm#"/>
+  <p:tag name="KSO_WM_TAG_VERSION" val="3.0"/>
+  <p:tag name="KSO_WM_UNIT_ISNUMDGMTITLE" val="0"/>
+  <p:tag name="KSO_WM_UNIT_NOCLEAR" val="0"/>
+  <p:tag name="KSO_WM_UNIT_HIGHLIGHT" val="0"/>
+  <p:tag name="KSO_WM_UNIT_COMPATIBLE" val="0"/>
+  <p:tag name="KSO_WM_UNIT_DIAGRAM_ISNUMVISUAL" val="0"/>
+  <p:tag name="KSO_WM_UNIT_DIAGRAM_ISREFERUNIT" val="0"/>
+  <p:tag name="KSO_WM_UNIT_LAYERLEVEL" val="1"/>
+</p:tagLst>
+</file>
+
+<file path=ppt/tags/tag121.xml><?xml version="1.0" encoding="utf-8"?>
+<p:tagLst xmlns:p="http://schemas.openxmlformats.org/presentationml/2006/main">
+  <p:tag name="KSO_WM_UNIT_ID" val="_6**"/>
+  <p:tag name="KSO_WM_BEAUTIFY_FLAG" val="#wm#"/>
+  <p:tag name="KSO_WM_TAG_VERSION" val="3.0"/>
+  <p:tag name="KSO_WM_UNIT_ISNUMDGMTITLE" val="0"/>
+  <p:tag name="KSO_WM_UNIT_NOCLEAR" val="0"/>
+  <p:tag name="KSO_WM_UNIT_HIGHLIGHT" val="0"/>
+  <p:tag name="KSO_WM_UNIT_COMPATIBLE" val="0"/>
+  <p:tag name="KSO_WM_UNIT_DIAGRAM_ISNUMVISUAL" val="0"/>
+  <p:tag name="KSO_WM_UNIT_DIAGRAM_ISREFERUNIT" val="0"/>
+  <p:tag name="KSO_WM_UNIT_LAYERLEVEL" val="1"/>
+</p:tagLst>
+</file>
+
+<file path=ppt/tags/tag122.xml><?xml version="1.0" encoding="utf-8"?>
+<p:tagLst xmlns:p="http://schemas.openxmlformats.org/presentationml/2006/main">
+  <p:tag name="KSO_WM_UNIT_TYPE" val="a"/>
+  <p:tag name="KSO_WM_UNIT_INDEX" val="1"/>
+  <p:tag name="KSO_WM_BEAUTIFY_FLAG" val="#wm#"/>
+  <p:tag name="KSO_WM_TAG_VERSION" val="3.0"/>
+  <p:tag name="KSO_WM_UNIT_PRESET_TEXT" val="单击此处编辑母版标题样式"/>
+  <p:tag name="KSO_WM_UNIT_ID" val="_6*a*1"/>
+  <p:tag name="KSO_WM_UNIT_ISNUMDGMTITLE" val="0"/>
+  <p:tag name="KSO_WM_UNIT_NOCLEAR" val="0"/>
+  <p:tag name="KSO_WM_UNIT_HIGHLIGHT" val="0"/>
+  <p:tag name="KSO_WM_UNIT_COMPATIBLE" val="0"/>
+  <p:tag name="KSO_WM_UNIT_DIAGRAM_ISNUMVISUAL" val="0"/>
+  <p:tag name="KSO_WM_UNIT_DIAGRAM_ISREFERUNIT" val="0"/>
+  <p:tag name="KSO_WM_UNIT_LAYERLEVEL" val="1"/>
+  <p:tag name="KSO_WM_UNIT_ISCONTENTSTITLE" val="0"/>
+</p:tagLst>
+</file>
+
+<file path=ppt/tags/tag123.xml><?xml version="1.0" encoding="utf-8"?>
+<p:tagLst xmlns:p="http://schemas.openxmlformats.org/presentationml/2006/main">
+  <p:tag name="KSO_WM_UNIT_TYPE" val="a"/>
+  <p:tag name="KSO_WM_UNIT_INDEX" val="1"/>
+  <p:tag name="KSO_WM_BEAUTIFY_FLAG" val="#wm#"/>
+  <p:tag name="KSO_WM_TAG_VERSION" val="3.0"/>
+  <p:tag name="KSO_WM_UNIT_PRESET_TEXT" val="单击此处编辑母版标题样式"/>
+  <p:tag name="KSO_WM_UNIT_ID" val="_7*a*1"/>
+  <p:tag name="KSO_WM_UNIT_ISNUMDGMTITLE" val="0"/>
+  <p:tag name="KSO_WM_UNIT_NOCLEAR" val="0"/>
+  <p:tag name="KSO_WM_UNIT_HIGHLIGHT" val="0"/>
+  <p:tag name="KSO_WM_UNIT_COMPATIBLE" val="0"/>
+  <p:tag name="KSO_WM_UNIT_DIAGRAM_ISNUMVISUAL" val="0"/>
+  <p:tag name="KSO_WM_UNIT_DIAGRAM_ISREFERUNIT" val="0"/>
+  <p:tag name="KSO_WM_UNIT_LAYERLEVEL" val="1"/>
+  <p:tag name="KSO_WM_UNIT_ISCONTENTSTITLE" val="0"/>
+  <p:tag name="KSO_WM_UNIT_VALUE" val="29"/>
+</p:tagLst>
+</file>
+
+<file path=ppt/tags/tag124.xml><?xml version="1.0" encoding="utf-8"?>
+<p:tagLst xmlns:p="http://schemas.openxmlformats.org/presentationml/2006/main">
+  <p:tag name="KSO_WM_UNIT_ID" val="_7**"/>
+  <p:tag name="KSO_WM_BEAUTIFY_FLAG" val="#wm#"/>
+  <p:tag name="KSO_WM_TAG_VERSION" val="3.0"/>
+  <p:tag name="KSO_WM_UNIT_ISNUMDGMTITLE" val="0"/>
+  <p:tag name="KSO_WM_UNIT_NOCLEAR" val="0"/>
+  <p:tag name="KSO_WM_UNIT_HIGHLIGHT" val="0"/>
+  <p:tag name="KSO_WM_UNIT_COMPATIBLE" val="0"/>
+  <p:tag name="KSO_WM_UNIT_DIAGRAM_ISNUMVISUAL" val="0"/>
+  <p:tag name="KSO_WM_UNIT_DIAGRAM_ISREFERUNIT" val="0"/>
+  <p:tag name="KSO_WM_UNIT_LAYERLEVEL" val="1"/>
+</p:tagLst>
+</file>
+
+<file path=ppt/tags/tag125.xml><?xml version="1.0" encoding="utf-8"?>
+<p:tagLst xmlns:p="http://schemas.openxmlformats.org/presentationml/2006/main">
+  <p:tag name="KSO_WM_UNIT_ID" val="_7**"/>
+  <p:tag name="KSO_WM_BEAUTIFY_FLAG" val="#wm#"/>
+  <p:tag name="KSO_WM_TAG_VERSION" val="3.0"/>
+  <p:tag name="KSO_WM_UNIT_ISNUMDGMTITLE" val="0"/>
+  <p:tag name="KSO_WM_UNIT_NOCLEAR" val="0"/>
+  <p:tag name="KSO_WM_UNIT_HIGHLIGHT" val="0"/>
+  <p:tag name="KSO_WM_UNIT_COMPATIBLE" val="0"/>
+  <p:tag name="KSO_WM_UNIT_DIAGRAM_ISNUMVISUAL" val="0"/>
+  <p:tag name="KSO_WM_UNIT_DIAGRAM_ISREFERUNIT" val="0"/>
+  <p:tag name="KSO_WM_UNIT_LAYERLEVEL" val="1"/>
+</p:tagLst>
+</file>
+
+<file path=ppt/tags/tag126.xml><?xml version="1.0" encoding="utf-8"?>
+<p:tagLst xmlns:p="http://schemas.openxmlformats.org/presentationml/2006/main">
+  <p:tag name="KSO_WM_UNIT_ID" val="_7**"/>
+  <p:tag name="KSO_WM_BEAUTIFY_FLAG" val="#wm#"/>
+  <p:tag name="KSO_WM_TAG_VERSION" val="3.0"/>
+  <p:tag name="KSO_WM_UNIT_ISNUMDGMTITLE" val="0"/>
+  <p:tag name="KSO_WM_UNIT_NOCLEAR" val="0"/>
+  <p:tag name="KSO_WM_UNIT_HIGHLIGHT" val="0"/>
+  <p:tag name="KSO_WM_UNIT_COMPATIBLE" val="0"/>
+  <p:tag name="KSO_WM_UNIT_DIAGRAM_ISNUMVISUAL" val="0"/>
+  <p:tag name="KSO_WM_UNIT_DIAGRAM_ISREFERUNIT" val="0"/>
+  <p:tag name="KSO_WM_UNIT_LAYERLEVEL" val="1"/>
+</p:tagLst>
+</file>
+
+<file path=ppt/tags/tag127.xml><?xml version="1.0" encoding="utf-8"?>
+<p:tagLst xmlns:p="http://schemas.openxmlformats.org/presentationml/2006/main">
+  <p:tag name="KSO_WM_UNIT_ID" val="_8**"/>
+  <p:tag name="KSO_WM_BEAUTIFY_FLAG" val="#wm#"/>
+  <p:tag name="KSO_WM_TAG_VERSION" val="3.0"/>
+  <p:tag name="KSO_WM_UNIT_ISNUMDGMTITLE" val="0"/>
+  <p:tag name="KSO_WM_UNIT_NOCLEAR" val="0"/>
+  <p:tag name="KSO_WM_UNIT_HIGHLIGHT" val="0"/>
+  <p:tag name="KSO_WM_UNIT_COMPATIBLE" val="0"/>
+  <p:tag name="KSO_WM_UNIT_DIAGRAM_ISNUMVISUAL" val="0"/>
+  <p:tag name="KSO_WM_UNIT_DIAGRAM_ISREFERUNIT" val="0"/>
+  <p:tag name="KSO_WM_UNIT_LAYERLEVEL" val="1"/>
+</p:tagLst>
+</file>
+
+<file path=ppt/tags/tag128.xml><?xml version="1.0" encoding="utf-8"?>
+<p:tagLst xmlns:p="http://schemas.openxmlformats.org/presentationml/2006/main">
+  <p:tag name="KSO_WM_UNIT_ID" val="_8**"/>
+  <p:tag name="KSO_WM_BEAUTIFY_FLAG" val="#wm#"/>
+  <p:tag name="KSO_WM_TAG_VERSION" val="3.0"/>
+  <p:tag name="KSO_WM_UNIT_ISNUMDGMTITLE" val="0"/>
+  <p:tag name="KSO_WM_UNIT_NOCLEAR" val="0"/>
+  <p:tag name="KSO_WM_UNIT_HIGHLIGHT" val="0"/>
+  <p:tag name="KSO_WM_UNIT_COMPATIBLE" val="0"/>
+  <p:tag name="KSO_WM_UNIT_DIAGRAM_ISNUMVISUAL" val="0"/>
+  <p:tag name="KSO_WM_UNIT_DIAGRAM_ISREFERUNIT" val="0"/>
+  <p:tag name="KSO_WM_UNIT_LAYERLEVEL" val="1"/>
+</p:tagLst>
+</file>
+
+<file path=ppt/tags/tag129.xml><?xml version="1.0" encoding="utf-8"?>
+<p:tagLst xmlns:p="http://schemas.openxmlformats.org/presentationml/2006/main">
+  <p:tag name="KSO_WM_UNIT_ID" val="_8**"/>
+  <p:tag name="KSO_WM_BEAUTIFY_FLAG" val="#wm#"/>
+  <p:tag name="KSO_WM_TAG_VERSION" val="3.0"/>
+  <p:tag name="KSO_WM_UNIT_ISNUMDGMTITLE" val="0"/>
+  <p:tag name="KSO_WM_UNIT_NOCLEAR" val="0"/>
+  <p:tag name="KSO_WM_UNIT_HIGHLIGHT" val="0"/>
+  <p:tag name="KSO_WM_UNIT_COMPATIBLE" val="0"/>
+  <p:tag name="KSO_WM_UNIT_DIAGRAM_ISNUMVISUAL" val="0"/>
+  <p:tag name="KSO_WM_UNIT_DIAGRAM_ISREFERUNIT" val="0"/>
+  <p:tag name="KSO_WM_UNIT_LAYERLEVEL" val="1"/>
+</p:tagLst>
+</file>
+
 <file path=ppt/tags/tag13.xml><?xml version="1.0" encoding="utf-8"?>
 <p:tagLst xmlns:p="http://schemas.openxmlformats.org/presentationml/2006/main">
   <p:tag name="KSO_WM_UNIT_HIGHLIGHT" val="0"/>
@@ -3667,6 +11439,174 @@
 </p:tagLst>
 </file>
 
+<file path=ppt/tags/tag130.xml><?xml version="1.0" encoding="utf-8"?>
+<p:tagLst xmlns:p="http://schemas.openxmlformats.org/presentationml/2006/main">
+  <p:tag name="KSO_WM_UNIT_TYPE" val="f"/>
+  <p:tag name="KSO_WM_UNIT_SUBTYPE" val="a"/>
+  <p:tag name="KSO_WM_UNIT_INDEX" val="1"/>
+  <p:tag name="KSO_WM_BEAUTIFY_FLAG" val="#wm#"/>
+  <p:tag name="KSO_WM_TAG_VERSION" val="3.0"/>
+  <p:tag name="KSO_WM_UNIT_PRESET_TEXT" val="单击此处编辑母版文本样式&#10;第二级&#10;第三级&#10;第四级&#10;第五级"/>
+  <p:tag name="KSO_WM_UNIT_ID" val="_9*f*1"/>
+  <p:tag name="KSO_WM_UNIT_ISNUMDGMTITLE" val="0"/>
+  <p:tag name="KSO_WM_UNIT_NOCLEAR" val="0"/>
+  <p:tag name="KSO_WM_UNIT_HIGHLIGHT" val="0"/>
+  <p:tag name="KSO_WM_UNIT_COMPATIBLE" val="0"/>
+  <p:tag name="KSO_WM_UNIT_DIAGRAM_ISNUMVISUAL" val="0"/>
+  <p:tag name="KSO_WM_UNIT_DIAGRAM_ISREFERUNIT" val="0"/>
+  <p:tag name="KSO_WM_UNIT_LAYERLEVEL" val="1"/>
+  <p:tag name="KSO_WM_UNIT_TEXT_LAYER_COUNT" val="1"/>
+  <p:tag name="KSO_WM_UNIT_VALUE" val="408"/>
+</p:tagLst>
+</file>
+
+<file path=ppt/tags/tag131.xml><?xml version="1.0" encoding="utf-8"?>
+<p:tagLst xmlns:p="http://schemas.openxmlformats.org/presentationml/2006/main">
+  <p:tag name="KSO_WM_UNIT_ID" val="_9**"/>
+  <p:tag name="KSO_WM_BEAUTIFY_FLAG" val="#wm#"/>
+  <p:tag name="KSO_WM_TAG_VERSION" val="3.0"/>
+  <p:tag name="KSO_WM_UNIT_ISNUMDGMTITLE" val="0"/>
+  <p:tag name="KSO_WM_UNIT_NOCLEAR" val="0"/>
+  <p:tag name="KSO_WM_UNIT_HIGHLIGHT" val="0"/>
+  <p:tag name="KSO_WM_UNIT_COMPATIBLE" val="0"/>
+  <p:tag name="KSO_WM_UNIT_DIAGRAM_ISNUMVISUAL" val="0"/>
+  <p:tag name="KSO_WM_UNIT_DIAGRAM_ISREFERUNIT" val="0"/>
+  <p:tag name="KSO_WM_UNIT_LAYERLEVEL" val="1"/>
+</p:tagLst>
+</file>
+
+<file path=ppt/tags/tag132.xml><?xml version="1.0" encoding="utf-8"?>
+<p:tagLst xmlns:p="http://schemas.openxmlformats.org/presentationml/2006/main">
+  <p:tag name="KSO_WM_UNIT_ID" val="_9**"/>
+  <p:tag name="KSO_WM_BEAUTIFY_FLAG" val="#wm#"/>
+  <p:tag name="KSO_WM_TAG_VERSION" val="3.0"/>
+  <p:tag name="KSO_WM_UNIT_ISNUMDGMTITLE" val="0"/>
+  <p:tag name="KSO_WM_UNIT_NOCLEAR" val="0"/>
+  <p:tag name="KSO_WM_UNIT_HIGHLIGHT" val="0"/>
+  <p:tag name="KSO_WM_UNIT_COMPATIBLE" val="0"/>
+  <p:tag name="KSO_WM_UNIT_DIAGRAM_ISNUMVISUAL" val="0"/>
+  <p:tag name="KSO_WM_UNIT_DIAGRAM_ISREFERUNIT" val="0"/>
+  <p:tag name="KSO_WM_UNIT_LAYERLEVEL" val="1"/>
+</p:tagLst>
+</file>
+
+<file path=ppt/tags/tag133.xml><?xml version="1.0" encoding="utf-8"?>
+<p:tagLst xmlns:p="http://schemas.openxmlformats.org/presentationml/2006/main">
+  <p:tag name="KSO_WM_UNIT_ID" val="_9**"/>
+  <p:tag name="KSO_WM_BEAUTIFY_FLAG" val="#wm#"/>
+  <p:tag name="KSO_WM_TAG_VERSION" val="3.0"/>
+  <p:tag name="KSO_WM_UNIT_ISNUMDGMTITLE" val="0"/>
+  <p:tag name="KSO_WM_UNIT_NOCLEAR" val="0"/>
+  <p:tag name="KSO_WM_UNIT_HIGHLIGHT" val="0"/>
+  <p:tag name="KSO_WM_UNIT_COMPATIBLE" val="0"/>
+  <p:tag name="KSO_WM_UNIT_DIAGRAM_ISNUMVISUAL" val="0"/>
+  <p:tag name="KSO_WM_UNIT_DIAGRAM_ISREFERUNIT" val="0"/>
+  <p:tag name="KSO_WM_UNIT_LAYERLEVEL" val="1"/>
+</p:tagLst>
+</file>
+
+<file path=ppt/tags/tag134.xml><?xml version="1.0" encoding="utf-8"?>
+<p:tagLst xmlns:p="http://schemas.openxmlformats.org/presentationml/2006/main">
+  <p:tag name="KSO_WM_UNIT_TYPE" val="b"/>
+  <p:tag name="KSO_WM_UNIT_INDEX" val="1"/>
+  <p:tag name="KSO_WM_BEAUTIFY_FLAG" val="#wm#"/>
+  <p:tag name="KSO_WM_TAG_VERSION" val="3.0"/>
+  <p:tag name="KSO_WM_UNIT_PRESET_TEXT" val="单击此处编辑副标题"/>
+  <p:tag name="KSO_WM_UNIT_ID" val="_10*b*1"/>
+  <p:tag name="KSO_WM_UNIT_ISNUMDGMTITLE" val="0"/>
+  <p:tag name="KSO_WM_UNIT_NOCLEAR" val="0"/>
+  <p:tag name="KSO_WM_UNIT_HIGHLIGHT" val="0"/>
+  <p:tag name="KSO_WM_UNIT_COMPATIBLE" val="0"/>
+  <p:tag name="KSO_WM_UNIT_DIAGRAM_ISNUMVISUAL" val="0"/>
+  <p:tag name="KSO_WM_UNIT_DIAGRAM_ISREFERUNIT" val="0"/>
+  <p:tag name="KSO_WM_UNIT_LAYERLEVEL" val="1"/>
+  <p:tag name="KSO_WM_UNIT_ISCONTENTSTITLE" val="0"/>
+  <p:tag name="KSO_WM_UNIT_VALUE" val="41"/>
+</p:tagLst>
+</file>
+
+<file path=ppt/tags/tag135.xml><?xml version="1.0" encoding="utf-8"?>
+<p:tagLst xmlns:p="http://schemas.openxmlformats.org/presentationml/2006/main">
+  <p:tag name="KSO_WM_UNIT_ID" val="_10**"/>
+  <p:tag name="KSO_WM_BEAUTIFY_FLAG" val="#wm#"/>
+  <p:tag name="KSO_WM_TAG_VERSION" val="3.0"/>
+  <p:tag name="KSO_WM_UNIT_ISNUMDGMTITLE" val="0"/>
+  <p:tag name="KSO_WM_UNIT_NOCLEAR" val="0"/>
+  <p:tag name="KSO_WM_UNIT_HIGHLIGHT" val="0"/>
+  <p:tag name="KSO_WM_UNIT_COMPATIBLE" val="0"/>
+  <p:tag name="KSO_WM_UNIT_DIAGRAM_ISNUMVISUAL" val="0"/>
+  <p:tag name="KSO_WM_UNIT_DIAGRAM_ISREFERUNIT" val="0"/>
+  <p:tag name="KSO_WM_UNIT_LAYERLEVEL" val="1"/>
+</p:tagLst>
+</file>
+
+<file path=ppt/tags/tag136.xml><?xml version="1.0" encoding="utf-8"?>
+<p:tagLst xmlns:p="http://schemas.openxmlformats.org/presentationml/2006/main">
+  <p:tag name="KSO_WM_UNIT_ID" val="_10**"/>
+  <p:tag name="KSO_WM_BEAUTIFY_FLAG" val="#wm#"/>
+  <p:tag name="KSO_WM_TAG_VERSION" val="3.0"/>
+  <p:tag name="KSO_WM_UNIT_ISNUMDGMTITLE" val="0"/>
+  <p:tag name="KSO_WM_UNIT_NOCLEAR" val="0"/>
+  <p:tag name="KSO_WM_UNIT_HIGHLIGHT" val="0"/>
+  <p:tag name="KSO_WM_UNIT_COMPATIBLE" val="0"/>
+  <p:tag name="KSO_WM_UNIT_DIAGRAM_ISNUMVISUAL" val="0"/>
+  <p:tag name="KSO_WM_UNIT_DIAGRAM_ISREFERUNIT" val="0"/>
+  <p:tag name="KSO_WM_UNIT_LAYERLEVEL" val="1"/>
+</p:tagLst>
+</file>
+
+<file path=ppt/tags/tag137.xml><?xml version="1.0" encoding="utf-8"?>
+<p:tagLst xmlns:p="http://schemas.openxmlformats.org/presentationml/2006/main">
+  <p:tag name="KSO_WM_UNIT_ID" val="_10**"/>
+  <p:tag name="KSO_WM_BEAUTIFY_FLAG" val="#wm#"/>
+  <p:tag name="KSO_WM_TAG_VERSION" val="3.0"/>
+  <p:tag name="KSO_WM_UNIT_ISNUMDGMTITLE" val="0"/>
+  <p:tag name="KSO_WM_UNIT_NOCLEAR" val="0"/>
+  <p:tag name="KSO_WM_UNIT_HIGHLIGHT" val="0"/>
+  <p:tag name="KSO_WM_UNIT_COMPATIBLE" val="0"/>
+  <p:tag name="KSO_WM_UNIT_DIAGRAM_ISNUMVISUAL" val="0"/>
+  <p:tag name="KSO_WM_UNIT_DIAGRAM_ISREFERUNIT" val="0"/>
+  <p:tag name="KSO_WM_UNIT_LAYERLEVEL" val="1"/>
+</p:tagLst>
+</file>
+
+<file path=ppt/tags/tag138.xml><?xml version="1.0" encoding="utf-8"?>
+<p:tagLst xmlns:p="http://schemas.openxmlformats.org/presentationml/2006/main">
+  <p:tag name="KSO_WM_UNIT_TYPE" val="a"/>
+  <p:tag name="KSO_WM_UNIT_INDEX" val="1"/>
+  <p:tag name="KSO_WM_BEAUTIFY_FLAG" val="#wm#"/>
+  <p:tag name="KSO_WM_TAG_VERSION" val="3.0"/>
+  <p:tag name="KSO_WM_UNIT_PRESET_TEXT" val="单击此处编辑母版标题样式"/>
+  <p:tag name="KSO_WM_UNIT_ID" val="_10*a*1"/>
+  <p:tag name="KSO_WM_UNIT_ISNUMDGMTITLE" val="0"/>
+  <p:tag name="KSO_WM_UNIT_NOCLEAR" val="0"/>
+  <p:tag name="KSO_WM_UNIT_HIGHLIGHT" val="0"/>
+  <p:tag name="KSO_WM_UNIT_COMPATIBLE" val="0"/>
+  <p:tag name="KSO_WM_UNIT_DIAGRAM_ISNUMVISUAL" val="0"/>
+  <p:tag name="KSO_WM_UNIT_DIAGRAM_ISREFERUNIT" val="0"/>
+  <p:tag name="KSO_WM_UNIT_LAYERLEVEL" val="1"/>
+  <p:tag name="KSO_WM_UNIT_ISCONTENTSTITLE" val="0"/>
+  <p:tag name="KSO_WM_UNIT_VALUE" val="29"/>
+</p:tagLst>
+</file>
+
+<file path=ppt/tags/tag139.xml><?xml version="1.0" encoding="utf-8"?>
+<p:tagLst xmlns:p="http://schemas.openxmlformats.org/presentationml/2006/main">
+  <p:tag name="KSO_WM_UNIT_TYPE" val="i"/>
+  <p:tag name="KSO_WM_UNIT_INDEX" val="1"/>
+  <p:tag name="KSO_WM_BEAUTIFY_FLAG" val="#wm#"/>
+  <p:tag name="KSO_WM_TAG_VERSION" val="3.0"/>
+  <p:tag name="KSO_WM_UNIT_ID" val="_11*i*1"/>
+  <p:tag name="KSO_WM_UNIT_ISNUMDGMTITLE" val="0"/>
+  <p:tag name="KSO_WM_UNIT_NOCLEAR" val="0"/>
+  <p:tag name="KSO_WM_UNIT_HIGHLIGHT" val="0"/>
+  <p:tag name="KSO_WM_UNIT_COMPATIBLE" val="0"/>
+  <p:tag name="KSO_WM_UNIT_DIAGRAM_ISNUMVISUAL" val="0"/>
+  <p:tag name="KSO_WM_UNIT_DIAGRAM_ISREFERUNIT" val="0"/>
+  <p:tag name="KSO_WM_UNIT_LAYERLEVEL" val="1"/>
+</p:tagLst>
+</file>
+
 <file path=ppt/tags/tag14.xml><?xml version="1.0" encoding="utf-8"?>
 <p:tagLst xmlns:p="http://schemas.openxmlformats.org/presentationml/2006/main">
   <p:tag name="KSO_WM_UNIT_HIGHLIGHT" val="0"/>
@@ -3680,6 +11620,186 @@
 </p:tagLst>
 </file>
 
+<file path=ppt/tags/tag140.xml><?xml version="1.0" encoding="utf-8"?>
+<p:tagLst xmlns:p="http://schemas.openxmlformats.org/presentationml/2006/main">
+  <p:tag name="KSO_WM_UNIT_TYPE" val="i"/>
+  <p:tag name="KSO_WM_UNIT_INDEX" val="2"/>
+  <p:tag name="KSO_WM_BEAUTIFY_FLAG" val="#wm#"/>
+  <p:tag name="KSO_WM_TAG_VERSION" val="3.0"/>
+  <p:tag name="KSO_WM_UNIT_ID" val="_11*i*2"/>
+  <p:tag name="KSO_WM_UNIT_ISNUMDGMTITLE" val="0"/>
+  <p:tag name="KSO_WM_UNIT_NOCLEAR" val="0"/>
+  <p:tag name="KSO_WM_UNIT_HIGHLIGHT" val="0"/>
+  <p:tag name="KSO_WM_UNIT_COMPATIBLE" val="0"/>
+  <p:tag name="KSO_WM_UNIT_DIAGRAM_ISNUMVISUAL" val="0"/>
+  <p:tag name="KSO_WM_UNIT_DIAGRAM_ISREFERUNIT" val="0"/>
+  <p:tag name="KSO_WM_UNIT_LAYERLEVEL" val="1"/>
+</p:tagLst>
+</file>
+
+<file path=ppt/tags/tag141.xml><?xml version="1.0" encoding="utf-8"?>
+<p:tagLst xmlns:p="http://schemas.openxmlformats.org/presentationml/2006/main">
+  <p:tag name="KSO_WM_UNIT_TYPE" val="i"/>
+  <p:tag name="KSO_WM_UNIT_INDEX" val="3"/>
+  <p:tag name="KSO_WM_BEAUTIFY_FLAG" val="#wm#"/>
+  <p:tag name="KSO_WM_TAG_VERSION" val="3.0"/>
+  <p:tag name="KSO_WM_UNIT_ID" val="_11*i*3"/>
+  <p:tag name="KSO_WM_UNIT_ISNUMDGMTITLE" val="0"/>
+  <p:tag name="KSO_WM_UNIT_NOCLEAR" val="0"/>
+  <p:tag name="KSO_WM_UNIT_HIGHLIGHT" val="0"/>
+  <p:tag name="KSO_WM_UNIT_COMPATIBLE" val="0"/>
+  <p:tag name="KSO_WM_UNIT_DIAGRAM_ISNUMVISUAL" val="0"/>
+  <p:tag name="KSO_WM_UNIT_DIAGRAM_ISREFERUNIT" val="0"/>
+  <p:tag name="KSO_WM_UNIT_LAYERLEVEL" val="1"/>
+</p:tagLst>
+</file>
+
+<file path=ppt/tags/tag142.xml><?xml version="1.0" encoding="utf-8"?>
+<p:tagLst xmlns:p="http://schemas.openxmlformats.org/presentationml/2006/main">
+  <p:tag name="KSO_WM_UNIT_TYPE" val="a"/>
+  <p:tag name="KSO_WM_UNIT_INDEX" val="1"/>
+  <p:tag name="KSO_WM_BEAUTIFY_FLAG" val="#wm#"/>
+  <p:tag name="KSO_WM_TAG_VERSION" val="3.0"/>
+  <p:tag name="KSO_WM_UNIT_PRESET_TEXT" val="单击此处编辑母版标题"/>
+  <p:tag name="KSO_WM_UNIT_ID" val="_11*a*1"/>
+  <p:tag name="KSO_WM_UNIT_ISNUMDGMTITLE" val="0"/>
+  <p:tag name="KSO_WM_UNIT_NOCLEAR" val="0"/>
+  <p:tag name="KSO_WM_UNIT_HIGHLIGHT" val="0"/>
+  <p:tag name="KSO_WM_UNIT_COMPATIBLE" val="0"/>
+  <p:tag name="KSO_WM_UNIT_DIAGRAM_ISNUMVISUAL" val="0"/>
+  <p:tag name="KSO_WM_UNIT_DIAGRAM_ISREFERUNIT" val="0"/>
+  <p:tag name="KSO_WM_UNIT_LAYERLEVEL" val="1"/>
+  <p:tag name="KSO_WM_UNIT_ISCONTENTSTITLE" val="0"/>
+  <p:tag name="KSO_WM_UNIT_VALUE" val="24"/>
+</p:tagLst>
+</file>
+
+<file path=ppt/tags/tag143.xml><?xml version="1.0" encoding="utf-8"?>
+<p:tagLst xmlns:p="http://schemas.openxmlformats.org/presentationml/2006/main">
+  <p:tag name="KSO_WM_UNIT_ID" val="_11**"/>
+  <p:tag name="KSO_WM_BEAUTIFY_FLAG" val="#wm#"/>
+  <p:tag name="KSO_WM_TAG_VERSION" val="3.0"/>
+  <p:tag name="KSO_WM_UNIT_ISNUMDGMTITLE" val="0"/>
+  <p:tag name="KSO_WM_UNIT_NOCLEAR" val="0"/>
+  <p:tag name="KSO_WM_UNIT_HIGHLIGHT" val="0"/>
+  <p:tag name="KSO_WM_UNIT_COMPATIBLE" val="0"/>
+  <p:tag name="KSO_WM_UNIT_DIAGRAM_ISNUMVISUAL" val="0"/>
+  <p:tag name="KSO_WM_UNIT_DIAGRAM_ISREFERUNIT" val="0"/>
+  <p:tag name="KSO_WM_UNIT_LAYERLEVEL" val="1"/>
+</p:tagLst>
+</file>
+
+<file path=ppt/tags/tag144.xml><?xml version="1.0" encoding="utf-8"?>
+<p:tagLst xmlns:p="http://schemas.openxmlformats.org/presentationml/2006/main">
+  <p:tag name="KSO_WM_UNIT_ID" val="_11**"/>
+  <p:tag name="KSO_WM_BEAUTIFY_FLAG" val="#wm#"/>
+  <p:tag name="KSO_WM_TAG_VERSION" val="3.0"/>
+  <p:tag name="KSO_WM_UNIT_ISNUMDGMTITLE" val="0"/>
+  <p:tag name="KSO_WM_UNIT_NOCLEAR" val="0"/>
+  <p:tag name="KSO_WM_UNIT_HIGHLIGHT" val="0"/>
+  <p:tag name="KSO_WM_UNIT_COMPATIBLE" val="0"/>
+  <p:tag name="KSO_WM_UNIT_DIAGRAM_ISNUMVISUAL" val="0"/>
+  <p:tag name="KSO_WM_UNIT_DIAGRAM_ISREFERUNIT" val="0"/>
+  <p:tag name="KSO_WM_UNIT_LAYERLEVEL" val="1"/>
+</p:tagLst>
+</file>
+
+<file path=ppt/tags/tag145.xml><?xml version="1.0" encoding="utf-8"?>
+<p:tagLst xmlns:p="http://schemas.openxmlformats.org/presentationml/2006/main">
+  <p:tag name="KSO_WM_UNIT_ID" val="_11**"/>
+  <p:tag name="KSO_WM_BEAUTIFY_FLAG" val="#wm#"/>
+  <p:tag name="KSO_WM_TAG_VERSION" val="3.0"/>
+  <p:tag name="KSO_WM_UNIT_ISNUMDGMTITLE" val="0"/>
+  <p:tag name="KSO_WM_UNIT_NOCLEAR" val="0"/>
+  <p:tag name="KSO_WM_UNIT_HIGHLIGHT" val="0"/>
+  <p:tag name="KSO_WM_UNIT_COMPATIBLE" val="0"/>
+  <p:tag name="KSO_WM_UNIT_DIAGRAM_ISNUMVISUAL" val="0"/>
+  <p:tag name="KSO_WM_UNIT_DIAGRAM_ISREFERUNIT" val="0"/>
+  <p:tag name="KSO_WM_UNIT_LAYERLEVEL" val="1"/>
+</p:tagLst>
+</file>
+
+<file path=ppt/tags/tag146.xml><?xml version="1.0" encoding="utf-8"?>
+<p:tagLst xmlns:p="http://schemas.openxmlformats.org/presentationml/2006/main">
+  <p:tag name="KSO_WM_UNIT_TYPE" val="f"/>
+  <p:tag name="KSO_WM_UNIT_SUBTYPE" val="b"/>
+  <p:tag name="KSO_WM_UNIT_INDEX" val="1"/>
+  <p:tag name="KSO_WM_BEAUTIFY_FLAG" val="#wm#"/>
+  <p:tag name="KSO_WM_TAG_VERSION" val="3.0"/>
+  <p:tag name="KSO_WM_UNIT_PRESET_TEXT" val="署名"/>
+  <p:tag name="KSO_WM_UNIT_ID" val="_11*f*1"/>
+  <p:tag name="KSO_WM_UNIT_ISNUMDGMTITLE" val="0"/>
+  <p:tag name="KSO_WM_UNIT_NOCLEAR" val="0"/>
+  <p:tag name="KSO_WM_UNIT_HIGHLIGHT" val="0"/>
+  <p:tag name="KSO_WM_UNIT_COMPATIBLE" val="0"/>
+  <p:tag name="KSO_WM_UNIT_DIAGRAM_ISNUMVISUAL" val="0"/>
+  <p:tag name="KSO_WM_UNIT_DIAGRAM_ISREFERUNIT" val="0"/>
+  <p:tag name="KSO_WM_UNIT_LAYERLEVEL" val="1"/>
+  <p:tag name="KSO_WM_UNIT_TEXT_LAYER_COUNT" val="1"/>
+  <p:tag name="KSO_WM_UNIT_VALUE" val="7"/>
+</p:tagLst>
+</file>
+
+<file path=ppt/tags/tag147.xml><?xml version="1.0" encoding="utf-8"?>
+<p:tagLst xmlns:p="http://schemas.openxmlformats.org/presentationml/2006/main">
+  <p:tag name="KSO_WM_UNIT_TYPE" val="a"/>
+  <p:tag name="KSO_WM_UNIT_INDEX" val="1"/>
+  <p:tag name="KSO_WM_BEAUTIFY_FLAG" val="#wm#"/>
+  <p:tag name="KSO_WM_TAG_VERSION" val="1.0"/>
+  <p:tag name="KSO_WM_UNIT_PRESET_TEXT" val="单击此处编辑母版标题样式"/>
+  <p:tag name="KSO_WM_UNIT_ID" val="_0*a*1"/>
+  <p:tag name="KSO_WM_UNIT_ISNUMDGMTITLE" val="0"/>
+  <p:tag name="KSO_WM_UNIT_NOCLEAR" val="0"/>
+  <p:tag name="KSO_WM_UNIT_HIGHLIGHT" val="0"/>
+  <p:tag name="KSO_WM_UNIT_COMPATIBLE" val="0"/>
+  <p:tag name="KSO_WM_UNIT_DIAGRAM_ISNUMVISUAL" val="0"/>
+  <p:tag name="KSO_WM_UNIT_DIAGRAM_ISREFERUNIT" val="0"/>
+  <p:tag name="KSO_WM_UNIT_LAYERLEVEL" val="1"/>
+  <p:tag name="KSO_WM_UNIT_ISCONTENTSTITLE" val="0"/>
+  <p:tag name="KSO_WM_UNIT_VALUE" val="30"/>
+  <p:tag name="KSO_WM_TEMPLATE_CATEGORY" val="custom"/>
+  <p:tag name="KSO_WM_TEMPLATE_INDEX" val="20238666"/>
+</p:tagLst>
+</file>
+
+<file path=ppt/tags/tag148.xml><?xml version="1.0" encoding="utf-8"?>
+<p:tagLst xmlns:p="http://schemas.openxmlformats.org/presentationml/2006/main">
+  <p:tag name="KSO_WM_UNIT_TYPE" val="f"/>
+  <p:tag name="KSO_WM_UNIT_SUBTYPE" val="a"/>
+  <p:tag name="KSO_WM_UNIT_INDEX" val="1"/>
+  <p:tag name="KSO_WM_BEAUTIFY_FLAG" val="#wm#"/>
+  <p:tag name="KSO_WM_TAG_VERSION" val="1.0"/>
+  <p:tag name="KSO_WM_UNIT_PRESET_TEXT" val="单击此处编辑母版文本样式&#10;第二级&#10;第三级&#10;第四级&#10;第五级"/>
+  <p:tag name="KSO_WM_UNIT_ID" val="_0*f*1"/>
+  <p:tag name="KSO_WM_UNIT_ISNUMDGMTITLE" val="0"/>
+  <p:tag name="KSO_WM_UNIT_NOCLEAR" val="0"/>
+  <p:tag name="KSO_WM_UNIT_HIGHLIGHT" val="0"/>
+  <p:tag name="KSO_WM_UNIT_COMPATIBLE" val="0"/>
+  <p:tag name="KSO_WM_UNIT_DIAGRAM_ISNUMVISUAL" val="0"/>
+  <p:tag name="KSO_WM_UNIT_DIAGRAM_ISREFERUNIT" val="0"/>
+  <p:tag name="KSO_WM_UNIT_LAYERLEVEL" val="1"/>
+  <p:tag name="KSO_WM_UNIT_TEXT_LAYER_COUNT" val="1"/>
+  <p:tag name="KSO_WM_UNIT_VALUE" val="350"/>
+  <p:tag name="KSO_WM_TEMPLATE_CATEGORY" val="custom"/>
+  <p:tag name="KSO_WM_TEMPLATE_INDEX" val="20238666"/>
+</p:tagLst>
+</file>
+
+<file path=ppt/tags/tag149.xml><?xml version="1.0" encoding="utf-8"?>
+<p:tagLst xmlns:p="http://schemas.openxmlformats.org/presentationml/2006/main">
+  <p:tag name="KSO_WM_UNIT_ID" val="_0**"/>
+  <p:tag name="KSO_WM_BEAUTIFY_FLAG" val="#wm#"/>
+  <p:tag name="KSO_WM_TAG_VERSION" val="3.0"/>
+  <p:tag name="KSO_WM_UNIT_ISNUMDGMTITLE" val="0"/>
+  <p:tag name="KSO_WM_UNIT_NOCLEAR" val="0"/>
+  <p:tag name="KSO_WM_UNIT_HIGHLIGHT" val="0"/>
+  <p:tag name="KSO_WM_UNIT_COMPATIBLE" val="0"/>
+  <p:tag name="KSO_WM_UNIT_DIAGRAM_ISNUMVISUAL" val="0"/>
+  <p:tag name="KSO_WM_UNIT_DIAGRAM_ISREFERUNIT" val="0"/>
+  <p:tag name="KSO_WM_UNIT_LAYERLEVEL" val="1"/>
+</p:tagLst>
+</file>
+
 <file path=ppt/tags/tag15.xml><?xml version="1.0" encoding="utf-8"?>
 <p:tagLst xmlns:p="http://schemas.openxmlformats.org/presentationml/2006/main">
   <p:tag name="KSO_WM_UNIT_HIGHLIGHT" val="0"/>
@@ -3690,6 +11810,134 @@
   <p:tag name="KSO_WM_UNIT_LAYERLEVEL" val="1"/>
   <p:tag name="KSO_WM_TAG_VERSION" val="1.0"/>
   <p:tag name="KSO_WM_BEAUTIFY_FLAG" val="#wm#"/>
+</p:tagLst>
+</file>
+
+<file path=ppt/tags/tag150.xml><?xml version="1.0" encoding="utf-8"?>
+<p:tagLst xmlns:p="http://schemas.openxmlformats.org/presentationml/2006/main">
+  <p:tag name="KSO_WM_UNIT_ID" val="_0**"/>
+  <p:tag name="KSO_WM_BEAUTIFY_FLAG" val="#wm#"/>
+  <p:tag name="KSO_WM_TAG_VERSION" val="3.0"/>
+  <p:tag name="KSO_WM_UNIT_ISNUMDGMTITLE" val="0"/>
+  <p:tag name="KSO_WM_UNIT_NOCLEAR" val="0"/>
+  <p:tag name="KSO_WM_UNIT_HIGHLIGHT" val="0"/>
+  <p:tag name="KSO_WM_UNIT_COMPATIBLE" val="0"/>
+  <p:tag name="KSO_WM_UNIT_DIAGRAM_ISNUMVISUAL" val="0"/>
+  <p:tag name="KSO_WM_UNIT_DIAGRAM_ISREFERUNIT" val="0"/>
+  <p:tag name="KSO_WM_UNIT_LAYERLEVEL" val="1"/>
+</p:tagLst>
+</file>
+
+<file path=ppt/tags/tag151.xml><?xml version="1.0" encoding="utf-8"?>
+<p:tagLst xmlns:p="http://schemas.openxmlformats.org/presentationml/2006/main">
+  <p:tag name="KSO_WM_UNIT_ID" val="_0**"/>
+  <p:tag name="KSO_WM_BEAUTIFY_FLAG" val="#wm#"/>
+  <p:tag name="KSO_WM_TAG_VERSION" val="3.0"/>
+  <p:tag name="KSO_WM_UNIT_ISNUMDGMTITLE" val="0"/>
+  <p:tag name="KSO_WM_UNIT_NOCLEAR" val="0"/>
+  <p:tag name="KSO_WM_UNIT_HIGHLIGHT" val="0"/>
+  <p:tag name="KSO_WM_UNIT_COMPATIBLE" val="0"/>
+  <p:tag name="KSO_WM_UNIT_DIAGRAM_ISNUMVISUAL" val="0"/>
+  <p:tag name="KSO_WM_UNIT_DIAGRAM_ISREFERUNIT" val="0"/>
+  <p:tag name="KSO_WM_UNIT_LAYERLEVEL" val="1"/>
+</p:tagLst>
+</file>
+
+<file path=ppt/tags/tag152.xml><?xml version="1.0" encoding="utf-8"?>
+<p:tagLst xmlns:p="http://schemas.openxmlformats.org/presentationml/2006/main">
+  <p:tag name="KSO_WM_UNIT_TYPE" val="i"/>
+  <p:tag name="KSO_WM_UNIT_INDEX" val="1"/>
+  <p:tag name="KSO_WM_BEAUTIFY_FLAG" val="#wm#"/>
+  <p:tag name="KSO_WM_TAG_VERSION" val="3.0"/>
+  <p:tag name="KSO_WM_UNIT_ID" val="_0*i*1"/>
+  <p:tag name="KSO_WM_UNIT_ISNUMDGMTITLE" val="0"/>
+  <p:tag name="KSO_WM_UNIT_NOCLEAR" val="0"/>
+  <p:tag name="KSO_WM_UNIT_HIGHLIGHT" val="0"/>
+  <p:tag name="KSO_WM_UNIT_COMPATIBLE" val="0"/>
+  <p:tag name="KSO_WM_UNIT_DIAGRAM_ISNUMVISUAL" val="0"/>
+  <p:tag name="KSO_WM_UNIT_DIAGRAM_ISREFERUNIT" val="0"/>
+  <p:tag name="KSO_WM_UNIT_LAYERLEVEL" val="1"/>
+</p:tagLst>
+</file>
+
+<file path=ppt/tags/tag153.xml><?xml version="1.0" encoding="utf-8"?>
+<p:tagLst xmlns:p="http://schemas.openxmlformats.org/presentationml/2006/main">
+  <p:tag name="KSO_WM_UNIT_TYPE" val="i"/>
+  <p:tag name="KSO_WM_UNIT_INDEX" val="2"/>
+  <p:tag name="KSO_WM_BEAUTIFY_FLAG" val="#wm#"/>
+  <p:tag name="KSO_WM_TAG_VERSION" val="3.0"/>
+  <p:tag name="KSO_WM_UNIT_ID" val="_0*i*2"/>
+  <p:tag name="KSO_WM_UNIT_ISNUMDGMTITLE" val="0"/>
+  <p:tag name="KSO_WM_UNIT_NOCLEAR" val="0"/>
+  <p:tag name="KSO_WM_UNIT_HIGHLIGHT" val="0"/>
+  <p:tag name="KSO_WM_UNIT_COMPATIBLE" val="0"/>
+  <p:tag name="KSO_WM_UNIT_DIAGRAM_ISNUMVISUAL" val="0"/>
+  <p:tag name="KSO_WM_UNIT_DIAGRAM_ISREFERUNIT" val="0"/>
+  <p:tag name="KSO_WM_UNIT_LAYERLEVEL" val="1"/>
+</p:tagLst>
+</file>
+
+<file path=ppt/tags/tag154.xml><?xml version="1.0" encoding="utf-8"?>
+<p:tagLst xmlns:p="http://schemas.openxmlformats.org/presentationml/2006/main">
+  <p:tag name="KSO_WM_TEMPLATE_SUBCATEGORY" val="29"/>
+  <p:tag name="KSO_WM_TEMPLATE_COLOR_TYPE" val="0"/>
+  <p:tag name="KSO_WM_TAG_VERSION" val="3.0"/>
+  <p:tag name="KSO_WM_TEMPLATE_THUMBS_INDEX" val="1、9"/>
+  <p:tag name="KSO_WM_BEAUTIFY_FLAG" val="#wm#"/>
+  <p:tag name="KSO_WM_TEMPLATE_INDEX" val="20238666"/>
+  <p:tag name="KSO_WM_TEMPLATE_CATEGORY" val="custom"/>
+  <p:tag name="KSO_WM_TEMPLATE_MASTER_TYPE" val="0"/>
+</p:tagLst>
+</file>
+
+<file path=ppt/tags/tag155.xml><?xml version="1.0" encoding="utf-8"?>
+<p:tagLst xmlns:p="http://schemas.openxmlformats.org/presentationml/2006/main">
+  <p:tag name="KSO_WM_UNIT_INDEX" val="2"/>
+  <p:tag name="KSO_WM_UNIT_TYPE" val="j"/>
+  <p:tag name="KSO_WM_BEAUTIFY_FLAG" val="#wm#"/>
+</p:tagLst>
+</file>
+
+<file path=ppt/tags/tag156.xml><?xml version="1.0" encoding="utf-8"?>
+<p:tagLst xmlns:p="http://schemas.openxmlformats.org/presentationml/2006/main">
+  <p:tag name="KSO_WM_BEAUTIFY_FLAG" val="#wm#"/>
+  <p:tag name="KSO_WM_TEMPLATE_CATEGORY" val="custom"/>
+  <p:tag name="KSO_WM_TEMPLATE_INDEX" val="20238666"/>
+</p:tagLst>
+</file>
+
+<file path=ppt/tags/tag157.xml><?xml version="1.0" encoding="utf-8"?>
+<p:tagLst xmlns:p="http://schemas.openxmlformats.org/presentationml/2006/main">
+  <p:tag name="KSO_WM_BEAUTIFY_FLAG" val="#wm#"/>
+  <p:tag name="KSO_WM_TEMPLATE_CATEGORY" val="custom"/>
+  <p:tag name="KSO_WM_TEMPLATE_INDEX" val="20238666"/>
+</p:tagLst>
+</file>
+
+<file path=ppt/tags/tag158.xml><?xml version="1.0" encoding="utf-8"?>
+<p:tagLst xmlns:p="http://schemas.openxmlformats.org/presentationml/2006/main">
+  <p:tag name="KSO_WM_BEAUTIFY_FLAG" val="#wm#"/>
+  <p:tag name="KSO_WM_TEMPLATE_CATEGORY" val="custom"/>
+  <p:tag name="KSO_WM_TEMPLATE_INDEX" val="20238666"/>
+  <p:tag name="KSO_WM_SLIDE_TYPE" val="text"/>
+  <p:tag name="KSO_WM_TEMPLATE_SUBCATEGORY" val="29"/>
+  <p:tag name="KSO_WM_TEMPLATE_COLOR_TYPE" val="0"/>
+  <p:tag name="KSO_WM_TAG_VERSION" val="3.0"/>
+  <p:tag name="KSO_WM_SLIDE_SUBTYPE" val="pureTxt"/>
+  <p:tag name="KSO_WM_SLIDE_ITEM_CNT" val="0"/>
+  <p:tag name="KSO_WM_SLIDE_INDEX" val="8"/>
+  <p:tag name="KSO_WM_SLIDE_ID" val="custom20238666_8"/>
+  <p:tag name="KSO_WM_TEMPLATE_MASTER_TYPE" val="0"/>
+  <p:tag name="KSO_WM_SLIDE_LAYOUT" val="a_f"/>
+  <p:tag name="KSO_WM_SLIDE_LAYOUT_CNT" val="1_1"/>
+  <p:tag name="KSO_WM_SLIDE_SIZE" val="850*457"/>
+  <p:tag name="KSO_WM_SLIDE_POSITION" val="54*28"/>
+</p:tagLst>
+</file>
+
+<file path=ppt/tags/tag159.xml><?xml version="1.0" encoding="utf-8"?>
+<p:tagLst xmlns:p="http://schemas.openxmlformats.org/presentationml/2006/main">
+  <p:tag name="resource_record_key" val="{&quot;13&quot;:[4364915,4364884],&quot;65&quot;:[20205081]}"/>
 </p:tagLst>
 </file>
 
@@ -4376,160 +12624,659 @@
 
 <file path=ppt/tags/tag63.xml><?xml version="1.0" encoding="utf-8"?>
 <p:tagLst xmlns:p="http://schemas.openxmlformats.org/presentationml/2006/main">
-  <p:tag name="KSO_WM_BEAUTIFY_FLAG" val="#wm#"/>
-  <p:tag name="KSO_WM_TEMPLATE_CATEGORY" val="custom"/>
-  <p:tag name="KSO_WM_TEMPLATE_INDEX" val="20205081"/>
-  <p:tag name="resource_record_key" val="{&quot;13&quot;:[4364915,4364884],&quot;65&quot;:[20205081]}"/>
-</p:tagLst>
-</file>
-
-<file path=ppt/tags/tag64.xml><?xml version="1.0" encoding="utf-8"?>
-<p:tagLst xmlns:p="http://schemas.openxmlformats.org/presentationml/2006/main">
-  <p:tag name="KSO_WM_UNIT_ISCONTENTSTITLE" val="0"/>
+  <p:tag name="KSO_WM_UNIT_TYPE" val="i"/>
+  <p:tag name="KSO_WM_UNIT_INDEX" val="1"/>
+  <p:tag name="KSO_WM_BEAUTIFY_FLAG" val="#wm#"/>
+  <p:tag name="KSO_WM_TAG_VERSION" val="3.0"/>
+  <p:tag name="KSO_WM_UNIT_ID" val="_1*i*1"/>
   <p:tag name="KSO_WM_UNIT_ISNUMDGMTITLE" val="0"/>
   <p:tag name="KSO_WM_UNIT_NOCLEAR" val="0"/>
-  <p:tag name="KSO_WM_UNIT_SHOW_EDIT_AREA_INDICATION" val="1"/>
-  <p:tag name="KSO_WM_UNIT_VALUE" val="28"/>
-  <p:tag name="KSO_WM_UNIT_HIGHLIGHT" val="0"/>
-  <p:tag name="KSO_WM_UNIT_COMPATIBLE" val="0"/>
-  <p:tag name="KSO_WM_UNIT_DIAGRAM_ISNUMVISUAL" val="0"/>
-  <p:tag name="KSO_WM_UNIT_DIAGRAM_ISREFERUNIT" val="0"/>
+  <p:tag name="KSO_WM_UNIT_HIGHLIGHT" val="0"/>
+  <p:tag name="KSO_WM_UNIT_COMPATIBLE" val="0"/>
+  <p:tag name="KSO_WM_UNIT_DIAGRAM_ISNUMVISUAL" val="0"/>
+  <p:tag name="KSO_WM_UNIT_DIAGRAM_ISREFERUNIT" val="0"/>
+  <p:tag name="KSO_WM_UNIT_LAYERLEVEL" val="1"/>
+</p:tagLst>
+</file>
+
+<file path=ppt/tags/tag64.xml><?xml version="1.0" encoding="utf-8"?>
+<p:tagLst xmlns:p="http://schemas.openxmlformats.org/presentationml/2006/main">
+  <p:tag name="KSO_WM_UNIT_TYPE" val="i"/>
+  <p:tag name="KSO_WM_UNIT_INDEX" val="2"/>
+  <p:tag name="KSO_WM_BEAUTIFY_FLAG" val="#wm#"/>
+  <p:tag name="KSO_WM_TAG_VERSION" val="3.0"/>
+  <p:tag name="KSO_WM_UNIT_ID" val="_1*i*2"/>
+  <p:tag name="KSO_WM_UNIT_ISNUMDGMTITLE" val="0"/>
+  <p:tag name="KSO_WM_UNIT_NOCLEAR" val="0"/>
+  <p:tag name="KSO_WM_UNIT_HIGHLIGHT" val="0"/>
+  <p:tag name="KSO_WM_UNIT_COMPATIBLE" val="0"/>
+  <p:tag name="KSO_WM_UNIT_DIAGRAM_ISNUMVISUAL" val="0"/>
+  <p:tag name="KSO_WM_UNIT_DIAGRAM_ISREFERUNIT" val="0"/>
+  <p:tag name="KSO_WM_UNIT_LAYERLEVEL" val="1"/>
+</p:tagLst>
+</file>
+
+<file path=ppt/tags/tag65.xml><?xml version="1.0" encoding="utf-8"?>
+<p:tagLst xmlns:p="http://schemas.openxmlformats.org/presentationml/2006/main">
+  <p:tag name="KSO_WM_UNIT_TYPE" val="i"/>
+  <p:tag name="KSO_WM_UNIT_INDEX" val="3"/>
+  <p:tag name="KSO_WM_BEAUTIFY_FLAG" val="#wm#"/>
+  <p:tag name="KSO_WM_TAG_VERSION" val="3.0"/>
+  <p:tag name="KSO_WM_UNIT_ID" val="_1*i*3"/>
+  <p:tag name="KSO_WM_UNIT_ISNUMDGMTITLE" val="0"/>
+  <p:tag name="KSO_WM_UNIT_NOCLEAR" val="0"/>
+  <p:tag name="KSO_WM_UNIT_HIGHLIGHT" val="0"/>
+  <p:tag name="KSO_WM_UNIT_COMPATIBLE" val="0"/>
+  <p:tag name="KSO_WM_UNIT_DIAGRAM_ISNUMVISUAL" val="0"/>
+  <p:tag name="KSO_WM_UNIT_DIAGRAM_ISREFERUNIT" val="0"/>
+  <p:tag name="KSO_WM_UNIT_LAYERLEVEL" val="1"/>
+</p:tagLst>
+</file>
+
+<file path=ppt/tags/tag66.xml><?xml version="1.0" encoding="utf-8"?>
+<p:tagLst xmlns:p="http://schemas.openxmlformats.org/presentationml/2006/main">
   <p:tag name="KSO_WM_UNIT_TYPE" val="a"/>
   <p:tag name="KSO_WM_UNIT_INDEX" val="1"/>
-  <p:tag name="KSO_WM_UNIT_ID" val="custom20205081_1*a*1"/>
-  <p:tag name="KSO_WM_TEMPLATE_CATEGORY" val="custom"/>
-  <p:tag name="KSO_WM_TEMPLATE_INDEX" val="20205081"/>
-  <p:tag name="KSO_WM_UNIT_LAYERLEVEL" val="1"/>
-  <p:tag name="KSO_WM_TAG_VERSION" val="1.0"/>
-  <p:tag name="KSO_WM_BEAUTIFY_FLAG" val="#wm#"/>
-</p:tagLst>
-</file>
-
-<file path=ppt/tags/tag65.xml><?xml version="1.0" encoding="utf-8"?>
-<p:tagLst xmlns:p="http://schemas.openxmlformats.org/presentationml/2006/main">
-  <p:tag name="KSO_WM_UNIT_ISCONTENTSTITLE" val="0"/>
+  <p:tag name="KSO_WM_BEAUTIFY_FLAG" val="#wm#"/>
+  <p:tag name="KSO_WM_TAG_VERSION" val="3.0"/>
+  <p:tag name="KSO_WM_UNIT_PRESET_TEXT" val="单击此处编辑母版标题样式"/>
+  <p:tag name="KSO_WM_UNIT_ID" val="_1*a*1"/>
   <p:tag name="KSO_WM_UNIT_ISNUMDGMTITLE" val="0"/>
   <p:tag name="KSO_WM_UNIT_NOCLEAR" val="0"/>
-  <p:tag name="KSO_WM_UNIT_SHOW_EDIT_AREA_INDICATION" val="1"/>
-  <p:tag name="KSO_WM_UNIT_VALUE" val="111"/>
-  <p:tag name="KSO_WM_UNIT_HIGHLIGHT" val="0"/>
-  <p:tag name="KSO_WM_UNIT_COMPATIBLE" val="0"/>
-  <p:tag name="KSO_WM_UNIT_DIAGRAM_ISNUMVISUAL" val="0"/>
-  <p:tag name="KSO_WM_UNIT_DIAGRAM_ISREFERUNIT" val="0"/>
-  <p:tag name="KSO_WM_UNIT_TYPE" val="b"/>
+  <p:tag name="KSO_WM_UNIT_HIGHLIGHT" val="0"/>
+  <p:tag name="KSO_WM_UNIT_COMPATIBLE" val="0"/>
+  <p:tag name="KSO_WM_UNIT_DIAGRAM_ISNUMVISUAL" val="0"/>
+  <p:tag name="KSO_WM_UNIT_DIAGRAM_ISREFERUNIT" val="0"/>
+  <p:tag name="KSO_WM_UNIT_LAYERLEVEL" val="1"/>
+  <p:tag name="KSO_WM_UNIT_ISCONTENTSTITLE" val="0"/>
+  <p:tag name="KSO_WM_UNIT_VALUE" val="39"/>
+</p:tagLst>
+</file>
+
+<file path=ppt/tags/tag67.xml><?xml version="1.0" encoding="utf-8"?>
+<p:tagLst xmlns:p="http://schemas.openxmlformats.org/presentationml/2006/main">
+  <p:tag name="KSO_WM_UNIT_ID" val="_1**"/>
+  <p:tag name="KSO_WM_BEAUTIFY_FLAG" val="#wm#"/>
+  <p:tag name="KSO_WM_TAG_VERSION" val="3.0"/>
+  <p:tag name="KSO_WM_UNIT_ISNUMDGMTITLE" val="0"/>
+  <p:tag name="KSO_WM_UNIT_NOCLEAR" val="0"/>
+  <p:tag name="KSO_WM_UNIT_HIGHLIGHT" val="0"/>
+  <p:tag name="KSO_WM_UNIT_COMPATIBLE" val="0"/>
+  <p:tag name="KSO_WM_UNIT_DIAGRAM_ISNUMVISUAL" val="0"/>
+  <p:tag name="KSO_WM_UNIT_DIAGRAM_ISREFERUNIT" val="0"/>
+  <p:tag name="KSO_WM_UNIT_LAYERLEVEL" val="1"/>
+</p:tagLst>
+</file>
+
+<file path=ppt/tags/tag68.xml><?xml version="1.0" encoding="utf-8"?>
+<p:tagLst xmlns:p="http://schemas.openxmlformats.org/presentationml/2006/main">
+  <p:tag name="KSO_WM_UNIT_ID" val="_1**"/>
+  <p:tag name="KSO_WM_BEAUTIFY_FLAG" val="#wm#"/>
+  <p:tag name="KSO_WM_TAG_VERSION" val="3.0"/>
+  <p:tag name="KSO_WM_UNIT_ISNUMDGMTITLE" val="0"/>
+  <p:tag name="KSO_WM_UNIT_NOCLEAR" val="0"/>
+  <p:tag name="KSO_WM_UNIT_HIGHLIGHT" val="0"/>
+  <p:tag name="KSO_WM_UNIT_COMPATIBLE" val="0"/>
+  <p:tag name="KSO_WM_UNIT_DIAGRAM_ISNUMVISUAL" val="0"/>
+  <p:tag name="KSO_WM_UNIT_DIAGRAM_ISREFERUNIT" val="0"/>
+  <p:tag name="KSO_WM_UNIT_LAYERLEVEL" val="1"/>
+</p:tagLst>
+</file>
+
+<file path=ppt/tags/tag69.xml><?xml version="1.0" encoding="utf-8"?>
+<p:tagLst xmlns:p="http://schemas.openxmlformats.org/presentationml/2006/main">
+  <p:tag name="KSO_WM_UNIT_ID" val="_1**"/>
+  <p:tag name="KSO_WM_BEAUTIFY_FLAG" val="#wm#"/>
+  <p:tag name="KSO_WM_TAG_VERSION" val="3.0"/>
+  <p:tag name="KSO_WM_UNIT_ISNUMDGMTITLE" val="0"/>
+  <p:tag name="KSO_WM_UNIT_NOCLEAR" val="0"/>
+  <p:tag name="KSO_WM_UNIT_HIGHLIGHT" val="0"/>
+  <p:tag name="KSO_WM_UNIT_COMPATIBLE" val="0"/>
+  <p:tag name="KSO_WM_UNIT_DIAGRAM_ISNUMVISUAL" val="0"/>
+  <p:tag name="KSO_WM_UNIT_DIAGRAM_ISREFERUNIT" val="0"/>
+  <p:tag name="KSO_WM_UNIT_LAYERLEVEL" val="1"/>
+</p:tagLst>
+</file>
+
+<file path=ppt/tags/tag7.xml><?xml version="1.0" encoding="utf-8"?>
+<p:tagLst xmlns:p="http://schemas.openxmlformats.org/presentationml/2006/main">
+  <p:tag name="KSO_WM_UNIT_HIGHLIGHT" val="0"/>
+  <p:tag name="KSO_WM_UNIT_COMPATIBLE" val="0"/>
+  <p:tag name="KSO_WM_UNIT_DIAGRAM_ISNUMVISUAL" val="0"/>
+  <p:tag name="KSO_WM_UNIT_DIAGRAM_ISREFERUNIT" val="0"/>
+  <p:tag name="KSO_WM_UNIT_ID" val="_2**"/>
+  <p:tag name="KSO_WM_UNIT_LAYERLEVEL" val="1"/>
+  <p:tag name="KSO_WM_TAG_VERSION" val="1.0"/>
+  <p:tag name="KSO_WM_BEAUTIFY_FLAG" val="#wm#"/>
+</p:tagLst>
+</file>
+
+<file path=ppt/tags/tag70.xml><?xml version="1.0" encoding="utf-8"?>
+<p:tagLst xmlns:p="http://schemas.openxmlformats.org/presentationml/2006/main">
+  <p:tag name="KSO_WM_UNIT_TYPE" val="f"/>
+  <p:tag name="KSO_WM_UNIT_SUBTYPE" val="b"/>
   <p:tag name="KSO_WM_UNIT_INDEX" val="1"/>
-  <p:tag name="KSO_WM_UNIT_ID" val="custom20205081_1*b*1"/>
-  <p:tag name="KSO_WM_TEMPLATE_CATEGORY" val="custom"/>
-  <p:tag name="KSO_WM_TEMPLATE_INDEX" val="20205081"/>
+  <p:tag name="KSO_WM_BEAUTIFY_FLAG" val="#wm#"/>
+  <p:tag name="KSO_WM_TAG_VERSION" val="3.0"/>
+  <p:tag name="KSO_WM_UNIT_PRESET_TEXT" val="署名"/>
+  <p:tag name="KSO_WM_UNIT_ID" val="_1*f*1"/>
+  <p:tag name="KSO_WM_UNIT_ISNUMDGMTITLE" val="0"/>
+  <p:tag name="KSO_WM_UNIT_NOCLEAR" val="0"/>
+  <p:tag name="KSO_WM_UNIT_HIGHLIGHT" val="0"/>
+  <p:tag name="KSO_WM_UNIT_COMPATIBLE" val="0"/>
+  <p:tag name="KSO_WM_UNIT_DIAGRAM_ISNUMVISUAL" val="0"/>
+  <p:tag name="KSO_WM_UNIT_DIAGRAM_ISREFERUNIT" val="0"/>
+  <p:tag name="KSO_WM_UNIT_LAYERLEVEL" val="1"/>
+  <p:tag name="KSO_WM_UNIT_TEXT_LAYER_COUNT" val="1"/>
+</p:tagLst>
+</file>
+
+<file path=ppt/tags/tag71.xml><?xml version="1.0" encoding="utf-8"?>
+<p:tagLst xmlns:p="http://schemas.openxmlformats.org/presentationml/2006/main">
+  <p:tag name="KSO_WM_UNIT_TYPE" val="a"/>
+  <p:tag name="KSO_WM_UNIT_INDEX" val="1"/>
+  <p:tag name="KSO_WM_BEAUTIFY_FLAG" val="#wm#"/>
+  <p:tag name="KSO_WM_TAG_VERSION" val="3.0"/>
+  <p:tag name="KSO_WM_UNIT_PRESET_TEXT" val="单击此处编辑母版标题样式"/>
+  <p:tag name="KSO_WM_UNIT_ID" val="_2*a*1"/>
+  <p:tag name="KSO_WM_UNIT_ISNUMDGMTITLE" val="0"/>
+  <p:tag name="KSO_WM_UNIT_NOCLEAR" val="0"/>
+  <p:tag name="KSO_WM_UNIT_HIGHLIGHT" val="0"/>
+  <p:tag name="KSO_WM_UNIT_COMPATIBLE" val="0"/>
+  <p:tag name="KSO_WM_UNIT_DIAGRAM_ISNUMVISUAL" val="0"/>
+  <p:tag name="KSO_WM_UNIT_DIAGRAM_ISREFERUNIT" val="0"/>
+  <p:tag name="KSO_WM_UNIT_LAYERLEVEL" val="1"/>
+  <p:tag name="KSO_WM_UNIT_ISCONTENTSTITLE" val="0"/>
+</p:tagLst>
+</file>
+
+<file path=ppt/tags/tag72.xml><?xml version="1.0" encoding="utf-8"?>
+<p:tagLst xmlns:p="http://schemas.openxmlformats.org/presentationml/2006/main">
+  <p:tag name="KSO_WM_UNIT_TYPE" val="f"/>
+  <p:tag name="KSO_WM_UNIT_SUBTYPE" val="a"/>
+  <p:tag name="KSO_WM_UNIT_INDEX" val="1"/>
+  <p:tag name="KSO_WM_BEAUTIFY_FLAG" val="#wm#"/>
+  <p:tag name="KSO_WM_TAG_VERSION" val="3.0"/>
+  <p:tag name="KSO_WM_UNIT_PRESET_TEXT" val="单击此处编辑母版文本样式&#10;第二级&#10;第三级&#10;第四级&#10;第五级"/>
+  <p:tag name="KSO_WM_UNIT_ID" val="_2*f*1"/>
+  <p:tag name="KSO_WM_UNIT_ISNUMDGMTITLE" val="0"/>
+  <p:tag name="KSO_WM_UNIT_NOCLEAR" val="0"/>
+  <p:tag name="KSO_WM_UNIT_HIGHLIGHT" val="0"/>
+  <p:tag name="KSO_WM_UNIT_COMPATIBLE" val="0"/>
+  <p:tag name="KSO_WM_UNIT_DIAGRAM_ISNUMVISUAL" val="0"/>
+  <p:tag name="KSO_WM_UNIT_DIAGRAM_ISREFERUNIT" val="0"/>
+  <p:tag name="KSO_WM_UNIT_LAYERLEVEL" val="1"/>
+  <p:tag name="KSO_WM_UNIT_TEXT_LAYER_COUNT" val="1"/>
+</p:tagLst>
+</file>
+
+<file path=ppt/tags/tag73.xml><?xml version="1.0" encoding="utf-8"?>
+<p:tagLst xmlns:p="http://schemas.openxmlformats.org/presentationml/2006/main">
+  <p:tag name="KSO_WM_UNIT_ID" val="_2**"/>
+  <p:tag name="KSO_WM_BEAUTIFY_FLAG" val="#wm#"/>
+  <p:tag name="KSO_WM_TAG_VERSION" val="3.0"/>
+  <p:tag name="KSO_WM_UNIT_ISNUMDGMTITLE" val="0"/>
+  <p:tag name="KSO_WM_UNIT_NOCLEAR" val="0"/>
+  <p:tag name="KSO_WM_UNIT_HIGHLIGHT" val="0"/>
+  <p:tag name="KSO_WM_UNIT_COMPATIBLE" val="0"/>
+  <p:tag name="KSO_WM_UNIT_DIAGRAM_ISNUMVISUAL" val="0"/>
+  <p:tag name="KSO_WM_UNIT_DIAGRAM_ISREFERUNIT" val="0"/>
+  <p:tag name="KSO_WM_UNIT_LAYERLEVEL" val="1"/>
+</p:tagLst>
+</file>
+
+<file path=ppt/tags/tag74.xml><?xml version="1.0" encoding="utf-8"?>
+<p:tagLst xmlns:p="http://schemas.openxmlformats.org/presentationml/2006/main">
+  <p:tag name="KSO_WM_UNIT_ID" val="_2**"/>
+  <p:tag name="KSO_WM_BEAUTIFY_FLAG" val="#wm#"/>
+  <p:tag name="KSO_WM_TAG_VERSION" val="3.0"/>
+  <p:tag name="KSO_WM_UNIT_ISNUMDGMTITLE" val="0"/>
+  <p:tag name="KSO_WM_UNIT_NOCLEAR" val="0"/>
+  <p:tag name="KSO_WM_UNIT_HIGHLIGHT" val="0"/>
+  <p:tag name="KSO_WM_UNIT_COMPATIBLE" val="0"/>
+  <p:tag name="KSO_WM_UNIT_DIAGRAM_ISNUMVISUAL" val="0"/>
+  <p:tag name="KSO_WM_UNIT_DIAGRAM_ISREFERUNIT" val="0"/>
+  <p:tag name="KSO_WM_UNIT_LAYERLEVEL" val="1"/>
+</p:tagLst>
+</file>
+
+<file path=ppt/tags/tag75.xml><?xml version="1.0" encoding="utf-8"?>
+<p:tagLst xmlns:p="http://schemas.openxmlformats.org/presentationml/2006/main">
+  <p:tag name="KSO_WM_UNIT_ID" val="_2**"/>
+  <p:tag name="KSO_WM_BEAUTIFY_FLAG" val="#wm#"/>
+  <p:tag name="KSO_WM_TAG_VERSION" val="3.0"/>
+  <p:tag name="KSO_WM_UNIT_ISNUMDGMTITLE" val="0"/>
+  <p:tag name="KSO_WM_UNIT_NOCLEAR" val="0"/>
+  <p:tag name="KSO_WM_UNIT_HIGHLIGHT" val="0"/>
+  <p:tag name="KSO_WM_UNIT_COMPATIBLE" val="0"/>
+  <p:tag name="KSO_WM_UNIT_DIAGRAM_ISNUMVISUAL" val="0"/>
+  <p:tag name="KSO_WM_UNIT_DIAGRAM_ISREFERUNIT" val="0"/>
+  <p:tag name="KSO_WM_UNIT_LAYERLEVEL" val="1"/>
+</p:tagLst>
+</file>
+
+<file path=ppt/tags/tag76.xml><?xml version="1.0" encoding="utf-8"?>
+<p:tagLst xmlns:p="http://schemas.openxmlformats.org/presentationml/2006/main">
+  <p:tag name="KSO_WM_UNIT_TYPE" val="i"/>
+  <p:tag name="KSO_WM_UNIT_INDEX" val="1"/>
+  <p:tag name="KSO_WM_BEAUTIFY_FLAG" val="#wm#"/>
+  <p:tag name="KSO_WM_TAG_VERSION" val="3.0"/>
+  <p:tag name="KSO_WM_UNIT_ID" val="_3*i*1"/>
+  <p:tag name="KSO_WM_UNIT_ISNUMDGMTITLE" val="0"/>
+  <p:tag name="KSO_WM_UNIT_NOCLEAR" val="0"/>
+  <p:tag name="KSO_WM_UNIT_HIGHLIGHT" val="0"/>
+  <p:tag name="KSO_WM_UNIT_COMPATIBLE" val="0"/>
+  <p:tag name="KSO_WM_UNIT_DIAGRAM_ISNUMVISUAL" val="0"/>
+  <p:tag name="KSO_WM_UNIT_DIAGRAM_ISREFERUNIT" val="0"/>
+  <p:tag name="KSO_WM_UNIT_LAYERLEVEL" val="1"/>
+</p:tagLst>
+</file>
+
+<file path=ppt/tags/tag77.xml><?xml version="1.0" encoding="utf-8"?>
+<p:tagLst xmlns:p="http://schemas.openxmlformats.org/presentationml/2006/main">
+  <p:tag name="KSO_WM_UNIT_TYPE" val="i"/>
+  <p:tag name="KSO_WM_UNIT_INDEX" val="2"/>
+  <p:tag name="KSO_WM_BEAUTIFY_FLAG" val="#wm#"/>
+  <p:tag name="KSO_WM_TAG_VERSION" val="3.0"/>
+  <p:tag name="KSO_WM_UNIT_ID" val="_3*i*2"/>
+  <p:tag name="KSO_WM_UNIT_ISNUMDGMTITLE" val="0"/>
+  <p:tag name="KSO_WM_UNIT_NOCLEAR" val="0"/>
+  <p:tag name="KSO_WM_UNIT_HIGHLIGHT" val="0"/>
+  <p:tag name="KSO_WM_UNIT_COMPATIBLE" val="0"/>
+  <p:tag name="KSO_WM_UNIT_DIAGRAM_ISNUMVISUAL" val="0"/>
+  <p:tag name="KSO_WM_UNIT_DIAGRAM_ISREFERUNIT" val="0"/>
+  <p:tag name="KSO_WM_UNIT_LAYERLEVEL" val="1"/>
+</p:tagLst>
+</file>
+
+<file path=ppt/tags/tag78.xml><?xml version="1.0" encoding="utf-8"?>
+<p:tagLst xmlns:p="http://schemas.openxmlformats.org/presentationml/2006/main">
+  <p:tag name="KSO_WM_UNIT_TYPE" val="i"/>
+  <p:tag name="KSO_WM_UNIT_INDEX" val="3"/>
+  <p:tag name="KSO_WM_BEAUTIFY_FLAG" val="#wm#"/>
+  <p:tag name="KSO_WM_TAG_VERSION" val="3.0"/>
+  <p:tag name="KSO_WM_UNIT_ID" val="_3*i*3"/>
+  <p:tag name="KSO_WM_UNIT_ISNUMDGMTITLE" val="0"/>
+  <p:tag name="KSO_WM_UNIT_NOCLEAR" val="0"/>
+  <p:tag name="KSO_WM_UNIT_HIGHLIGHT" val="0"/>
+  <p:tag name="KSO_WM_UNIT_COMPATIBLE" val="0"/>
+  <p:tag name="KSO_WM_UNIT_DIAGRAM_ISNUMVISUAL" val="0"/>
+  <p:tag name="KSO_WM_UNIT_DIAGRAM_ISREFERUNIT" val="0"/>
+  <p:tag name="KSO_WM_UNIT_LAYERLEVEL" val="1"/>
+</p:tagLst>
+</file>
+
+<file path=ppt/tags/tag79.xml><?xml version="1.0" encoding="utf-8"?>
+<p:tagLst xmlns:p="http://schemas.openxmlformats.org/presentationml/2006/main">
+  <p:tag name="KSO_WM_UNIT_TYPE" val="a"/>
+  <p:tag name="KSO_WM_UNIT_INDEX" val="1"/>
+  <p:tag name="KSO_WM_BEAUTIFY_FLAG" val="#wm#"/>
+  <p:tag name="KSO_WM_TAG_VERSION" val="3.0"/>
+  <p:tag name="KSO_WM_UNIT_PRESET_TEXT" val="标题"/>
+  <p:tag name="KSO_WM_UNIT_ID" val="_3*a*1"/>
+  <p:tag name="KSO_WM_UNIT_ISNUMDGMTITLE" val="0"/>
+  <p:tag name="KSO_WM_UNIT_NOCLEAR" val="0"/>
+  <p:tag name="KSO_WM_UNIT_HIGHLIGHT" val="0"/>
+  <p:tag name="KSO_WM_UNIT_COMPATIBLE" val="0"/>
+  <p:tag name="KSO_WM_UNIT_DIAGRAM_ISNUMVISUAL" val="0"/>
+  <p:tag name="KSO_WM_UNIT_DIAGRAM_ISREFERUNIT" val="0"/>
+  <p:tag name="KSO_WM_UNIT_LAYERLEVEL" val="1"/>
+  <p:tag name="KSO_WM_UNIT_ISCONTENTSTITLE" val="1"/>
+  <p:tag name="KSO_WM_UNIT_VALUE" val="3"/>
+</p:tagLst>
+</file>
+
+<file path=ppt/tags/tag8.xml><?xml version="1.0" encoding="utf-8"?>
+<p:tagLst xmlns:p="http://schemas.openxmlformats.org/presentationml/2006/main">
+  <p:tag name="KSO_WM_UNIT_HIGHLIGHT" val="0"/>
+  <p:tag name="KSO_WM_UNIT_COMPATIBLE" val="0"/>
+  <p:tag name="KSO_WM_UNIT_DIAGRAM_ISNUMVISUAL" val="0"/>
+  <p:tag name="KSO_WM_UNIT_DIAGRAM_ISREFERUNIT" val="0"/>
+  <p:tag name="KSO_WM_UNIT_ID" val="_2**"/>
   <p:tag name="KSO_WM_UNIT_LAYERLEVEL" val="1"/>
   <p:tag name="KSO_WM_TAG_VERSION" val="1.0"/>
   <p:tag name="KSO_WM_BEAUTIFY_FLAG" val="#wm#"/>
 </p:tagLst>
 </file>
 
-<file path=ppt/tags/tag66.xml><?xml version="1.0" encoding="utf-8"?>
-<p:tagLst xmlns:p="http://schemas.openxmlformats.org/presentationml/2006/main">
-  <p:tag name="KSO_WM_SLIDE_ID" val="custom20205081_1"/>
-  <p:tag name="KSO_WM_TEMPLATE_SUBCATEGORY" val="19"/>
-  <p:tag name="KSO_WM_TEMPLATE_MASTER_TYPE" val="0"/>
-  <p:tag name="KSO_WM_TEMPLATE_COLOR_TYPE" val="1"/>
-  <p:tag name="KSO_WM_SLIDE_TYPE" val="title"/>
-  <p:tag name="KSO_WM_SLIDE_SUBTYPE" val="defaultBlank"/>
-  <p:tag name="KSO_WM_SLIDE_ITEM_CNT" val="0"/>
-  <p:tag name="KSO_WM_SLIDE_INDEX" val="1"/>
+<file path=ppt/tags/tag80.xml><?xml version="1.0" encoding="utf-8"?>
+<p:tagLst xmlns:p="http://schemas.openxmlformats.org/presentationml/2006/main">
+  <p:tag name="KSO_WM_UNIT_ID" val="_3**"/>
+  <p:tag name="KSO_WM_BEAUTIFY_FLAG" val="#wm#"/>
+  <p:tag name="KSO_WM_TAG_VERSION" val="3.0"/>
+  <p:tag name="KSO_WM_UNIT_ISNUMDGMTITLE" val="0"/>
+  <p:tag name="KSO_WM_UNIT_NOCLEAR" val="0"/>
+  <p:tag name="KSO_WM_UNIT_HIGHLIGHT" val="0"/>
+  <p:tag name="KSO_WM_UNIT_COMPATIBLE" val="0"/>
+  <p:tag name="KSO_WM_UNIT_DIAGRAM_ISNUMVISUAL" val="0"/>
+  <p:tag name="KSO_WM_UNIT_DIAGRAM_ISREFERUNIT" val="0"/>
+  <p:tag name="KSO_WM_UNIT_LAYERLEVEL" val="1"/>
+</p:tagLst>
+</file>
+
+<file path=ppt/tags/tag81.xml><?xml version="1.0" encoding="utf-8"?>
+<p:tagLst xmlns:p="http://schemas.openxmlformats.org/presentationml/2006/main">
+  <p:tag name="KSO_WM_UNIT_ID" val="_3**"/>
+  <p:tag name="KSO_WM_BEAUTIFY_FLAG" val="#wm#"/>
+  <p:tag name="KSO_WM_TAG_VERSION" val="3.0"/>
+  <p:tag name="KSO_WM_UNIT_ISNUMDGMTITLE" val="0"/>
+  <p:tag name="KSO_WM_UNIT_NOCLEAR" val="0"/>
+  <p:tag name="KSO_WM_UNIT_HIGHLIGHT" val="0"/>
+  <p:tag name="KSO_WM_UNIT_COMPATIBLE" val="0"/>
+  <p:tag name="KSO_WM_UNIT_DIAGRAM_ISNUMVISUAL" val="0"/>
+  <p:tag name="KSO_WM_UNIT_DIAGRAM_ISREFERUNIT" val="0"/>
+  <p:tag name="KSO_WM_UNIT_LAYERLEVEL" val="1"/>
+</p:tagLst>
+</file>
+
+<file path=ppt/tags/tag82.xml><?xml version="1.0" encoding="utf-8"?>
+<p:tagLst xmlns:p="http://schemas.openxmlformats.org/presentationml/2006/main">
+  <p:tag name="KSO_WM_UNIT_ID" val="_3**"/>
+  <p:tag name="KSO_WM_BEAUTIFY_FLAG" val="#wm#"/>
+  <p:tag name="KSO_WM_TAG_VERSION" val="3.0"/>
+  <p:tag name="KSO_WM_UNIT_ISNUMDGMTITLE" val="0"/>
+  <p:tag name="KSO_WM_UNIT_NOCLEAR" val="0"/>
+  <p:tag name="KSO_WM_UNIT_HIGHLIGHT" val="0"/>
+  <p:tag name="KSO_WM_UNIT_COMPATIBLE" val="0"/>
+  <p:tag name="KSO_WM_UNIT_DIAGRAM_ISNUMVISUAL" val="0"/>
+  <p:tag name="KSO_WM_UNIT_DIAGRAM_ISREFERUNIT" val="0"/>
+  <p:tag name="KSO_WM_UNIT_LAYERLEVEL" val="1"/>
+</p:tagLst>
+</file>
+
+<file path=ppt/tags/tag83.xml><?xml version="1.0" encoding="utf-8"?>
+<p:tagLst xmlns:p="http://schemas.openxmlformats.org/presentationml/2006/main">
+  <p:tag name="KSO_WM_UNIT_TYPE" val="i"/>
+  <p:tag name="KSO_WM_UNIT_INDEX" val="9"/>
+  <p:tag name="KSO_WM_BEAUTIFY_FLAG" val="#wm#"/>
+  <p:tag name="KSO_WM_TAG_VERSION" val="3.0"/>
+  <p:tag name="KSO_WM_UNIT_ID" val="_3*i*9"/>
+  <p:tag name="KSO_WM_UNIT_ISNUMDGMTITLE" val="0"/>
+  <p:tag name="KSO_WM_UNIT_NOCLEAR" val="0"/>
+  <p:tag name="KSO_WM_UNIT_HIGHLIGHT" val="0"/>
+  <p:tag name="KSO_WM_UNIT_COMPATIBLE" val="0"/>
+  <p:tag name="KSO_WM_UNIT_DIAGRAM_ISNUMVISUAL" val="0"/>
+  <p:tag name="KSO_WM_UNIT_DIAGRAM_ISREFERUNIT" val="0"/>
+  <p:tag name="KSO_WM_UNIT_LAYERLEVEL" val="1"/>
+</p:tagLst>
+</file>
+
+<file path=ppt/tags/tag84.xml><?xml version="1.0" encoding="utf-8"?>
+<p:tagLst xmlns:p="http://schemas.openxmlformats.org/presentationml/2006/main">
+  <p:tag name="KSO_WM_UNIT_TYPE" val="i"/>
+  <p:tag name="KSO_WM_UNIT_INDEX" val="10"/>
+  <p:tag name="KSO_WM_BEAUTIFY_FLAG" val="#wm#"/>
+  <p:tag name="KSO_WM_TAG_VERSION" val="3.0"/>
+  <p:tag name="KSO_WM_UNIT_ID" val="_3*i*10"/>
+  <p:tag name="KSO_WM_UNIT_ISNUMDGMTITLE" val="0"/>
+  <p:tag name="KSO_WM_UNIT_NOCLEAR" val="0"/>
+  <p:tag name="KSO_WM_UNIT_HIGHLIGHT" val="0"/>
+  <p:tag name="KSO_WM_UNIT_COMPATIBLE" val="0"/>
+  <p:tag name="KSO_WM_UNIT_DIAGRAM_ISNUMVISUAL" val="0"/>
+  <p:tag name="KSO_WM_UNIT_DIAGRAM_ISREFERUNIT" val="0"/>
+  <p:tag name="KSO_WM_UNIT_LAYERLEVEL" val="1"/>
+</p:tagLst>
+</file>
+
+<file path=ppt/tags/tag85.xml><?xml version="1.0" encoding="utf-8"?>
+<p:tagLst xmlns:p="http://schemas.openxmlformats.org/presentationml/2006/main">
+  <p:tag name="KSO_WM_UNIT_TYPE" val="i"/>
+  <p:tag name="KSO_WM_UNIT_INDEX" val="6"/>
+  <p:tag name="KSO_WM_BEAUTIFY_FLAG" val="#wm#"/>
+  <p:tag name="KSO_WM_TAG_VERSION" val="3.0"/>
+  <p:tag name="KSO_WM_UNIT_ID" val="_3*i*6"/>
+  <p:tag name="KSO_WM_UNIT_ISNUMDGMTITLE" val="0"/>
+  <p:tag name="KSO_WM_UNIT_NOCLEAR" val="0"/>
+  <p:tag name="KSO_WM_UNIT_HIGHLIGHT" val="0"/>
+  <p:tag name="KSO_WM_UNIT_COMPATIBLE" val="0"/>
+  <p:tag name="KSO_WM_UNIT_DIAGRAM_ISNUMVISUAL" val="0"/>
+  <p:tag name="KSO_WM_UNIT_DIAGRAM_ISREFERUNIT" val="0"/>
+  <p:tag name="KSO_WM_UNIT_LAYERLEVEL" val="1"/>
+</p:tagLst>
+</file>
+
+<file path=ppt/tags/tag86.xml><?xml version="1.0" encoding="utf-8"?>
+<p:tagLst xmlns:p="http://schemas.openxmlformats.org/presentationml/2006/main">
+  <p:tag name="KSO_WM_UNIT_TYPE" val="i"/>
+  <p:tag name="KSO_WM_UNIT_INDEX" val="7"/>
+  <p:tag name="KSO_WM_BEAUTIFY_FLAG" val="#wm#"/>
+  <p:tag name="KSO_WM_TAG_VERSION" val="3.0"/>
+  <p:tag name="KSO_WM_UNIT_ID" val="_3*i*7"/>
+  <p:tag name="KSO_WM_UNIT_ISNUMDGMTITLE" val="0"/>
+  <p:tag name="KSO_WM_UNIT_NOCLEAR" val="0"/>
+  <p:tag name="KSO_WM_UNIT_HIGHLIGHT" val="0"/>
+  <p:tag name="KSO_WM_UNIT_COMPATIBLE" val="0"/>
+  <p:tag name="KSO_WM_UNIT_DIAGRAM_ISNUMVISUAL" val="0"/>
+  <p:tag name="KSO_WM_UNIT_DIAGRAM_ISREFERUNIT" val="0"/>
+  <p:tag name="KSO_WM_UNIT_LAYERLEVEL" val="1"/>
+</p:tagLst>
+</file>
+
+<file path=ppt/tags/tag87.xml><?xml version="1.0" encoding="utf-8"?>
+<p:tagLst xmlns:p="http://schemas.openxmlformats.org/presentationml/2006/main">
+  <p:tag name="KSO_WM_UNIT_TYPE" val="i"/>
+  <p:tag name="KSO_WM_UNIT_INDEX" val="8"/>
+  <p:tag name="KSO_WM_BEAUTIFY_FLAG" val="#wm#"/>
+  <p:tag name="KSO_WM_TAG_VERSION" val="3.0"/>
+  <p:tag name="KSO_WM_UNIT_ID" val="_3*i*8"/>
+  <p:tag name="KSO_WM_UNIT_ISNUMDGMTITLE" val="0"/>
+  <p:tag name="KSO_WM_UNIT_NOCLEAR" val="0"/>
+  <p:tag name="KSO_WM_UNIT_HIGHLIGHT" val="0"/>
+  <p:tag name="KSO_WM_UNIT_COMPATIBLE" val="0"/>
+  <p:tag name="KSO_WM_UNIT_DIAGRAM_ISNUMVISUAL" val="0"/>
+  <p:tag name="KSO_WM_UNIT_DIAGRAM_ISREFERUNIT" val="0"/>
+  <p:tag name="KSO_WM_UNIT_LAYERLEVEL" val="1"/>
+</p:tagLst>
+</file>
+
+<file path=ppt/tags/tag88.xml><?xml version="1.0" encoding="utf-8"?>
+<p:tagLst xmlns:p="http://schemas.openxmlformats.org/presentationml/2006/main">
+  <p:tag name="KSO_WM_UNIT_TYPE" val="i"/>
+  <p:tag name="KSO_WM_UNIT_INDEX" val="11"/>
+  <p:tag name="KSO_WM_BEAUTIFY_FLAG" val="#wm#"/>
+  <p:tag name="KSO_WM_TAG_VERSION" val="3.0"/>
+  <p:tag name="KSO_WM_UNIT_ID" val="_3*i*11"/>
+  <p:tag name="KSO_WM_UNIT_ISNUMDGMTITLE" val="0"/>
+  <p:tag name="KSO_WM_UNIT_NOCLEAR" val="0"/>
+  <p:tag name="KSO_WM_UNIT_HIGHLIGHT" val="0"/>
+  <p:tag name="KSO_WM_UNIT_COMPATIBLE" val="0"/>
+  <p:tag name="KSO_WM_UNIT_DIAGRAM_ISNUMVISUAL" val="0"/>
+  <p:tag name="KSO_WM_UNIT_DIAGRAM_ISREFERUNIT" val="0"/>
+  <p:tag name="KSO_WM_UNIT_LAYERLEVEL" val="1"/>
+</p:tagLst>
+</file>
+
+<file path=ppt/tags/tag89.xml><?xml version="1.0" encoding="utf-8"?>
+<p:tagLst xmlns:p="http://schemas.openxmlformats.org/presentationml/2006/main">
+  <p:tag name="KSO_WM_UNIT_TYPE" val="i"/>
+  <p:tag name="KSO_WM_UNIT_INDEX" val="12"/>
+  <p:tag name="KSO_WM_BEAUTIFY_FLAG" val="#wm#"/>
+  <p:tag name="KSO_WM_TAG_VERSION" val="3.0"/>
+  <p:tag name="KSO_WM_UNIT_ID" val="_3*i*12"/>
+  <p:tag name="KSO_WM_UNIT_ISNUMDGMTITLE" val="0"/>
+  <p:tag name="KSO_WM_UNIT_NOCLEAR" val="0"/>
+  <p:tag name="KSO_WM_UNIT_HIGHLIGHT" val="0"/>
+  <p:tag name="KSO_WM_UNIT_COMPATIBLE" val="0"/>
+  <p:tag name="KSO_WM_UNIT_DIAGRAM_ISNUMVISUAL" val="0"/>
+  <p:tag name="KSO_WM_UNIT_DIAGRAM_ISREFERUNIT" val="0"/>
+  <p:tag name="KSO_WM_UNIT_LAYERLEVEL" val="1"/>
+</p:tagLst>
+</file>
+
+<file path=ppt/tags/tag9.xml><?xml version="1.0" encoding="utf-8"?>
+<p:tagLst xmlns:p="http://schemas.openxmlformats.org/presentationml/2006/main">
+  <p:tag name="KSO_WM_UNIT_HIGHLIGHT" val="0"/>
+  <p:tag name="KSO_WM_UNIT_COMPATIBLE" val="0"/>
+  <p:tag name="KSO_WM_UNIT_DIAGRAM_ISNUMVISUAL" val="0"/>
+  <p:tag name="KSO_WM_UNIT_DIAGRAM_ISREFERUNIT" val="0"/>
+  <p:tag name="KSO_WM_UNIT_ID" val="_2**"/>
+  <p:tag name="KSO_WM_UNIT_LAYERLEVEL" val="1"/>
   <p:tag name="KSO_WM_TAG_VERSION" val="1.0"/>
   <p:tag name="KSO_WM_BEAUTIFY_FLAG" val="#wm#"/>
-  <p:tag name="KSO_WM_TEMPLATE_CATEGORY" val="custom"/>
-  <p:tag name="KSO_WM_TEMPLATE_INDEX" val="20205081"/>
-  <p:tag name="KSO_WM_SLIDE_LAYOUT" val="a_b"/>
-  <p:tag name="KSO_WM_SLIDE_LAYOUT_CNT" val="1_1"/>
-  <p:tag name="KSO_WM_UNIT_SHOW_EDIT_AREA_INDICATION" val="1"/>
-  <p:tag name="KSO_WM_TEMPLATE_THUMBS_INDEX" val="1、4、7、12、13、14、15、16、17、18、20、24、25、28、33、36、40、43、44"/>
-</p:tagLst>
-</file>
-
-<file path=ppt/tags/tag67.xml><?xml version="1.0" encoding="utf-8"?>
-<p:tagLst xmlns:p="http://schemas.openxmlformats.org/presentationml/2006/main">
-  <p:tag name="KSO_WM_BEAUTIFY_FLAG" val="#wm#"/>
-  <p:tag name="KSO_WM_TEMPLATE_CATEGORY" val="custom"/>
-  <p:tag name="KSO_WM_TEMPLATE_INDEX" val="20205081"/>
-</p:tagLst>
-</file>
-
-<file path=ppt/tags/tag68.xml><?xml version="1.0" encoding="utf-8"?>
-<p:tagLst xmlns:p="http://schemas.openxmlformats.org/presentationml/2006/main">
-  <p:tag name="KSO_WM_BEAUTIFY_FLAG" val="#wm#"/>
-  <p:tag name="KSO_WM_TEMPLATE_CATEGORY" val="custom"/>
-  <p:tag name="KSO_WM_TEMPLATE_INDEX" val="20205081"/>
-</p:tagLst>
-</file>
-
-<file path=ppt/tags/tag69.xml><?xml version="1.0" encoding="utf-8"?>
-<p:tagLst xmlns:p="http://schemas.openxmlformats.org/presentationml/2006/main">
-  <p:tag name="KSO_WM_BEAUTIFY_FLAG" val="#wm#"/>
-  <p:tag name="KSO_WM_TEMPLATE_CATEGORY" val="custom"/>
-  <p:tag name="KSO_WM_TEMPLATE_INDEX" val="20205081"/>
-</p:tagLst>
-</file>
-
-<file path=ppt/tags/tag7.xml><?xml version="1.0" encoding="utf-8"?>
-<p:tagLst xmlns:p="http://schemas.openxmlformats.org/presentationml/2006/main">
-  <p:tag name="KSO_WM_UNIT_HIGHLIGHT" val="0"/>
-  <p:tag name="KSO_WM_UNIT_COMPATIBLE" val="0"/>
-  <p:tag name="KSO_WM_UNIT_DIAGRAM_ISNUMVISUAL" val="0"/>
-  <p:tag name="KSO_WM_UNIT_DIAGRAM_ISREFERUNIT" val="0"/>
-  <p:tag name="KSO_WM_UNIT_ID" val="_2**"/>
-  <p:tag name="KSO_WM_UNIT_LAYERLEVEL" val="1"/>
-  <p:tag name="KSO_WM_TAG_VERSION" val="1.0"/>
-  <p:tag name="KSO_WM_BEAUTIFY_FLAG" val="#wm#"/>
-</p:tagLst>
-</file>
-
-<file path=ppt/tags/tag70.xml><?xml version="1.0" encoding="utf-8"?>
-<p:tagLst xmlns:p="http://schemas.openxmlformats.org/presentationml/2006/main">
-  <p:tag name="KSO_WM_BEAUTIFY_FLAG" val="#wm#"/>
-  <p:tag name="KSO_WM_TEMPLATE_CATEGORY" val="custom"/>
-  <p:tag name="KSO_WM_TEMPLATE_INDEX" val="20205081"/>
-</p:tagLst>
-</file>
-
-<file path=ppt/tags/tag71.xml><?xml version="1.0" encoding="utf-8"?>
-<p:tagLst xmlns:p="http://schemas.openxmlformats.org/presentationml/2006/main">
-  <p:tag name="KSO_WM_BEAUTIFY_FLAG" val="#wm#"/>
-  <p:tag name="KSO_WM_TEMPLATE_CATEGORY" val="custom"/>
-  <p:tag name="KSO_WM_TEMPLATE_INDEX" val="20205081"/>
-</p:tagLst>
-</file>
-
-<file path=ppt/tags/tag72.xml><?xml version="1.0" encoding="utf-8"?>
-<p:tagLst xmlns:p="http://schemas.openxmlformats.org/presentationml/2006/main">
-  <p:tag name="resource_record_key" val="{&quot;13&quot;:[4364915,4364884],&quot;65&quot;:[20205081]}"/>
-</p:tagLst>
-</file>
-
-<file path=ppt/tags/tag8.xml><?xml version="1.0" encoding="utf-8"?>
-<p:tagLst xmlns:p="http://schemas.openxmlformats.org/presentationml/2006/main">
-  <p:tag name="KSO_WM_UNIT_HIGHLIGHT" val="0"/>
-  <p:tag name="KSO_WM_UNIT_COMPATIBLE" val="0"/>
-  <p:tag name="KSO_WM_UNIT_DIAGRAM_ISNUMVISUAL" val="0"/>
-  <p:tag name="KSO_WM_UNIT_DIAGRAM_ISREFERUNIT" val="0"/>
-  <p:tag name="KSO_WM_UNIT_ID" val="_2**"/>
-  <p:tag name="KSO_WM_UNIT_LAYERLEVEL" val="1"/>
-  <p:tag name="KSO_WM_TAG_VERSION" val="1.0"/>
-  <p:tag name="KSO_WM_BEAUTIFY_FLAG" val="#wm#"/>
-</p:tagLst>
-</file>
-
-<file path=ppt/tags/tag9.xml><?xml version="1.0" encoding="utf-8"?>
-<p:tagLst xmlns:p="http://schemas.openxmlformats.org/presentationml/2006/main">
-  <p:tag name="KSO_WM_UNIT_HIGHLIGHT" val="0"/>
-  <p:tag name="KSO_WM_UNIT_COMPATIBLE" val="0"/>
-  <p:tag name="KSO_WM_UNIT_DIAGRAM_ISNUMVISUAL" val="0"/>
-  <p:tag name="KSO_WM_UNIT_DIAGRAM_ISREFERUNIT" val="0"/>
-  <p:tag name="KSO_WM_UNIT_ID" val="_2**"/>
-  <p:tag name="KSO_WM_UNIT_LAYERLEVEL" val="1"/>
-  <p:tag name="KSO_WM_TAG_VERSION" val="1.0"/>
-  <p:tag name="KSO_WM_BEAUTIFY_FLAG" val="#wm#"/>
+</p:tagLst>
+</file>
+
+<file path=ppt/tags/tag90.xml><?xml version="1.0" encoding="utf-8"?>
+<p:tagLst xmlns:p="http://schemas.openxmlformats.org/presentationml/2006/main">
+  <p:tag name="KSO_WM_UNIT_TYPE" val="i"/>
+  <p:tag name="KSO_WM_UNIT_INDEX" val="5"/>
+  <p:tag name="KSO_WM_BEAUTIFY_FLAG" val="#wm#"/>
+  <p:tag name="KSO_WM_TAG_VERSION" val="3.0"/>
+  <p:tag name="KSO_WM_UNIT_ID" val="_3*i*5"/>
+  <p:tag name="KSO_WM_UNIT_ISNUMDGMTITLE" val="0"/>
+  <p:tag name="KSO_WM_UNIT_NOCLEAR" val="0"/>
+  <p:tag name="KSO_WM_UNIT_HIGHLIGHT" val="0"/>
+  <p:tag name="KSO_WM_UNIT_COMPATIBLE" val="0"/>
+  <p:tag name="KSO_WM_UNIT_DIAGRAM_ISNUMVISUAL" val="0"/>
+  <p:tag name="KSO_WM_UNIT_DIAGRAM_ISREFERUNIT" val="0"/>
+  <p:tag name="KSO_WM_UNIT_LAYERLEVEL" val="1"/>
+</p:tagLst>
+</file>
+
+<file path=ppt/tags/tag91.xml><?xml version="1.0" encoding="utf-8"?>
+<p:tagLst xmlns:p="http://schemas.openxmlformats.org/presentationml/2006/main">
+  <p:tag name="KSO_WM_UNIT_TYPE" val="i"/>
+  <p:tag name="KSO_WM_UNIT_INDEX" val="4"/>
+  <p:tag name="KSO_WM_BEAUTIFY_FLAG" val="#wm#"/>
+  <p:tag name="KSO_WM_TAG_VERSION" val="3.0"/>
+  <p:tag name="KSO_WM_UNIT_ID" val="_3*i*4"/>
+  <p:tag name="KSO_WM_UNIT_ISNUMDGMTITLE" val="0"/>
+  <p:tag name="KSO_WM_UNIT_NOCLEAR" val="0"/>
+  <p:tag name="KSO_WM_UNIT_HIGHLIGHT" val="0"/>
+  <p:tag name="KSO_WM_UNIT_COMPATIBLE" val="0"/>
+  <p:tag name="KSO_WM_UNIT_DIAGRAM_ISNUMVISUAL" val="0"/>
+  <p:tag name="KSO_WM_UNIT_DIAGRAM_ISREFERUNIT" val="0"/>
+  <p:tag name="KSO_WM_UNIT_LAYERLEVEL" val="1"/>
+</p:tagLst>
+</file>
+
+<file path=ppt/tags/tag92.xml><?xml version="1.0" encoding="utf-8"?>
+<p:tagLst xmlns:p="http://schemas.openxmlformats.org/presentationml/2006/main">
+  <p:tag name="KSO_WM_UNIT_TYPE" val="i"/>
+  <p:tag name="KSO_WM_UNIT_INDEX" val="1"/>
+  <p:tag name="KSO_WM_BEAUTIFY_FLAG" val="#wm#"/>
+  <p:tag name="KSO_WM_TAG_VERSION" val="3.0"/>
+  <p:tag name="KSO_WM_UNIT_ID" val="_4*i*1"/>
+  <p:tag name="KSO_WM_UNIT_ISNUMDGMTITLE" val="0"/>
+  <p:tag name="KSO_WM_UNIT_NOCLEAR" val="0"/>
+  <p:tag name="KSO_WM_UNIT_HIGHLIGHT" val="0"/>
+  <p:tag name="KSO_WM_UNIT_COMPATIBLE" val="0"/>
+  <p:tag name="KSO_WM_UNIT_DIAGRAM_ISNUMVISUAL" val="0"/>
+  <p:tag name="KSO_WM_UNIT_DIAGRAM_ISREFERUNIT" val="0"/>
+  <p:tag name="KSO_WM_UNIT_LAYERLEVEL" val="1"/>
+</p:tagLst>
+</file>
+
+<file path=ppt/tags/tag93.xml><?xml version="1.0" encoding="utf-8"?>
+<p:tagLst xmlns:p="http://schemas.openxmlformats.org/presentationml/2006/main">
+  <p:tag name="KSO_WM_UNIT_TYPE" val="i"/>
+  <p:tag name="KSO_WM_UNIT_INDEX" val="2"/>
+  <p:tag name="KSO_WM_BEAUTIFY_FLAG" val="#wm#"/>
+  <p:tag name="KSO_WM_TAG_VERSION" val="3.0"/>
+  <p:tag name="KSO_WM_UNIT_ID" val="_4*i*2"/>
+  <p:tag name="KSO_WM_UNIT_ISNUMDGMTITLE" val="0"/>
+  <p:tag name="KSO_WM_UNIT_NOCLEAR" val="0"/>
+  <p:tag name="KSO_WM_UNIT_HIGHLIGHT" val="0"/>
+  <p:tag name="KSO_WM_UNIT_COMPATIBLE" val="0"/>
+  <p:tag name="KSO_WM_UNIT_DIAGRAM_ISNUMVISUAL" val="0"/>
+  <p:tag name="KSO_WM_UNIT_DIAGRAM_ISREFERUNIT" val="0"/>
+  <p:tag name="KSO_WM_UNIT_LAYERLEVEL" val="1"/>
+</p:tagLst>
+</file>
+
+<file path=ppt/tags/tag94.xml><?xml version="1.0" encoding="utf-8"?>
+<p:tagLst xmlns:p="http://schemas.openxmlformats.org/presentationml/2006/main">
+  <p:tag name="KSO_WM_UNIT_TYPE" val="i"/>
+  <p:tag name="KSO_WM_UNIT_INDEX" val="3"/>
+  <p:tag name="KSO_WM_BEAUTIFY_FLAG" val="#wm#"/>
+  <p:tag name="KSO_WM_TAG_VERSION" val="3.0"/>
+  <p:tag name="KSO_WM_UNIT_ID" val="_4*i*3"/>
+  <p:tag name="KSO_WM_UNIT_ISNUMDGMTITLE" val="0"/>
+  <p:tag name="KSO_WM_UNIT_NOCLEAR" val="0"/>
+  <p:tag name="KSO_WM_UNIT_HIGHLIGHT" val="0"/>
+  <p:tag name="KSO_WM_UNIT_COMPATIBLE" val="0"/>
+  <p:tag name="KSO_WM_UNIT_DIAGRAM_ISNUMVISUAL" val="0"/>
+  <p:tag name="KSO_WM_UNIT_DIAGRAM_ISREFERUNIT" val="0"/>
+  <p:tag name="KSO_WM_UNIT_LAYERLEVEL" val="1"/>
+</p:tagLst>
+</file>
+
+<file path=ppt/tags/tag95.xml><?xml version="1.0" encoding="utf-8"?>
+<p:tagLst xmlns:p="http://schemas.openxmlformats.org/presentationml/2006/main">
+  <p:tag name="KSO_WM_UNIT_ID" val="_4**"/>
+  <p:tag name="KSO_WM_BEAUTIFY_FLAG" val="#wm#"/>
+  <p:tag name="KSO_WM_TAG_VERSION" val="3.0"/>
+  <p:tag name="KSO_WM_UNIT_ISNUMDGMTITLE" val="0"/>
+  <p:tag name="KSO_WM_UNIT_NOCLEAR" val="0"/>
+  <p:tag name="KSO_WM_UNIT_HIGHLIGHT" val="0"/>
+  <p:tag name="KSO_WM_UNIT_COMPATIBLE" val="0"/>
+  <p:tag name="KSO_WM_UNIT_DIAGRAM_ISNUMVISUAL" val="0"/>
+  <p:tag name="KSO_WM_UNIT_DIAGRAM_ISREFERUNIT" val="0"/>
+  <p:tag name="KSO_WM_UNIT_LAYERLEVEL" val="1"/>
+</p:tagLst>
+</file>
+
+<file path=ppt/tags/tag96.xml><?xml version="1.0" encoding="utf-8"?>
+<p:tagLst xmlns:p="http://schemas.openxmlformats.org/presentationml/2006/main">
+  <p:tag name="KSO_WM_UNIT_ID" val="_4**"/>
+  <p:tag name="KSO_WM_BEAUTIFY_FLAG" val="#wm#"/>
+  <p:tag name="KSO_WM_TAG_VERSION" val="3.0"/>
+  <p:tag name="KSO_WM_UNIT_ISNUMDGMTITLE" val="0"/>
+  <p:tag name="KSO_WM_UNIT_NOCLEAR" val="0"/>
+  <p:tag name="KSO_WM_UNIT_HIGHLIGHT" val="0"/>
+  <p:tag name="KSO_WM_UNIT_COMPATIBLE" val="0"/>
+  <p:tag name="KSO_WM_UNIT_DIAGRAM_ISNUMVISUAL" val="0"/>
+  <p:tag name="KSO_WM_UNIT_DIAGRAM_ISREFERUNIT" val="0"/>
+  <p:tag name="KSO_WM_UNIT_LAYERLEVEL" val="1"/>
+</p:tagLst>
+</file>
+
+<file path=ppt/tags/tag97.xml><?xml version="1.0" encoding="utf-8"?>
+<p:tagLst xmlns:p="http://schemas.openxmlformats.org/presentationml/2006/main">
+  <p:tag name="KSO_WM_UNIT_ID" val="_4**"/>
+  <p:tag name="KSO_WM_BEAUTIFY_FLAG" val="#wm#"/>
+  <p:tag name="KSO_WM_TAG_VERSION" val="3.0"/>
+  <p:tag name="KSO_WM_UNIT_ISNUMDGMTITLE" val="0"/>
+  <p:tag name="KSO_WM_UNIT_NOCLEAR" val="0"/>
+  <p:tag name="KSO_WM_UNIT_HIGHLIGHT" val="0"/>
+  <p:tag name="KSO_WM_UNIT_COMPATIBLE" val="0"/>
+  <p:tag name="KSO_WM_UNIT_DIAGRAM_ISNUMVISUAL" val="0"/>
+  <p:tag name="KSO_WM_UNIT_DIAGRAM_ISREFERUNIT" val="0"/>
+  <p:tag name="KSO_WM_UNIT_LAYERLEVEL" val="1"/>
+</p:tagLst>
+</file>
+
+<file path=ppt/tags/tag98.xml><?xml version="1.0" encoding="utf-8"?>
+<p:tagLst xmlns:p="http://schemas.openxmlformats.org/presentationml/2006/main">
+  <p:tag name="KSO_WM_UNIT_TYPE" val="i"/>
+  <p:tag name="KSO_WM_UNIT_INDEX" val="7"/>
+  <p:tag name="KSO_WM_BEAUTIFY_FLAG" val="#wm#"/>
+  <p:tag name="KSO_WM_TAG_VERSION" val="3.0"/>
+  <p:tag name="KSO_WM_UNIT_ID" val="_4*i*7"/>
+  <p:tag name="KSO_WM_UNIT_ISNUMDGMTITLE" val="0"/>
+  <p:tag name="KSO_WM_UNIT_NOCLEAR" val="0"/>
+  <p:tag name="KSO_WM_UNIT_HIGHLIGHT" val="0"/>
+  <p:tag name="KSO_WM_UNIT_COMPATIBLE" val="0"/>
+  <p:tag name="KSO_WM_UNIT_DIAGRAM_ISNUMVISUAL" val="0"/>
+  <p:tag name="KSO_WM_UNIT_DIAGRAM_ISREFERUNIT" val="0"/>
+  <p:tag name="KSO_WM_UNIT_LAYERLEVEL" val="1"/>
+</p:tagLst>
+</file>
+
+<file path=ppt/tags/tag99.xml><?xml version="1.0" encoding="utf-8"?>
+<p:tagLst xmlns:p="http://schemas.openxmlformats.org/presentationml/2006/main">
+  <p:tag name="KSO_WM_UNIT_TYPE" val="i"/>
+  <p:tag name="KSO_WM_UNIT_INDEX" val="9"/>
+  <p:tag name="KSO_WM_BEAUTIFY_FLAG" val="#wm#"/>
+  <p:tag name="KSO_WM_TAG_VERSION" val="3.0"/>
+  <p:tag name="KSO_WM_UNIT_ID" val="_4*i*9"/>
+  <p:tag name="KSO_WM_UNIT_ISNUMDGMTITLE" val="0"/>
+  <p:tag name="KSO_WM_UNIT_NOCLEAR" val="0"/>
+  <p:tag name="KSO_WM_UNIT_HIGHLIGHT" val="0"/>
+  <p:tag name="KSO_WM_UNIT_COMPATIBLE" val="0"/>
+  <p:tag name="KSO_WM_UNIT_DIAGRAM_ISNUMVISUAL" val="0"/>
+  <p:tag name="KSO_WM_UNIT_DIAGRAM_ISREFERUNIT" val="0"/>
+  <p:tag name="KSO_WM_UNIT_LAYERLEVEL" val="1"/>
 </p:tagLst>
 </file>
 
@@ -4722,4 +13469,203 @@
     </a:ext>
   </a:extLst>
 </a:theme>
+</file>
+
+<file path=ppt/theme/theme2.xml><?xml version="1.0" encoding="utf-8"?>
+<a:theme xmlns:a="http://schemas.openxmlformats.org/drawingml/2006/main" name="科技风璀璨蓝星通用模板">
+  <a:themeElements>
+    <a:clrScheme name="科技风蓝绿色通用">
+      <a:dk1>
+        <a:srgbClr val="000000"/>
+      </a:dk1>
+      <a:lt1>
+        <a:srgbClr val="FFFFFF"/>
+      </a:lt1>
+      <a:dk2>
+        <a:srgbClr val="003435"/>
+      </a:dk2>
+      <a:lt2>
+        <a:srgbClr val="F4FFFF"/>
+      </a:lt2>
+      <a:accent1>
+        <a:srgbClr val="03DBD9"/>
+      </a:accent1>
+      <a:accent2>
+        <a:srgbClr val="00B0F0"/>
+      </a:accent2>
+      <a:accent3>
+        <a:srgbClr val="7FBD5D"/>
+      </a:accent3>
+      <a:accent4>
+        <a:srgbClr val="FFC000"/>
+      </a:accent4>
+      <a:accent5>
+        <a:srgbClr val="FA7F79"/>
+      </a:accent5>
+      <a:accent6>
+        <a:srgbClr val="9B67D1"/>
+      </a:accent6>
+      <a:hlink>
+        <a:srgbClr val="4472C4"/>
+      </a:hlink>
+      <a:folHlink>
+        <a:srgbClr val="BFBFBF"/>
+      </a:folHlink>
+    </a:clrScheme>
+    <a:fontScheme name="主题字体">
+      <a:majorFont>
+        <a:latin typeface="Arial"/>
+        <a:ea typeface="微软雅黑"/>
+        <a:cs typeface=""/>
+      </a:majorFont>
+      <a:minorFont>
+        <a:latin typeface="Arial"/>
+        <a:ea typeface="微软雅黑"/>
+        <a:cs typeface=""/>
+      </a:minorFont>
+    </a:fontScheme>
+    <a:fmtScheme name="Office">
+      <a:fillStyleLst>
+        <a:solidFill>
+          <a:schemeClr val="phClr"/>
+        </a:solidFill>
+        <a:gradFill rotWithShape="1">
+          <a:gsLst>
+            <a:gs pos="0">
+              <a:schemeClr val="phClr">
+                <a:lumMod val="110000"/>
+                <a:satMod val="105000"/>
+                <a:tint val="67000"/>
+              </a:schemeClr>
+            </a:gs>
+            <a:gs pos="50000">
+              <a:schemeClr val="phClr">
+                <a:lumMod val="105000"/>
+                <a:satMod val="103000"/>
+                <a:tint val="73000"/>
+              </a:schemeClr>
+            </a:gs>
+            <a:gs pos="100000">
+              <a:schemeClr val="phClr">
+                <a:lumMod val="105000"/>
+                <a:satMod val="109000"/>
+                <a:tint val="81000"/>
+              </a:schemeClr>
+            </a:gs>
+          </a:gsLst>
+          <a:lin ang="5400000" scaled="0"/>
+        </a:gradFill>
+        <a:gradFill rotWithShape="1">
+          <a:gsLst>
+            <a:gs pos="0">
+              <a:schemeClr val="phClr">
+                <a:satMod val="103000"/>
+                <a:lumMod val="102000"/>
+                <a:tint val="94000"/>
+              </a:schemeClr>
+            </a:gs>
+            <a:gs pos="50000">
+              <a:schemeClr val="phClr">
+                <a:satMod val="110000"/>
+                <a:lumMod val="100000"/>
+                <a:shade val="100000"/>
+              </a:schemeClr>
+            </a:gs>
+            <a:gs pos="100000">
+              <a:schemeClr val="phClr">
+                <a:lumMod val="99000"/>
+                <a:satMod val="120000"/>
+                <a:shade val="78000"/>
+              </a:schemeClr>
+            </a:gs>
+          </a:gsLst>
+          <a:lin ang="5400000" scaled="0"/>
+        </a:gradFill>
+      </a:fillStyleLst>
+      <a:lnStyleLst>
+        <a:ln w="6350" cap="flat" cmpd="sng" algn="ctr">
+          <a:solidFill>
+            <a:schemeClr val="phClr"/>
+          </a:solidFill>
+          <a:prstDash val="solid"/>
+          <a:miter lim="800000"/>
+        </a:ln>
+        <a:ln w="12700" cap="flat" cmpd="sng" algn="ctr">
+          <a:solidFill>
+            <a:schemeClr val="phClr"/>
+          </a:solidFill>
+          <a:prstDash val="solid"/>
+          <a:miter lim="800000"/>
+        </a:ln>
+        <a:ln w="19050" cap="flat" cmpd="sng" algn="ctr">
+          <a:solidFill>
+            <a:schemeClr val="phClr"/>
+          </a:solidFill>
+          <a:prstDash val="solid"/>
+          <a:miter lim="800000"/>
+        </a:ln>
+      </a:lnStyleLst>
+      <a:effectStyleLst>
+        <a:effectStyle>
+          <a:effectLst/>
+        </a:effectStyle>
+        <a:effectStyle>
+          <a:effectLst/>
+        </a:effectStyle>
+        <a:effectStyle>
+          <a:effectLst>
+            <a:outerShdw blurRad="57150" dist="19050" dir="5400000" algn="ctr" rotWithShape="0">
+              <a:srgbClr val="000000">
+                <a:alpha val="63000"/>
+              </a:srgbClr>
+            </a:outerShdw>
+          </a:effectLst>
+        </a:effectStyle>
+      </a:effectStyleLst>
+      <a:bgFillStyleLst>
+        <a:solidFill>
+          <a:schemeClr val="phClr"/>
+        </a:solidFill>
+        <a:solidFill>
+          <a:schemeClr val="phClr">
+            <a:tint val="95000"/>
+            <a:satMod val="170000"/>
+          </a:schemeClr>
+        </a:solidFill>
+        <a:gradFill rotWithShape="1">
+          <a:gsLst>
+            <a:gs pos="0">
+              <a:schemeClr val="phClr">
+                <a:tint val="93000"/>
+                <a:satMod val="150000"/>
+                <a:shade val="98000"/>
+                <a:lumMod val="102000"/>
+              </a:schemeClr>
+            </a:gs>
+            <a:gs pos="50000">
+              <a:schemeClr val="phClr">
+                <a:tint val="98000"/>
+                <a:satMod val="130000"/>
+                <a:shade val="90000"/>
+                <a:lumMod val="103000"/>
+              </a:schemeClr>
+            </a:gs>
+            <a:gs pos="100000">
+              <a:schemeClr val="phClr">
+                <a:shade val="63000"/>
+                <a:satMod val="120000"/>
+              </a:schemeClr>
+            </a:gs>
+          </a:gsLst>
+          <a:lin ang="5400000" scaled="0"/>
+        </a:gradFill>
+      </a:bgFillStyleLst>
+    </a:fmtScheme>
+  </a:themeElements>
+  <a:extLst>
+    <a:ext uri="{05A4C25C-085E-4340-85A3-A5531E510DB2}">
+      <thm15:themeFamily xmlns:thm15="http://schemas.microsoft.com/office/thememl/2012/main" name="Office Theme" id="{62F939B6-93AF-4DB8-9C6B-D6C7DFDC589F}" vid="{4A3C46E8-61CC-4603-A589-7422A47A8E4A}"/>
+    </a:ext>
+  </a:extLst>
+</a:theme>
 </file>
--- a/Helldive Waffenauswahl Hilfssystem.pptx
+++ b/Helldive Waffenauswahl Hilfssystem.pptx
@@ -10381,22 +10381,10 @@
         <p:txBody>
           <a:bodyPr/>
           <a:p>
-            <a:r>
-              <a:rPr lang="zh-CN" altLang="en-US"/>
-              <a:t>各种</a:t>
-            </a:r>
-            <a:r>
-              <a:rPr lang="zh-CN" altLang="en-US"/>
-              <a:t>敌人的照片</a:t>
-            </a:r>
-            <a:endParaRPr lang="zh-CN" altLang="en-US"/>
-          </a:p>
-          <a:p>
-            <a:r>
-              <a:rPr lang="zh-CN" altLang="en-US"/>
-              <a:t>还有各种武器的照片</a:t>
-            </a:r>
-            <a:endParaRPr lang="zh-CN" altLang="en-US"/>
+            <a:endParaRPr lang="en-US" altLang="zh-CN"/>
+          </a:p>
+          <a:p>
+            <a:endParaRPr lang="en-US" altLang="zh-CN"/>
           </a:p>
           <a:p>
             <a:r>
@@ -10477,7 +10465,7 @@
         </p:blipFill>
         <p:spPr>
           <a:xfrm>
-            <a:off x="7777480" y="1080135"/>
+            <a:off x="8223250" y="1573530"/>
             <a:ext cx="2559050" cy="2622550"/>
           </a:xfrm>
           <a:prstGeom prst="rect">
@@ -10501,7 +10489,7 @@
         </p:blipFill>
         <p:spPr>
           <a:xfrm>
-            <a:off x="9573895" y="2023110"/>
+            <a:off x="9922510" y="3086100"/>
             <a:ext cx="1428115" cy="2662555"/>
           </a:xfrm>
           <a:prstGeom prst="rect">
@@ -10525,8 +10513,200 @@
         </p:blipFill>
         <p:spPr>
           <a:xfrm>
-            <a:off x="6687185" y="2023110"/>
+            <a:off x="6863080" y="3221990"/>
             <a:ext cx="2654300" cy="2628900"/>
+          </a:xfrm>
+          <a:prstGeom prst="rect">
+            <a:avLst/>
+          </a:prstGeom>
+        </p:spPr>
+      </p:pic>
+      <p:pic>
+        <p:nvPicPr>
+          <p:cNvPr id="7" name="图片 6" descr="stalwart"/>
+          <p:cNvPicPr>
+            <a:picLocks noChangeAspect="1"/>
+          </p:cNvPicPr>
+          <p:nvPr/>
+        </p:nvPicPr>
+        <p:blipFill>
+          <a:blip r:embed="rId4"/>
+          <a:stretch>
+            <a:fillRect/>
+          </a:stretch>
+        </p:blipFill>
+        <p:spPr>
+          <a:xfrm>
+            <a:off x="1550670" y="5233035"/>
+            <a:ext cx="1485900" cy="1460500"/>
+          </a:xfrm>
+          <a:prstGeom prst="rect">
+            <a:avLst/>
+          </a:prstGeom>
+        </p:spPr>
+      </p:pic>
+      <p:pic>
+        <p:nvPicPr>
+          <p:cNvPr id="8" name="图片 7" descr="recoiless"/>
+          <p:cNvPicPr>
+            <a:picLocks noChangeAspect="1"/>
+          </p:cNvPicPr>
+          <p:nvPr/>
+        </p:nvPicPr>
+        <p:blipFill>
+          <a:blip r:embed="rId5"/>
+          <a:stretch>
+            <a:fillRect/>
+          </a:stretch>
+        </p:blipFill>
+        <p:spPr>
+          <a:xfrm>
+            <a:off x="2829560" y="5226685"/>
+            <a:ext cx="1517650" cy="1466850"/>
+          </a:xfrm>
+          <a:prstGeom prst="rect">
+            <a:avLst/>
+          </a:prstGeom>
+        </p:spPr>
+      </p:pic>
+      <p:pic>
+        <p:nvPicPr>
+          <p:cNvPr id="9" name="图片 8" descr="quasar"/>
+          <p:cNvPicPr>
+            <a:picLocks noChangeAspect="1"/>
+          </p:cNvPicPr>
+          <p:nvPr/>
+        </p:nvPicPr>
+        <p:blipFill>
+          <a:blip r:embed="rId6"/>
+          <a:stretch>
+            <a:fillRect/>
+          </a:stretch>
+        </p:blipFill>
+        <p:spPr>
+          <a:xfrm>
+            <a:off x="251460" y="5300345"/>
+            <a:ext cx="1492250" cy="1473200"/>
+          </a:xfrm>
+          <a:prstGeom prst="rect">
+            <a:avLst/>
+          </a:prstGeom>
+        </p:spPr>
+      </p:pic>
+      <p:pic>
+        <p:nvPicPr>
+          <p:cNvPr id="10" name="图片 9" descr="bomb500"/>
+          <p:cNvPicPr>
+            <a:picLocks noChangeAspect="1"/>
+          </p:cNvPicPr>
+          <p:nvPr/>
+        </p:nvPicPr>
+        <p:blipFill>
+          <a:blip r:embed="rId7"/>
+          <a:stretch>
+            <a:fillRect/>
+          </a:stretch>
+        </p:blipFill>
+        <p:spPr>
+          <a:xfrm>
+            <a:off x="4347210" y="1241425"/>
+            <a:ext cx="800100" cy="733425"/>
+          </a:xfrm>
+          <a:prstGeom prst="rect">
+            <a:avLst/>
+          </a:prstGeom>
+        </p:spPr>
+      </p:pic>
+      <p:pic>
+        <p:nvPicPr>
+          <p:cNvPr id="11" name="图片 10" descr="Adler-Tieffliegerangriff"/>
+          <p:cNvPicPr>
+            <a:picLocks noChangeAspect="1"/>
+          </p:cNvPicPr>
+          <p:nvPr/>
+        </p:nvPicPr>
+        <p:blipFill>
+          <a:blip r:embed="rId8"/>
+          <a:stretch>
+            <a:fillRect/>
+          </a:stretch>
+        </p:blipFill>
+        <p:spPr>
+          <a:xfrm>
+            <a:off x="4359275" y="1964690"/>
+            <a:ext cx="788035" cy="769620"/>
+          </a:xfrm>
+          <a:prstGeom prst="rect">
+            <a:avLst/>
+          </a:prstGeom>
+        </p:spPr>
+      </p:pic>
+      <p:pic>
+        <p:nvPicPr>
+          <p:cNvPr id="12" name="图片 11" descr="OrbitalLaser"/>
+          <p:cNvPicPr>
+            <a:picLocks noChangeAspect="1"/>
+          </p:cNvPicPr>
+          <p:nvPr/>
+        </p:nvPicPr>
+        <p:blipFill>
+          <a:blip r:embed="rId9"/>
+          <a:stretch>
+            <a:fillRect/>
+          </a:stretch>
+        </p:blipFill>
+        <p:spPr>
+          <a:xfrm>
+            <a:off x="5502275" y="2863215"/>
+            <a:ext cx="539750" cy="482600"/>
+          </a:xfrm>
+          <a:prstGeom prst="rect">
+            <a:avLst/>
+          </a:prstGeom>
+        </p:spPr>
+      </p:pic>
+      <p:pic>
+        <p:nvPicPr>
+          <p:cNvPr id="13" name="图片 12" descr="napalm"/>
+          <p:cNvPicPr>
+            <a:picLocks noChangeAspect="1"/>
+          </p:cNvPicPr>
+          <p:nvPr/>
+        </p:nvPicPr>
+        <p:blipFill>
+          <a:blip r:embed="rId10"/>
+          <a:stretch>
+            <a:fillRect/>
+          </a:stretch>
+        </p:blipFill>
+        <p:spPr>
+          <a:xfrm>
+            <a:off x="5502275" y="2309495"/>
+            <a:ext cx="527050" cy="476250"/>
+          </a:xfrm>
+          <a:prstGeom prst="rect">
+            <a:avLst/>
+          </a:prstGeom>
+        </p:spPr>
+      </p:pic>
+      <p:pic>
+        <p:nvPicPr>
+          <p:cNvPr id="14" name="图片 13" descr="gas"/>
+          <p:cNvPicPr>
+            <a:picLocks noChangeAspect="1"/>
+          </p:cNvPicPr>
+          <p:nvPr/>
+        </p:nvPicPr>
+        <p:blipFill>
+          <a:blip r:embed="rId11"/>
+          <a:stretch>
+            <a:fillRect/>
+          </a:stretch>
+        </p:blipFill>
+        <p:spPr>
+          <a:xfrm>
+            <a:off x="5457825" y="3345815"/>
+            <a:ext cx="584200" cy="501650"/>
           </a:xfrm>
           <a:prstGeom prst="rect">
             <a:avLst/>
